--- a/doc/Final Presentation - Project.pptx
+++ b/doc/Final Presentation - Project.pptx
@@ -6,11 +6,11 @@
   </p:sldMasterIdLst>
   <p:sldIdLst>
     <p:sldId id="256" r:id="rId6"/>
-    <p:sldId id="270" r:id="rId7"/>
-    <p:sldId id="257" r:id="rId8"/>
+    <p:sldId id="257" r:id="rId7"/>
+    <p:sldId id="270" r:id="rId8"/>
     <p:sldId id="267" r:id="rId9"/>
     <p:sldId id="265" r:id="rId10"/>
-    <p:sldId id="268" r:id="rId11"/>
+    <p:sldId id="271" r:id="rId11"/>
     <p:sldId id="269" r:id="rId12"/>
     <p:sldId id="260" r:id="rId13"/>
   </p:sldIdLst>
@@ -122,7 +122,10 @@
 <file path=ppt/revisionInfo.xml><?xml version="1.0" encoding="utf-8"?>
 <p1510:revInfo xmlns:a="http://schemas.openxmlformats.org/drawingml/2006/main" xmlns:r="http://schemas.openxmlformats.org/officeDocument/2006/relationships" xmlns:p1510="http://schemas.microsoft.com/office/powerpoint/2015/10/main">
   <p1510:revLst>
+    <p1510:client id="{1E14994C-D0E2-4020-A4B7-46E9582640BB}" v="331" dt="2024-05-20T21:01:00.760"/>
+    <p1510:client id="{1EB54B21-62D8-4672-B878-B9072B4D21B7}" v="29" dt="2024-05-20T21:35:22.825"/>
     <p1510:client id="{530C6B5C-9BFB-4832-94D2-15196166BE06}" v="22" dt="2024-05-20T06:41:55.225"/>
+    <p1510:client id="{F6C581F1-41D9-447C-BCDC-DBA4D2F3E5A8}" v="271" dt="2024-05-20T21:29:07.850"/>
   </p1510:revLst>
 </p1510:revInfo>
 </file>
@@ -574,6 +577,233 @@
     </pc:docChg>
   </pc:docChgLst>
   <pc:docChgLst>
+    <pc:chgData name="LAZREG Mehdi" userId="S::mehdi.lazreg@edu.devinci.fr::9a6f43fa-4406-4f8c-8a9f-6a6c2418bdff" providerId="AD" clId="Web-{F6C581F1-41D9-447C-BCDC-DBA4D2F3E5A8}"/>
+    <pc:docChg chg="modSld">
+      <pc:chgData name="LAZREG Mehdi" userId="S::mehdi.lazreg@edu.devinci.fr::9a6f43fa-4406-4f8c-8a9f-6a6c2418bdff" providerId="AD" clId="Web-{F6C581F1-41D9-447C-BCDC-DBA4D2F3E5A8}" dt="2024-05-20T21:29:07.850" v="277" actId="1076"/>
+      <pc:docMkLst>
+        <pc:docMk/>
+      </pc:docMkLst>
+      <pc:sldChg chg="addSp delSp modSp mod setBg">
+        <pc:chgData name="LAZREG Mehdi" userId="S::mehdi.lazreg@edu.devinci.fr::9a6f43fa-4406-4f8c-8a9f-6a6c2418bdff" providerId="AD" clId="Web-{F6C581F1-41D9-447C-BCDC-DBA4D2F3E5A8}" dt="2024-05-20T21:07:47.072" v="80" actId="1076"/>
+        <pc:sldMkLst>
+          <pc:docMk/>
+          <pc:sldMk cId="3784089036" sldId="256"/>
+        </pc:sldMkLst>
+        <pc:spChg chg="mod">
+          <ac:chgData name="LAZREG Mehdi" userId="S::mehdi.lazreg@edu.devinci.fr::9a6f43fa-4406-4f8c-8a9f-6a6c2418bdff" providerId="AD" clId="Web-{F6C581F1-41D9-447C-BCDC-DBA4D2F3E5A8}" dt="2024-05-20T21:07:47.072" v="80" actId="1076"/>
+          <ac:spMkLst>
+            <pc:docMk/>
+            <pc:sldMk cId="3784089036" sldId="256"/>
+            <ac:spMk id="3" creationId="{00000000-0000-0000-0000-000000000000}"/>
+          </ac:spMkLst>
+        </pc:spChg>
+        <pc:spChg chg="add mod ord">
+          <ac:chgData name="LAZREG Mehdi" userId="S::mehdi.lazreg@edu.devinci.fr::9a6f43fa-4406-4f8c-8a9f-6a6c2418bdff" providerId="AD" clId="Web-{F6C581F1-41D9-447C-BCDC-DBA4D2F3E5A8}" dt="2024-05-20T21:03:56.337" v="16"/>
+          <ac:spMkLst>
+            <pc:docMk/>
+            <pc:sldMk cId="3784089036" sldId="256"/>
+            <ac:spMk id="7" creationId="{E9F1C4DA-C505-7B31-87D7-903F7EBE65A5}"/>
+          </ac:spMkLst>
+        </pc:spChg>
+        <pc:spChg chg="add mod">
+          <ac:chgData name="LAZREG Mehdi" userId="S::mehdi.lazreg@edu.devinci.fr::9a6f43fa-4406-4f8c-8a9f-6a6c2418bdff" providerId="AD" clId="Web-{F6C581F1-41D9-447C-BCDC-DBA4D2F3E5A8}" dt="2024-05-20T21:06:02.018" v="61" actId="1076"/>
+          <ac:spMkLst>
+            <pc:docMk/>
+            <pc:sldMk cId="3784089036" sldId="256"/>
+            <ac:spMk id="8" creationId="{870ED200-96A1-0952-2658-D9558F1C345E}"/>
+          </ac:spMkLst>
+        </pc:spChg>
+        <pc:spChg chg="add mod ord">
+          <ac:chgData name="LAZREG Mehdi" userId="S::mehdi.lazreg@edu.devinci.fr::9a6f43fa-4406-4f8c-8a9f-6a6c2418bdff" providerId="AD" clId="Web-{F6C581F1-41D9-447C-BCDC-DBA4D2F3E5A8}" dt="2024-05-20T21:07:29.024" v="79" actId="14100"/>
+          <ac:spMkLst>
+            <pc:docMk/>
+            <pc:sldMk cId="3784089036" sldId="256"/>
+            <ac:spMk id="9" creationId="{4F4964E6-757D-C842-1C7C-B27CB752AF1B}"/>
+          </ac:spMkLst>
+        </pc:spChg>
+        <pc:picChg chg="del">
+          <ac:chgData name="LAZREG Mehdi" userId="S::mehdi.lazreg@edu.devinci.fr::9a6f43fa-4406-4f8c-8a9f-6a6c2418bdff" providerId="AD" clId="Web-{F6C581F1-41D9-447C-BCDC-DBA4D2F3E5A8}" dt="2024-05-20T21:02:13.002" v="0"/>
+          <ac:picMkLst>
+            <pc:docMk/>
+            <pc:sldMk cId="3784089036" sldId="256"/>
+            <ac:picMk id="4" creationId="{04F6CC9B-C1AF-EF57-6710-E7399A2F00C0}"/>
+          </ac:picMkLst>
+        </pc:picChg>
+        <pc:picChg chg="add mod">
+          <ac:chgData name="LAZREG Mehdi" userId="S::mehdi.lazreg@edu.devinci.fr::9a6f43fa-4406-4f8c-8a9f-6a6c2418bdff" providerId="AD" clId="Web-{F6C581F1-41D9-447C-BCDC-DBA4D2F3E5A8}" dt="2024-05-20T21:04:49.403" v="28" actId="1076"/>
+          <ac:picMkLst>
+            <pc:docMk/>
+            <pc:sldMk cId="3784089036" sldId="256"/>
+            <ac:picMk id="5" creationId="{10968C48-63A7-D53E-A5BC-549327DDB826}"/>
+          </ac:picMkLst>
+        </pc:picChg>
+      </pc:sldChg>
+      <pc:sldChg chg="addSp modSp">
+        <pc:chgData name="LAZREG Mehdi" userId="S::mehdi.lazreg@edu.devinci.fr::9a6f43fa-4406-4f8c-8a9f-6a6c2418bdff" providerId="AD" clId="Web-{F6C581F1-41D9-447C-BCDC-DBA4D2F3E5A8}" dt="2024-05-20T21:14:21.944" v="128" actId="14100"/>
+        <pc:sldMkLst>
+          <pc:docMk/>
+          <pc:sldMk cId="1114066402" sldId="257"/>
+        </pc:sldMkLst>
+        <pc:spChg chg="mod">
+          <ac:chgData name="LAZREG Mehdi" userId="S::mehdi.lazreg@edu.devinci.fr::9a6f43fa-4406-4f8c-8a9f-6a6c2418bdff" providerId="AD" clId="Web-{F6C581F1-41D9-447C-BCDC-DBA4D2F3E5A8}" dt="2024-05-20T21:14:21.944" v="128" actId="14100"/>
+          <ac:spMkLst>
+            <pc:docMk/>
+            <pc:sldMk cId="1114066402" sldId="257"/>
+            <ac:spMk id="3" creationId="{ED2B8304-F0EF-24E1-D772-F5FBC994348D}"/>
+          </ac:spMkLst>
+        </pc:spChg>
+        <pc:picChg chg="add mod">
+          <ac:chgData name="LAZREG Mehdi" userId="S::mehdi.lazreg@edu.devinci.fr::9a6f43fa-4406-4f8c-8a9f-6a6c2418bdff" providerId="AD" clId="Web-{F6C581F1-41D9-447C-BCDC-DBA4D2F3E5A8}" dt="2024-05-20T21:14:08.021" v="124" actId="1076"/>
+          <ac:picMkLst>
+            <pc:docMk/>
+            <pc:sldMk cId="1114066402" sldId="257"/>
+            <ac:picMk id="4" creationId="{278BFA19-3D97-17FF-2BB4-F4789A107BEB}"/>
+          </ac:picMkLst>
+        </pc:picChg>
+        <pc:picChg chg="mod">
+          <ac:chgData name="LAZREG Mehdi" userId="S::mehdi.lazreg@edu.devinci.fr::9a6f43fa-4406-4f8c-8a9f-6a6c2418bdff" providerId="AD" clId="Web-{F6C581F1-41D9-447C-BCDC-DBA4D2F3E5A8}" dt="2024-05-20T21:14:00.489" v="121" actId="1076"/>
+          <ac:picMkLst>
+            <pc:docMk/>
+            <pc:sldMk cId="1114066402" sldId="257"/>
+            <ac:picMk id="5" creationId="{4903A523-2B22-69FA-949F-195A8175BC8D}"/>
+          </ac:picMkLst>
+        </pc:picChg>
+      </pc:sldChg>
+      <pc:sldChg chg="modSp">
+        <pc:chgData name="LAZREG Mehdi" userId="S::mehdi.lazreg@edu.devinci.fr::9a6f43fa-4406-4f8c-8a9f-6a6c2418bdff" providerId="AD" clId="Web-{F6C581F1-41D9-447C-BCDC-DBA4D2F3E5A8}" dt="2024-05-20T21:26:40.886" v="245"/>
+        <pc:sldMkLst>
+          <pc:docMk/>
+          <pc:sldMk cId="291742287" sldId="265"/>
+        </pc:sldMkLst>
+        <pc:spChg chg="mod">
+          <ac:chgData name="LAZREG Mehdi" userId="S::mehdi.lazreg@edu.devinci.fr::9a6f43fa-4406-4f8c-8a9f-6a6c2418bdff" providerId="AD" clId="Web-{F6C581F1-41D9-447C-BCDC-DBA4D2F3E5A8}" dt="2024-05-20T21:26:40.886" v="245"/>
+          <ac:spMkLst>
+            <pc:docMk/>
+            <pc:sldMk cId="291742287" sldId="265"/>
+            <ac:spMk id="2" creationId="{3EDC45F6-2CC2-EC6E-8C54-FA26E11C3A59}"/>
+          </ac:spMkLst>
+        </pc:spChg>
+        <pc:spChg chg="mod">
+          <ac:chgData name="LAZREG Mehdi" userId="S::mehdi.lazreg@edu.devinci.fr::9a6f43fa-4406-4f8c-8a9f-6a6c2418bdff" providerId="AD" clId="Web-{F6C581F1-41D9-447C-BCDC-DBA4D2F3E5A8}" dt="2024-05-20T21:08:48.170" v="85" actId="20577"/>
+          <ac:spMkLst>
+            <pc:docMk/>
+            <pc:sldMk cId="291742287" sldId="265"/>
+            <ac:spMk id="3" creationId="{3FFE00BC-E39A-CD6D-E4C4-BC62DC39A231}"/>
+          </ac:spMkLst>
+        </pc:spChg>
+        <pc:picChg chg="mod ord">
+          <ac:chgData name="LAZREG Mehdi" userId="S::mehdi.lazreg@edu.devinci.fr::9a6f43fa-4406-4f8c-8a9f-6a6c2418bdff" providerId="AD" clId="Web-{F6C581F1-41D9-447C-BCDC-DBA4D2F3E5A8}" dt="2024-05-20T21:10:26.130" v="102" actId="1076"/>
+          <ac:picMkLst>
+            <pc:docMk/>
+            <pc:sldMk cId="291742287" sldId="265"/>
+            <ac:picMk id="6" creationId="{43FF344D-7CBF-A57C-1C55-C037AFA7E53E}"/>
+          </ac:picMkLst>
+        </pc:picChg>
+        <pc:picChg chg="mod">
+          <ac:chgData name="LAZREG Mehdi" userId="S::mehdi.lazreg@edu.devinci.fr::9a6f43fa-4406-4f8c-8a9f-6a6c2418bdff" providerId="AD" clId="Web-{F6C581F1-41D9-447C-BCDC-DBA4D2F3E5A8}" dt="2024-05-20T21:09:58.629" v="97" actId="1076"/>
+          <ac:picMkLst>
+            <pc:docMk/>
+            <pc:sldMk cId="291742287" sldId="265"/>
+            <ac:picMk id="8" creationId="{D41BA558-467E-22D4-C7E3-F18363E69F5F}"/>
+          </ac:picMkLst>
+        </pc:picChg>
+        <pc:picChg chg="mod">
+          <ac:chgData name="LAZREG Mehdi" userId="S::mehdi.lazreg@edu.devinci.fr::9a6f43fa-4406-4f8c-8a9f-6a6c2418bdff" providerId="AD" clId="Web-{F6C581F1-41D9-447C-BCDC-DBA4D2F3E5A8}" dt="2024-05-20T21:10:30.475" v="105" actId="1076"/>
+          <ac:picMkLst>
+            <pc:docMk/>
+            <pc:sldMk cId="291742287" sldId="265"/>
+            <ac:picMk id="12" creationId="{27340118-A694-0426-9A20-E5727A895224}"/>
+          </ac:picMkLst>
+        </pc:picChg>
+      </pc:sldChg>
+      <pc:sldChg chg="modSp">
+        <pc:chgData name="LAZREG Mehdi" userId="S::mehdi.lazreg@edu.devinci.fr::9a6f43fa-4406-4f8c-8a9f-6a6c2418bdff" providerId="AD" clId="Web-{F6C581F1-41D9-447C-BCDC-DBA4D2F3E5A8}" dt="2024-05-20T21:27:18.483" v="251" actId="20577"/>
+        <pc:sldMkLst>
+          <pc:docMk/>
+          <pc:sldMk cId="1940570141" sldId="267"/>
+        </pc:sldMkLst>
+        <pc:spChg chg="mod">
+          <ac:chgData name="LAZREG Mehdi" userId="S::mehdi.lazreg@edu.devinci.fr::9a6f43fa-4406-4f8c-8a9f-6a6c2418bdff" providerId="AD" clId="Web-{F6C581F1-41D9-447C-BCDC-DBA4D2F3E5A8}" dt="2024-05-20T21:27:18.483" v="251" actId="20577"/>
+          <ac:spMkLst>
+            <pc:docMk/>
+            <pc:sldMk cId="1940570141" sldId="267"/>
+            <ac:spMk id="5" creationId="{0B98D220-B552-FE0A-488E-F561C082DDBD}"/>
+          </ac:spMkLst>
+        </pc:spChg>
+      </pc:sldChg>
+      <pc:sldChg chg="addSp delSp modSp mod setBg">
+        <pc:chgData name="LAZREG Mehdi" userId="S::mehdi.lazreg@edu.devinci.fr::9a6f43fa-4406-4f8c-8a9f-6a6c2418bdff" providerId="AD" clId="Web-{F6C581F1-41D9-447C-BCDC-DBA4D2F3E5A8}" dt="2024-05-20T21:29:07.850" v="277" actId="1076"/>
+        <pc:sldMkLst>
+          <pc:docMk/>
+          <pc:sldMk cId="1255366357" sldId="270"/>
+        </pc:sldMkLst>
+        <pc:spChg chg="mod">
+          <ac:chgData name="LAZREG Mehdi" userId="S::mehdi.lazreg@edu.devinci.fr::9a6f43fa-4406-4f8c-8a9f-6a6c2418bdff" providerId="AD" clId="Web-{F6C581F1-41D9-447C-BCDC-DBA4D2F3E5A8}" dt="2024-05-20T21:26:07.134" v="235" actId="20577"/>
+          <ac:spMkLst>
+            <pc:docMk/>
+            <pc:sldMk cId="1255366357" sldId="270"/>
+            <ac:spMk id="2" creationId="{5BA72D9F-46AA-93C9-34C4-F2162A816D6E}"/>
+          </ac:spMkLst>
+        </pc:spChg>
+        <pc:spChg chg="del mod">
+          <ac:chgData name="LAZREG Mehdi" userId="S::mehdi.lazreg@edu.devinci.fr::9a6f43fa-4406-4f8c-8a9f-6a6c2418bdff" providerId="AD" clId="Web-{F6C581F1-41D9-447C-BCDC-DBA4D2F3E5A8}" dt="2024-05-20T21:22:16.399" v="205"/>
+          <ac:spMkLst>
+            <pc:docMk/>
+            <pc:sldMk cId="1255366357" sldId="270"/>
+            <ac:spMk id="3" creationId="{B6BD0C13-14DA-8BF6-10E4-1E6E9DA1B06A}"/>
+          </ac:spMkLst>
+        </pc:spChg>
+        <pc:spChg chg="add del mod">
+          <ac:chgData name="LAZREG Mehdi" userId="S::mehdi.lazreg@edu.devinci.fr::9a6f43fa-4406-4f8c-8a9f-6a6c2418bdff" providerId="AD" clId="Web-{F6C581F1-41D9-447C-BCDC-DBA4D2F3E5A8}" dt="2024-05-20T21:22:20.665" v="206"/>
+          <ac:spMkLst>
+            <pc:docMk/>
+            <pc:sldMk cId="1255366357" sldId="270"/>
+            <ac:spMk id="330" creationId="{C1470017-865D-38AC-B43D-D1C05B23C346}"/>
+          </ac:spMkLst>
+        </pc:spChg>
+        <pc:spChg chg="add mod ord">
+          <ac:chgData name="LAZREG Mehdi" userId="S::mehdi.lazreg@edu.devinci.fr::9a6f43fa-4406-4f8c-8a9f-6a6c2418bdff" providerId="AD" clId="Web-{F6C581F1-41D9-447C-BCDC-DBA4D2F3E5A8}" dt="2024-05-20T21:28:43.786" v="271"/>
+          <ac:spMkLst>
+            <pc:docMk/>
+            <pc:sldMk cId="1255366357" sldId="270"/>
+            <ac:spMk id="738" creationId="{355162C3-EB73-B81C-90FF-7CC5C4414AFB}"/>
+          </ac:spMkLst>
+        </pc:spChg>
+        <pc:spChg chg="add mod ord">
+          <ac:chgData name="LAZREG Mehdi" userId="S::mehdi.lazreg@edu.devinci.fr::9a6f43fa-4406-4f8c-8a9f-6a6c2418bdff" providerId="AD" clId="Web-{F6C581F1-41D9-447C-BCDC-DBA4D2F3E5A8}" dt="2024-05-20T21:29:07.850" v="277" actId="1076"/>
+          <ac:spMkLst>
+            <pc:docMk/>
+            <pc:sldMk cId="1255366357" sldId="270"/>
+            <ac:spMk id="753" creationId="{D2BACD08-522E-254F-AD41-3850AA8CDE4C}"/>
+          </ac:spMkLst>
+        </pc:spChg>
+        <pc:graphicFrameChg chg="add del mod modGraphic">
+          <ac:chgData name="LAZREG Mehdi" userId="S::mehdi.lazreg@edu.devinci.fr::9a6f43fa-4406-4f8c-8a9f-6a6c2418bdff" providerId="AD" clId="Web-{F6C581F1-41D9-447C-BCDC-DBA4D2F3E5A8}" dt="2024-05-20T21:20:42.908" v="188"/>
+          <ac:graphicFrameMkLst>
+            <pc:docMk/>
+            <pc:sldMk cId="1255366357" sldId="270"/>
+            <ac:graphicFrameMk id="4" creationId="{E9A1795A-5F75-9705-B357-D0687182281F}"/>
+          </ac:graphicFrameMkLst>
+        </pc:graphicFrameChg>
+        <pc:graphicFrameChg chg="add mod modGraphic">
+          <ac:chgData name="LAZREG Mehdi" userId="S::mehdi.lazreg@edu.devinci.fr::9a6f43fa-4406-4f8c-8a9f-6a6c2418bdff" providerId="AD" clId="Web-{F6C581F1-41D9-447C-BCDC-DBA4D2F3E5A8}" dt="2024-05-20T21:29:01.381" v="275" actId="1076"/>
+          <ac:graphicFrameMkLst>
+            <pc:docMk/>
+            <pc:sldMk cId="1255366357" sldId="270"/>
+            <ac:graphicFrameMk id="110" creationId="{1C2075AE-D35E-D2B1-84AE-6EB53155D664}"/>
+          </ac:graphicFrameMkLst>
+        </pc:graphicFrameChg>
+      </pc:sldChg>
+      <pc:sldChg chg="mod setBg">
+        <pc:chgData name="LAZREG Mehdi" userId="S::mehdi.lazreg@edu.devinci.fr::9a6f43fa-4406-4f8c-8a9f-6a6c2418bdff" providerId="AD" clId="Web-{F6C581F1-41D9-447C-BCDC-DBA4D2F3E5A8}" dt="2024-05-20T21:02:43.176" v="8"/>
+        <pc:sldMkLst>
+          <pc:docMk/>
+          <pc:sldMk cId="1737621038" sldId="271"/>
+        </pc:sldMkLst>
+      </pc:sldChg>
+    </pc:docChg>
+  </pc:docChgLst>
+  <pc:docChgLst>
     <pc:chgData name="LAZREG Mehdi" userId="S::mehdi.lazreg@edu.devinci.fr::9a6f43fa-4406-4f8c-8a9f-6a6c2418bdff" providerId="AD" clId="Web-{C959B5EF-1019-4BF8-8C19-9724E56C0A50}"/>
     <pc:docChg chg="addSld modSld sldOrd">
       <pc:chgData name="LAZREG Mehdi" userId="S::mehdi.lazreg@edu.devinci.fr::9a6f43fa-4406-4f8c-8a9f-6a6c2418bdff" providerId="AD" clId="Web-{C959B5EF-1019-4BF8-8C19-9724E56C0A50}" dt="2024-05-12T13:30:10.913" v="35"/>
@@ -982,6 +1212,493 @@
     </pc:docChg>
   </pc:docChgLst>
   <pc:docChgLst>
+    <pc:chgData name="LAZREG Mehdi" userId="S::mehdi.lazreg@edu.devinci.fr::9a6f43fa-4406-4f8c-8a9f-6a6c2418bdff" providerId="AD" clId="Web-{1E14994C-D0E2-4020-A4B7-46E9582640BB}"/>
+    <pc:docChg chg="addSld delSld modSld modMainMaster">
+      <pc:chgData name="LAZREG Mehdi" userId="S::mehdi.lazreg@edu.devinci.fr::9a6f43fa-4406-4f8c-8a9f-6a6c2418bdff" providerId="AD" clId="Web-{1E14994C-D0E2-4020-A4B7-46E9582640BB}" dt="2024-05-20T21:01:00.760" v="290" actId="1076"/>
+      <pc:docMkLst>
+        <pc:docMk/>
+      </pc:docMkLst>
+      <pc:sldChg chg="mod">
+        <pc:chgData name="LAZREG Mehdi" userId="S::mehdi.lazreg@edu.devinci.fr::9a6f43fa-4406-4f8c-8a9f-6a6c2418bdff" providerId="AD" clId="Web-{1E14994C-D0E2-4020-A4B7-46E9582640BB}" dt="2024-05-20T20:40:56.445" v="88"/>
+        <pc:sldMkLst>
+          <pc:docMk/>
+          <pc:sldMk cId="3784089036" sldId="256"/>
+        </pc:sldMkLst>
+      </pc:sldChg>
+      <pc:sldChg chg="addSp delSp modSp mod setBg">
+        <pc:chgData name="LAZREG Mehdi" userId="S::mehdi.lazreg@edu.devinci.fr::9a6f43fa-4406-4f8c-8a9f-6a6c2418bdff" providerId="AD" clId="Web-{1E14994C-D0E2-4020-A4B7-46E9582640BB}" dt="2024-05-20T20:54:02.948" v="226"/>
+        <pc:sldMkLst>
+          <pc:docMk/>
+          <pc:sldMk cId="1114066402" sldId="257"/>
+        </pc:sldMkLst>
+        <pc:spChg chg="mod">
+          <ac:chgData name="LAZREG Mehdi" userId="S::mehdi.lazreg@edu.devinci.fr::9a6f43fa-4406-4f8c-8a9f-6a6c2418bdff" providerId="AD" clId="Web-{1E14994C-D0E2-4020-A4B7-46E9582640BB}" dt="2024-05-20T20:53:42.479" v="221" actId="20577"/>
+          <ac:spMkLst>
+            <pc:docMk/>
+            <pc:sldMk cId="1114066402" sldId="257"/>
+            <ac:spMk id="2" creationId="{EA28FF8B-F0C0-25AB-B7CE-944A979D01FC}"/>
+          </ac:spMkLst>
+        </pc:spChg>
+        <pc:spChg chg="mod">
+          <ac:chgData name="LAZREG Mehdi" userId="S::mehdi.lazreg@edu.devinci.fr::9a6f43fa-4406-4f8c-8a9f-6a6c2418bdff" providerId="AD" clId="Web-{1E14994C-D0E2-4020-A4B7-46E9582640BB}" dt="2024-05-20T20:53:43.182" v="223" actId="20577"/>
+          <ac:spMkLst>
+            <pc:docMk/>
+            <pc:sldMk cId="1114066402" sldId="257"/>
+            <ac:spMk id="3" creationId="{ED2B8304-F0EF-24E1-D772-F5FBC994348D}"/>
+          </ac:spMkLst>
+        </pc:spChg>
+        <pc:spChg chg="add mod ord">
+          <ac:chgData name="LAZREG Mehdi" userId="S::mehdi.lazreg@edu.devinci.fr::9a6f43fa-4406-4f8c-8a9f-6a6c2418bdff" providerId="AD" clId="Web-{1E14994C-D0E2-4020-A4B7-46E9582640BB}" dt="2024-05-20T20:47:17.028" v="135" actId="14100"/>
+          <ac:spMkLst>
+            <pc:docMk/>
+            <pc:sldMk cId="1114066402" sldId="257"/>
+            <ac:spMk id="6" creationId="{F9A54951-41BD-76DA-90E1-83FA571279C6}"/>
+          </ac:spMkLst>
+        </pc:spChg>
+        <pc:spChg chg="del ord">
+          <ac:chgData name="LAZREG Mehdi" userId="S::mehdi.lazreg@edu.devinci.fr::9a6f43fa-4406-4f8c-8a9f-6a6c2418bdff" providerId="AD" clId="Web-{1E14994C-D0E2-4020-A4B7-46E9582640BB}" dt="2024-05-20T20:44:32.472" v="116"/>
+          <ac:spMkLst>
+            <pc:docMk/>
+            <pc:sldMk cId="1114066402" sldId="257"/>
+            <ac:spMk id="16" creationId="{4F7EBAE4-9945-4473-9E34-B2C66EA0F03D}"/>
+          </ac:spMkLst>
+        </pc:spChg>
+        <pc:spChg chg="del">
+          <ac:chgData name="LAZREG Mehdi" userId="S::mehdi.lazreg@edu.devinci.fr::9a6f43fa-4406-4f8c-8a9f-6a6c2418bdff" providerId="AD" clId="Web-{1E14994C-D0E2-4020-A4B7-46E9582640BB}" dt="2024-05-20T20:44:32.472" v="115"/>
+          <ac:spMkLst>
+            <pc:docMk/>
+            <pc:sldMk cId="1114066402" sldId="257"/>
+            <ac:spMk id="18" creationId="{70BEB1E7-2F88-40BC-B73D-42E5B6F80BFC}"/>
+          </ac:spMkLst>
+        </pc:spChg>
+        <pc:picChg chg="mod">
+          <ac:chgData name="LAZREG Mehdi" userId="S::mehdi.lazreg@edu.devinci.fr::9a6f43fa-4406-4f8c-8a9f-6a6c2418bdff" providerId="AD" clId="Web-{1E14994C-D0E2-4020-A4B7-46E9582640BB}" dt="2024-05-20T20:47:11.325" v="132" actId="1076"/>
+          <ac:picMkLst>
+            <pc:docMk/>
+            <pc:sldMk cId="1114066402" sldId="257"/>
+            <ac:picMk id="5" creationId="{4903A523-2B22-69FA-949F-195A8175BC8D}"/>
+          </ac:picMkLst>
+        </pc:picChg>
+      </pc:sldChg>
+      <pc:sldChg chg="mod">
+        <pc:chgData name="LAZREG Mehdi" userId="S::mehdi.lazreg@edu.devinci.fr::9a6f43fa-4406-4f8c-8a9f-6a6c2418bdff" providerId="AD" clId="Web-{1E14994C-D0E2-4020-A4B7-46E9582640BB}" dt="2024-05-20T20:40:56.445" v="88"/>
+        <pc:sldMkLst>
+          <pc:docMk/>
+          <pc:sldMk cId="203961534" sldId="260"/>
+        </pc:sldMkLst>
+      </pc:sldChg>
+      <pc:sldChg chg="addSp delSp modSp mod setBg">
+        <pc:chgData name="LAZREG Mehdi" userId="S::mehdi.lazreg@edu.devinci.fr::9a6f43fa-4406-4f8c-8a9f-6a6c2418bdff" providerId="AD" clId="Web-{1E14994C-D0E2-4020-A4B7-46E9582640BB}" dt="2024-05-20T21:01:00.760" v="290" actId="1076"/>
+        <pc:sldMkLst>
+          <pc:docMk/>
+          <pc:sldMk cId="291742287" sldId="265"/>
+        </pc:sldMkLst>
+        <pc:spChg chg="mod">
+          <ac:chgData name="LAZREG Mehdi" userId="S::mehdi.lazreg@edu.devinci.fr::9a6f43fa-4406-4f8c-8a9f-6a6c2418bdff" providerId="AD" clId="Web-{1E14994C-D0E2-4020-A4B7-46E9582640BB}" dt="2024-05-20T20:56:41.063" v="258" actId="1076"/>
+          <ac:spMkLst>
+            <pc:docMk/>
+            <pc:sldMk cId="291742287" sldId="265"/>
+            <ac:spMk id="2" creationId="{3EDC45F6-2CC2-EC6E-8C54-FA26E11C3A59}"/>
+          </ac:spMkLst>
+        </pc:spChg>
+        <pc:spChg chg="mod">
+          <ac:chgData name="LAZREG Mehdi" userId="S::mehdi.lazreg@edu.devinci.fr::9a6f43fa-4406-4f8c-8a9f-6a6c2418bdff" providerId="AD" clId="Web-{1E14994C-D0E2-4020-A4B7-46E9582640BB}" dt="2024-05-20T20:56:44.798" v="260" actId="1076"/>
+          <ac:spMkLst>
+            <pc:docMk/>
+            <pc:sldMk cId="291742287" sldId="265"/>
+            <ac:spMk id="3" creationId="{3FFE00BC-E39A-CD6D-E4C4-BC62DC39A231}"/>
+          </ac:spMkLst>
+        </pc:spChg>
+        <pc:spChg chg="add mod ord">
+          <ac:chgData name="LAZREG Mehdi" userId="S::mehdi.lazreg@edu.devinci.fr::9a6f43fa-4406-4f8c-8a9f-6a6c2418bdff" providerId="AD" clId="Web-{1E14994C-D0E2-4020-A4B7-46E9582640BB}" dt="2024-05-20T20:57:22.472" v="268" actId="1076"/>
+          <ac:spMkLst>
+            <pc:docMk/>
+            <pc:sldMk cId="291742287" sldId="265"/>
+            <ac:spMk id="5" creationId="{B43C2658-42E8-EEC0-84FE-B120B1F9050A}"/>
+          </ac:spMkLst>
+        </pc:spChg>
+        <pc:spChg chg="add mod">
+          <ac:chgData name="LAZREG Mehdi" userId="S::mehdi.lazreg@edu.devinci.fr::9a6f43fa-4406-4f8c-8a9f-6a6c2418bdff" providerId="AD" clId="Web-{1E14994C-D0E2-4020-A4B7-46E9582640BB}" dt="2024-05-20T20:57:08.408" v="266" actId="1076"/>
+          <ac:spMkLst>
+            <pc:docMk/>
+            <pc:sldMk cId="291742287" sldId="265"/>
+            <ac:spMk id="7" creationId="{ED3FAF61-39EE-FC6F-D680-D5458E53D430}"/>
+          </ac:spMkLst>
+        </pc:spChg>
+        <pc:picChg chg="mod">
+          <ac:chgData name="LAZREG Mehdi" userId="S::mehdi.lazreg@edu.devinci.fr::9a6f43fa-4406-4f8c-8a9f-6a6c2418bdff" providerId="AD" clId="Web-{1E14994C-D0E2-4020-A4B7-46E9582640BB}" dt="2024-05-20T20:56:48.001" v="261" actId="1076"/>
+          <ac:picMkLst>
+            <pc:docMk/>
+            <pc:sldMk cId="291742287" sldId="265"/>
+            <ac:picMk id="6" creationId="{43FF344D-7CBF-A57C-1C55-C037AFA7E53E}"/>
+          </ac:picMkLst>
+        </pc:picChg>
+        <pc:picChg chg="mod">
+          <ac:chgData name="LAZREG Mehdi" userId="S::mehdi.lazreg@edu.devinci.fr::9a6f43fa-4406-4f8c-8a9f-6a6c2418bdff" providerId="AD" clId="Web-{1E14994C-D0E2-4020-A4B7-46E9582640BB}" dt="2024-05-20T20:57:29.035" v="270" actId="1076"/>
+          <ac:picMkLst>
+            <pc:docMk/>
+            <pc:sldMk cId="291742287" sldId="265"/>
+            <ac:picMk id="8" creationId="{D41BA558-467E-22D4-C7E3-F18363E69F5F}"/>
+          </ac:picMkLst>
+        </pc:picChg>
+        <pc:picChg chg="add del mod">
+          <ac:chgData name="LAZREG Mehdi" userId="S::mehdi.lazreg@edu.devinci.fr::9a6f43fa-4406-4f8c-8a9f-6a6c2418bdff" providerId="AD" clId="Web-{1E14994C-D0E2-4020-A4B7-46E9582640BB}" dt="2024-05-20T20:58:09.489" v="272"/>
+          <ac:picMkLst>
+            <pc:docMk/>
+            <pc:sldMk cId="291742287" sldId="265"/>
+            <ac:picMk id="9" creationId="{7C661C3C-D1DD-7D87-D547-B42623850496}"/>
+          </ac:picMkLst>
+        </pc:picChg>
+        <pc:picChg chg="add del mod">
+          <ac:chgData name="LAZREG Mehdi" userId="S::mehdi.lazreg@edu.devinci.fr::9a6f43fa-4406-4f8c-8a9f-6a6c2418bdff" providerId="AD" clId="Web-{1E14994C-D0E2-4020-A4B7-46E9582640BB}" dt="2024-05-20T20:58:34.990" v="274"/>
+          <ac:picMkLst>
+            <pc:docMk/>
+            <pc:sldMk cId="291742287" sldId="265"/>
+            <ac:picMk id="10" creationId="{103495BB-CFBC-43DF-DD8D-5DA9DFDC5C94}"/>
+          </ac:picMkLst>
+        </pc:picChg>
+        <pc:picChg chg="add mod">
+          <ac:chgData name="LAZREG Mehdi" userId="S::mehdi.lazreg@edu.devinci.fr::9a6f43fa-4406-4f8c-8a9f-6a6c2418bdff" providerId="AD" clId="Web-{1E14994C-D0E2-4020-A4B7-46E9582640BB}" dt="2024-05-20T20:59:02.256" v="280" actId="1076"/>
+          <ac:picMkLst>
+            <pc:docMk/>
+            <pc:sldMk cId="291742287" sldId="265"/>
+            <ac:picMk id="11" creationId="{2EA0634E-46ED-A1D6-6C3B-44904BD688B1}"/>
+          </ac:picMkLst>
+        </pc:picChg>
+        <pc:picChg chg="add mod">
+          <ac:chgData name="LAZREG Mehdi" userId="S::mehdi.lazreg@edu.devinci.fr::9a6f43fa-4406-4f8c-8a9f-6a6c2418bdff" providerId="AD" clId="Web-{1E14994C-D0E2-4020-A4B7-46E9582640BB}" dt="2024-05-20T21:01:00.760" v="290" actId="1076"/>
+          <ac:picMkLst>
+            <pc:docMk/>
+            <pc:sldMk cId="291742287" sldId="265"/>
+            <ac:picMk id="12" creationId="{27340118-A694-0426-9A20-E5727A895224}"/>
+          </ac:picMkLst>
+        </pc:picChg>
+      </pc:sldChg>
+      <pc:sldChg chg="addSp modSp mod">
+        <pc:chgData name="LAZREG Mehdi" userId="S::mehdi.lazreg@edu.devinci.fr::9a6f43fa-4406-4f8c-8a9f-6a6c2418bdff" providerId="AD" clId="Web-{1E14994C-D0E2-4020-A4B7-46E9582640BB}" dt="2024-05-20T20:52:41.071" v="213" actId="20577"/>
+        <pc:sldMkLst>
+          <pc:docMk/>
+          <pc:sldMk cId="1940570141" sldId="267"/>
+        </pc:sldMkLst>
+        <pc:spChg chg="mod">
+          <ac:chgData name="LAZREG Mehdi" userId="S::mehdi.lazreg@edu.devinci.fr::9a6f43fa-4406-4f8c-8a9f-6a6c2418bdff" providerId="AD" clId="Web-{1E14994C-D0E2-4020-A4B7-46E9582640BB}" dt="2024-05-20T20:52:12.773" v="202" actId="1076"/>
+          <ac:spMkLst>
+            <pc:docMk/>
+            <pc:sldMk cId="1940570141" sldId="267"/>
+            <ac:spMk id="2" creationId="{2F7704A9-04D9-FC06-4DA0-B77127721D17}"/>
+          </ac:spMkLst>
+        </pc:spChg>
+        <pc:spChg chg="mod">
+          <ac:chgData name="LAZREG Mehdi" userId="S::mehdi.lazreg@edu.devinci.fr::9a6f43fa-4406-4f8c-8a9f-6a6c2418bdff" providerId="AD" clId="Web-{1E14994C-D0E2-4020-A4B7-46E9582640BB}" dt="2024-05-20T20:50:45.003" v="160" actId="1076"/>
+          <ac:spMkLst>
+            <pc:docMk/>
+            <pc:sldMk cId="1940570141" sldId="267"/>
+            <ac:spMk id="5" creationId="{0B98D220-B552-FE0A-488E-F561C082DDBD}"/>
+          </ac:spMkLst>
+        </pc:spChg>
+        <pc:spChg chg="add mod ord">
+          <ac:chgData name="LAZREG Mehdi" userId="S::mehdi.lazreg@edu.devinci.fr::9a6f43fa-4406-4f8c-8a9f-6a6c2418bdff" providerId="AD" clId="Web-{1E14994C-D0E2-4020-A4B7-46E9582640BB}" dt="2024-05-20T20:50:39.034" v="159" actId="14100"/>
+          <ac:spMkLst>
+            <pc:docMk/>
+            <pc:sldMk cId="1940570141" sldId="267"/>
+            <ac:spMk id="6" creationId="{3AA709EE-3D21-3ADC-E1DD-1347798513A7}"/>
+          </ac:spMkLst>
+        </pc:spChg>
+        <pc:spChg chg="add mod">
+          <ac:chgData name="LAZREG Mehdi" userId="S::mehdi.lazreg@edu.devinci.fr::9a6f43fa-4406-4f8c-8a9f-6a6c2418bdff" providerId="AD" clId="Web-{1E14994C-D0E2-4020-A4B7-46E9582640BB}" dt="2024-05-20T20:52:41.071" v="213" actId="20577"/>
+          <ac:spMkLst>
+            <pc:docMk/>
+            <pc:sldMk cId="1940570141" sldId="267"/>
+            <ac:spMk id="7" creationId="{4D90653B-5373-90C3-B4FE-8CE63E20A933}"/>
+          </ac:spMkLst>
+        </pc:spChg>
+        <pc:spChg chg="mod">
+          <ac:chgData name="LAZREG Mehdi" userId="S::mehdi.lazreg@edu.devinci.fr::9a6f43fa-4406-4f8c-8a9f-6a6c2418bdff" providerId="AD" clId="Web-{1E14994C-D0E2-4020-A4B7-46E9582640BB}" dt="2024-05-20T20:49:46.267" v="149"/>
+          <ac:spMkLst>
+            <pc:docMk/>
+            <pc:sldMk cId="1940570141" sldId="267"/>
+            <ac:spMk id="11" creationId="{047C8CCB-F95D-4249-92DD-651249D3535A}"/>
+          </ac:spMkLst>
+        </pc:spChg>
+        <pc:picChg chg="mod">
+          <ac:chgData name="LAZREG Mehdi" userId="S::mehdi.lazreg@edu.devinci.fr::9a6f43fa-4406-4f8c-8a9f-6a6c2418bdff" providerId="AD" clId="Web-{1E14994C-D0E2-4020-A4B7-46E9582640BB}" dt="2024-05-20T20:50:50.878" v="163" actId="1076"/>
+          <ac:picMkLst>
+            <pc:docMk/>
+            <pc:sldMk cId="1940570141" sldId="267"/>
+            <ac:picMk id="4" creationId="{981215E1-1D6B-D725-2B68-619784995D17}"/>
+          </ac:picMkLst>
+        </pc:picChg>
+      </pc:sldChg>
+      <pc:sldChg chg="modSp del mod setBg">
+        <pc:chgData name="LAZREG Mehdi" userId="S::mehdi.lazreg@edu.devinci.fr::9a6f43fa-4406-4f8c-8a9f-6a6c2418bdff" providerId="AD" clId="Web-{1E14994C-D0E2-4020-A4B7-46E9582640BB}" dt="2024-05-20T20:40:47.195" v="86"/>
+        <pc:sldMkLst>
+          <pc:docMk/>
+          <pc:sldMk cId="1396293091" sldId="268"/>
+        </pc:sldMkLst>
+        <pc:spChg chg="mod">
+          <ac:chgData name="LAZREG Mehdi" userId="S::mehdi.lazreg@edu.devinci.fr::9a6f43fa-4406-4f8c-8a9f-6a6c2418bdff" providerId="AD" clId="Web-{1E14994C-D0E2-4020-A4B7-46E9582640BB}" dt="2024-05-20T20:09:35.978" v="33" actId="1076"/>
+          <ac:spMkLst>
+            <pc:docMk/>
+            <pc:sldMk cId="1396293091" sldId="268"/>
+            <ac:spMk id="2" creationId="{A2341FF3-FFD7-09B3-F1B8-24EFF77D1D3B}"/>
+          </ac:spMkLst>
+        </pc:spChg>
+      </pc:sldChg>
+      <pc:sldChg chg="addSp delSp modSp mod">
+        <pc:chgData name="LAZREG Mehdi" userId="S::mehdi.lazreg@edu.devinci.fr::9a6f43fa-4406-4f8c-8a9f-6a6c2418bdff" providerId="AD" clId="Web-{1E14994C-D0E2-4020-A4B7-46E9582640BB}" dt="2024-05-20T20:43:40.169" v="104"/>
+        <pc:sldMkLst>
+          <pc:docMk/>
+          <pc:sldMk cId="2610056257" sldId="269"/>
+        </pc:sldMkLst>
+        <pc:spChg chg="add del mod ord">
+          <ac:chgData name="LAZREG Mehdi" userId="S::mehdi.lazreg@edu.devinci.fr::9a6f43fa-4406-4f8c-8a9f-6a6c2418bdff" providerId="AD" clId="Web-{1E14994C-D0E2-4020-A4B7-46E9582640BB}" dt="2024-05-20T20:43:40.169" v="104"/>
+          <ac:spMkLst>
+            <pc:docMk/>
+            <pc:sldMk cId="2610056257" sldId="269"/>
+            <ac:spMk id="6" creationId="{37EC094E-6256-9B1F-B363-4EBF797AD615}"/>
+          </ac:spMkLst>
+        </pc:spChg>
+        <pc:spChg chg="mod">
+          <ac:chgData name="LAZREG Mehdi" userId="S::mehdi.lazreg@edu.devinci.fr::9a6f43fa-4406-4f8c-8a9f-6a6c2418bdff" providerId="AD" clId="Web-{1E14994C-D0E2-4020-A4B7-46E9582640BB}" dt="2024-05-20T20:32:30.001" v="68"/>
+          <ac:spMkLst>
+            <pc:docMk/>
+            <pc:sldMk cId="2610056257" sldId="269"/>
+            <ac:spMk id="9" creationId="{47942995-B07F-4636-9A06-C6A104B260A8}"/>
+          </ac:spMkLst>
+        </pc:spChg>
+        <pc:spChg chg="mod">
+          <ac:chgData name="LAZREG Mehdi" userId="S::mehdi.lazreg@edu.devinci.fr::9a6f43fa-4406-4f8c-8a9f-6a6c2418bdff" providerId="AD" clId="Web-{1E14994C-D0E2-4020-A4B7-46E9582640BB}" dt="2024-05-20T20:40:41.242" v="83"/>
+          <ac:spMkLst>
+            <pc:docMk/>
+            <pc:sldMk cId="2610056257" sldId="269"/>
+            <ac:spMk id="12" creationId="{F19A4A0F-1B59-4DB0-9764-D10936E98770}"/>
+          </ac:spMkLst>
+        </pc:spChg>
+        <pc:spChg chg="mod">
+          <ac:chgData name="LAZREG Mehdi" userId="S::mehdi.lazreg@edu.devinci.fr::9a6f43fa-4406-4f8c-8a9f-6a6c2418bdff" providerId="AD" clId="Web-{1E14994C-D0E2-4020-A4B7-46E9582640BB}" dt="2024-05-20T20:40:41.242" v="84"/>
+          <ac:spMkLst>
+            <pc:docMk/>
+            <pc:sldMk cId="2610056257" sldId="269"/>
+            <ac:spMk id="13" creationId="{F399A70F-F8CD-4992-9EF5-6CF15472E73F}"/>
+          </ac:spMkLst>
+        </pc:spChg>
+        <pc:spChg chg="mod">
+          <ac:chgData name="LAZREG Mehdi" userId="S::mehdi.lazreg@edu.devinci.fr::9a6f43fa-4406-4f8c-8a9f-6a6c2418bdff" providerId="AD" clId="Web-{1E14994C-D0E2-4020-A4B7-46E9582640BB}" dt="2024-05-20T20:40:41.257" v="85"/>
+          <ac:spMkLst>
+            <pc:docMk/>
+            <pc:sldMk cId="2610056257" sldId="269"/>
+            <ac:spMk id="14" creationId="{48F4FEDC-6D80-458C-A665-075D9B9500FD}"/>
+          </ac:spMkLst>
+        </pc:spChg>
+        <pc:spChg chg="mod">
+          <ac:chgData name="LAZREG Mehdi" userId="S::mehdi.lazreg@edu.devinci.fr::9a6f43fa-4406-4f8c-8a9f-6a6c2418bdff" providerId="AD" clId="Web-{1E14994C-D0E2-4020-A4B7-46E9582640BB}" dt="2024-05-20T20:32:13.938" v="60"/>
+          <ac:spMkLst>
+            <pc:docMk/>
+            <pc:sldMk cId="2610056257" sldId="269"/>
+            <ac:spMk id="16" creationId="{B81933D1-5615-42C7-9C0B-4EB7105CCE2D}"/>
+          </ac:spMkLst>
+        </pc:spChg>
+      </pc:sldChg>
+      <pc:sldChg chg="mod">
+        <pc:chgData name="LAZREG Mehdi" userId="S::mehdi.lazreg@edu.devinci.fr::9a6f43fa-4406-4f8c-8a9f-6a6c2418bdff" providerId="AD" clId="Web-{1E14994C-D0E2-4020-A4B7-46E9582640BB}" dt="2024-05-20T20:40:56.445" v="88"/>
+        <pc:sldMkLst>
+          <pc:docMk/>
+          <pc:sldMk cId="1255366357" sldId="270"/>
+        </pc:sldMkLst>
+      </pc:sldChg>
+      <pc:sldChg chg="addSp delSp modSp new mod setBg">
+        <pc:chgData name="LAZREG Mehdi" userId="S::mehdi.lazreg@edu.devinci.fr::9a6f43fa-4406-4f8c-8a9f-6a6c2418bdff" providerId="AD" clId="Web-{1E14994C-D0E2-4020-A4B7-46E9582640BB}" dt="2024-05-20T20:48:59.172" v="146" actId="1076"/>
+        <pc:sldMkLst>
+          <pc:docMk/>
+          <pc:sldMk cId="1737621038" sldId="271"/>
+        </pc:sldMkLst>
+        <pc:spChg chg="del">
+          <ac:chgData name="LAZREG Mehdi" userId="S::mehdi.lazreg@edu.devinci.fr::9a6f43fa-4406-4f8c-8a9f-6a6c2418bdff" providerId="AD" clId="Web-{1E14994C-D0E2-4020-A4B7-46E9582640BB}" dt="2024-05-20T20:10:32.542" v="46"/>
+          <ac:spMkLst>
+            <pc:docMk/>
+            <pc:sldMk cId="1737621038" sldId="271"/>
+            <ac:spMk id="2" creationId="{ADCA0589-5C02-FBA8-C6D5-2D172159306B}"/>
+          </ac:spMkLst>
+        </pc:spChg>
+        <pc:spChg chg="add mod ord">
+          <ac:chgData name="LAZREG Mehdi" userId="S::mehdi.lazreg@edu.devinci.fr::9a6f43fa-4406-4f8c-8a9f-6a6c2418bdff" providerId="AD" clId="Web-{1E14994C-D0E2-4020-A4B7-46E9582640BB}" dt="2024-05-20T20:48:59.172" v="146" actId="1076"/>
+          <ac:spMkLst>
+            <pc:docMk/>
+            <pc:sldMk cId="1737621038" sldId="271"/>
+            <ac:spMk id="3" creationId="{A845918D-7EA6-54BF-985D-66772401ECC5}"/>
+          </ac:spMkLst>
+        </pc:spChg>
+        <pc:spChg chg="del">
+          <ac:chgData name="LAZREG Mehdi" userId="S::mehdi.lazreg@edu.devinci.fr::9a6f43fa-4406-4f8c-8a9f-6a6c2418bdff" providerId="AD" clId="Web-{1E14994C-D0E2-4020-A4B7-46E9582640BB}" dt="2024-05-20T20:10:47.308" v="49"/>
+          <ac:spMkLst>
+            <pc:docMk/>
+            <pc:sldMk cId="1737621038" sldId="271"/>
+            <ac:spMk id="3" creationId="{AE6F45F9-8BAE-0E6D-7890-35284C6D0E2E}"/>
+          </ac:spMkLst>
+        </pc:spChg>
+        <pc:spChg chg="add del">
+          <ac:chgData name="LAZREG Mehdi" userId="S::mehdi.lazreg@edu.devinci.fr::9a6f43fa-4406-4f8c-8a9f-6a6c2418bdff" providerId="AD" clId="Web-{1E14994C-D0E2-4020-A4B7-46E9582640BB}" dt="2024-05-20T20:10:47.308" v="48"/>
+          <ac:spMkLst>
+            <pc:docMk/>
+            <pc:sldMk cId="1737621038" sldId="271"/>
+            <ac:spMk id="5" creationId="{77AE3CC7-F215-D190-4F83-ED740E61E360}"/>
+          </ac:spMkLst>
+        </pc:spChg>
+        <pc:spChg chg="add del">
+          <ac:chgData name="LAZREG Mehdi" userId="S::mehdi.lazreg@edu.devinci.fr::9a6f43fa-4406-4f8c-8a9f-6a6c2418bdff" providerId="AD" clId="Web-{1E14994C-D0E2-4020-A4B7-46E9582640BB}" dt="2024-05-20T20:10:39.292" v="47"/>
+          <ac:spMkLst>
+            <pc:docMk/>
+            <pc:sldMk cId="1737621038" sldId="271"/>
+            <ac:spMk id="7" creationId="{85D09394-9EF6-1630-D92F-CB5BCB201A73}"/>
+          </ac:spMkLst>
+        </pc:spChg>
+        <pc:spChg chg="add">
+          <ac:chgData name="LAZREG Mehdi" userId="S::mehdi.lazreg@edu.devinci.fr::9a6f43fa-4406-4f8c-8a9f-6a6c2418bdff" providerId="AD" clId="Web-{1E14994C-D0E2-4020-A4B7-46E9582640BB}" dt="2024-05-20T20:10:26.995" v="42"/>
+          <ac:spMkLst>
+            <pc:docMk/>
+            <pc:sldMk cId="1737621038" sldId="271"/>
+            <ac:spMk id="9" creationId="{1763C336-DF23-71AE-24CE-FF8D62C82A7F}"/>
+          </ac:spMkLst>
+        </pc:spChg>
+        <pc:spChg chg="add">
+          <ac:chgData name="LAZREG Mehdi" userId="S::mehdi.lazreg@edu.devinci.fr::9a6f43fa-4406-4f8c-8a9f-6a6c2418bdff" providerId="AD" clId="Web-{1E14994C-D0E2-4020-A4B7-46E9582640BB}" dt="2024-05-20T20:10:27.011" v="43"/>
+          <ac:spMkLst>
+            <pc:docMk/>
+            <pc:sldMk cId="1737621038" sldId="271"/>
+            <ac:spMk id="11" creationId="{808E4FA2-0D06-3556-AF64-3A387D049CFB}"/>
+          </ac:spMkLst>
+        </pc:spChg>
+        <pc:picChg chg="add del mod">
+          <ac:chgData name="LAZREG Mehdi" userId="S::mehdi.lazreg@edu.devinci.fr::9a6f43fa-4406-4f8c-8a9f-6a6c2418bdff" providerId="AD" clId="Web-{1E14994C-D0E2-4020-A4B7-46E9582640BB}" dt="2024-05-20T20:40:05.881" v="81"/>
+          <ac:picMkLst>
+            <pc:docMk/>
+            <pc:sldMk cId="1737621038" sldId="271"/>
+            <ac:picMk id="2" creationId="{CDD8A00C-3D72-890F-A20E-8CBADABE0EC9}"/>
+          </ac:picMkLst>
+        </pc:picChg>
+        <pc:picChg chg="add mod">
+          <ac:chgData name="LAZREG Mehdi" userId="S::mehdi.lazreg@edu.devinci.fr::9a6f43fa-4406-4f8c-8a9f-6a6c2418bdff" providerId="AD" clId="Web-{1E14994C-D0E2-4020-A4B7-46E9582640BB}" dt="2024-05-20T20:38:27.002" v="77" actId="1076"/>
+          <ac:picMkLst>
+            <pc:docMk/>
+            <pc:sldMk cId="1737621038" sldId="271"/>
+            <ac:picMk id="15" creationId="{F6AC6A05-A9FB-D5BD-B8CE-CEB8F65384B9}"/>
+          </ac:picMkLst>
+        </pc:picChg>
+        <pc:picChg chg="add mod">
+          <ac:chgData name="LAZREG Mehdi" userId="S::mehdi.lazreg@edu.devinci.fr::9a6f43fa-4406-4f8c-8a9f-6a6c2418bdff" providerId="AD" clId="Web-{1E14994C-D0E2-4020-A4B7-46E9582640BB}" dt="2024-05-20T20:12:53.062" v="52" actId="1076"/>
+          <ac:picMkLst>
+            <pc:docMk/>
+            <pc:sldMk cId="1737621038" sldId="271"/>
+            <ac:picMk id="16" creationId="{C2967BC5-F066-359B-0D9F-1C07D029B32D}"/>
+          </ac:picMkLst>
+        </pc:picChg>
+        <pc:cxnChg chg="add">
+          <ac:chgData name="LAZREG Mehdi" userId="S::mehdi.lazreg@edu.devinci.fr::9a6f43fa-4406-4f8c-8a9f-6a6c2418bdff" providerId="AD" clId="Web-{1E14994C-D0E2-4020-A4B7-46E9582640BB}" dt="2024-05-20T20:10:27.011" v="44"/>
+          <ac:cxnSpMkLst>
+            <pc:docMk/>
+            <pc:sldMk cId="1737621038" sldId="271"/>
+            <ac:cxnSpMk id="13" creationId="{E999AB95-B036-1573-FF5F-3B9244EFF6AB}"/>
+          </ac:cxnSpMkLst>
+        </pc:cxnChg>
+      </pc:sldChg>
+      <pc:sldMasterChg chg="mod setBg modSldLayout">
+        <pc:chgData name="LAZREG Mehdi" userId="S::mehdi.lazreg@edu.devinci.fr::9a6f43fa-4406-4f8c-8a9f-6a6c2418bdff" providerId="AD" clId="Web-{1E14994C-D0E2-4020-A4B7-46E9582640BB}" dt="2024-05-20T20:40:56.445" v="88"/>
+        <pc:sldMasterMkLst>
+          <pc:docMk/>
+          <pc:sldMasterMk cId="3071127875" sldId="2147483648"/>
+        </pc:sldMasterMkLst>
+        <pc:sldLayoutChg chg="mod">
+          <pc:chgData name="LAZREG Mehdi" userId="S::mehdi.lazreg@edu.devinci.fr::9a6f43fa-4406-4f8c-8a9f-6a6c2418bdff" providerId="AD" clId="Web-{1E14994C-D0E2-4020-A4B7-46E9582640BB}" dt="2024-05-20T20:40:56.445" v="88"/>
+          <pc:sldLayoutMkLst>
+            <pc:docMk/>
+            <pc:sldMasterMk cId="3071127875" sldId="2147483648"/>
+            <pc:sldLayoutMk cId="3310491181" sldId="2147483649"/>
+          </pc:sldLayoutMkLst>
+        </pc:sldLayoutChg>
+        <pc:sldLayoutChg chg="mod">
+          <pc:chgData name="LAZREG Mehdi" userId="S::mehdi.lazreg@edu.devinci.fr::9a6f43fa-4406-4f8c-8a9f-6a6c2418bdff" providerId="AD" clId="Web-{1E14994C-D0E2-4020-A4B7-46E9582640BB}" dt="2024-05-20T20:40:56.445" v="88"/>
+          <pc:sldLayoutMkLst>
+            <pc:docMk/>
+            <pc:sldMasterMk cId="3071127875" sldId="2147483648"/>
+            <pc:sldLayoutMk cId="3841795644" sldId="2147483650"/>
+          </pc:sldLayoutMkLst>
+        </pc:sldLayoutChg>
+        <pc:sldLayoutChg chg="mod">
+          <pc:chgData name="LAZREG Mehdi" userId="S::mehdi.lazreg@edu.devinci.fr::9a6f43fa-4406-4f8c-8a9f-6a6c2418bdff" providerId="AD" clId="Web-{1E14994C-D0E2-4020-A4B7-46E9582640BB}" dt="2024-05-20T20:40:56.445" v="88"/>
+          <pc:sldLayoutMkLst>
+            <pc:docMk/>
+            <pc:sldMasterMk cId="3071127875" sldId="2147483648"/>
+            <pc:sldLayoutMk cId="3466923455" sldId="2147483651"/>
+          </pc:sldLayoutMkLst>
+        </pc:sldLayoutChg>
+        <pc:sldLayoutChg chg="mod">
+          <pc:chgData name="LAZREG Mehdi" userId="S::mehdi.lazreg@edu.devinci.fr::9a6f43fa-4406-4f8c-8a9f-6a6c2418bdff" providerId="AD" clId="Web-{1E14994C-D0E2-4020-A4B7-46E9582640BB}" dt="2024-05-20T20:40:56.445" v="88"/>
+          <pc:sldLayoutMkLst>
+            <pc:docMk/>
+            <pc:sldMasterMk cId="3071127875" sldId="2147483648"/>
+            <pc:sldLayoutMk cId="3747632232" sldId="2147483652"/>
+          </pc:sldLayoutMkLst>
+        </pc:sldLayoutChg>
+        <pc:sldLayoutChg chg="mod">
+          <pc:chgData name="LAZREG Mehdi" userId="S::mehdi.lazreg@edu.devinci.fr::9a6f43fa-4406-4f8c-8a9f-6a6c2418bdff" providerId="AD" clId="Web-{1E14994C-D0E2-4020-A4B7-46E9582640BB}" dt="2024-05-20T20:40:56.445" v="88"/>
+          <pc:sldLayoutMkLst>
+            <pc:docMk/>
+            <pc:sldMasterMk cId="3071127875" sldId="2147483648"/>
+            <pc:sldLayoutMk cId="2611866596" sldId="2147483653"/>
+          </pc:sldLayoutMkLst>
+        </pc:sldLayoutChg>
+        <pc:sldLayoutChg chg="mod">
+          <pc:chgData name="LAZREG Mehdi" userId="S::mehdi.lazreg@edu.devinci.fr::9a6f43fa-4406-4f8c-8a9f-6a6c2418bdff" providerId="AD" clId="Web-{1E14994C-D0E2-4020-A4B7-46E9582640BB}" dt="2024-05-20T20:40:56.445" v="88"/>
+          <pc:sldLayoutMkLst>
+            <pc:docMk/>
+            <pc:sldMasterMk cId="3071127875" sldId="2147483648"/>
+            <pc:sldLayoutMk cId="3395854097" sldId="2147483654"/>
+          </pc:sldLayoutMkLst>
+        </pc:sldLayoutChg>
+        <pc:sldLayoutChg chg="mod">
+          <pc:chgData name="LAZREG Mehdi" userId="S::mehdi.lazreg@edu.devinci.fr::9a6f43fa-4406-4f8c-8a9f-6a6c2418bdff" providerId="AD" clId="Web-{1E14994C-D0E2-4020-A4B7-46E9582640BB}" dt="2024-05-20T20:40:56.445" v="88"/>
+          <pc:sldLayoutMkLst>
+            <pc:docMk/>
+            <pc:sldMasterMk cId="3071127875" sldId="2147483648"/>
+            <pc:sldLayoutMk cId="4040201302" sldId="2147483655"/>
+          </pc:sldLayoutMkLst>
+        </pc:sldLayoutChg>
+        <pc:sldLayoutChg chg="mod">
+          <pc:chgData name="LAZREG Mehdi" userId="S::mehdi.lazreg@edu.devinci.fr::9a6f43fa-4406-4f8c-8a9f-6a6c2418bdff" providerId="AD" clId="Web-{1E14994C-D0E2-4020-A4B7-46E9582640BB}" dt="2024-05-20T20:40:56.445" v="88"/>
+          <pc:sldLayoutMkLst>
+            <pc:docMk/>
+            <pc:sldMasterMk cId="3071127875" sldId="2147483648"/>
+            <pc:sldLayoutMk cId="2706407263" sldId="2147483656"/>
+          </pc:sldLayoutMkLst>
+        </pc:sldLayoutChg>
+        <pc:sldLayoutChg chg="mod">
+          <pc:chgData name="LAZREG Mehdi" userId="S::mehdi.lazreg@edu.devinci.fr::9a6f43fa-4406-4f8c-8a9f-6a6c2418bdff" providerId="AD" clId="Web-{1E14994C-D0E2-4020-A4B7-46E9582640BB}" dt="2024-05-20T20:40:56.445" v="88"/>
+          <pc:sldLayoutMkLst>
+            <pc:docMk/>
+            <pc:sldMasterMk cId="3071127875" sldId="2147483648"/>
+            <pc:sldLayoutMk cId="1610903340" sldId="2147483657"/>
+          </pc:sldLayoutMkLst>
+        </pc:sldLayoutChg>
+        <pc:sldLayoutChg chg="mod">
+          <pc:chgData name="LAZREG Mehdi" userId="S::mehdi.lazreg@edu.devinci.fr::9a6f43fa-4406-4f8c-8a9f-6a6c2418bdff" providerId="AD" clId="Web-{1E14994C-D0E2-4020-A4B7-46E9582640BB}" dt="2024-05-20T20:40:56.445" v="88"/>
+          <pc:sldLayoutMkLst>
+            <pc:docMk/>
+            <pc:sldMasterMk cId="3071127875" sldId="2147483648"/>
+            <pc:sldLayoutMk cId="4172787210" sldId="2147483658"/>
+          </pc:sldLayoutMkLst>
+        </pc:sldLayoutChg>
+        <pc:sldLayoutChg chg="mod">
+          <pc:chgData name="LAZREG Mehdi" userId="S::mehdi.lazreg@edu.devinci.fr::9a6f43fa-4406-4f8c-8a9f-6a6c2418bdff" providerId="AD" clId="Web-{1E14994C-D0E2-4020-A4B7-46E9582640BB}" dt="2024-05-20T20:40:56.445" v="88"/>
+          <pc:sldLayoutMkLst>
+            <pc:docMk/>
+            <pc:sldMasterMk cId="3071127875" sldId="2147483648"/>
+            <pc:sldLayoutMk cId="1902177510" sldId="2147483659"/>
+          </pc:sldLayoutMkLst>
+        </pc:sldLayoutChg>
+      </pc:sldMasterChg>
+    </pc:docChg>
+  </pc:docChgLst>
+  <pc:docChgLst>
     <pc:chgData name="LAZREG Mehdi" userId="S::mehdi.lazreg@edu.devinci.fr::9a6f43fa-4406-4f8c-8a9f-6a6c2418bdff" providerId="AD" clId="Web-{976FB1CE-2E6D-4135-95CA-3E654A4D4326}"/>
     <pc:docChg chg="addSld modSld">
       <pc:chgData name="LAZREG Mehdi" userId="S::mehdi.lazreg@edu.devinci.fr::9a6f43fa-4406-4f8c-8a9f-6a6c2418bdff" providerId="AD" clId="Web-{976FB1CE-2E6D-4135-95CA-3E654A4D4326}" dt="2024-05-12T13:23:24.572" v="66" actId="20577"/>
@@ -1088,7 +1805,4000 @@
       </pc:sldChg>
     </pc:docChg>
   </pc:docChgLst>
+  <pc:docChgLst>
+    <pc:chgData name="LAZREG Mehdi" userId="S::mehdi.lazreg@edu.devinci.fr::9a6f43fa-4406-4f8c-8a9f-6a6c2418bdff" providerId="AD" clId="Web-{1EB54B21-62D8-4672-B878-B9072B4D21B7}"/>
+    <pc:docChg chg="modSld sldOrd">
+      <pc:chgData name="LAZREG Mehdi" userId="S::mehdi.lazreg@edu.devinci.fr::9a6f43fa-4406-4f8c-8a9f-6a6c2418bdff" providerId="AD" clId="Web-{1EB54B21-62D8-4672-B878-B9072B4D21B7}" dt="2024-05-20T21:35:22.825" v="67"/>
+      <pc:docMkLst>
+        <pc:docMk/>
+      </pc:docMkLst>
+      <pc:sldChg chg="modSp">
+        <pc:chgData name="LAZREG Mehdi" userId="S::mehdi.lazreg@edu.devinci.fr::9a6f43fa-4406-4f8c-8a9f-6a6c2418bdff" providerId="AD" clId="Web-{1EB54B21-62D8-4672-B878-B9072B4D21B7}" dt="2024-05-20T21:32:34.302" v="17" actId="1076"/>
+        <pc:sldMkLst>
+          <pc:docMk/>
+          <pc:sldMk cId="3784089036" sldId="256"/>
+        </pc:sldMkLst>
+        <pc:spChg chg="mod">
+          <ac:chgData name="LAZREG Mehdi" userId="S::mehdi.lazreg@edu.devinci.fr::9a6f43fa-4406-4f8c-8a9f-6a6c2418bdff" providerId="AD" clId="Web-{1EB54B21-62D8-4672-B878-B9072B4D21B7}" dt="2024-05-20T21:32:23.752" v="16" actId="20577"/>
+          <ac:spMkLst>
+            <pc:docMk/>
+            <pc:sldMk cId="3784089036" sldId="256"/>
+            <ac:spMk id="2" creationId="{00000000-0000-0000-0000-000000000000}"/>
+          </ac:spMkLst>
+        </pc:spChg>
+        <pc:spChg chg="mod">
+          <ac:chgData name="LAZREG Mehdi" userId="S::mehdi.lazreg@edu.devinci.fr::9a6f43fa-4406-4f8c-8a9f-6a6c2418bdff" providerId="AD" clId="Web-{1EB54B21-62D8-4672-B878-B9072B4D21B7}" dt="2024-05-20T21:32:34.302" v="17" actId="1076"/>
+          <ac:spMkLst>
+            <pc:docMk/>
+            <pc:sldMk cId="3784089036" sldId="256"/>
+            <ac:spMk id="8" creationId="{870ED200-96A1-0952-2658-D9558F1C345E}"/>
+          </ac:spMkLst>
+        </pc:spChg>
+      </pc:sldChg>
+      <pc:sldChg chg="modSp">
+        <pc:chgData name="LAZREG Mehdi" userId="S::mehdi.lazreg@edu.devinci.fr::9a6f43fa-4406-4f8c-8a9f-6a6c2418bdff" providerId="AD" clId="Web-{1EB54B21-62D8-4672-B878-B9072B4D21B7}" dt="2024-05-20T21:34:57.839" v="65" actId="20577"/>
+        <pc:sldMkLst>
+          <pc:docMk/>
+          <pc:sldMk cId="1114066402" sldId="257"/>
+        </pc:sldMkLst>
+        <pc:spChg chg="mod">
+          <ac:chgData name="LAZREG Mehdi" userId="S::mehdi.lazreg@edu.devinci.fr::9a6f43fa-4406-4f8c-8a9f-6a6c2418bdff" providerId="AD" clId="Web-{1EB54B21-62D8-4672-B878-B9072B4D21B7}" dt="2024-05-20T21:34:57.839" v="65" actId="20577"/>
+          <ac:spMkLst>
+            <pc:docMk/>
+            <pc:sldMk cId="1114066402" sldId="257"/>
+            <ac:spMk id="3" creationId="{ED2B8304-F0EF-24E1-D772-F5FBC994348D}"/>
+          </ac:spMkLst>
+        </pc:spChg>
+      </pc:sldChg>
+      <pc:sldChg chg="modSp">
+        <pc:chgData name="LAZREG Mehdi" userId="S::mehdi.lazreg@edu.devinci.fr::9a6f43fa-4406-4f8c-8a9f-6a6c2418bdff" providerId="AD" clId="Web-{1EB54B21-62D8-4672-B878-B9072B4D21B7}" dt="2024-05-20T21:35:22.825" v="67"/>
+        <pc:sldMkLst>
+          <pc:docMk/>
+          <pc:sldMk cId="291742287" sldId="265"/>
+        </pc:sldMkLst>
+        <pc:spChg chg="mod">
+          <ac:chgData name="LAZREG Mehdi" userId="S::mehdi.lazreg@edu.devinci.fr::9a6f43fa-4406-4f8c-8a9f-6a6c2418bdff" providerId="AD" clId="Web-{1EB54B21-62D8-4672-B878-B9072B4D21B7}" dt="2024-05-20T21:30:27.561" v="4" actId="1076"/>
+          <ac:spMkLst>
+            <pc:docMk/>
+            <pc:sldMk cId="291742287" sldId="265"/>
+            <ac:spMk id="2" creationId="{3EDC45F6-2CC2-EC6E-8C54-FA26E11C3A59}"/>
+          </ac:spMkLst>
+        </pc:spChg>
+        <pc:spChg chg="mod">
+          <ac:chgData name="LAZREG Mehdi" userId="S::mehdi.lazreg@edu.devinci.fr::9a6f43fa-4406-4f8c-8a9f-6a6c2418bdff" providerId="AD" clId="Web-{1EB54B21-62D8-4672-B878-B9072B4D21B7}" dt="2024-05-20T21:30:18.388" v="2" actId="1076"/>
+          <ac:spMkLst>
+            <pc:docMk/>
+            <pc:sldMk cId="291742287" sldId="265"/>
+            <ac:spMk id="3" creationId="{3FFE00BC-E39A-CD6D-E4C4-BC62DC39A231}"/>
+          </ac:spMkLst>
+        </pc:spChg>
+        <pc:spChg chg="mod">
+          <ac:chgData name="LAZREG Mehdi" userId="S::mehdi.lazreg@edu.devinci.fr::9a6f43fa-4406-4f8c-8a9f-6a6c2418bdff" providerId="AD" clId="Web-{1EB54B21-62D8-4672-B878-B9072B4D21B7}" dt="2024-05-20T21:30:11.529" v="1" actId="1076"/>
+          <ac:spMkLst>
+            <pc:docMk/>
+            <pc:sldMk cId="291742287" sldId="265"/>
+            <ac:spMk id="7" creationId="{ED3FAF61-39EE-FC6F-D680-D5458E53D430}"/>
+          </ac:spMkLst>
+        </pc:spChg>
+        <pc:picChg chg="mod">
+          <ac:chgData name="LAZREG Mehdi" userId="S::mehdi.lazreg@edu.devinci.fr::9a6f43fa-4406-4f8c-8a9f-6a6c2418bdff" providerId="AD" clId="Web-{1EB54B21-62D8-4672-B878-B9072B4D21B7}" dt="2024-05-20T21:30:22.748" v="3" actId="1076"/>
+          <ac:picMkLst>
+            <pc:docMk/>
+            <pc:sldMk cId="291742287" sldId="265"/>
+            <ac:picMk id="11" creationId="{2EA0634E-46ED-A1D6-6C3B-44904BD688B1}"/>
+          </ac:picMkLst>
+        </pc:picChg>
+        <pc:picChg chg="mod">
+          <ac:chgData name="LAZREG Mehdi" userId="S::mehdi.lazreg@edu.devinci.fr::9a6f43fa-4406-4f8c-8a9f-6a6c2418bdff" providerId="AD" clId="Web-{1EB54B21-62D8-4672-B878-B9072B4D21B7}" dt="2024-05-20T21:35:22.825" v="67"/>
+          <ac:picMkLst>
+            <pc:docMk/>
+            <pc:sldMk cId="291742287" sldId="265"/>
+            <ac:picMk id="12" creationId="{27340118-A694-0426-9A20-E5727A895224}"/>
+          </ac:picMkLst>
+        </pc:picChg>
+      </pc:sldChg>
+      <pc:sldChg chg="modSp">
+        <pc:chgData name="LAZREG Mehdi" userId="S::mehdi.lazreg@edu.devinci.fr::9a6f43fa-4406-4f8c-8a9f-6a6c2418bdff" providerId="AD" clId="Web-{1EB54B21-62D8-4672-B878-B9072B4D21B7}" dt="2024-05-20T21:30:38.920" v="5" actId="1076"/>
+        <pc:sldMkLst>
+          <pc:docMk/>
+          <pc:sldMk cId="1940570141" sldId="267"/>
+        </pc:sldMkLst>
+        <pc:spChg chg="mod">
+          <ac:chgData name="LAZREG Mehdi" userId="S::mehdi.lazreg@edu.devinci.fr::9a6f43fa-4406-4f8c-8a9f-6a6c2418bdff" providerId="AD" clId="Web-{1EB54B21-62D8-4672-B878-B9072B4D21B7}" dt="2024-05-20T21:30:38.920" v="5" actId="1076"/>
+          <ac:spMkLst>
+            <pc:docMk/>
+            <pc:sldMk cId="1940570141" sldId="267"/>
+            <ac:spMk id="5" creationId="{0B98D220-B552-FE0A-488E-F561C082DDBD}"/>
+          </ac:spMkLst>
+        </pc:spChg>
+      </pc:sldChg>
+      <pc:sldChg chg="modSp">
+        <pc:chgData name="LAZREG Mehdi" userId="S::mehdi.lazreg@edu.devinci.fr::9a6f43fa-4406-4f8c-8a9f-6a6c2418bdff" providerId="AD" clId="Web-{1EB54B21-62D8-4672-B878-B9072B4D21B7}" dt="2024-05-20T21:31:27.766" v="9" actId="20577"/>
+        <pc:sldMkLst>
+          <pc:docMk/>
+          <pc:sldMk cId="2610056257" sldId="269"/>
+        </pc:sldMkLst>
+        <pc:spChg chg="mod ord">
+          <ac:chgData name="LAZREG Mehdi" userId="S::mehdi.lazreg@edu.devinci.fr::9a6f43fa-4406-4f8c-8a9f-6a6c2418bdff" providerId="AD" clId="Web-{1EB54B21-62D8-4672-B878-B9072B4D21B7}" dt="2024-05-20T21:31:27.766" v="9" actId="20577"/>
+          <ac:spMkLst>
+            <pc:docMk/>
+            <pc:sldMk cId="2610056257" sldId="269"/>
+            <ac:spMk id="3" creationId="{A8ABFA07-AE05-0505-D63A-54CC92D82390}"/>
+          </ac:spMkLst>
+        </pc:spChg>
+      </pc:sldChg>
+      <pc:sldChg chg="modSp ord">
+        <pc:chgData name="LAZREG Mehdi" userId="S::mehdi.lazreg@edu.devinci.fr::9a6f43fa-4406-4f8c-8a9f-6a6c2418bdff" providerId="AD" clId="Web-{1EB54B21-62D8-4672-B878-B9072B4D21B7}" dt="2024-05-20T21:34:31.464" v="61"/>
+        <pc:sldMkLst>
+          <pc:docMk/>
+          <pc:sldMk cId="1255366357" sldId="270"/>
+        </pc:sldMkLst>
+        <pc:spChg chg="mod">
+          <ac:chgData name="LAZREG Mehdi" userId="S::mehdi.lazreg@edu.devinci.fr::9a6f43fa-4406-4f8c-8a9f-6a6c2418bdff" providerId="AD" clId="Web-{1EB54B21-62D8-4672-B878-B9072B4D21B7}" dt="2024-05-20T21:32:58.570" v="20" actId="1076"/>
+          <ac:spMkLst>
+            <pc:docMk/>
+            <pc:sldMk cId="1255366357" sldId="270"/>
+            <ac:spMk id="2" creationId="{5BA72D9F-46AA-93C9-34C4-F2162A816D6E}"/>
+          </ac:spMkLst>
+        </pc:spChg>
+        <pc:graphicFrameChg chg="mod modGraphic">
+          <ac:chgData name="LAZREG Mehdi" userId="S::mehdi.lazreg@edu.devinci.fr::9a6f43fa-4406-4f8c-8a9f-6a6c2418bdff" providerId="AD" clId="Web-{1EB54B21-62D8-4672-B878-B9072B4D21B7}" dt="2024-05-20T21:34:17.338" v="60" actId="20577"/>
+          <ac:graphicFrameMkLst>
+            <pc:docMk/>
+            <pc:sldMk cId="1255366357" sldId="270"/>
+            <ac:graphicFrameMk id="110" creationId="{1C2075AE-D35E-D2B1-84AE-6EB53155D664}"/>
+          </ac:graphicFrameMkLst>
+        </pc:graphicFrameChg>
+      </pc:sldChg>
+    </pc:docChg>
+  </pc:docChgLst>
 </pc:chgInfo>
+</file>
+
+<file path=ppt/diagrams/colors1.xml><?xml version="1.0" encoding="utf-8"?>
+<dgm:colorsDef xmlns:dgm="http://schemas.openxmlformats.org/drawingml/2006/diagram" xmlns:a="http://schemas.openxmlformats.org/drawingml/2006/main" uniqueId="urn:microsoft.com/office/officeart/2005/8/colors/colorful3">
+  <dgm:title val=""/>
+  <dgm:desc val=""/>
+  <dgm:catLst>
+    <dgm:cat type="colorful" pri="10300"/>
+  </dgm:catLst>
+  <dgm:styleLbl name="node0">
+    <dgm:fillClrLst meth="repeat">
+      <a:schemeClr val="accent2"/>
+    </dgm:fillClrLst>
+    <dgm:linClrLst meth="repeat">
+      <a:schemeClr val="lt1"/>
+    </dgm:linClrLst>
+    <dgm:effectClrLst/>
+    <dgm:txLinClrLst/>
+    <dgm:txFillClrLst/>
+    <dgm:txEffectClrLst/>
+  </dgm:styleLbl>
+  <dgm:styleLbl name="node1">
+    <dgm:fillClrLst>
+      <a:schemeClr val="accent3"/>
+      <a:schemeClr val="accent4"/>
+    </dgm:fillClrLst>
+    <dgm:linClrLst meth="repeat">
+      <a:schemeClr val="lt1"/>
+    </dgm:linClrLst>
+    <dgm:effectClrLst/>
+    <dgm:txLinClrLst/>
+    <dgm:txFillClrLst/>
+    <dgm:txEffectClrLst/>
+  </dgm:styleLbl>
+  <dgm:styleLbl name="alignNode1">
+    <dgm:fillClrLst>
+      <a:schemeClr val="accent3"/>
+      <a:schemeClr val="accent4"/>
+    </dgm:fillClrLst>
+    <dgm:linClrLst>
+      <a:schemeClr val="accent3"/>
+      <a:schemeClr val="accent4"/>
+    </dgm:linClrLst>
+    <dgm:effectClrLst/>
+    <dgm:txLinClrLst/>
+    <dgm:txFillClrLst/>
+    <dgm:txEffectClrLst/>
+  </dgm:styleLbl>
+  <dgm:styleLbl name="lnNode1">
+    <dgm:fillClrLst>
+      <a:schemeClr val="accent3"/>
+      <a:schemeClr val="accent4"/>
+    </dgm:fillClrLst>
+    <dgm:linClrLst meth="repeat">
+      <a:schemeClr val="lt1"/>
+    </dgm:linClrLst>
+    <dgm:effectClrLst/>
+    <dgm:txLinClrLst/>
+    <dgm:txFillClrLst/>
+    <dgm:txEffectClrLst/>
+  </dgm:styleLbl>
+  <dgm:styleLbl name="vennNode1">
+    <dgm:fillClrLst>
+      <a:schemeClr val="accent3">
+        <a:alpha val="50000"/>
+      </a:schemeClr>
+      <a:schemeClr val="accent4">
+        <a:alpha val="50000"/>
+      </a:schemeClr>
+    </dgm:fillClrLst>
+    <dgm:linClrLst meth="repeat">
+      <a:schemeClr val="lt1"/>
+    </dgm:linClrLst>
+    <dgm:effectClrLst/>
+    <dgm:txLinClrLst/>
+    <dgm:txFillClrLst/>
+    <dgm:txEffectClrLst/>
+  </dgm:styleLbl>
+  <dgm:styleLbl name="node2">
+    <dgm:fillClrLst>
+      <a:schemeClr val="accent4"/>
+    </dgm:fillClrLst>
+    <dgm:linClrLst meth="repeat">
+      <a:schemeClr val="lt1"/>
+    </dgm:linClrLst>
+    <dgm:effectClrLst/>
+    <dgm:txLinClrLst/>
+    <dgm:txFillClrLst/>
+    <dgm:txEffectClrLst/>
+  </dgm:styleLbl>
+  <dgm:styleLbl name="node3">
+    <dgm:fillClrLst>
+      <a:schemeClr val="accent5"/>
+    </dgm:fillClrLst>
+    <dgm:linClrLst meth="repeat">
+      <a:schemeClr val="lt1"/>
+    </dgm:linClrLst>
+    <dgm:effectClrLst/>
+    <dgm:txLinClrLst/>
+    <dgm:txFillClrLst/>
+    <dgm:txEffectClrLst/>
+  </dgm:styleLbl>
+  <dgm:styleLbl name="node4">
+    <dgm:fillClrLst>
+      <a:schemeClr val="accent6"/>
+    </dgm:fillClrLst>
+    <dgm:linClrLst meth="repeat">
+      <a:schemeClr val="lt1"/>
+    </dgm:linClrLst>
+    <dgm:effectClrLst/>
+    <dgm:txLinClrLst/>
+    <dgm:txFillClrLst/>
+    <dgm:txEffectClrLst/>
+  </dgm:styleLbl>
+  <dgm:styleLbl name="fgImgPlace1">
+    <dgm:fillClrLst>
+      <a:schemeClr val="accent3">
+        <a:tint val="50000"/>
+      </a:schemeClr>
+      <a:schemeClr val="accent4">
+        <a:tint val="50000"/>
+      </a:schemeClr>
+    </dgm:fillClrLst>
+    <dgm:linClrLst meth="repeat">
+      <a:schemeClr val="lt1"/>
+    </dgm:linClrLst>
+    <dgm:effectClrLst/>
+    <dgm:txLinClrLst/>
+    <dgm:txFillClrLst meth="repeat">
+      <a:schemeClr val="lt1"/>
+    </dgm:txFillClrLst>
+    <dgm:txEffectClrLst/>
+  </dgm:styleLbl>
+  <dgm:styleLbl name="alignImgPlace1">
+    <dgm:fillClrLst>
+      <a:schemeClr val="accent3">
+        <a:tint val="50000"/>
+      </a:schemeClr>
+      <a:schemeClr val="accent4">
+        <a:tint val="20000"/>
+      </a:schemeClr>
+    </dgm:fillClrLst>
+    <dgm:linClrLst meth="repeat">
+      <a:schemeClr val="lt1"/>
+    </dgm:linClrLst>
+    <dgm:effectClrLst/>
+    <dgm:txLinClrLst/>
+    <dgm:txFillClrLst meth="repeat">
+      <a:schemeClr val="lt1"/>
+    </dgm:txFillClrLst>
+    <dgm:txEffectClrLst/>
+  </dgm:styleLbl>
+  <dgm:styleLbl name="bgImgPlace1">
+    <dgm:fillClrLst>
+      <a:schemeClr val="accent3">
+        <a:tint val="50000"/>
+      </a:schemeClr>
+      <a:schemeClr val="accent4">
+        <a:tint val="20000"/>
+      </a:schemeClr>
+    </dgm:fillClrLst>
+    <dgm:linClrLst meth="repeat">
+      <a:schemeClr val="lt1"/>
+    </dgm:linClrLst>
+    <dgm:effectClrLst/>
+    <dgm:txLinClrLst/>
+    <dgm:txFillClrLst meth="repeat">
+      <a:schemeClr val="lt1"/>
+    </dgm:txFillClrLst>
+    <dgm:txEffectClrLst/>
+  </dgm:styleLbl>
+  <dgm:styleLbl name="sibTrans2D1">
+    <dgm:fillClrLst>
+      <a:schemeClr val="accent3"/>
+      <a:schemeClr val="accent4"/>
+    </dgm:fillClrLst>
+    <dgm:linClrLst meth="repeat">
+      <a:schemeClr val="lt1"/>
+    </dgm:linClrLst>
+    <dgm:effectClrLst/>
+    <dgm:txLinClrLst/>
+    <dgm:txFillClrLst/>
+    <dgm:txEffectClrLst/>
+  </dgm:styleLbl>
+  <dgm:styleLbl name="fgSibTrans2D1">
+    <dgm:fillClrLst>
+      <a:schemeClr val="accent3"/>
+      <a:schemeClr val="accent4"/>
+    </dgm:fillClrLst>
+    <dgm:linClrLst meth="repeat">
+      <a:schemeClr val="lt1"/>
+    </dgm:linClrLst>
+    <dgm:effectClrLst/>
+    <dgm:txLinClrLst/>
+    <dgm:txFillClrLst meth="repeat">
+      <a:schemeClr val="lt1"/>
+    </dgm:txFillClrLst>
+    <dgm:txEffectClrLst/>
+  </dgm:styleLbl>
+  <dgm:styleLbl name="bgSibTrans2D1">
+    <dgm:fillClrLst>
+      <a:schemeClr val="accent3"/>
+      <a:schemeClr val="accent4"/>
+    </dgm:fillClrLst>
+    <dgm:linClrLst meth="repeat">
+      <a:schemeClr val="lt1"/>
+    </dgm:linClrLst>
+    <dgm:effectClrLst/>
+    <dgm:txLinClrLst/>
+    <dgm:txFillClrLst meth="repeat">
+      <a:schemeClr val="lt1"/>
+    </dgm:txFillClrLst>
+    <dgm:txEffectClrLst/>
+  </dgm:styleLbl>
+  <dgm:styleLbl name="sibTrans1D1">
+    <dgm:fillClrLst/>
+    <dgm:linClrLst>
+      <a:schemeClr val="accent3"/>
+      <a:schemeClr val="accent4"/>
+    </dgm:linClrLst>
+    <dgm:effectClrLst/>
+    <dgm:txLinClrLst/>
+    <dgm:txFillClrLst meth="repeat">
+      <a:schemeClr val="tx1"/>
+    </dgm:txFillClrLst>
+    <dgm:txEffectClrLst/>
+  </dgm:styleLbl>
+  <dgm:styleLbl name="callout">
+    <dgm:fillClrLst meth="repeat">
+      <a:schemeClr val="accent3"/>
+    </dgm:fillClrLst>
+    <dgm:linClrLst meth="repeat">
+      <a:schemeClr val="accent3">
+        <a:tint val="50000"/>
+      </a:schemeClr>
+    </dgm:linClrLst>
+    <dgm:effectClrLst/>
+    <dgm:txLinClrLst/>
+    <dgm:txFillClrLst meth="repeat">
+      <a:schemeClr val="tx1"/>
+    </dgm:txFillClrLst>
+    <dgm:txEffectClrLst/>
+  </dgm:styleLbl>
+  <dgm:styleLbl name="asst0">
+    <dgm:fillClrLst meth="repeat">
+      <a:schemeClr val="accent3"/>
+    </dgm:fillClrLst>
+    <dgm:linClrLst meth="repeat">
+      <a:schemeClr val="lt1">
+        <a:shade val="80000"/>
+      </a:schemeClr>
+    </dgm:linClrLst>
+    <dgm:effectClrLst/>
+    <dgm:txLinClrLst/>
+    <dgm:txFillClrLst/>
+    <dgm:txEffectClrLst/>
+  </dgm:styleLbl>
+  <dgm:styleLbl name="asst1">
+    <dgm:fillClrLst meth="repeat">
+      <a:schemeClr val="accent4"/>
+    </dgm:fillClrLst>
+    <dgm:linClrLst meth="repeat">
+      <a:schemeClr val="lt1">
+        <a:shade val="80000"/>
+      </a:schemeClr>
+    </dgm:linClrLst>
+    <dgm:effectClrLst/>
+    <dgm:txLinClrLst/>
+    <dgm:txFillClrLst/>
+    <dgm:txEffectClrLst/>
+  </dgm:styleLbl>
+  <dgm:styleLbl name="asst2">
+    <dgm:fillClrLst>
+      <a:schemeClr val="accent5"/>
+    </dgm:fillClrLst>
+    <dgm:linClrLst meth="repeat">
+      <a:schemeClr val="lt1"/>
+    </dgm:linClrLst>
+    <dgm:effectClrLst/>
+    <dgm:txLinClrLst/>
+    <dgm:txFillClrLst/>
+    <dgm:txEffectClrLst/>
+  </dgm:styleLbl>
+  <dgm:styleLbl name="asst3">
+    <dgm:fillClrLst>
+      <a:schemeClr val="accent6"/>
+    </dgm:fillClrLst>
+    <dgm:linClrLst meth="repeat">
+      <a:schemeClr val="lt1"/>
+    </dgm:linClrLst>
+    <dgm:effectClrLst/>
+    <dgm:txLinClrLst/>
+    <dgm:txFillClrLst/>
+    <dgm:txEffectClrLst/>
+  </dgm:styleLbl>
+  <dgm:styleLbl name="asst4">
+    <dgm:fillClrLst>
+      <a:schemeClr val="accent1"/>
+    </dgm:fillClrLst>
+    <dgm:linClrLst meth="repeat">
+      <a:schemeClr val="lt1"/>
+    </dgm:linClrLst>
+    <dgm:effectClrLst/>
+    <dgm:txLinClrLst/>
+    <dgm:txFillClrLst/>
+    <dgm:txEffectClrLst/>
+  </dgm:styleLbl>
+  <dgm:styleLbl name="parChTrans2D1">
+    <dgm:fillClrLst meth="repeat">
+      <a:schemeClr val="accent2"/>
+    </dgm:fillClrLst>
+    <dgm:linClrLst meth="repeat">
+      <a:schemeClr val="lt1"/>
+    </dgm:linClrLst>
+    <dgm:effectClrLst/>
+    <dgm:txLinClrLst/>
+    <dgm:txFillClrLst meth="repeat">
+      <a:schemeClr val="lt1"/>
+    </dgm:txFillClrLst>
+    <dgm:txEffectClrLst/>
+  </dgm:styleLbl>
+  <dgm:styleLbl name="parChTrans2D2">
+    <dgm:fillClrLst meth="repeat">
+      <a:schemeClr val="accent3"/>
+    </dgm:fillClrLst>
+    <dgm:linClrLst meth="repeat">
+      <a:schemeClr val="lt1"/>
+    </dgm:linClrLst>
+    <dgm:effectClrLst/>
+    <dgm:txLinClrLst/>
+    <dgm:txFillClrLst/>
+    <dgm:txEffectClrLst/>
+  </dgm:styleLbl>
+  <dgm:styleLbl name="parChTrans2D3">
+    <dgm:fillClrLst meth="repeat">
+      <a:schemeClr val="accent4"/>
+    </dgm:fillClrLst>
+    <dgm:linClrLst meth="repeat">
+      <a:schemeClr val="lt1"/>
+    </dgm:linClrLst>
+    <dgm:effectClrLst/>
+    <dgm:txLinClrLst/>
+    <dgm:txFillClrLst/>
+    <dgm:txEffectClrLst/>
+  </dgm:styleLbl>
+  <dgm:styleLbl name="parChTrans2D4">
+    <dgm:fillClrLst meth="repeat">
+      <a:schemeClr val="accent5"/>
+    </dgm:fillClrLst>
+    <dgm:linClrLst meth="repeat">
+      <a:schemeClr val="lt1"/>
+    </dgm:linClrLst>
+    <dgm:effectClrLst/>
+    <dgm:txLinClrLst/>
+    <dgm:txFillClrLst meth="repeat">
+      <a:schemeClr val="lt1"/>
+    </dgm:txFillClrLst>
+    <dgm:txEffectClrLst/>
+  </dgm:styleLbl>
+  <dgm:styleLbl name="parChTrans1D1">
+    <dgm:fillClrLst meth="repeat">
+      <a:schemeClr val="accent3"/>
+    </dgm:fillClrLst>
+    <dgm:linClrLst meth="repeat">
+      <a:schemeClr val="accent3"/>
+    </dgm:linClrLst>
+    <dgm:effectClrLst/>
+    <dgm:txLinClrLst/>
+    <dgm:txFillClrLst meth="repeat">
+      <a:schemeClr val="tx1"/>
+    </dgm:txFillClrLst>
+    <dgm:txEffectClrLst/>
+  </dgm:styleLbl>
+  <dgm:styleLbl name="parChTrans1D2">
+    <dgm:fillClrLst meth="repeat">
+      <a:schemeClr val="accent2">
+        <a:tint val="90000"/>
+      </a:schemeClr>
+    </dgm:fillClrLst>
+    <dgm:linClrLst meth="repeat">
+      <a:schemeClr val="accent4"/>
+    </dgm:linClrLst>
+    <dgm:effectClrLst/>
+    <dgm:txLinClrLst/>
+    <dgm:txFillClrLst meth="repeat">
+      <a:schemeClr val="tx1"/>
+    </dgm:txFillClrLst>
+    <dgm:txEffectClrLst/>
+  </dgm:styleLbl>
+  <dgm:styleLbl name="parChTrans1D3">
+    <dgm:fillClrLst meth="repeat">
+      <a:schemeClr val="accent2">
+        <a:tint val="70000"/>
+      </a:schemeClr>
+    </dgm:fillClrLst>
+    <dgm:linClrLst meth="repeat">
+      <a:schemeClr val="accent5"/>
+    </dgm:linClrLst>
+    <dgm:effectClrLst/>
+    <dgm:txLinClrLst/>
+    <dgm:txFillClrLst meth="repeat">
+      <a:schemeClr val="tx1"/>
+    </dgm:txFillClrLst>
+    <dgm:txEffectClrLst/>
+  </dgm:styleLbl>
+  <dgm:styleLbl name="parChTrans1D4">
+    <dgm:fillClrLst meth="repeat">
+      <a:schemeClr val="accent6">
+        <a:tint val="50000"/>
+      </a:schemeClr>
+    </dgm:fillClrLst>
+    <dgm:linClrLst meth="repeat">
+      <a:schemeClr val="accent6"/>
+    </dgm:linClrLst>
+    <dgm:effectClrLst/>
+    <dgm:txLinClrLst/>
+    <dgm:txFillClrLst meth="repeat">
+      <a:schemeClr val="tx1"/>
+    </dgm:txFillClrLst>
+    <dgm:txEffectClrLst/>
+  </dgm:styleLbl>
+  <dgm:styleLbl name="fgAcc1">
+    <dgm:fillClrLst meth="repeat">
+      <a:schemeClr val="lt1">
+        <a:alpha val="90000"/>
+      </a:schemeClr>
+    </dgm:fillClrLst>
+    <dgm:linClrLst>
+      <a:schemeClr val="accent3"/>
+      <a:schemeClr val="accent4"/>
+    </dgm:linClrLst>
+    <dgm:effectClrLst/>
+    <dgm:txLinClrLst/>
+    <dgm:txFillClrLst meth="repeat">
+      <a:schemeClr val="dk1"/>
+    </dgm:txFillClrLst>
+    <dgm:txEffectClrLst/>
+  </dgm:styleLbl>
+  <dgm:styleLbl name="conFgAcc1">
+    <dgm:fillClrLst meth="repeat">
+      <a:schemeClr val="lt1">
+        <a:alpha val="90000"/>
+      </a:schemeClr>
+    </dgm:fillClrLst>
+    <dgm:linClrLst>
+      <a:schemeClr val="accent3"/>
+      <a:schemeClr val="accent4"/>
+    </dgm:linClrLst>
+    <dgm:effectClrLst/>
+    <dgm:txLinClrLst/>
+    <dgm:txFillClrLst meth="repeat">
+      <a:schemeClr val="dk1"/>
+    </dgm:txFillClrLst>
+    <dgm:txEffectClrLst/>
+  </dgm:styleLbl>
+  <dgm:styleLbl name="alignAcc1">
+    <dgm:fillClrLst meth="repeat">
+      <a:schemeClr val="lt1">
+        <a:alpha val="90000"/>
+      </a:schemeClr>
+    </dgm:fillClrLst>
+    <dgm:linClrLst>
+      <a:schemeClr val="accent3"/>
+      <a:schemeClr val="accent4"/>
+    </dgm:linClrLst>
+    <dgm:effectClrLst/>
+    <dgm:txLinClrLst/>
+    <dgm:txFillClrLst meth="repeat">
+      <a:schemeClr val="dk1"/>
+    </dgm:txFillClrLst>
+    <dgm:txEffectClrLst/>
+  </dgm:styleLbl>
+  <dgm:styleLbl name="trAlignAcc1">
+    <dgm:fillClrLst meth="repeat">
+      <a:schemeClr val="lt1">
+        <a:alpha val="40000"/>
+      </a:schemeClr>
+    </dgm:fillClrLst>
+    <dgm:linClrLst meth="repeat">
+      <a:schemeClr val="accent2"/>
+    </dgm:linClrLst>
+    <dgm:effectClrLst/>
+    <dgm:txLinClrLst/>
+    <dgm:txFillClrLst meth="repeat">
+      <a:schemeClr val="dk1"/>
+    </dgm:txFillClrLst>
+    <dgm:txEffectClrLst/>
+  </dgm:styleLbl>
+  <dgm:styleLbl name="bgAcc1">
+    <dgm:fillClrLst meth="repeat">
+      <a:schemeClr val="lt1">
+        <a:alpha val="90000"/>
+      </a:schemeClr>
+    </dgm:fillClrLst>
+    <dgm:linClrLst>
+      <a:schemeClr val="accent3"/>
+      <a:schemeClr val="accent4"/>
+    </dgm:linClrLst>
+    <dgm:effectClrLst/>
+    <dgm:txLinClrLst/>
+    <dgm:txFillClrLst meth="repeat">
+      <a:schemeClr val="dk1"/>
+    </dgm:txFillClrLst>
+    <dgm:txEffectClrLst/>
+  </dgm:styleLbl>
+  <dgm:styleLbl name="solidFgAcc1">
+    <dgm:fillClrLst meth="repeat">
+      <a:schemeClr val="lt1"/>
+    </dgm:fillClrLst>
+    <dgm:linClrLst>
+      <a:schemeClr val="accent3"/>
+      <a:schemeClr val="accent4"/>
+    </dgm:linClrLst>
+    <dgm:effectClrLst/>
+    <dgm:txLinClrLst/>
+    <dgm:txFillClrLst meth="repeat">
+      <a:schemeClr val="dk1"/>
+    </dgm:txFillClrLst>
+    <dgm:txEffectClrLst/>
+  </dgm:styleLbl>
+  <dgm:styleLbl name="solidAlignAcc1">
+    <dgm:fillClrLst meth="repeat">
+      <a:schemeClr val="lt1"/>
+    </dgm:fillClrLst>
+    <dgm:linClrLst>
+      <a:schemeClr val="accent3"/>
+      <a:schemeClr val="accent4"/>
+    </dgm:linClrLst>
+    <dgm:effectClrLst/>
+    <dgm:txLinClrLst/>
+    <dgm:txFillClrLst meth="repeat">
+      <a:schemeClr val="dk1"/>
+    </dgm:txFillClrLst>
+    <dgm:txEffectClrLst/>
+  </dgm:styleLbl>
+  <dgm:styleLbl name="solidBgAcc1">
+    <dgm:fillClrLst meth="repeat">
+      <a:schemeClr val="lt1"/>
+    </dgm:fillClrLst>
+    <dgm:linClrLst>
+      <a:schemeClr val="accent3"/>
+      <a:schemeClr val="accent4"/>
+    </dgm:linClrLst>
+    <dgm:effectClrLst/>
+    <dgm:txLinClrLst/>
+    <dgm:txFillClrLst meth="repeat">
+      <a:schemeClr val="dk1"/>
+    </dgm:txFillClrLst>
+    <dgm:txEffectClrLst/>
+  </dgm:styleLbl>
+  <dgm:styleLbl name="fgAccFollowNode1">
+    <dgm:fillClrLst>
+      <a:schemeClr val="accent3">
+        <a:tint val="40000"/>
+        <a:alpha val="90000"/>
+      </a:schemeClr>
+      <a:schemeClr val="accent4">
+        <a:tint val="40000"/>
+        <a:alpha val="90000"/>
+      </a:schemeClr>
+    </dgm:fillClrLst>
+    <dgm:linClrLst>
+      <a:schemeClr val="accent3">
+        <a:tint val="40000"/>
+        <a:alpha val="90000"/>
+      </a:schemeClr>
+      <a:schemeClr val="accent4">
+        <a:tint val="40000"/>
+        <a:alpha val="90000"/>
+      </a:schemeClr>
+    </dgm:linClrLst>
+    <dgm:effectClrLst/>
+    <dgm:txLinClrLst/>
+    <dgm:txFillClrLst meth="repeat">
+      <a:schemeClr val="dk1"/>
+    </dgm:txFillClrLst>
+    <dgm:txEffectClrLst/>
+  </dgm:styleLbl>
+  <dgm:styleLbl name="alignAccFollowNode1">
+    <dgm:fillClrLst>
+      <a:schemeClr val="accent3">
+        <a:tint val="40000"/>
+        <a:alpha val="90000"/>
+      </a:schemeClr>
+      <a:schemeClr val="accent4">
+        <a:tint val="40000"/>
+        <a:alpha val="90000"/>
+      </a:schemeClr>
+    </dgm:fillClrLst>
+    <dgm:linClrLst>
+      <a:schemeClr val="accent3">
+        <a:tint val="40000"/>
+        <a:alpha val="90000"/>
+      </a:schemeClr>
+      <a:schemeClr val="accent4">
+        <a:tint val="40000"/>
+        <a:alpha val="90000"/>
+      </a:schemeClr>
+    </dgm:linClrLst>
+    <dgm:effectClrLst/>
+    <dgm:txLinClrLst/>
+    <dgm:txFillClrLst meth="repeat">
+      <a:schemeClr val="dk1"/>
+    </dgm:txFillClrLst>
+    <dgm:txEffectClrLst/>
+  </dgm:styleLbl>
+  <dgm:styleLbl name="bgAccFollowNode1">
+    <dgm:fillClrLst>
+      <a:schemeClr val="accent3">
+        <a:tint val="40000"/>
+        <a:alpha val="90000"/>
+      </a:schemeClr>
+      <a:schemeClr val="accent4">
+        <a:tint val="40000"/>
+        <a:alpha val="90000"/>
+      </a:schemeClr>
+    </dgm:fillClrLst>
+    <dgm:linClrLst>
+      <a:schemeClr val="accent3">
+        <a:tint val="40000"/>
+        <a:alpha val="90000"/>
+      </a:schemeClr>
+      <a:schemeClr val="accent4">
+        <a:tint val="40000"/>
+        <a:alpha val="90000"/>
+      </a:schemeClr>
+    </dgm:linClrLst>
+    <dgm:effectClrLst/>
+    <dgm:txLinClrLst/>
+    <dgm:txFillClrLst meth="repeat">
+      <a:schemeClr val="dk1"/>
+    </dgm:txFillClrLst>
+    <dgm:txEffectClrLst/>
+  </dgm:styleLbl>
+  <dgm:styleLbl name="fgAcc0">
+    <dgm:fillClrLst meth="repeat">
+      <a:schemeClr val="lt1">
+        <a:alpha val="90000"/>
+      </a:schemeClr>
+    </dgm:fillClrLst>
+    <dgm:linClrLst>
+      <a:schemeClr val="accent2"/>
+    </dgm:linClrLst>
+    <dgm:effectClrLst/>
+    <dgm:txLinClrLst/>
+    <dgm:txFillClrLst meth="repeat">
+      <a:schemeClr val="dk1"/>
+    </dgm:txFillClrLst>
+    <dgm:txEffectClrLst/>
+  </dgm:styleLbl>
+  <dgm:styleLbl name="fgAcc2">
+    <dgm:fillClrLst meth="repeat">
+      <a:schemeClr val="lt1">
+        <a:alpha val="90000"/>
+      </a:schemeClr>
+    </dgm:fillClrLst>
+    <dgm:linClrLst>
+      <a:schemeClr val="accent4"/>
+    </dgm:linClrLst>
+    <dgm:effectClrLst/>
+    <dgm:txLinClrLst/>
+    <dgm:txFillClrLst meth="repeat">
+      <a:schemeClr val="dk1"/>
+    </dgm:txFillClrLst>
+    <dgm:txEffectClrLst/>
+  </dgm:styleLbl>
+  <dgm:styleLbl name="fgAcc3">
+    <dgm:fillClrLst meth="repeat">
+      <a:schemeClr val="lt1">
+        <a:alpha val="90000"/>
+      </a:schemeClr>
+    </dgm:fillClrLst>
+    <dgm:linClrLst>
+      <a:schemeClr val="accent5"/>
+    </dgm:linClrLst>
+    <dgm:effectClrLst/>
+    <dgm:txLinClrLst/>
+    <dgm:txFillClrLst meth="repeat">
+      <a:schemeClr val="dk1"/>
+    </dgm:txFillClrLst>
+    <dgm:txEffectClrLst/>
+  </dgm:styleLbl>
+  <dgm:styleLbl name="fgAcc4">
+    <dgm:fillClrLst meth="repeat">
+      <a:schemeClr val="lt1">
+        <a:alpha val="90000"/>
+      </a:schemeClr>
+    </dgm:fillClrLst>
+    <dgm:linClrLst>
+      <a:schemeClr val="accent6"/>
+    </dgm:linClrLst>
+    <dgm:effectClrLst/>
+    <dgm:txLinClrLst/>
+    <dgm:txFillClrLst meth="repeat">
+      <a:schemeClr val="dk1"/>
+    </dgm:txFillClrLst>
+    <dgm:txEffectClrLst/>
+  </dgm:styleLbl>
+  <dgm:styleLbl name="bgShp">
+    <dgm:fillClrLst meth="repeat">
+      <a:schemeClr val="accent3">
+        <a:tint val="40000"/>
+      </a:schemeClr>
+    </dgm:fillClrLst>
+    <dgm:linClrLst meth="repeat">
+      <a:schemeClr val="dk1"/>
+    </dgm:linClrLst>
+    <dgm:effectClrLst/>
+    <dgm:txLinClrLst/>
+    <dgm:txFillClrLst meth="repeat">
+      <a:schemeClr val="dk1"/>
+    </dgm:txFillClrLst>
+    <dgm:txEffectClrLst/>
+  </dgm:styleLbl>
+  <dgm:styleLbl name="dkBgShp">
+    <dgm:fillClrLst meth="repeat">
+      <a:schemeClr val="accent3">
+        <a:shade val="90000"/>
+      </a:schemeClr>
+    </dgm:fillClrLst>
+    <dgm:linClrLst meth="repeat">
+      <a:schemeClr val="dk1"/>
+    </dgm:linClrLst>
+    <dgm:effectClrLst/>
+    <dgm:txLinClrLst/>
+    <dgm:txFillClrLst meth="repeat">
+      <a:schemeClr val="lt1"/>
+    </dgm:txFillClrLst>
+    <dgm:txEffectClrLst/>
+  </dgm:styleLbl>
+  <dgm:styleLbl name="trBgShp">
+    <dgm:fillClrLst meth="repeat">
+      <a:schemeClr val="accent2">
+        <a:tint val="50000"/>
+        <a:alpha val="40000"/>
+      </a:schemeClr>
+    </dgm:fillClrLst>
+    <dgm:linClrLst meth="repeat">
+      <a:schemeClr val="accent3"/>
+    </dgm:linClrLst>
+    <dgm:effectClrLst/>
+    <dgm:txLinClrLst/>
+    <dgm:txFillClrLst meth="repeat">
+      <a:schemeClr val="lt1"/>
+    </dgm:txFillClrLst>
+    <dgm:txEffectClrLst/>
+  </dgm:styleLbl>
+  <dgm:styleLbl name="fgShp">
+    <dgm:fillClrLst meth="repeat">
+      <a:schemeClr val="accent3">
+        <a:tint val="40000"/>
+      </a:schemeClr>
+    </dgm:fillClrLst>
+    <dgm:linClrLst meth="repeat">
+      <a:schemeClr val="lt1"/>
+    </dgm:linClrLst>
+    <dgm:effectClrLst/>
+    <dgm:txLinClrLst/>
+    <dgm:txFillClrLst meth="repeat">
+      <a:schemeClr val="dk1"/>
+    </dgm:txFillClrLst>
+    <dgm:txEffectClrLst/>
+  </dgm:styleLbl>
+  <dgm:styleLbl name="revTx">
+    <dgm:fillClrLst meth="repeat">
+      <a:schemeClr val="lt1">
+        <a:alpha val="0"/>
+      </a:schemeClr>
+    </dgm:fillClrLst>
+    <dgm:linClrLst meth="repeat">
+      <a:schemeClr val="dk1">
+        <a:alpha val="0"/>
+      </a:schemeClr>
+    </dgm:linClrLst>
+    <dgm:effectClrLst/>
+    <dgm:txLinClrLst/>
+    <dgm:txFillClrLst meth="repeat">
+      <a:schemeClr val="tx1"/>
+    </dgm:txFillClrLst>
+    <dgm:txEffectClrLst/>
+  </dgm:styleLbl>
+</dgm:colorsDef>
+</file>
+
+<file path=ppt/diagrams/data1.xml><?xml version="1.0" encoding="utf-8"?>
+<dgm:dataModel xmlns:dgm="http://schemas.openxmlformats.org/drawingml/2006/diagram" xmlns:a="http://schemas.openxmlformats.org/drawingml/2006/main">
+  <dgm:ptLst>
+    <dgm:pt modelId="{6769F4FD-5405-4234-B4A7-C684740C4367}" type="doc">
+      <dgm:prSet loTypeId="urn:microsoft.com/office/officeart/2005/8/layout/bProcess3" loCatId="process" qsTypeId="urn:microsoft.com/office/officeart/2005/8/quickstyle/simple5" qsCatId="simple" csTypeId="urn:microsoft.com/office/officeart/2005/8/colors/colorful3" csCatId="colorful" phldr="1"/>
+      <dgm:spPr/>
+      <dgm:t>
+        <a:bodyPr/>
+        <a:lstStyle/>
+        <a:p>
+          <a:endParaRPr lang="fr-FR"/>
+        </a:p>
+      </dgm:t>
+    </dgm:pt>
+    <dgm:pt modelId="{C0A2ED24-8FDF-4C1E-AC75-F4B9A5241459}">
+      <dgm:prSet phldrT="[Texte]" phldr="0"/>
+      <dgm:spPr/>
+      <dgm:t>
+        <a:bodyPr/>
+        <a:lstStyle/>
+        <a:p>
+          <a:pPr algn="l" rtl="0">
+            <a:lnSpc>
+              <a:spcPct val="90000"/>
+            </a:lnSpc>
+          </a:pPr>
+          <a:r>
+            <a:rPr lang="fr-FR" b="1" dirty="0">
+              <a:latin typeface="Gill Sans MT"/>
+              <a:ea typeface="Verdana"/>
+              <a:cs typeface="Arial"/>
+            </a:rPr>
+            <a:t>1. Report  2.GitHub  3.Presentation</a:t>
+          </a:r>
+          <a:endParaRPr lang="fr-FR" dirty="0"/>
+        </a:p>
+      </dgm:t>
+    </dgm:pt>
+    <dgm:pt modelId="{9676B7B0-DAD3-4A3B-A69E-2EA2D2F3DC71}" type="parTrans" cxnId="{FE56C9B3-4019-49EB-A548-4306275B1592}">
+      <dgm:prSet/>
+      <dgm:spPr/>
+      <dgm:t>
+        <a:bodyPr/>
+        <a:lstStyle/>
+        <a:p>
+          <a:endParaRPr lang="fr-FR"/>
+        </a:p>
+      </dgm:t>
+    </dgm:pt>
+    <dgm:pt modelId="{86C09BDC-3F22-4081-9BD9-8067D175E383}" type="sibTrans" cxnId="{FE56C9B3-4019-49EB-A548-4306275B1592}">
+      <dgm:prSet/>
+      <dgm:spPr/>
+      <dgm:t>
+        <a:bodyPr/>
+        <a:lstStyle/>
+        <a:p>
+          <a:endParaRPr lang="fr-FR"/>
+        </a:p>
+      </dgm:t>
+    </dgm:pt>
+    <dgm:pt modelId="{712EC0CE-C8C3-46DB-976B-739E93B2DA20}">
+      <dgm:prSet phldr="0"/>
+      <dgm:spPr/>
+      <dgm:t>
+        <a:bodyPr/>
+        <a:lstStyle/>
+        <a:p>
+          <a:pPr algn="l" rtl="0">
+            <a:lnSpc>
+              <a:spcPct val="90000"/>
+            </a:lnSpc>
+          </a:pPr>
+          <a:r>
+            <a:rPr lang="fr-FR" b="1" dirty="0">
+              <a:latin typeface="Gill Sans MT"/>
+              <a:ea typeface="Verdana"/>
+              <a:cs typeface="Arial"/>
+            </a:rPr>
+            <a:t>Software </a:t>
+          </a:r>
+          <a:r>
+            <a:rPr lang="fr-FR" b="1" dirty="0" err="1">
+              <a:latin typeface="Gill Sans MT"/>
+              <a:ea typeface="Verdana"/>
+              <a:cs typeface="Arial"/>
+            </a:rPr>
+            <a:t>Requirements</a:t>
+          </a:r>
+          <a:endParaRPr lang="fr-FR" b="1" dirty="0">
+            <a:latin typeface="Gill Sans MT"/>
+            <a:ea typeface="Verdana"/>
+            <a:cs typeface="Arial"/>
+          </a:endParaRPr>
+        </a:p>
+      </dgm:t>
+    </dgm:pt>
+    <dgm:pt modelId="{73998DAE-AC3E-4EDC-A6E7-D216CADB18A3}" type="parTrans" cxnId="{BC1604EB-2B43-4728-B819-72D67C540EDE}">
+      <dgm:prSet/>
+      <dgm:spPr/>
+    </dgm:pt>
+    <dgm:pt modelId="{A27AE093-5D4E-4758-B321-CA5519BAA42E}" type="sibTrans" cxnId="{BC1604EB-2B43-4728-B819-72D67C540EDE}">
+      <dgm:prSet/>
+      <dgm:spPr/>
+      <dgm:t>
+        <a:bodyPr/>
+        <a:lstStyle/>
+        <a:p>
+          <a:endParaRPr lang="fr-FR"/>
+        </a:p>
+      </dgm:t>
+    </dgm:pt>
+    <dgm:pt modelId="{9E80DC0D-447A-4F2B-A9E0-7C6383DDCD30}">
+      <dgm:prSet phldr="0"/>
+      <dgm:spPr/>
+      <dgm:t>
+        <a:bodyPr/>
+        <a:lstStyle/>
+        <a:p>
+          <a:pPr algn="l">
+            <a:lnSpc>
+              <a:spcPct val="90000"/>
+            </a:lnSpc>
+          </a:pPr>
+          <a:r>
+            <a:rPr lang="fr-FR" b="1" dirty="0">
+              <a:latin typeface="Gill Sans MT"/>
+              <a:ea typeface="Verdana"/>
+              <a:cs typeface="Arial"/>
+            </a:rPr>
+            <a:t>Black-Box </a:t>
+          </a:r>
+          <a:r>
+            <a:rPr lang="fr-FR" b="1" dirty="0" err="1">
+              <a:latin typeface="Gill Sans MT"/>
+              <a:ea typeface="Verdana"/>
+              <a:cs typeface="Arial"/>
+            </a:rPr>
+            <a:t>Testing</a:t>
+          </a:r>
+          <a:r>
+            <a:rPr lang="fr-FR" b="1" dirty="0">
+              <a:latin typeface="Gill Sans MT"/>
+              <a:ea typeface="Verdana"/>
+              <a:cs typeface="Arial"/>
+            </a:rPr>
+            <a:t>/Test Cases</a:t>
+          </a:r>
+          <a:endParaRPr lang="en-US" b="1" dirty="0">
+            <a:latin typeface="Gill Sans MT"/>
+            <a:ea typeface="Verdana"/>
+            <a:cs typeface="Arial"/>
+          </a:endParaRPr>
+        </a:p>
+      </dgm:t>
+    </dgm:pt>
+    <dgm:pt modelId="{3C6B362E-0847-423A-B3DC-0F22CF33A6A4}" type="parTrans" cxnId="{5E93A698-7CB6-481F-85B9-728017127068}">
+      <dgm:prSet/>
+      <dgm:spPr/>
+    </dgm:pt>
+    <dgm:pt modelId="{C41F13E2-4B23-487F-89DF-39190E3F8C7D}" type="sibTrans" cxnId="{5E93A698-7CB6-481F-85B9-728017127068}">
+      <dgm:prSet/>
+      <dgm:spPr/>
+      <dgm:t>
+        <a:bodyPr/>
+        <a:lstStyle/>
+        <a:p>
+          <a:endParaRPr lang="fr-FR"/>
+        </a:p>
+      </dgm:t>
+    </dgm:pt>
+    <dgm:pt modelId="{2ED845F8-A61A-4AB0-9014-0E960847FACE}">
+      <dgm:prSet phldr="0"/>
+      <dgm:spPr/>
+      <dgm:t>
+        <a:bodyPr/>
+        <a:lstStyle/>
+        <a:p>
+          <a:pPr algn="l">
+            <a:lnSpc>
+              <a:spcPct val="90000"/>
+            </a:lnSpc>
+          </a:pPr>
+          <a:r>
+            <a:rPr lang="fr-FR" b="1" dirty="0">
+              <a:latin typeface="Gill Sans MT"/>
+              <a:ea typeface="Verdana"/>
+              <a:cs typeface="Arial"/>
+            </a:rPr>
+            <a:t>Design</a:t>
+          </a:r>
+          <a:endParaRPr lang="en-US" b="1" dirty="0">
+            <a:latin typeface="Gill Sans MT"/>
+            <a:ea typeface="Verdana"/>
+            <a:cs typeface="Arial"/>
+          </a:endParaRPr>
+        </a:p>
+      </dgm:t>
+    </dgm:pt>
+    <dgm:pt modelId="{3049D2F5-0ACF-4F56-9B76-EA4B52214461}" type="parTrans" cxnId="{6056266A-7669-444E-9937-09FD784881A3}">
+      <dgm:prSet/>
+      <dgm:spPr/>
+    </dgm:pt>
+    <dgm:pt modelId="{4933C9C2-F68C-410E-A22F-70DB24428A9B}" type="sibTrans" cxnId="{6056266A-7669-444E-9937-09FD784881A3}">
+      <dgm:prSet/>
+      <dgm:spPr/>
+      <dgm:t>
+        <a:bodyPr/>
+        <a:lstStyle/>
+        <a:p>
+          <a:endParaRPr lang="fr-FR"/>
+        </a:p>
+      </dgm:t>
+    </dgm:pt>
+    <dgm:pt modelId="{523057AC-4174-43F4-835F-544F3A74095C}">
+      <dgm:prSet phldr="0"/>
+      <dgm:spPr/>
+      <dgm:t>
+        <a:bodyPr/>
+        <a:lstStyle/>
+        <a:p>
+          <a:pPr algn="l">
+            <a:lnSpc>
+              <a:spcPct val="90000"/>
+            </a:lnSpc>
+          </a:pPr>
+          <a:r>
+            <a:rPr lang="fr-FR" b="1" dirty="0">
+              <a:latin typeface="Gill Sans MT"/>
+              <a:ea typeface="Verdana"/>
+              <a:cs typeface="Arial"/>
+            </a:rPr>
+            <a:t>Software Design</a:t>
+          </a:r>
+          <a:endParaRPr lang="en-US" b="1" dirty="0">
+            <a:latin typeface="Gill Sans MT"/>
+            <a:ea typeface="Verdana"/>
+            <a:cs typeface="Arial"/>
+          </a:endParaRPr>
+        </a:p>
+      </dgm:t>
+    </dgm:pt>
+    <dgm:pt modelId="{C52AE4A5-7B45-4868-B2C5-B28AF4CA5706}" type="parTrans" cxnId="{048B596B-61D4-4BB0-B720-892F6C3E7853}">
+      <dgm:prSet/>
+      <dgm:spPr/>
+    </dgm:pt>
+    <dgm:pt modelId="{4604F7F7-6866-4000-B973-F51F2D5B2D14}" type="sibTrans" cxnId="{048B596B-61D4-4BB0-B720-892F6C3E7853}">
+      <dgm:prSet/>
+      <dgm:spPr/>
+      <dgm:t>
+        <a:bodyPr/>
+        <a:lstStyle/>
+        <a:p>
+          <a:endParaRPr lang="fr-FR"/>
+        </a:p>
+      </dgm:t>
+    </dgm:pt>
+    <dgm:pt modelId="{11ABD257-24D9-4D14-A822-143C78C634D5}">
+      <dgm:prSet phldr="0"/>
+      <dgm:spPr/>
+      <dgm:t>
+        <a:bodyPr/>
+        <a:lstStyle/>
+        <a:p>
+          <a:pPr algn="l">
+            <a:lnSpc>
+              <a:spcPct val="90000"/>
+            </a:lnSpc>
+          </a:pPr>
+          <a:r>
+            <a:rPr lang="fr-FR" b="1" dirty="0" err="1">
+              <a:latin typeface="Gill Sans MT"/>
+              <a:ea typeface="Verdana"/>
+              <a:cs typeface="Arial"/>
+            </a:rPr>
+            <a:t>Implementation</a:t>
+          </a:r>
+          <a:endParaRPr lang="fr-FR" b="1" dirty="0">
+            <a:latin typeface="Gill Sans MT"/>
+            <a:ea typeface="Verdana"/>
+            <a:cs typeface="Arial"/>
+          </a:endParaRPr>
+        </a:p>
+      </dgm:t>
+    </dgm:pt>
+    <dgm:pt modelId="{0BD5AD2D-74FE-4AF3-A251-167FAB388E7F}" type="parTrans" cxnId="{BAC7D5CC-A03E-443E-9513-0EF0CEB2B1A1}">
+      <dgm:prSet/>
+      <dgm:spPr/>
+    </dgm:pt>
+    <dgm:pt modelId="{A35C25F3-EC72-4924-B2E6-716B8AD1FB11}" type="sibTrans" cxnId="{BAC7D5CC-A03E-443E-9513-0EF0CEB2B1A1}">
+      <dgm:prSet/>
+      <dgm:spPr/>
+      <dgm:t>
+        <a:bodyPr/>
+        <a:lstStyle/>
+        <a:p>
+          <a:endParaRPr lang="fr-FR"/>
+        </a:p>
+      </dgm:t>
+    </dgm:pt>
+    <dgm:pt modelId="{EE8D8A9A-B4CB-4320-B2FC-7A7679825048}">
+      <dgm:prSet phldr="0"/>
+      <dgm:spPr/>
+      <dgm:t>
+        <a:bodyPr/>
+        <a:lstStyle/>
+        <a:p>
+          <a:pPr algn="l" rtl="0">
+            <a:lnSpc>
+              <a:spcPct val="90000"/>
+            </a:lnSpc>
+          </a:pPr>
+          <a:r>
+            <a:rPr lang="fr-FR" b="1" dirty="0" err="1">
+              <a:latin typeface="Gill Sans MT"/>
+              <a:ea typeface="Verdana"/>
+              <a:cs typeface="Arial"/>
+            </a:rPr>
+            <a:t>Testing</a:t>
+          </a:r>
+          <a:endParaRPr lang="fr-FR" b="1" dirty="0">
+            <a:latin typeface="Gill Sans MT"/>
+            <a:ea typeface="Verdana"/>
+            <a:cs typeface="Arial"/>
+          </a:endParaRPr>
+        </a:p>
+      </dgm:t>
+    </dgm:pt>
+    <dgm:pt modelId="{368F3109-15B3-45A3-B853-2048D0EF76A3}" type="parTrans" cxnId="{DC05A641-9C5E-44B1-8B44-F539BC875557}">
+      <dgm:prSet/>
+      <dgm:spPr/>
+    </dgm:pt>
+    <dgm:pt modelId="{81B29395-DDF8-4124-927F-A94C07E0FEFD}" type="sibTrans" cxnId="{DC05A641-9C5E-44B1-8B44-F539BC875557}">
+      <dgm:prSet/>
+      <dgm:spPr/>
+      <dgm:t>
+        <a:bodyPr/>
+        <a:lstStyle/>
+        <a:p>
+          <a:endParaRPr lang="fr-FR"/>
+        </a:p>
+      </dgm:t>
+    </dgm:pt>
+    <dgm:pt modelId="{1305541E-E50F-436F-BDB0-9223E38949B0}" type="pres">
+      <dgm:prSet presAssocID="{6769F4FD-5405-4234-B4A7-C684740C4367}" presName="Name0" presStyleCnt="0">
+        <dgm:presLayoutVars>
+          <dgm:dir/>
+          <dgm:resizeHandles val="exact"/>
+        </dgm:presLayoutVars>
+      </dgm:prSet>
+      <dgm:spPr/>
+    </dgm:pt>
+    <dgm:pt modelId="{2E071298-3480-4C26-95C2-98FD3C044B18}" type="pres">
+      <dgm:prSet presAssocID="{712EC0CE-C8C3-46DB-976B-739E93B2DA20}" presName="node" presStyleLbl="node1" presStyleIdx="0" presStyleCnt="7">
+        <dgm:presLayoutVars>
+          <dgm:bulletEnabled val="1"/>
+        </dgm:presLayoutVars>
+      </dgm:prSet>
+      <dgm:spPr/>
+    </dgm:pt>
+    <dgm:pt modelId="{F81E72C4-78E5-49C4-A6D8-1D4C8B7AC413}" type="pres">
+      <dgm:prSet presAssocID="{A27AE093-5D4E-4758-B321-CA5519BAA42E}" presName="sibTrans" presStyleLbl="sibTrans1D1" presStyleIdx="0" presStyleCnt="6"/>
+      <dgm:spPr/>
+    </dgm:pt>
+    <dgm:pt modelId="{1E41615B-B562-49A9-B883-52702624E0D2}" type="pres">
+      <dgm:prSet presAssocID="{A27AE093-5D4E-4758-B321-CA5519BAA42E}" presName="connectorText" presStyleLbl="sibTrans1D1" presStyleIdx="0" presStyleCnt="6"/>
+      <dgm:spPr/>
+    </dgm:pt>
+    <dgm:pt modelId="{413931ED-FDE9-47C1-9F56-8B7F20D1CB5F}" type="pres">
+      <dgm:prSet presAssocID="{9E80DC0D-447A-4F2B-A9E0-7C6383DDCD30}" presName="node" presStyleLbl="node1" presStyleIdx="1" presStyleCnt="7">
+        <dgm:presLayoutVars>
+          <dgm:bulletEnabled val="1"/>
+        </dgm:presLayoutVars>
+      </dgm:prSet>
+      <dgm:spPr/>
+    </dgm:pt>
+    <dgm:pt modelId="{CC112B83-1C59-4330-8D6B-71B547C6A85E}" type="pres">
+      <dgm:prSet presAssocID="{C41F13E2-4B23-487F-89DF-39190E3F8C7D}" presName="sibTrans" presStyleLbl="sibTrans1D1" presStyleIdx="1" presStyleCnt="6"/>
+      <dgm:spPr/>
+    </dgm:pt>
+    <dgm:pt modelId="{6162DC53-9643-45EE-B12A-AA307366C510}" type="pres">
+      <dgm:prSet presAssocID="{C41F13E2-4B23-487F-89DF-39190E3F8C7D}" presName="connectorText" presStyleLbl="sibTrans1D1" presStyleIdx="1" presStyleCnt="6"/>
+      <dgm:spPr/>
+    </dgm:pt>
+    <dgm:pt modelId="{634E031E-2AA3-4E95-855E-316B000C2B8F}" type="pres">
+      <dgm:prSet presAssocID="{2ED845F8-A61A-4AB0-9014-0E960847FACE}" presName="node" presStyleLbl="node1" presStyleIdx="2" presStyleCnt="7">
+        <dgm:presLayoutVars>
+          <dgm:bulletEnabled val="1"/>
+        </dgm:presLayoutVars>
+      </dgm:prSet>
+      <dgm:spPr/>
+    </dgm:pt>
+    <dgm:pt modelId="{F149B601-1BB9-408D-9652-A93B8BD5BDFE}" type="pres">
+      <dgm:prSet presAssocID="{4933C9C2-F68C-410E-A22F-70DB24428A9B}" presName="sibTrans" presStyleLbl="sibTrans1D1" presStyleIdx="2" presStyleCnt="6"/>
+      <dgm:spPr/>
+    </dgm:pt>
+    <dgm:pt modelId="{43B06CCB-ED5E-4FA2-A1C3-606003A6B940}" type="pres">
+      <dgm:prSet presAssocID="{4933C9C2-F68C-410E-A22F-70DB24428A9B}" presName="connectorText" presStyleLbl="sibTrans1D1" presStyleIdx="2" presStyleCnt="6"/>
+      <dgm:spPr/>
+    </dgm:pt>
+    <dgm:pt modelId="{7B2BAB91-F767-4F09-A836-95630F7BDC3D}" type="pres">
+      <dgm:prSet presAssocID="{523057AC-4174-43F4-835F-544F3A74095C}" presName="node" presStyleLbl="node1" presStyleIdx="3" presStyleCnt="7">
+        <dgm:presLayoutVars>
+          <dgm:bulletEnabled val="1"/>
+        </dgm:presLayoutVars>
+      </dgm:prSet>
+      <dgm:spPr/>
+    </dgm:pt>
+    <dgm:pt modelId="{7C960676-14A3-4E67-B803-61A1086F5816}" type="pres">
+      <dgm:prSet presAssocID="{4604F7F7-6866-4000-B973-F51F2D5B2D14}" presName="sibTrans" presStyleLbl="sibTrans1D1" presStyleIdx="3" presStyleCnt="6"/>
+      <dgm:spPr/>
+    </dgm:pt>
+    <dgm:pt modelId="{333C6F78-95EB-425B-9B04-A402F6F78C4B}" type="pres">
+      <dgm:prSet presAssocID="{4604F7F7-6866-4000-B973-F51F2D5B2D14}" presName="connectorText" presStyleLbl="sibTrans1D1" presStyleIdx="3" presStyleCnt="6"/>
+      <dgm:spPr/>
+    </dgm:pt>
+    <dgm:pt modelId="{E6F652D2-4009-45CD-B297-1A7B9DE0DA9A}" type="pres">
+      <dgm:prSet presAssocID="{11ABD257-24D9-4D14-A822-143C78C634D5}" presName="node" presStyleLbl="node1" presStyleIdx="4" presStyleCnt="7">
+        <dgm:presLayoutVars>
+          <dgm:bulletEnabled val="1"/>
+        </dgm:presLayoutVars>
+      </dgm:prSet>
+      <dgm:spPr/>
+    </dgm:pt>
+    <dgm:pt modelId="{64F46991-3A33-4CF3-82E5-4E552F0EB0EE}" type="pres">
+      <dgm:prSet presAssocID="{A35C25F3-EC72-4924-B2E6-716B8AD1FB11}" presName="sibTrans" presStyleLbl="sibTrans1D1" presStyleIdx="4" presStyleCnt="6"/>
+      <dgm:spPr/>
+    </dgm:pt>
+    <dgm:pt modelId="{C92B94F2-8667-41CB-B695-9948A5938D48}" type="pres">
+      <dgm:prSet presAssocID="{A35C25F3-EC72-4924-B2E6-716B8AD1FB11}" presName="connectorText" presStyleLbl="sibTrans1D1" presStyleIdx="4" presStyleCnt="6"/>
+      <dgm:spPr/>
+    </dgm:pt>
+    <dgm:pt modelId="{4503FEC5-DEAA-48B2-AE73-80F141CB5385}" type="pres">
+      <dgm:prSet presAssocID="{EE8D8A9A-B4CB-4320-B2FC-7A7679825048}" presName="node" presStyleLbl="node1" presStyleIdx="5" presStyleCnt="7">
+        <dgm:presLayoutVars>
+          <dgm:bulletEnabled val="1"/>
+        </dgm:presLayoutVars>
+      </dgm:prSet>
+      <dgm:spPr/>
+    </dgm:pt>
+    <dgm:pt modelId="{62654883-3E58-4128-9592-E90D3BF16839}" type="pres">
+      <dgm:prSet presAssocID="{81B29395-DDF8-4124-927F-A94C07E0FEFD}" presName="sibTrans" presStyleLbl="sibTrans1D1" presStyleIdx="5" presStyleCnt="6"/>
+      <dgm:spPr/>
+    </dgm:pt>
+    <dgm:pt modelId="{AA8F1106-6B93-49C1-90C6-6188C9B89C3F}" type="pres">
+      <dgm:prSet presAssocID="{81B29395-DDF8-4124-927F-A94C07E0FEFD}" presName="connectorText" presStyleLbl="sibTrans1D1" presStyleIdx="5" presStyleCnt="6"/>
+      <dgm:spPr/>
+    </dgm:pt>
+    <dgm:pt modelId="{C8612308-36F3-4056-A937-70E45C957FE6}" type="pres">
+      <dgm:prSet presAssocID="{C0A2ED24-8FDF-4C1E-AC75-F4B9A5241459}" presName="node" presStyleLbl="node1" presStyleIdx="6" presStyleCnt="7">
+        <dgm:presLayoutVars>
+          <dgm:bulletEnabled val="1"/>
+        </dgm:presLayoutVars>
+      </dgm:prSet>
+      <dgm:spPr/>
+    </dgm:pt>
+  </dgm:ptLst>
+  <dgm:cxnLst>
+    <dgm:cxn modelId="{040B6904-10D7-4B81-9720-9F4CE6CBF4E9}" type="presOf" srcId="{2ED845F8-A61A-4AB0-9014-0E960847FACE}" destId="{634E031E-2AA3-4E95-855E-316B000C2B8F}" srcOrd="0" destOrd="0" presId="urn:microsoft.com/office/officeart/2005/8/layout/bProcess3"/>
+    <dgm:cxn modelId="{51E66D0B-F738-4B3C-8AAD-0998B7459911}" type="presOf" srcId="{81B29395-DDF8-4124-927F-A94C07E0FEFD}" destId="{62654883-3E58-4128-9592-E90D3BF16839}" srcOrd="0" destOrd="0" presId="urn:microsoft.com/office/officeart/2005/8/layout/bProcess3"/>
+    <dgm:cxn modelId="{2057312D-D90C-468C-9215-FED4445DCE6D}" type="presOf" srcId="{9E80DC0D-447A-4F2B-A9E0-7C6383DDCD30}" destId="{413931ED-FDE9-47C1-9F56-8B7F20D1CB5F}" srcOrd="0" destOrd="0" presId="urn:microsoft.com/office/officeart/2005/8/layout/bProcess3"/>
+    <dgm:cxn modelId="{B79BE032-513E-421F-B1F4-D70B09702107}" type="presOf" srcId="{4604F7F7-6866-4000-B973-F51F2D5B2D14}" destId="{7C960676-14A3-4E67-B803-61A1086F5816}" srcOrd="0" destOrd="0" presId="urn:microsoft.com/office/officeart/2005/8/layout/bProcess3"/>
+    <dgm:cxn modelId="{04C2C83A-79B9-43B2-8124-67E7593490A4}" type="presOf" srcId="{712EC0CE-C8C3-46DB-976B-739E93B2DA20}" destId="{2E071298-3480-4C26-95C2-98FD3C044B18}" srcOrd="0" destOrd="0" presId="urn:microsoft.com/office/officeart/2005/8/layout/bProcess3"/>
+    <dgm:cxn modelId="{14E5F060-70EF-4A08-BC50-21A93E1F5A90}" type="presOf" srcId="{81B29395-DDF8-4124-927F-A94C07E0FEFD}" destId="{AA8F1106-6B93-49C1-90C6-6188C9B89C3F}" srcOrd="1" destOrd="0" presId="urn:microsoft.com/office/officeart/2005/8/layout/bProcess3"/>
+    <dgm:cxn modelId="{DC05A641-9C5E-44B1-8B44-F539BC875557}" srcId="{6769F4FD-5405-4234-B4A7-C684740C4367}" destId="{EE8D8A9A-B4CB-4320-B2FC-7A7679825048}" srcOrd="5" destOrd="0" parTransId="{368F3109-15B3-45A3-B853-2048D0EF76A3}" sibTransId="{81B29395-DDF8-4124-927F-A94C07E0FEFD}"/>
+    <dgm:cxn modelId="{6056266A-7669-444E-9937-09FD784881A3}" srcId="{6769F4FD-5405-4234-B4A7-C684740C4367}" destId="{2ED845F8-A61A-4AB0-9014-0E960847FACE}" srcOrd="2" destOrd="0" parTransId="{3049D2F5-0ACF-4F56-9B76-EA4B52214461}" sibTransId="{4933C9C2-F68C-410E-A22F-70DB24428A9B}"/>
+    <dgm:cxn modelId="{048B596B-61D4-4BB0-B720-892F6C3E7853}" srcId="{6769F4FD-5405-4234-B4A7-C684740C4367}" destId="{523057AC-4174-43F4-835F-544F3A74095C}" srcOrd="3" destOrd="0" parTransId="{C52AE4A5-7B45-4868-B2C5-B28AF4CA5706}" sibTransId="{4604F7F7-6866-4000-B973-F51F2D5B2D14}"/>
+    <dgm:cxn modelId="{ADEAD04D-A551-467D-AFDC-4E602E5F69FC}" type="presOf" srcId="{4933C9C2-F68C-410E-A22F-70DB24428A9B}" destId="{F149B601-1BB9-408D-9652-A93B8BD5BDFE}" srcOrd="0" destOrd="0" presId="urn:microsoft.com/office/officeart/2005/8/layout/bProcess3"/>
+    <dgm:cxn modelId="{B9127459-3538-4A2B-824F-776EC3A0F16E}" type="presOf" srcId="{A35C25F3-EC72-4924-B2E6-716B8AD1FB11}" destId="{C92B94F2-8667-41CB-B695-9948A5938D48}" srcOrd="1" destOrd="0" presId="urn:microsoft.com/office/officeart/2005/8/layout/bProcess3"/>
+    <dgm:cxn modelId="{7373957C-0C2B-4AA4-8FB1-073DB6F582B6}" type="presOf" srcId="{523057AC-4174-43F4-835F-544F3A74095C}" destId="{7B2BAB91-F767-4F09-A836-95630F7BDC3D}" srcOrd="0" destOrd="0" presId="urn:microsoft.com/office/officeart/2005/8/layout/bProcess3"/>
+    <dgm:cxn modelId="{B10B0F7E-DA43-4FAD-B861-9A323A9A372D}" type="presOf" srcId="{A27AE093-5D4E-4758-B321-CA5519BAA42E}" destId="{F81E72C4-78E5-49C4-A6D8-1D4C8B7AC413}" srcOrd="0" destOrd="0" presId="urn:microsoft.com/office/officeart/2005/8/layout/bProcess3"/>
+    <dgm:cxn modelId="{8F2DA57F-72DD-48A6-8E21-6C9703FF5B42}" type="presOf" srcId="{A27AE093-5D4E-4758-B321-CA5519BAA42E}" destId="{1E41615B-B562-49A9-B883-52702624E0D2}" srcOrd="1" destOrd="0" presId="urn:microsoft.com/office/officeart/2005/8/layout/bProcess3"/>
+    <dgm:cxn modelId="{84844B84-7FE0-469E-BCA9-7EE5E177D463}" type="presOf" srcId="{C41F13E2-4B23-487F-89DF-39190E3F8C7D}" destId="{6162DC53-9643-45EE-B12A-AA307366C510}" srcOrd="1" destOrd="0" presId="urn:microsoft.com/office/officeart/2005/8/layout/bProcess3"/>
+    <dgm:cxn modelId="{5E93A698-7CB6-481F-85B9-728017127068}" srcId="{6769F4FD-5405-4234-B4A7-C684740C4367}" destId="{9E80DC0D-447A-4F2B-A9E0-7C6383DDCD30}" srcOrd="1" destOrd="0" parTransId="{3C6B362E-0847-423A-B3DC-0F22CF33A6A4}" sibTransId="{C41F13E2-4B23-487F-89DF-39190E3F8C7D}"/>
+    <dgm:cxn modelId="{B01234AB-3215-423A-BCF3-FCA96853BB97}" type="presOf" srcId="{C0A2ED24-8FDF-4C1E-AC75-F4B9A5241459}" destId="{C8612308-36F3-4056-A937-70E45C957FE6}" srcOrd="0" destOrd="0" presId="urn:microsoft.com/office/officeart/2005/8/layout/bProcess3"/>
+    <dgm:cxn modelId="{FE56C9B3-4019-49EB-A548-4306275B1592}" srcId="{6769F4FD-5405-4234-B4A7-C684740C4367}" destId="{C0A2ED24-8FDF-4C1E-AC75-F4B9A5241459}" srcOrd="6" destOrd="0" parTransId="{9676B7B0-DAD3-4A3B-A69E-2EA2D2F3DC71}" sibTransId="{86C09BDC-3F22-4081-9BD9-8067D175E383}"/>
+    <dgm:cxn modelId="{BAC7D5CC-A03E-443E-9513-0EF0CEB2B1A1}" srcId="{6769F4FD-5405-4234-B4A7-C684740C4367}" destId="{11ABD257-24D9-4D14-A822-143C78C634D5}" srcOrd="4" destOrd="0" parTransId="{0BD5AD2D-74FE-4AF3-A251-167FAB388E7F}" sibTransId="{A35C25F3-EC72-4924-B2E6-716B8AD1FB11}"/>
+    <dgm:cxn modelId="{1D7F72D2-D5C7-461D-A135-BF1E65036A2C}" type="presOf" srcId="{4604F7F7-6866-4000-B973-F51F2D5B2D14}" destId="{333C6F78-95EB-425B-9B04-A402F6F78C4B}" srcOrd="1" destOrd="0" presId="urn:microsoft.com/office/officeart/2005/8/layout/bProcess3"/>
+    <dgm:cxn modelId="{FDB05CD8-2DFE-4AC3-B579-92F5B0CE5E50}" type="presOf" srcId="{11ABD257-24D9-4D14-A822-143C78C634D5}" destId="{E6F652D2-4009-45CD-B297-1A7B9DE0DA9A}" srcOrd="0" destOrd="0" presId="urn:microsoft.com/office/officeart/2005/8/layout/bProcess3"/>
+    <dgm:cxn modelId="{4E0F69DC-0D18-4BBA-AA9D-FAAF301CA315}" type="presOf" srcId="{6769F4FD-5405-4234-B4A7-C684740C4367}" destId="{1305541E-E50F-436F-BDB0-9223E38949B0}" srcOrd="0" destOrd="0" presId="urn:microsoft.com/office/officeart/2005/8/layout/bProcess3"/>
+    <dgm:cxn modelId="{AD1FD0E4-84B6-4522-BE1E-26F42DE612EE}" type="presOf" srcId="{4933C9C2-F68C-410E-A22F-70DB24428A9B}" destId="{43B06CCB-ED5E-4FA2-A1C3-606003A6B940}" srcOrd="1" destOrd="0" presId="urn:microsoft.com/office/officeart/2005/8/layout/bProcess3"/>
+    <dgm:cxn modelId="{AF0BE9EA-2B30-4ABF-8F64-62D377CD0592}" type="presOf" srcId="{EE8D8A9A-B4CB-4320-B2FC-7A7679825048}" destId="{4503FEC5-DEAA-48B2-AE73-80F141CB5385}" srcOrd="0" destOrd="0" presId="urn:microsoft.com/office/officeart/2005/8/layout/bProcess3"/>
+    <dgm:cxn modelId="{BC1604EB-2B43-4728-B819-72D67C540EDE}" srcId="{6769F4FD-5405-4234-B4A7-C684740C4367}" destId="{712EC0CE-C8C3-46DB-976B-739E93B2DA20}" srcOrd="0" destOrd="0" parTransId="{73998DAE-AC3E-4EDC-A6E7-D216CADB18A3}" sibTransId="{A27AE093-5D4E-4758-B321-CA5519BAA42E}"/>
+    <dgm:cxn modelId="{F4CEEDFB-45F3-434B-BD5C-DA535E6AB42B}" type="presOf" srcId="{C41F13E2-4B23-487F-89DF-39190E3F8C7D}" destId="{CC112B83-1C59-4330-8D6B-71B547C6A85E}" srcOrd="0" destOrd="0" presId="urn:microsoft.com/office/officeart/2005/8/layout/bProcess3"/>
+    <dgm:cxn modelId="{9DCF5EFE-BD78-4F78-B26C-FF5A0C244992}" type="presOf" srcId="{A35C25F3-EC72-4924-B2E6-716B8AD1FB11}" destId="{64F46991-3A33-4CF3-82E5-4E552F0EB0EE}" srcOrd="0" destOrd="0" presId="urn:microsoft.com/office/officeart/2005/8/layout/bProcess3"/>
+    <dgm:cxn modelId="{26A713B3-D35D-4252-B938-5D9818DFBAB7}" type="presParOf" srcId="{1305541E-E50F-436F-BDB0-9223E38949B0}" destId="{2E071298-3480-4C26-95C2-98FD3C044B18}" srcOrd="0" destOrd="0" presId="urn:microsoft.com/office/officeart/2005/8/layout/bProcess3"/>
+    <dgm:cxn modelId="{B0A60101-2247-45EF-AC39-8B727DE75EF6}" type="presParOf" srcId="{1305541E-E50F-436F-BDB0-9223E38949B0}" destId="{F81E72C4-78E5-49C4-A6D8-1D4C8B7AC413}" srcOrd="1" destOrd="0" presId="urn:microsoft.com/office/officeart/2005/8/layout/bProcess3"/>
+    <dgm:cxn modelId="{FF41814F-4ACC-4490-A8BC-D9D02469D742}" type="presParOf" srcId="{F81E72C4-78E5-49C4-A6D8-1D4C8B7AC413}" destId="{1E41615B-B562-49A9-B883-52702624E0D2}" srcOrd="0" destOrd="0" presId="urn:microsoft.com/office/officeart/2005/8/layout/bProcess3"/>
+    <dgm:cxn modelId="{5319E1E6-38EE-49B4-B548-2D2AF348415C}" type="presParOf" srcId="{1305541E-E50F-436F-BDB0-9223E38949B0}" destId="{413931ED-FDE9-47C1-9F56-8B7F20D1CB5F}" srcOrd="2" destOrd="0" presId="urn:microsoft.com/office/officeart/2005/8/layout/bProcess3"/>
+    <dgm:cxn modelId="{E50C1896-D508-4BC4-B383-2800EB954B8B}" type="presParOf" srcId="{1305541E-E50F-436F-BDB0-9223E38949B0}" destId="{CC112B83-1C59-4330-8D6B-71B547C6A85E}" srcOrd="3" destOrd="0" presId="urn:microsoft.com/office/officeart/2005/8/layout/bProcess3"/>
+    <dgm:cxn modelId="{6DFA607D-B4D3-4657-B63E-B9041DFE9DAA}" type="presParOf" srcId="{CC112B83-1C59-4330-8D6B-71B547C6A85E}" destId="{6162DC53-9643-45EE-B12A-AA307366C510}" srcOrd="0" destOrd="0" presId="urn:microsoft.com/office/officeart/2005/8/layout/bProcess3"/>
+    <dgm:cxn modelId="{A472BFE8-FD46-4C50-8649-6C4FDA71F70A}" type="presParOf" srcId="{1305541E-E50F-436F-BDB0-9223E38949B0}" destId="{634E031E-2AA3-4E95-855E-316B000C2B8F}" srcOrd="4" destOrd="0" presId="urn:microsoft.com/office/officeart/2005/8/layout/bProcess3"/>
+    <dgm:cxn modelId="{487ADF38-2AFB-4061-A7DA-D49ABC392CF2}" type="presParOf" srcId="{1305541E-E50F-436F-BDB0-9223E38949B0}" destId="{F149B601-1BB9-408D-9652-A93B8BD5BDFE}" srcOrd="5" destOrd="0" presId="urn:microsoft.com/office/officeart/2005/8/layout/bProcess3"/>
+    <dgm:cxn modelId="{C458D64A-D27F-485C-9765-3EEE422C1958}" type="presParOf" srcId="{F149B601-1BB9-408D-9652-A93B8BD5BDFE}" destId="{43B06CCB-ED5E-4FA2-A1C3-606003A6B940}" srcOrd="0" destOrd="0" presId="urn:microsoft.com/office/officeart/2005/8/layout/bProcess3"/>
+    <dgm:cxn modelId="{AE4DF89F-DA00-4F22-8476-CEC02E3847FA}" type="presParOf" srcId="{1305541E-E50F-436F-BDB0-9223E38949B0}" destId="{7B2BAB91-F767-4F09-A836-95630F7BDC3D}" srcOrd="6" destOrd="0" presId="urn:microsoft.com/office/officeart/2005/8/layout/bProcess3"/>
+    <dgm:cxn modelId="{07321BA5-F0B4-400A-851B-77491FA603AA}" type="presParOf" srcId="{1305541E-E50F-436F-BDB0-9223E38949B0}" destId="{7C960676-14A3-4E67-B803-61A1086F5816}" srcOrd="7" destOrd="0" presId="urn:microsoft.com/office/officeart/2005/8/layout/bProcess3"/>
+    <dgm:cxn modelId="{822AB6C7-3A90-49DE-A48F-1180FF4883E7}" type="presParOf" srcId="{7C960676-14A3-4E67-B803-61A1086F5816}" destId="{333C6F78-95EB-425B-9B04-A402F6F78C4B}" srcOrd="0" destOrd="0" presId="urn:microsoft.com/office/officeart/2005/8/layout/bProcess3"/>
+    <dgm:cxn modelId="{540E331D-9390-41CD-93EB-F2185BB486BD}" type="presParOf" srcId="{1305541E-E50F-436F-BDB0-9223E38949B0}" destId="{E6F652D2-4009-45CD-B297-1A7B9DE0DA9A}" srcOrd="8" destOrd="0" presId="urn:microsoft.com/office/officeart/2005/8/layout/bProcess3"/>
+    <dgm:cxn modelId="{21AB62D1-3253-404E-AECC-29F9B848A020}" type="presParOf" srcId="{1305541E-E50F-436F-BDB0-9223E38949B0}" destId="{64F46991-3A33-4CF3-82E5-4E552F0EB0EE}" srcOrd="9" destOrd="0" presId="urn:microsoft.com/office/officeart/2005/8/layout/bProcess3"/>
+    <dgm:cxn modelId="{C07CC3DA-0AA7-45DB-8CEA-30E036BB8A19}" type="presParOf" srcId="{64F46991-3A33-4CF3-82E5-4E552F0EB0EE}" destId="{C92B94F2-8667-41CB-B695-9948A5938D48}" srcOrd="0" destOrd="0" presId="urn:microsoft.com/office/officeart/2005/8/layout/bProcess3"/>
+    <dgm:cxn modelId="{B98BF27E-D338-4ECD-AE24-F6C917263B74}" type="presParOf" srcId="{1305541E-E50F-436F-BDB0-9223E38949B0}" destId="{4503FEC5-DEAA-48B2-AE73-80F141CB5385}" srcOrd="10" destOrd="0" presId="urn:microsoft.com/office/officeart/2005/8/layout/bProcess3"/>
+    <dgm:cxn modelId="{2E58C8F6-BA44-4C23-A903-000ADEAE8BA0}" type="presParOf" srcId="{1305541E-E50F-436F-BDB0-9223E38949B0}" destId="{62654883-3E58-4128-9592-E90D3BF16839}" srcOrd="11" destOrd="0" presId="urn:microsoft.com/office/officeart/2005/8/layout/bProcess3"/>
+    <dgm:cxn modelId="{3B42D0A5-564D-474D-B696-2708D9664318}" type="presParOf" srcId="{62654883-3E58-4128-9592-E90D3BF16839}" destId="{AA8F1106-6B93-49C1-90C6-6188C9B89C3F}" srcOrd="0" destOrd="0" presId="urn:microsoft.com/office/officeart/2005/8/layout/bProcess3"/>
+    <dgm:cxn modelId="{0A8D7CEF-E5BC-4849-BE76-26CF42B3BFFA}" type="presParOf" srcId="{1305541E-E50F-436F-BDB0-9223E38949B0}" destId="{C8612308-36F3-4056-A937-70E45C957FE6}" srcOrd="12" destOrd="0" presId="urn:microsoft.com/office/officeart/2005/8/layout/bProcess3"/>
+  </dgm:cxnLst>
+  <dgm:bg/>
+  <dgm:whole/>
+  <dgm:extLst>
+    <a:ext uri="http://schemas.microsoft.com/office/drawing/2008/diagram">
+      <dsp:dataModelExt xmlns:dsp="http://schemas.microsoft.com/office/drawing/2008/diagram" relId="rId6" minVer="http://schemas.openxmlformats.org/drawingml/2006/diagram"/>
+    </a:ext>
+  </dgm:extLst>
+</dgm:dataModel>
+</file>
+
+<file path=ppt/diagrams/drawing1.xml><?xml version="1.0" encoding="utf-8"?>
+<dsp:drawing xmlns:dgm="http://schemas.openxmlformats.org/drawingml/2006/diagram" xmlns:dsp="http://schemas.microsoft.com/office/drawing/2008/diagram" xmlns:a="http://schemas.openxmlformats.org/drawingml/2006/main">
+  <dsp:spTree>
+    <dsp:nvGrpSpPr>
+      <dsp:cNvPr id="0" name=""/>
+      <dsp:cNvGrpSpPr/>
+    </dsp:nvGrpSpPr>
+    <dsp:grpSpPr/>
+    <dsp:sp modelId="{F81E72C4-78E5-49C4-A6D8-1D4C8B7AC413}">
+      <dsp:nvSpPr>
+        <dsp:cNvPr id="0" name=""/>
+        <dsp:cNvSpPr/>
+      </dsp:nvSpPr>
+      <dsp:spPr>
+        <a:xfrm>
+          <a:off x="2274754" y="1131504"/>
+          <a:ext cx="491620" cy="91440"/>
+        </a:xfrm>
+        <a:custGeom>
+          <a:avLst/>
+          <a:gdLst/>
+          <a:ahLst/>
+          <a:cxnLst/>
+          <a:rect l="0" t="0" r="0" b="0"/>
+          <a:pathLst>
+            <a:path>
+              <a:moveTo>
+                <a:pt x="0" y="45720"/>
+              </a:moveTo>
+              <a:lnTo>
+                <a:pt x="491620" y="45720"/>
+              </a:lnTo>
+            </a:path>
+          </a:pathLst>
+        </a:custGeom>
+        <a:noFill/>
+        <a:ln w="12700" cap="flat" cmpd="sng" algn="ctr">
+          <a:solidFill>
+            <a:schemeClr val="accent3">
+              <a:hueOff val="0"/>
+              <a:satOff val="0"/>
+              <a:lumOff val="0"/>
+              <a:alphaOff val="0"/>
+            </a:schemeClr>
+          </a:solidFill>
+          <a:prstDash val="solid"/>
+          <a:miter lim="800000"/>
+          <a:tailEnd type="arrow"/>
+        </a:ln>
+        <a:effectLst/>
+      </dsp:spPr>
+      <dsp:style>
+        <a:lnRef idx="1">
+          <a:scrgbClr r="0" g="0" b="0"/>
+        </a:lnRef>
+        <a:fillRef idx="0">
+          <a:scrgbClr r="0" g="0" b="0"/>
+        </a:fillRef>
+        <a:effectRef idx="0">
+          <a:scrgbClr r="0" g="0" b="0"/>
+        </a:effectRef>
+        <a:fontRef idx="minor"/>
+      </dsp:style>
+      <dsp:txBody>
+        <a:bodyPr spcFirstLastPara="0" vert="horz" wrap="square" lIns="12700" tIns="0" rIns="12700" bIns="0" numCol="1" spcCol="1270" anchor="ctr" anchorCtr="0">
+          <a:noAutofit/>
+        </a:bodyPr>
+        <a:lstStyle/>
+        <a:p>
+          <a:pPr marL="0" lvl="0" indent="0" algn="ctr" defTabSz="222250">
+            <a:lnSpc>
+              <a:spcPct val="90000"/>
+            </a:lnSpc>
+            <a:spcBef>
+              <a:spcPct val="0"/>
+            </a:spcBef>
+            <a:spcAft>
+              <a:spcPct val="35000"/>
+            </a:spcAft>
+            <a:buNone/>
+          </a:pPr>
+          <a:endParaRPr lang="fr-FR" sz="500" kern="1200"/>
+        </a:p>
+      </dsp:txBody>
+      <dsp:txXfrm>
+        <a:off x="2507509" y="1174613"/>
+        <a:ext cx="26111" cy="5222"/>
+      </dsp:txXfrm>
+    </dsp:sp>
+    <dsp:sp modelId="{2E071298-3480-4C26-95C2-98FD3C044B18}">
+      <dsp:nvSpPr>
+        <dsp:cNvPr id="0" name=""/>
+        <dsp:cNvSpPr/>
+      </dsp:nvSpPr>
+      <dsp:spPr>
+        <a:xfrm>
+          <a:off x="6031" y="496067"/>
+          <a:ext cx="2270522" cy="1362313"/>
+        </a:xfrm>
+        <a:prstGeom prst="rect">
+          <a:avLst/>
+        </a:prstGeom>
+        <a:gradFill rotWithShape="0">
+          <a:gsLst>
+            <a:gs pos="0">
+              <a:schemeClr val="accent3">
+                <a:hueOff val="0"/>
+                <a:satOff val="0"/>
+                <a:lumOff val="0"/>
+                <a:alphaOff val="0"/>
+                <a:satMod val="103000"/>
+                <a:lumMod val="102000"/>
+                <a:tint val="94000"/>
+              </a:schemeClr>
+            </a:gs>
+            <a:gs pos="50000">
+              <a:schemeClr val="accent3">
+                <a:hueOff val="0"/>
+                <a:satOff val="0"/>
+                <a:lumOff val="0"/>
+                <a:alphaOff val="0"/>
+                <a:satMod val="110000"/>
+                <a:lumMod val="100000"/>
+                <a:shade val="100000"/>
+              </a:schemeClr>
+            </a:gs>
+            <a:gs pos="100000">
+              <a:schemeClr val="accent3">
+                <a:hueOff val="0"/>
+                <a:satOff val="0"/>
+                <a:lumOff val="0"/>
+                <a:alphaOff val="0"/>
+                <a:lumMod val="99000"/>
+                <a:satMod val="120000"/>
+                <a:shade val="78000"/>
+              </a:schemeClr>
+            </a:gs>
+          </a:gsLst>
+          <a:lin ang="5400000" scaled="0"/>
+        </a:gradFill>
+        <a:ln>
+          <a:noFill/>
+        </a:ln>
+        <a:effectLst>
+          <a:outerShdw blurRad="57150" dist="19050" dir="5400000" algn="ctr" rotWithShape="0">
+            <a:srgbClr val="000000">
+              <a:alpha val="63000"/>
+            </a:srgbClr>
+          </a:outerShdw>
+        </a:effectLst>
+      </dsp:spPr>
+      <dsp:style>
+        <a:lnRef idx="0">
+          <a:scrgbClr r="0" g="0" b="0"/>
+        </a:lnRef>
+        <a:fillRef idx="3">
+          <a:scrgbClr r="0" g="0" b="0"/>
+        </a:fillRef>
+        <a:effectRef idx="3">
+          <a:scrgbClr r="0" g="0" b="0"/>
+        </a:effectRef>
+        <a:fontRef idx="minor">
+          <a:schemeClr val="lt1"/>
+        </a:fontRef>
+      </dsp:style>
+      <dsp:txBody>
+        <a:bodyPr spcFirstLastPara="0" vert="horz" wrap="square" lIns="99568" tIns="99568" rIns="99568" bIns="99568" numCol="1" spcCol="1270" anchor="ctr" anchorCtr="0">
+          <a:noAutofit/>
+        </a:bodyPr>
+        <a:lstStyle/>
+        <a:p>
+          <a:pPr marL="0" lvl="0" indent="0" algn="l" defTabSz="622300" rtl="0">
+            <a:lnSpc>
+              <a:spcPct val="90000"/>
+            </a:lnSpc>
+            <a:spcBef>
+              <a:spcPct val="0"/>
+            </a:spcBef>
+            <a:spcAft>
+              <a:spcPct val="35000"/>
+            </a:spcAft>
+            <a:buNone/>
+          </a:pPr>
+          <a:r>
+            <a:rPr lang="fr-FR" sz="1400" b="1" kern="1200" dirty="0">
+              <a:latin typeface="Gill Sans MT"/>
+              <a:ea typeface="Verdana"/>
+              <a:cs typeface="Arial"/>
+            </a:rPr>
+            <a:t>Software </a:t>
+          </a:r>
+          <a:r>
+            <a:rPr lang="fr-FR" sz="1400" b="1" kern="1200" dirty="0" err="1">
+              <a:latin typeface="Gill Sans MT"/>
+              <a:ea typeface="Verdana"/>
+              <a:cs typeface="Arial"/>
+            </a:rPr>
+            <a:t>Requirements</a:t>
+          </a:r>
+          <a:endParaRPr lang="fr-FR" sz="1400" b="1" kern="1200" dirty="0">
+            <a:latin typeface="Gill Sans MT"/>
+            <a:ea typeface="Verdana"/>
+            <a:cs typeface="Arial"/>
+          </a:endParaRPr>
+        </a:p>
+      </dsp:txBody>
+      <dsp:txXfrm>
+        <a:off x="6031" y="496067"/>
+        <a:ext cx="2270522" cy="1362313"/>
+      </dsp:txXfrm>
+    </dsp:sp>
+    <dsp:sp modelId="{CC112B83-1C59-4330-8D6B-71B547C6A85E}">
+      <dsp:nvSpPr>
+        <dsp:cNvPr id="0" name=""/>
+        <dsp:cNvSpPr/>
+      </dsp:nvSpPr>
+      <dsp:spPr>
+        <a:xfrm>
+          <a:off x="5067497" y="1131504"/>
+          <a:ext cx="491620" cy="91440"/>
+        </a:xfrm>
+        <a:custGeom>
+          <a:avLst/>
+          <a:gdLst/>
+          <a:ahLst/>
+          <a:cxnLst/>
+          <a:rect l="0" t="0" r="0" b="0"/>
+          <a:pathLst>
+            <a:path>
+              <a:moveTo>
+                <a:pt x="0" y="45720"/>
+              </a:moveTo>
+              <a:lnTo>
+                <a:pt x="491620" y="45720"/>
+              </a:lnTo>
+            </a:path>
+          </a:pathLst>
+        </a:custGeom>
+        <a:noFill/>
+        <a:ln w="12700" cap="flat" cmpd="sng" algn="ctr">
+          <a:solidFill>
+            <a:schemeClr val="accent3">
+              <a:hueOff val="823433"/>
+              <a:satOff val="4942"/>
+              <a:lumOff val="3765"/>
+              <a:alphaOff val="0"/>
+            </a:schemeClr>
+          </a:solidFill>
+          <a:prstDash val="solid"/>
+          <a:miter lim="800000"/>
+          <a:tailEnd type="arrow"/>
+        </a:ln>
+        <a:effectLst/>
+      </dsp:spPr>
+      <dsp:style>
+        <a:lnRef idx="1">
+          <a:scrgbClr r="0" g="0" b="0"/>
+        </a:lnRef>
+        <a:fillRef idx="0">
+          <a:scrgbClr r="0" g="0" b="0"/>
+        </a:fillRef>
+        <a:effectRef idx="0">
+          <a:scrgbClr r="0" g="0" b="0"/>
+        </a:effectRef>
+        <a:fontRef idx="minor"/>
+      </dsp:style>
+      <dsp:txBody>
+        <a:bodyPr spcFirstLastPara="0" vert="horz" wrap="square" lIns="12700" tIns="0" rIns="12700" bIns="0" numCol="1" spcCol="1270" anchor="ctr" anchorCtr="0">
+          <a:noAutofit/>
+        </a:bodyPr>
+        <a:lstStyle/>
+        <a:p>
+          <a:pPr marL="0" lvl="0" indent="0" algn="ctr" defTabSz="222250">
+            <a:lnSpc>
+              <a:spcPct val="90000"/>
+            </a:lnSpc>
+            <a:spcBef>
+              <a:spcPct val="0"/>
+            </a:spcBef>
+            <a:spcAft>
+              <a:spcPct val="35000"/>
+            </a:spcAft>
+            <a:buNone/>
+          </a:pPr>
+          <a:endParaRPr lang="fr-FR" sz="500" kern="1200"/>
+        </a:p>
+      </dsp:txBody>
+      <dsp:txXfrm>
+        <a:off x="5300251" y="1174613"/>
+        <a:ext cx="26111" cy="5222"/>
+      </dsp:txXfrm>
+    </dsp:sp>
+    <dsp:sp modelId="{413931ED-FDE9-47C1-9F56-8B7F20D1CB5F}">
+      <dsp:nvSpPr>
+        <dsp:cNvPr id="0" name=""/>
+        <dsp:cNvSpPr/>
+      </dsp:nvSpPr>
+      <dsp:spPr>
+        <a:xfrm>
+          <a:off x="2798774" y="496067"/>
+          <a:ext cx="2270522" cy="1362313"/>
+        </a:xfrm>
+        <a:prstGeom prst="rect">
+          <a:avLst/>
+        </a:prstGeom>
+        <a:gradFill rotWithShape="0">
+          <a:gsLst>
+            <a:gs pos="0">
+              <a:schemeClr val="accent3">
+                <a:hueOff val="686194"/>
+                <a:satOff val="4119"/>
+                <a:lumOff val="3138"/>
+                <a:alphaOff val="0"/>
+                <a:satMod val="103000"/>
+                <a:lumMod val="102000"/>
+                <a:tint val="94000"/>
+              </a:schemeClr>
+            </a:gs>
+            <a:gs pos="50000">
+              <a:schemeClr val="accent3">
+                <a:hueOff val="686194"/>
+                <a:satOff val="4119"/>
+                <a:lumOff val="3138"/>
+                <a:alphaOff val="0"/>
+                <a:satMod val="110000"/>
+                <a:lumMod val="100000"/>
+                <a:shade val="100000"/>
+              </a:schemeClr>
+            </a:gs>
+            <a:gs pos="100000">
+              <a:schemeClr val="accent3">
+                <a:hueOff val="686194"/>
+                <a:satOff val="4119"/>
+                <a:lumOff val="3138"/>
+                <a:alphaOff val="0"/>
+                <a:lumMod val="99000"/>
+                <a:satMod val="120000"/>
+                <a:shade val="78000"/>
+              </a:schemeClr>
+            </a:gs>
+          </a:gsLst>
+          <a:lin ang="5400000" scaled="0"/>
+        </a:gradFill>
+        <a:ln>
+          <a:noFill/>
+        </a:ln>
+        <a:effectLst>
+          <a:outerShdw blurRad="57150" dist="19050" dir="5400000" algn="ctr" rotWithShape="0">
+            <a:srgbClr val="000000">
+              <a:alpha val="63000"/>
+            </a:srgbClr>
+          </a:outerShdw>
+        </a:effectLst>
+      </dsp:spPr>
+      <dsp:style>
+        <a:lnRef idx="0">
+          <a:scrgbClr r="0" g="0" b="0"/>
+        </a:lnRef>
+        <a:fillRef idx="3">
+          <a:scrgbClr r="0" g="0" b="0"/>
+        </a:fillRef>
+        <a:effectRef idx="3">
+          <a:scrgbClr r="0" g="0" b="0"/>
+        </a:effectRef>
+        <a:fontRef idx="minor">
+          <a:schemeClr val="lt1"/>
+        </a:fontRef>
+      </dsp:style>
+      <dsp:txBody>
+        <a:bodyPr spcFirstLastPara="0" vert="horz" wrap="square" lIns="99568" tIns="99568" rIns="99568" bIns="99568" numCol="1" spcCol="1270" anchor="ctr" anchorCtr="0">
+          <a:noAutofit/>
+        </a:bodyPr>
+        <a:lstStyle/>
+        <a:p>
+          <a:pPr marL="0" lvl="0" indent="0" algn="l" defTabSz="622300">
+            <a:lnSpc>
+              <a:spcPct val="90000"/>
+            </a:lnSpc>
+            <a:spcBef>
+              <a:spcPct val="0"/>
+            </a:spcBef>
+            <a:spcAft>
+              <a:spcPct val="35000"/>
+            </a:spcAft>
+            <a:buNone/>
+          </a:pPr>
+          <a:r>
+            <a:rPr lang="fr-FR" sz="1400" b="1" kern="1200" dirty="0">
+              <a:latin typeface="Gill Sans MT"/>
+              <a:ea typeface="Verdana"/>
+              <a:cs typeface="Arial"/>
+            </a:rPr>
+            <a:t>Black-Box </a:t>
+          </a:r>
+          <a:r>
+            <a:rPr lang="fr-FR" sz="1400" b="1" kern="1200" dirty="0" err="1">
+              <a:latin typeface="Gill Sans MT"/>
+              <a:ea typeface="Verdana"/>
+              <a:cs typeface="Arial"/>
+            </a:rPr>
+            <a:t>Testing</a:t>
+          </a:r>
+          <a:r>
+            <a:rPr lang="fr-FR" sz="1400" b="1" kern="1200" dirty="0">
+              <a:latin typeface="Gill Sans MT"/>
+              <a:ea typeface="Verdana"/>
+              <a:cs typeface="Arial"/>
+            </a:rPr>
+            <a:t>/Test Cases</a:t>
+          </a:r>
+          <a:endParaRPr lang="en-US" sz="1400" b="1" kern="1200" dirty="0">
+            <a:latin typeface="Gill Sans MT"/>
+            <a:ea typeface="Verdana"/>
+            <a:cs typeface="Arial"/>
+          </a:endParaRPr>
+        </a:p>
+      </dsp:txBody>
+      <dsp:txXfrm>
+        <a:off x="2798774" y="496067"/>
+        <a:ext cx="2270522" cy="1362313"/>
+      </dsp:txXfrm>
+    </dsp:sp>
+    <dsp:sp modelId="{F149B601-1BB9-408D-9652-A93B8BD5BDFE}">
+      <dsp:nvSpPr>
+        <dsp:cNvPr id="0" name=""/>
+        <dsp:cNvSpPr/>
+      </dsp:nvSpPr>
+      <dsp:spPr>
+        <a:xfrm>
+          <a:off x="1141293" y="1856581"/>
+          <a:ext cx="5585485" cy="491620"/>
+        </a:xfrm>
+        <a:custGeom>
+          <a:avLst/>
+          <a:gdLst/>
+          <a:ahLst/>
+          <a:cxnLst/>
+          <a:rect l="0" t="0" r="0" b="0"/>
+          <a:pathLst>
+            <a:path>
+              <a:moveTo>
+                <a:pt x="5585485" y="0"/>
+              </a:moveTo>
+              <a:lnTo>
+                <a:pt x="5585485" y="262910"/>
+              </a:lnTo>
+              <a:lnTo>
+                <a:pt x="0" y="262910"/>
+              </a:lnTo>
+              <a:lnTo>
+                <a:pt x="0" y="491620"/>
+              </a:lnTo>
+            </a:path>
+          </a:pathLst>
+        </a:custGeom>
+        <a:noFill/>
+        <a:ln w="12700" cap="flat" cmpd="sng" algn="ctr">
+          <a:solidFill>
+            <a:schemeClr val="accent3">
+              <a:hueOff val="1646865"/>
+              <a:satOff val="9885"/>
+              <a:lumOff val="7530"/>
+              <a:alphaOff val="0"/>
+            </a:schemeClr>
+          </a:solidFill>
+          <a:prstDash val="solid"/>
+          <a:miter lim="800000"/>
+          <a:tailEnd type="arrow"/>
+        </a:ln>
+        <a:effectLst/>
+      </dsp:spPr>
+      <dsp:style>
+        <a:lnRef idx="1">
+          <a:scrgbClr r="0" g="0" b="0"/>
+        </a:lnRef>
+        <a:fillRef idx="0">
+          <a:scrgbClr r="0" g="0" b="0"/>
+        </a:fillRef>
+        <a:effectRef idx="0">
+          <a:scrgbClr r="0" g="0" b="0"/>
+        </a:effectRef>
+        <a:fontRef idx="minor"/>
+      </dsp:style>
+      <dsp:txBody>
+        <a:bodyPr spcFirstLastPara="0" vert="horz" wrap="square" lIns="12700" tIns="0" rIns="12700" bIns="0" numCol="1" spcCol="1270" anchor="ctr" anchorCtr="0">
+          <a:noAutofit/>
+        </a:bodyPr>
+        <a:lstStyle/>
+        <a:p>
+          <a:pPr marL="0" lvl="0" indent="0" algn="ctr" defTabSz="222250">
+            <a:lnSpc>
+              <a:spcPct val="90000"/>
+            </a:lnSpc>
+            <a:spcBef>
+              <a:spcPct val="0"/>
+            </a:spcBef>
+            <a:spcAft>
+              <a:spcPct val="35000"/>
+            </a:spcAft>
+            <a:buNone/>
+          </a:pPr>
+          <a:endParaRPr lang="fr-FR" sz="500" kern="1200"/>
+        </a:p>
+      </dsp:txBody>
+      <dsp:txXfrm>
+        <a:off x="3793789" y="2099780"/>
+        <a:ext cx="280492" cy="5222"/>
+      </dsp:txXfrm>
+    </dsp:sp>
+    <dsp:sp modelId="{634E031E-2AA3-4E95-855E-316B000C2B8F}">
+      <dsp:nvSpPr>
+        <dsp:cNvPr id="0" name=""/>
+        <dsp:cNvSpPr/>
+      </dsp:nvSpPr>
+      <dsp:spPr>
+        <a:xfrm>
+          <a:off x="5591517" y="496067"/>
+          <a:ext cx="2270522" cy="1362313"/>
+        </a:xfrm>
+        <a:prstGeom prst="rect">
+          <a:avLst/>
+        </a:prstGeom>
+        <a:gradFill rotWithShape="0">
+          <a:gsLst>
+            <a:gs pos="0">
+              <a:schemeClr val="accent3">
+                <a:hueOff val="1372388"/>
+                <a:satOff val="8237"/>
+                <a:lumOff val="6275"/>
+                <a:alphaOff val="0"/>
+                <a:satMod val="103000"/>
+                <a:lumMod val="102000"/>
+                <a:tint val="94000"/>
+              </a:schemeClr>
+            </a:gs>
+            <a:gs pos="50000">
+              <a:schemeClr val="accent3">
+                <a:hueOff val="1372388"/>
+                <a:satOff val="8237"/>
+                <a:lumOff val="6275"/>
+                <a:alphaOff val="0"/>
+                <a:satMod val="110000"/>
+                <a:lumMod val="100000"/>
+                <a:shade val="100000"/>
+              </a:schemeClr>
+            </a:gs>
+            <a:gs pos="100000">
+              <a:schemeClr val="accent3">
+                <a:hueOff val="1372388"/>
+                <a:satOff val="8237"/>
+                <a:lumOff val="6275"/>
+                <a:alphaOff val="0"/>
+                <a:lumMod val="99000"/>
+                <a:satMod val="120000"/>
+                <a:shade val="78000"/>
+              </a:schemeClr>
+            </a:gs>
+          </a:gsLst>
+          <a:lin ang="5400000" scaled="0"/>
+        </a:gradFill>
+        <a:ln>
+          <a:noFill/>
+        </a:ln>
+        <a:effectLst>
+          <a:outerShdw blurRad="57150" dist="19050" dir="5400000" algn="ctr" rotWithShape="0">
+            <a:srgbClr val="000000">
+              <a:alpha val="63000"/>
+            </a:srgbClr>
+          </a:outerShdw>
+        </a:effectLst>
+      </dsp:spPr>
+      <dsp:style>
+        <a:lnRef idx="0">
+          <a:scrgbClr r="0" g="0" b="0"/>
+        </a:lnRef>
+        <a:fillRef idx="3">
+          <a:scrgbClr r="0" g="0" b="0"/>
+        </a:fillRef>
+        <a:effectRef idx="3">
+          <a:scrgbClr r="0" g="0" b="0"/>
+        </a:effectRef>
+        <a:fontRef idx="minor">
+          <a:schemeClr val="lt1"/>
+        </a:fontRef>
+      </dsp:style>
+      <dsp:txBody>
+        <a:bodyPr spcFirstLastPara="0" vert="horz" wrap="square" lIns="99568" tIns="99568" rIns="99568" bIns="99568" numCol="1" spcCol="1270" anchor="ctr" anchorCtr="0">
+          <a:noAutofit/>
+        </a:bodyPr>
+        <a:lstStyle/>
+        <a:p>
+          <a:pPr marL="0" lvl="0" indent="0" algn="l" defTabSz="622300">
+            <a:lnSpc>
+              <a:spcPct val="90000"/>
+            </a:lnSpc>
+            <a:spcBef>
+              <a:spcPct val="0"/>
+            </a:spcBef>
+            <a:spcAft>
+              <a:spcPct val="35000"/>
+            </a:spcAft>
+            <a:buNone/>
+          </a:pPr>
+          <a:r>
+            <a:rPr lang="fr-FR" sz="1400" b="1" kern="1200" dirty="0">
+              <a:latin typeface="Gill Sans MT"/>
+              <a:ea typeface="Verdana"/>
+              <a:cs typeface="Arial"/>
+            </a:rPr>
+            <a:t>Design</a:t>
+          </a:r>
+          <a:endParaRPr lang="en-US" sz="1400" b="1" kern="1200" dirty="0">
+            <a:latin typeface="Gill Sans MT"/>
+            <a:ea typeface="Verdana"/>
+            <a:cs typeface="Arial"/>
+          </a:endParaRPr>
+        </a:p>
+      </dsp:txBody>
+      <dsp:txXfrm>
+        <a:off x="5591517" y="496067"/>
+        <a:ext cx="2270522" cy="1362313"/>
+      </dsp:txXfrm>
+    </dsp:sp>
+    <dsp:sp modelId="{7C960676-14A3-4E67-B803-61A1086F5816}">
+      <dsp:nvSpPr>
+        <dsp:cNvPr id="0" name=""/>
+        <dsp:cNvSpPr/>
+      </dsp:nvSpPr>
+      <dsp:spPr>
+        <a:xfrm>
+          <a:off x="2274754" y="3016038"/>
+          <a:ext cx="491620" cy="91440"/>
+        </a:xfrm>
+        <a:custGeom>
+          <a:avLst/>
+          <a:gdLst/>
+          <a:ahLst/>
+          <a:cxnLst/>
+          <a:rect l="0" t="0" r="0" b="0"/>
+          <a:pathLst>
+            <a:path>
+              <a:moveTo>
+                <a:pt x="0" y="45720"/>
+              </a:moveTo>
+              <a:lnTo>
+                <a:pt x="491620" y="45720"/>
+              </a:lnTo>
+            </a:path>
+          </a:pathLst>
+        </a:custGeom>
+        <a:noFill/>
+        <a:ln w="12700" cap="flat" cmpd="sng" algn="ctr">
+          <a:solidFill>
+            <a:schemeClr val="accent3">
+              <a:hueOff val="2470298"/>
+              <a:satOff val="14827"/>
+              <a:lumOff val="11295"/>
+              <a:alphaOff val="0"/>
+            </a:schemeClr>
+          </a:solidFill>
+          <a:prstDash val="solid"/>
+          <a:miter lim="800000"/>
+          <a:tailEnd type="arrow"/>
+        </a:ln>
+        <a:effectLst/>
+      </dsp:spPr>
+      <dsp:style>
+        <a:lnRef idx="1">
+          <a:scrgbClr r="0" g="0" b="0"/>
+        </a:lnRef>
+        <a:fillRef idx="0">
+          <a:scrgbClr r="0" g="0" b="0"/>
+        </a:fillRef>
+        <a:effectRef idx="0">
+          <a:scrgbClr r="0" g="0" b="0"/>
+        </a:effectRef>
+        <a:fontRef idx="minor"/>
+      </dsp:style>
+      <dsp:txBody>
+        <a:bodyPr spcFirstLastPara="0" vert="horz" wrap="square" lIns="12700" tIns="0" rIns="12700" bIns="0" numCol="1" spcCol="1270" anchor="ctr" anchorCtr="0">
+          <a:noAutofit/>
+        </a:bodyPr>
+        <a:lstStyle/>
+        <a:p>
+          <a:pPr marL="0" lvl="0" indent="0" algn="ctr" defTabSz="222250">
+            <a:lnSpc>
+              <a:spcPct val="90000"/>
+            </a:lnSpc>
+            <a:spcBef>
+              <a:spcPct val="0"/>
+            </a:spcBef>
+            <a:spcAft>
+              <a:spcPct val="35000"/>
+            </a:spcAft>
+            <a:buNone/>
+          </a:pPr>
+          <a:endParaRPr lang="fr-FR" sz="500" kern="1200"/>
+        </a:p>
+      </dsp:txBody>
+      <dsp:txXfrm>
+        <a:off x="2507509" y="3059147"/>
+        <a:ext cx="26111" cy="5222"/>
+      </dsp:txXfrm>
+    </dsp:sp>
+    <dsp:sp modelId="{7B2BAB91-F767-4F09-A836-95630F7BDC3D}">
+      <dsp:nvSpPr>
+        <dsp:cNvPr id="0" name=""/>
+        <dsp:cNvSpPr/>
+      </dsp:nvSpPr>
+      <dsp:spPr>
+        <a:xfrm>
+          <a:off x="6031" y="2380601"/>
+          <a:ext cx="2270522" cy="1362313"/>
+        </a:xfrm>
+        <a:prstGeom prst="rect">
+          <a:avLst/>
+        </a:prstGeom>
+        <a:gradFill rotWithShape="0">
+          <a:gsLst>
+            <a:gs pos="0">
+              <a:schemeClr val="accent3">
+                <a:hueOff val="2058582"/>
+                <a:satOff val="12356"/>
+                <a:lumOff val="9413"/>
+                <a:alphaOff val="0"/>
+                <a:satMod val="103000"/>
+                <a:lumMod val="102000"/>
+                <a:tint val="94000"/>
+              </a:schemeClr>
+            </a:gs>
+            <a:gs pos="50000">
+              <a:schemeClr val="accent3">
+                <a:hueOff val="2058582"/>
+                <a:satOff val="12356"/>
+                <a:lumOff val="9413"/>
+                <a:alphaOff val="0"/>
+                <a:satMod val="110000"/>
+                <a:lumMod val="100000"/>
+                <a:shade val="100000"/>
+              </a:schemeClr>
+            </a:gs>
+            <a:gs pos="100000">
+              <a:schemeClr val="accent3">
+                <a:hueOff val="2058582"/>
+                <a:satOff val="12356"/>
+                <a:lumOff val="9413"/>
+                <a:alphaOff val="0"/>
+                <a:lumMod val="99000"/>
+                <a:satMod val="120000"/>
+                <a:shade val="78000"/>
+              </a:schemeClr>
+            </a:gs>
+          </a:gsLst>
+          <a:lin ang="5400000" scaled="0"/>
+        </a:gradFill>
+        <a:ln>
+          <a:noFill/>
+        </a:ln>
+        <a:effectLst>
+          <a:outerShdw blurRad="57150" dist="19050" dir="5400000" algn="ctr" rotWithShape="0">
+            <a:srgbClr val="000000">
+              <a:alpha val="63000"/>
+            </a:srgbClr>
+          </a:outerShdw>
+        </a:effectLst>
+      </dsp:spPr>
+      <dsp:style>
+        <a:lnRef idx="0">
+          <a:scrgbClr r="0" g="0" b="0"/>
+        </a:lnRef>
+        <a:fillRef idx="3">
+          <a:scrgbClr r="0" g="0" b="0"/>
+        </a:fillRef>
+        <a:effectRef idx="3">
+          <a:scrgbClr r="0" g="0" b="0"/>
+        </a:effectRef>
+        <a:fontRef idx="minor">
+          <a:schemeClr val="lt1"/>
+        </a:fontRef>
+      </dsp:style>
+      <dsp:txBody>
+        <a:bodyPr spcFirstLastPara="0" vert="horz" wrap="square" lIns="99568" tIns="99568" rIns="99568" bIns="99568" numCol="1" spcCol="1270" anchor="ctr" anchorCtr="0">
+          <a:noAutofit/>
+        </a:bodyPr>
+        <a:lstStyle/>
+        <a:p>
+          <a:pPr marL="0" lvl="0" indent="0" algn="l" defTabSz="622300">
+            <a:lnSpc>
+              <a:spcPct val="90000"/>
+            </a:lnSpc>
+            <a:spcBef>
+              <a:spcPct val="0"/>
+            </a:spcBef>
+            <a:spcAft>
+              <a:spcPct val="35000"/>
+            </a:spcAft>
+            <a:buNone/>
+          </a:pPr>
+          <a:r>
+            <a:rPr lang="fr-FR" sz="1400" b="1" kern="1200" dirty="0">
+              <a:latin typeface="Gill Sans MT"/>
+              <a:ea typeface="Verdana"/>
+              <a:cs typeface="Arial"/>
+            </a:rPr>
+            <a:t>Software Design</a:t>
+          </a:r>
+          <a:endParaRPr lang="en-US" sz="1400" b="1" kern="1200" dirty="0">
+            <a:latin typeface="Gill Sans MT"/>
+            <a:ea typeface="Verdana"/>
+            <a:cs typeface="Arial"/>
+          </a:endParaRPr>
+        </a:p>
+      </dsp:txBody>
+      <dsp:txXfrm>
+        <a:off x="6031" y="2380601"/>
+        <a:ext cx="2270522" cy="1362313"/>
+      </dsp:txXfrm>
+    </dsp:sp>
+    <dsp:sp modelId="{64F46991-3A33-4CF3-82E5-4E552F0EB0EE}">
+      <dsp:nvSpPr>
+        <dsp:cNvPr id="0" name=""/>
+        <dsp:cNvSpPr/>
+      </dsp:nvSpPr>
+      <dsp:spPr>
+        <a:xfrm>
+          <a:off x="5067497" y="3016038"/>
+          <a:ext cx="491620" cy="91440"/>
+        </a:xfrm>
+        <a:custGeom>
+          <a:avLst/>
+          <a:gdLst/>
+          <a:ahLst/>
+          <a:cxnLst/>
+          <a:rect l="0" t="0" r="0" b="0"/>
+          <a:pathLst>
+            <a:path>
+              <a:moveTo>
+                <a:pt x="0" y="45720"/>
+              </a:moveTo>
+              <a:lnTo>
+                <a:pt x="491620" y="45720"/>
+              </a:lnTo>
+            </a:path>
+          </a:pathLst>
+        </a:custGeom>
+        <a:noFill/>
+        <a:ln w="12700" cap="flat" cmpd="sng" algn="ctr">
+          <a:solidFill>
+            <a:schemeClr val="accent3">
+              <a:hueOff val="3293730"/>
+              <a:satOff val="19770"/>
+              <a:lumOff val="15060"/>
+              <a:alphaOff val="0"/>
+            </a:schemeClr>
+          </a:solidFill>
+          <a:prstDash val="solid"/>
+          <a:miter lim="800000"/>
+          <a:tailEnd type="arrow"/>
+        </a:ln>
+        <a:effectLst/>
+      </dsp:spPr>
+      <dsp:style>
+        <a:lnRef idx="1">
+          <a:scrgbClr r="0" g="0" b="0"/>
+        </a:lnRef>
+        <a:fillRef idx="0">
+          <a:scrgbClr r="0" g="0" b="0"/>
+        </a:fillRef>
+        <a:effectRef idx="0">
+          <a:scrgbClr r="0" g="0" b="0"/>
+        </a:effectRef>
+        <a:fontRef idx="minor"/>
+      </dsp:style>
+      <dsp:txBody>
+        <a:bodyPr spcFirstLastPara="0" vert="horz" wrap="square" lIns="12700" tIns="0" rIns="12700" bIns="0" numCol="1" spcCol="1270" anchor="ctr" anchorCtr="0">
+          <a:noAutofit/>
+        </a:bodyPr>
+        <a:lstStyle/>
+        <a:p>
+          <a:pPr marL="0" lvl="0" indent="0" algn="ctr" defTabSz="222250">
+            <a:lnSpc>
+              <a:spcPct val="90000"/>
+            </a:lnSpc>
+            <a:spcBef>
+              <a:spcPct val="0"/>
+            </a:spcBef>
+            <a:spcAft>
+              <a:spcPct val="35000"/>
+            </a:spcAft>
+            <a:buNone/>
+          </a:pPr>
+          <a:endParaRPr lang="fr-FR" sz="500" kern="1200"/>
+        </a:p>
+      </dsp:txBody>
+      <dsp:txXfrm>
+        <a:off x="5300251" y="3059147"/>
+        <a:ext cx="26111" cy="5222"/>
+      </dsp:txXfrm>
+    </dsp:sp>
+    <dsp:sp modelId="{E6F652D2-4009-45CD-B297-1A7B9DE0DA9A}">
+      <dsp:nvSpPr>
+        <dsp:cNvPr id="0" name=""/>
+        <dsp:cNvSpPr/>
+      </dsp:nvSpPr>
+      <dsp:spPr>
+        <a:xfrm>
+          <a:off x="2798774" y="2380601"/>
+          <a:ext cx="2270522" cy="1362313"/>
+        </a:xfrm>
+        <a:prstGeom prst="rect">
+          <a:avLst/>
+        </a:prstGeom>
+        <a:gradFill rotWithShape="0">
+          <a:gsLst>
+            <a:gs pos="0">
+              <a:schemeClr val="accent3">
+                <a:hueOff val="2744775"/>
+                <a:satOff val="16475"/>
+                <a:lumOff val="12550"/>
+                <a:alphaOff val="0"/>
+                <a:satMod val="103000"/>
+                <a:lumMod val="102000"/>
+                <a:tint val="94000"/>
+              </a:schemeClr>
+            </a:gs>
+            <a:gs pos="50000">
+              <a:schemeClr val="accent3">
+                <a:hueOff val="2744775"/>
+                <a:satOff val="16475"/>
+                <a:lumOff val="12550"/>
+                <a:alphaOff val="0"/>
+                <a:satMod val="110000"/>
+                <a:lumMod val="100000"/>
+                <a:shade val="100000"/>
+              </a:schemeClr>
+            </a:gs>
+            <a:gs pos="100000">
+              <a:schemeClr val="accent3">
+                <a:hueOff val="2744775"/>
+                <a:satOff val="16475"/>
+                <a:lumOff val="12550"/>
+                <a:alphaOff val="0"/>
+                <a:lumMod val="99000"/>
+                <a:satMod val="120000"/>
+                <a:shade val="78000"/>
+              </a:schemeClr>
+            </a:gs>
+          </a:gsLst>
+          <a:lin ang="5400000" scaled="0"/>
+        </a:gradFill>
+        <a:ln>
+          <a:noFill/>
+        </a:ln>
+        <a:effectLst>
+          <a:outerShdw blurRad="57150" dist="19050" dir="5400000" algn="ctr" rotWithShape="0">
+            <a:srgbClr val="000000">
+              <a:alpha val="63000"/>
+            </a:srgbClr>
+          </a:outerShdw>
+        </a:effectLst>
+      </dsp:spPr>
+      <dsp:style>
+        <a:lnRef idx="0">
+          <a:scrgbClr r="0" g="0" b="0"/>
+        </a:lnRef>
+        <a:fillRef idx="3">
+          <a:scrgbClr r="0" g="0" b="0"/>
+        </a:fillRef>
+        <a:effectRef idx="3">
+          <a:scrgbClr r="0" g="0" b="0"/>
+        </a:effectRef>
+        <a:fontRef idx="minor">
+          <a:schemeClr val="lt1"/>
+        </a:fontRef>
+      </dsp:style>
+      <dsp:txBody>
+        <a:bodyPr spcFirstLastPara="0" vert="horz" wrap="square" lIns="99568" tIns="99568" rIns="99568" bIns="99568" numCol="1" spcCol="1270" anchor="ctr" anchorCtr="0">
+          <a:noAutofit/>
+        </a:bodyPr>
+        <a:lstStyle/>
+        <a:p>
+          <a:pPr marL="0" lvl="0" indent="0" algn="l" defTabSz="622300">
+            <a:lnSpc>
+              <a:spcPct val="90000"/>
+            </a:lnSpc>
+            <a:spcBef>
+              <a:spcPct val="0"/>
+            </a:spcBef>
+            <a:spcAft>
+              <a:spcPct val="35000"/>
+            </a:spcAft>
+            <a:buNone/>
+          </a:pPr>
+          <a:r>
+            <a:rPr lang="fr-FR" sz="1400" b="1" kern="1200" dirty="0" err="1">
+              <a:latin typeface="Gill Sans MT"/>
+              <a:ea typeface="Verdana"/>
+              <a:cs typeface="Arial"/>
+            </a:rPr>
+            <a:t>Implementation</a:t>
+          </a:r>
+          <a:endParaRPr lang="fr-FR" sz="1400" b="1" kern="1200" dirty="0">
+            <a:latin typeface="Gill Sans MT"/>
+            <a:ea typeface="Verdana"/>
+            <a:cs typeface="Arial"/>
+          </a:endParaRPr>
+        </a:p>
+      </dsp:txBody>
+      <dsp:txXfrm>
+        <a:off x="2798774" y="2380601"/>
+        <a:ext cx="2270522" cy="1362313"/>
+      </dsp:txXfrm>
+    </dsp:sp>
+    <dsp:sp modelId="{62654883-3E58-4128-9592-E90D3BF16839}">
+      <dsp:nvSpPr>
+        <dsp:cNvPr id="0" name=""/>
+        <dsp:cNvSpPr/>
+      </dsp:nvSpPr>
+      <dsp:spPr>
+        <a:xfrm>
+          <a:off x="1141293" y="3741115"/>
+          <a:ext cx="5585485" cy="491620"/>
+        </a:xfrm>
+        <a:custGeom>
+          <a:avLst/>
+          <a:gdLst/>
+          <a:ahLst/>
+          <a:cxnLst/>
+          <a:rect l="0" t="0" r="0" b="0"/>
+          <a:pathLst>
+            <a:path>
+              <a:moveTo>
+                <a:pt x="5585485" y="0"/>
+              </a:moveTo>
+              <a:lnTo>
+                <a:pt x="5585485" y="262910"/>
+              </a:lnTo>
+              <a:lnTo>
+                <a:pt x="0" y="262910"/>
+              </a:lnTo>
+              <a:lnTo>
+                <a:pt x="0" y="491620"/>
+              </a:lnTo>
+            </a:path>
+          </a:pathLst>
+        </a:custGeom>
+        <a:noFill/>
+        <a:ln w="12700" cap="flat" cmpd="sng" algn="ctr">
+          <a:solidFill>
+            <a:schemeClr val="accent3">
+              <a:hueOff val="4117163"/>
+              <a:satOff val="24712"/>
+              <a:lumOff val="18825"/>
+              <a:alphaOff val="0"/>
+            </a:schemeClr>
+          </a:solidFill>
+          <a:prstDash val="solid"/>
+          <a:miter lim="800000"/>
+          <a:tailEnd type="arrow"/>
+        </a:ln>
+        <a:effectLst/>
+      </dsp:spPr>
+      <dsp:style>
+        <a:lnRef idx="1">
+          <a:scrgbClr r="0" g="0" b="0"/>
+        </a:lnRef>
+        <a:fillRef idx="0">
+          <a:scrgbClr r="0" g="0" b="0"/>
+        </a:fillRef>
+        <a:effectRef idx="0">
+          <a:scrgbClr r="0" g="0" b="0"/>
+        </a:effectRef>
+        <a:fontRef idx="minor"/>
+      </dsp:style>
+      <dsp:txBody>
+        <a:bodyPr spcFirstLastPara="0" vert="horz" wrap="square" lIns="12700" tIns="0" rIns="12700" bIns="0" numCol="1" spcCol="1270" anchor="ctr" anchorCtr="0">
+          <a:noAutofit/>
+        </a:bodyPr>
+        <a:lstStyle/>
+        <a:p>
+          <a:pPr marL="0" lvl="0" indent="0" algn="ctr" defTabSz="222250">
+            <a:lnSpc>
+              <a:spcPct val="90000"/>
+            </a:lnSpc>
+            <a:spcBef>
+              <a:spcPct val="0"/>
+            </a:spcBef>
+            <a:spcAft>
+              <a:spcPct val="35000"/>
+            </a:spcAft>
+            <a:buNone/>
+          </a:pPr>
+          <a:endParaRPr lang="fr-FR" sz="500" kern="1200"/>
+        </a:p>
+      </dsp:txBody>
+      <dsp:txXfrm>
+        <a:off x="3793789" y="3984314"/>
+        <a:ext cx="280492" cy="5222"/>
+      </dsp:txXfrm>
+    </dsp:sp>
+    <dsp:sp modelId="{4503FEC5-DEAA-48B2-AE73-80F141CB5385}">
+      <dsp:nvSpPr>
+        <dsp:cNvPr id="0" name=""/>
+        <dsp:cNvSpPr/>
+      </dsp:nvSpPr>
+      <dsp:spPr>
+        <a:xfrm>
+          <a:off x="5591517" y="2380601"/>
+          <a:ext cx="2270522" cy="1362313"/>
+        </a:xfrm>
+        <a:prstGeom prst="rect">
+          <a:avLst/>
+        </a:prstGeom>
+        <a:gradFill rotWithShape="0">
+          <a:gsLst>
+            <a:gs pos="0">
+              <a:schemeClr val="accent3">
+                <a:hueOff val="3430969"/>
+                <a:satOff val="20593"/>
+                <a:lumOff val="15687"/>
+                <a:alphaOff val="0"/>
+                <a:satMod val="103000"/>
+                <a:lumMod val="102000"/>
+                <a:tint val="94000"/>
+              </a:schemeClr>
+            </a:gs>
+            <a:gs pos="50000">
+              <a:schemeClr val="accent3">
+                <a:hueOff val="3430969"/>
+                <a:satOff val="20593"/>
+                <a:lumOff val="15687"/>
+                <a:alphaOff val="0"/>
+                <a:satMod val="110000"/>
+                <a:lumMod val="100000"/>
+                <a:shade val="100000"/>
+              </a:schemeClr>
+            </a:gs>
+            <a:gs pos="100000">
+              <a:schemeClr val="accent3">
+                <a:hueOff val="3430969"/>
+                <a:satOff val="20593"/>
+                <a:lumOff val="15687"/>
+                <a:alphaOff val="0"/>
+                <a:lumMod val="99000"/>
+                <a:satMod val="120000"/>
+                <a:shade val="78000"/>
+              </a:schemeClr>
+            </a:gs>
+          </a:gsLst>
+          <a:lin ang="5400000" scaled="0"/>
+        </a:gradFill>
+        <a:ln>
+          <a:noFill/>
+        </a:ln>
+        <a:effectLst>
+          <a:outerShdw blurRad="57150" dist="19050" dir="5400000" algn="ctr" rotWithShape="0">
+            <a:srgbClr val="000000">
+              <a:alpha val="63000"/>
+            </a:srgbClr>
+          </a:outerShdw>
+        </a:effectLst>
+      </dsp:spPr>
+      <dsp:style>
+        <a:lnRef idx="0">
+          <a:scrgbClr r="0" g="0" b="0"/>
+        </a:lnRef>
+        <a:fillRef idx="3">
+          <a:scrgbClr r="0" g="0" b="0"/>
+        </a:fillRef>
+        <a:effectRef idx="3">
+          <a:scrgbClr r="0" g="0" b="0"/>
+        </a:effectRef>
+        <a:fontRef idx="minor">
+          <a:schemeClr val="lt1"/>
+        </a:fontRef>
+      </dsp:style>
+      <dsp:txBody>
+        <a:bodyPr spcFirstLastPara="0" vert="horz" wrap="square" lIns="99568" tIns="99568" rIns="99568" bIns="99568" numCol="1" spcCol="1270" anchor="ctr" anchorCtr="0">
+          <a:noAutofit/>
+        </a:bodyPr>
+        <a:lstStyle/>
+        <a:p>
+          <a:pPr marL="0" lvl="0" indent="0" algn="l" defTabSz="622300" rtl="0">
+            <a:lnSpc>
+              <a:spcPct val="90000"/>
+            </a:lnSpc>
+            <a:spcBef>
+              <a:spcPct val="0"/>
+            </a:spcBef>
+            <a:spcAft>
+              <a:spcPct val="35000"/>
+            </a:spcAft>
+            <a:buNone/>
+          </a:pPr>
+          <a:r>
+            <a:rPr lang="fr-FR" sz="1400" b="1" kern="1200" dirty="0" err="1">
+              <a:latin typeface="Gill Sans MT"/>
+              <a:ea typeface="Verdana"/>
+              <a:cs typeface="Arial"/>
+            </a:rPr>
+            <a:t>Testing</a:t>
+          </a:r>
+          <a:endParaRPr lang="fr-FR" sz="1400" b="1" kern="1200" dirty="0">
+            <a:latin typeface="Gill Sans MT"/>
+            <a:ea typeface="Verdana"/>
+            <a:cs typeface="Arial"/>
+          </a:endParaRPr>
+        </a:p>
+      </dsp:txBody>
+      <dsp:txXfrm>
+        <a:off x="5591517" y="2380601"/>
+        <a:ext cx="2270522" cy="1362313"/>
+      </dsp:txXfrm>
+    </dsp:sp>
+    <dsp:sp modelId="{C8612308-36F3-4056-A937-70E45C957FE6}">
+      <dsp:nvSpPr>
+        <dsp:cNvPr id="0" name=""/>
+        <dsp:cNvSpPr/>
+      </dsp:nvSpPr>
+      <dsp:spPr>
+        <a:xfrm>
+          <a:off x="6031" y="4265135"/>
+          <a:ext cx="2270522" cy="1362313"/>
+        </a:xfrm>
+        <a:prstGeom prst="rect">
+          <a:avLst/>
+        </a:prstGeom>
+        <a:gradFill rotWithShape="0">
+          <a:gsLst>
+            <a:gs pos="0">
+              <a:schemeClr val="accent3">
+                <a:hueOff val="4117163"/>
+                <a:satOff val="24712"/>
+                <a:lumOff val="18825"/>
+                <a:alphaOff val="0"/>
+                <a:satMod val="103000"/>
+                <a:lumMod val="102000"/>
+                <a:tint val="94000"/>
+              </a:schemeClr>
+            </a:gs>
+            <a:gs pos="50000">
+              <a:schemeClr val="accent3">
+                <a:hueOff val="4117163"/>
+                <a:satOff val="24712"/>
+                <a:lumOff val="18825"/>
+                <a:alphaOff val="0"/>
+                <a:satMod val="110000"/>
+                <a:lumMod val="100000"/>
+                <a:shade val="100000"/>
+              </a:schemeClr>
+            </a:gs>
+            <a:gs pos="100000">
+              <a:schemeClr val="accent3">
+                <a:hueOff val="4117163"/>
+                <a:satOff val="24712"/>
+                <a:lumOff val="18825"/>
+                <a:alphaOff val="0"/>
+                <a:lumMod val="99000"/>
+                <a:satMod val="120000"/>
+                <a:shade val="78000"/>
+              </a:schemeClr>
+            </a:gs>
+          </a:gsLst>
+          <a:lin ang="5400000" scaled="0"/>
+        </a:gradFill>
+        <a:ln>
+          <a:noFill/>
+        </a:ln>
+        <a:effectLst>
+          <a:outerShdw blurRad="57150" dist="19050" dir="5400000" algn="ctr" rotWithShape="0">
+            <a:srgbClr val="000000">
+              <a:alpha val="63000"/>
+            </a:srgbClr>
+          </a:outerShdw>
+        </a:effectLst>
+      </dsp:spPr>
+      <dsp:style>
+        <a:lnRef idx="0">
+          <a:scrgbClr r="0" g="0" b="0"/>
+        </a:lnRef>
+        <a:fillRef idx="3">
+          <a:scrgbClr r="0" g="0" b="0"/>
+        </a:fillRef>
+        <a:effectRef idx="3">
+          <a:scrgbClr r="0" g="0" b="0"/>
+        </a:effectRef>
+        <a:fontRef idx="minor">
+          <a:schemeClr val="lt1"/>
+        </a:fontRef>
+      </dsp:style>
+      <dsp:txBody>
+        <a:bodyPr spcFirstLastPara="0" vert="horz" wrap="square" lIns="99568" tIns="99568" rIns="99568" bIns="99568" numCol="1" spcCol="1270" anchor="ctr" anchorCtr="0">
+          <a:noAutofit/>
+        </a:bodyPr>
+        <a:lstStyle/>
+        <a:p>
+          <a:pPr marL="0" lvl="0" indent="0" algn="l" defTabSz="622300" rtl="0">
+            <a:lnSpc>
+              <a:spcPct val="90000"/>
+            </a:lnSpc>
+            <a:spcBef>
+              <a:spcPct val="0"/>
+            </a:spcBef>
+            <a:spcAft>
+              <a:spcPct val="35000"/>
+            </a:spcAft>
+            <a:buNone/>
+          </a:pPr>
+          <a:r>
+            <a:rPr lang="fr-FR" sz="1400" b="1" kern="1200" dirty="0">
+              <a:latin typeface="Gill Sans MT"/>
+              <a:ea typeface="Verdana"/>
+              <a:cs typeface="Arial"/>
+            </a:rPr>
+            <a:t>1. Report  2.GitHub  3.Presentation</a:t>
+          </a:r>
+          <a:endParaRPr lang="fr-FR" sz="1400" kern="1200" dirty="0"/>
+        </a:p>
+      </dsp:txBody>
+      <dsp:txXfrm>
+        <a:off x="6031" y="4265135"/>
+        <a:ext cx="2270522" cy="1362313"/>
+      </dsp:txXfrm>
+    </dsp:sp>
+  </dsp:spTree>
+</dsp:drawing>
+</file>
+
+<file path=ppt/diagrams/layout1.xml><?xml version="1.0" encoding="utf-8"?>
+<dgm:layoutDef xmlns:dgm="http://schemas.openxmlformats.org/drawingml/2006/diagram" xmlns:a="http://schemas.openxmlformats.org/drawingml/2006/main" uniqueId="urn:microsoft.com/office/officeart/2005/8/layout/bProcess3">
+  <dgm:title val=""/>
+  <dgm:desc val=""/>
+  <dgm:catLst>
+    <dgm:cat type="process" pri="18000"/>
+  </dgm:catLst>
+  <dgm:sampData>
+    <dgm:dataModel>
+      <dgm:ptLst>
+        <dgm:pt modelId="0" type="doc"/>
+        <dgm:pt modelId="1">
+          <dgm:prSet phldr="1"/>
+        </dgm:pt>
+        <dgm:pt modelId="2">
+          <dgm:prSet phldr="1"/>
+        </dgm:pt>
+        <dgm:pt modelId="3">
+          <dgm:prSet phldr="1"/>
+        </dgm:pt>
+        <dgm:pt modelId="4">
+          <dgm:prSet phldr="1"/>
+        </dgm:pt>
+        <dgm:pt modelId="5">
+          <dgm:prSet phldr="1"/>
+        </dgm:pt>
+      </dgm:ptLst>
+      <dgm:cxnLst>
+        <dgm:cxn modelId="7" srcId="0" destId="1" srcOrd="0" destOrd="0"/>
+        <dgm:cxn modelId="8" srcId="0" destId="2" srcOrd="1" destOrd="0"/>
+        <dgm:cxn modelId="9" srcId="0" destId="3" srcOrd="2" destOrd="0"/>
+        <dgm:cxn modelId="10" srcId="0" destId="4" srcOrd="3" destOrd="0"/>
+        <dgm:cxn modelId="11" srcId="0" destId="5" srcOrd="4" destOrd="0"/>
+      </dgm:cxnLst>
+      <dgm:bg/>
+      <dgm:whole/>
+    </dgm:dataModel>
+  </dgm:sampData>
+  <dgm:styleData>
+    <dgm:dataModel>
+      <dgm:ptLst>
+        <dgm:pt modelId="0" type="doc"/>
+        <dgm:pt modelId="1"/>
+        <dgm:pt modelId="2"/>
+      </dgm:ptLst>
+      <dgm:cxnLst>
+        <dgm:cxn modelId="3" srcId="0" destId="1" srcOrd="0" destOrd="0"/>
+        <dgm:cxn modelId="4" srcId="0" destId="2" srcOrd="1" destOrd="0"/>
+      </dgm:cxnLst>
+      <dgm:bg/>
+      <dgm:whole/>
+    </dgm:dataModel>
+  </dgm:styleData>
+  <dgm:clrData>
+    <dgm:dataModel>
+      <dgm:ptLst>
+        <dgm:pt modelId="0" type="doc"/>
+        <dgm:pt modelId="1"/>
+        <dgm:pt modelId="2"/>
+        <dgm:pt modelId="3"/>
+        <dgm:pt modelId="4"/>
+      </dgm:ptLst>
+      <dgm:cxnLst>
+        <dgm:cxn modelId="5" srcId="0" destId="1" srcOrd="0" destOrd="0"/>
+        <dgm:cxn modelId="6" srcId="0" destId="2" srcOrd="1" destOrd="0"/>
+        <dgm:cxn modelId="7" srcId="0" destId="3" srcOrd="2" destOrd="0"/>
+        <dgm:cxn modelId="8" srcId="0" destId="4" srcOrd="3" destOrd="0"/>
+      </dgm:cxnLst>
+      <dgm:bg/>
+      <dgm:whole/>
+    </dgm:dataModel>
+  </dgm:clrData>
+  <dgm:layoutNode name="Name0">
+    <dgm:varLst>
+      <dgm:dir/>
+      <dgm:resizeHandles val="exact"/>
+    </dgm:varLst>
+    <dgm:choose name="Name1">
+      <dgm:if name="Name2" axis="self" func="var" arg="dir" op="equ" val="norm">
+        <dgm:alg type="snake">
+          <dgm:param type="grDir" val="tL"/>
+          <dgm:param type="flowDir" val="row"/>
+          <dgm:param type="contDir" val="sameDir"/>
+          <dgm:param type="bkpt" val="endCnv"/>
+        </dgm:alg>
+      </dgm:if>
+      <dgm:else name="Name3">
+        <dgm:alg type="snake">
+          <dgm:param type="grDir" val="tR"/>
+          <dgm:param type="flowDir" val="row"/>
+          <dgm:param type="contDir" val="sameDir"/>
+          <dgm:param type="bkpt" val="endCnv"/>
+        </dgm:alg>
+      </dgm:else>
+    </dgm:choose>
+    <dgm:shape xmlns:r="http://schemas.openxmlformats.org/officeDocument/2006/relationships" r:blip="">
+      <dgm:adjLst/>
+    </dgm:shape>
+    <dgm:presOf/>
+    <dgm:constrLst>
+      <dgm:constr type="w" for="ch" ptType="node" refType="w"/>
+      <dgm:constr type="w" for="ch" forName="sibTrans" refType="w" refFor="ch" refPtType="node" op="equ" fact="0.23"/>
+      <dgm:constr type="sp" refType="w" refFor="ch" refForName="sibTrans" op="equ"/>
+      <dgm:constr type="userB" for="des" forName="connectorText" refType="sp"/>
+      <dgm:constr type="primFontSz" for="ch" ptType="node" op="equ" val="65"/>
+      <dgm:constr type="h" for="ch" ptType="sibTrans" op="equ"/>
+      <dgm:constr type="primFontSz" for="des" forName="connectorText" op="equ" val="55"/>
+      <dgm:constr type="primFontSz" for="des" forName="connectorText" refType="primFontSz" refFor="ch" refPtType="node" op="lte" fact="0.8"/>
+    </dgm:constrLst>
+    <dgm:ruleLst/>
+    <dgm:forEach name="nodesForEach" axis="ch" ptType="node">
+      <dgm:layoutNode name="node">
+        <dgm:varLst>
+          <dgm:bulletEnabled val="1"/>
+        </dgm:varLst>
+        <dgm:alg type="tx"/>
+        <dgm:shape xmlns:r="http://schemas.openxmlformats.org/officeDocument/2006/relationships" type="rect" r:blip="">
+          <dgm:adjLst/>
+        </dgm:shape>
+        <dgm:presOf axis="desOrSelf" ptType="node"/>
+        <dgm:constrLst>
+          <dgm:constr type="h" refType="w" fact="0.6"/>
+        </dgm:constrLst>
+        <dgm:ruleLst>
+          <dgm:rule type="primFontSz" val="5" fact="NaN" max="NaN"/>
+        </dgm:ruleLst>
+      </dgm:layoutNode>
+      <dgm:forEach name="sibTransForEach" axis="followSib" ptType="sibTrans" cnt="1">
+        <dgm:layoutNode name="sibTrans">
+          <dgm:choose name="Name4">
+            <dgm:if name="Name5" axis="self" func="var" arg="dir" op="equ" val="norm">
+              <dgm:alg type="conn">
+                <dgm:param type="connRout" val="bend"/>
+                <dgm:param type="dim" val="1D"/>
+                <dgm:param type="begPts" val="midR bCtr"/>
+                <dgm:param type="endPts" val="midL tCtr"/>
+              </dgm:alg>
+            </dgm:if>
+            <dgm:else name="Name6">
+              <dgm:alg type="conn">
+                <dgm:param type="connRout" val="bend"/>
+                <dgm:param type="dim" val="1D"/>
+                <dgm:param type="begPts" val="midL bCtr"/>
+                <dgm:param type="endPts" val="midR tCtr"/>
+              </dgm:alg>
+            </dgm:else>
+          </dgm:choose>
+          <dgm:shape xmlns:r="http://schemas.openxmlformats.org/officeDocument/2006/relationships" type="conn" r:blip="" zOrderOff="-2">
+            <dgm:adjLst/>
+          </dgm:shape>
+          <dgm:presOf axis="self"/>
+          <dgm:constrLst>
+            <dgm:constr type="begPad" val="-0.05"/>
+            <dgm:constr type="endPad" val="0.9"/>
+            <dgm:constr type="userA" for="ch" refType="connDist"/>
+          </dgm:constrLst>
+          <dgm:ruleLst/>
+          <dgm:layoutNode name="connectorText">
+            <dgm:alg type="tx">
+              <dgm:param type="autoTxRot" val="upr"/>
+            </dgm:alg>
+            <dgm:shape xmlns:r="http://schemas.openxmlformats.org/officeDocument/2006/relationships" type="rect" r:blip="" hideGeom="1">
+              <dgm:adjLst/>
+            </dgm:shape>
+            <dgm:presOf axis="self"/>
+            <dgm:constrLst>
+              <dgm:constr type="userA"/>
+              <dgm:constr type="userB"/>
+              <dgm:constr type="w" refType="userA" fact="0.05"/>
+              <dgm:constr type="h" refType="userB" fact="0.01"/>
+              <dgm:constr type="lMarg" val="1"/>
+              <dgm:constr type="rMarg" val="1"/>
+              <dgm:constr type="tMarg"/>
+              <dgm:constr type="bMarg"/>
+            </dgm:constrLst>
+            <dgm:ruleLst>
+              <dgm:rule type="w" val="NaN" fact="0.6" max="NaN"/>
+              <dgm:rule type="h" val="NaN" fact="0.6" max="NaN"/>
+              <dgm:rule type="primFontSz" val="5" fact="NaN" max="NaN"/>
+            </dgm:ruleLst>
+          </dgm:layoutNode>
+        </dgm:layoutNode>
+      </dgm:forEach>
+    </dgm:forEach>
+  </dgm:layoutNode>
+</dgm:layoutDef>
+</file>
+
+<file path=ppt/diagrams/quickStyle1.xml><?xml version="1.0" encoding="utf-8"?>
+<dgm:styleDef xmlns:dgm="http://schemas.openxmlformats.org/drawingml/2006/diagram" xmlns:a="http://schemas.openxmlformats.org/drawingml/2006/main" uniqueId="urn:microsoft.com/office/officeart/2005/8/quickstyle/simple5">
+  <dgm:title val=""/>
+  <dgm:desc val=""/>
+  <dgm:catLst>
+    <dgm:cat type="simple" pri="10500"/>
+  </dgm:catLst>
+  <dgm:scene3d>
+    <a:camera prst="orthographicFront"/>
+    <a:lightRig rig="threePt" dir="t"/>
+  </dgm:scene3d>
+  <dgm:styleLbl name="node0">
+    <dgm:scene3d>
+      <a:camera prst="orthographicFront"/>
+      <a:lightRig rig="threePt" dir="t"/>
+    </dgm:scene3d>
+    <dgm:sp3d/>
+    <dgm:txPr/>
+    <dgm:style>
+      <a:lnRef idx="0">
+        <a:scrgbClr r="0" g="0" b="0"/>
+      </a:lnRef>
+      <a:fillRef idx="3">
+        <a:scrgbClr r="0" g="0" b="0"/>
+      </a:fillRef>
+      <a:effectRef idx="3">
+        <a:scrgbClr r="0" g="0" b="0"/>
+      </a:effectRef>
+      <a:fontRef idx="minor">
+        <a:schemeClr val="lt1"/>
+      </a:fontRef>
+    </dgm:style>
+  </dgm:styleLbl>
+  <dgm:styleLbl name="lnNode1">
+    <dgm:scene3d>
+      <a:camera prst="orthographicFront"/>
+      <a:lightRig rig="threePt" dir="t"/>
+    </dgm:scene3d>
+    <dgm:sp3d/>
+    <dgm:txPr/>
+    <dgm:style>
+      <a:lnRef idx="0">
+        <a:scrgbClr r="0" g="0" b="0"/>
+      </a:lnRef>
+      <a:fillRef idx="3">
+        <a:scrgbClr r="0" g="0" b="0"/>
+      </a:fillRef>
+      <a:effectRef idx="3">
+        <a:scrgbClr r="0" g="0" b="0"/>
+      </a:effectRef>
+      <a:fontRef idx="minor">
+        <a:schemeClr val="lt1"/>
+      </a:fontRef>
+    </dgm:style>
+  </dgm:styleLbl>
+  <dgm:styleLbl name="vennNode1">
+    <dgm:scene3d>
+      <a:camera prst="orthographicFront"/>
+      <a:lightRig rig="threePt" dir="t"/>
+    </dgm:scene3d>
+    <dgm:sp3d/>
+    <dgm:txPr/>
+    <dgm:style>
+      <a:lnRef idx="0">
+        <a:scrgbClr r="0" g="0" b="0"/>
+      </a:lnRef>
+      <a:fillRef idx="3">
+        <a:scrgbClr r="0" g="0" b="0"/>
+      </a:fillRef>
+      <a:effectRef idx="3">
+        <a:scrgbClr r="0" g="0" b="0"/>
+      </a:effectRef>
+      <a:fontRef idx="minor">
+        <a:schemeClr val="tx1"/>
+      </a:fontRef>
+    </dgm:style>
+  </dgm:styleLbl>
+  <dgm:styleLbl name="alignNode1">
+    <dgm:scene3d>
+      <a:camera prst="orthographicFront"/>
+      <a:lightRig rig="threePt" dir="t"/>
+    </dgm:scene3d>
+    <dgm:sp3d/>
+    <dgm:txPr/>
+    <dgm:style>
+      <a:lnRef idx="1">
+        <a:scrgbClr r="0" g="0" b="0"/>
+      </a:lnRef>
+      <a:fillRef idx="3">
+        <a:scrgbClr r="0" g="0" b="0"/>
+      </a:fillRef>
+      <a:effectRef idx="3">
+        <a:scrgbClr r="0" g="0" b="0"/>
+      </a:effectRef>
+      <a:fontRef idx="minor">
+        <a:schemeClr val="lt1"/>
+      </a:fontRef>
+    </dgm:style>
+  </dgm:styleLbl>
+  <dgm:styleLbl name="node1">
+    <dgm:scene3d>
+      <a:camera prst="orthographicFront"/>
+      <a:lightRig rig="threePt" dir="t"/>
+    </dgm:scene3d>
+    <dgm:sp3d/>
+    <dgm:txPr/>
+    <dgm:style>
+      <a:lnRef idx="0">
+        <a:scrgbClr r="0" g="0" b="0"/>
+      </a:lnRef>
+      <a:fillRef idx="3">
+        <a:scrgbClr r="0" g="0" b="0"/>
+      </a:fillRef>
+      <a:effectRef idx="3">
+        <a:scrgbClr r="0" g="0" b="0"/>
+      </a:effectRef>
+      <a:fontRef idx="minor">
+        <a:schemeClr val="lt1"/>
+      </a:fontRef>
+    </dgm:style>
+  </dgm:styleLbl>
+  <dgm:styleLbl name="node2">
+    <dgm:scene3d>
+      <a:camera prst="orthographicFront"/>
+      <a:lightRig rig="threePt" dir="t"/>
+    </dgm:scene3d>
+    <dgm:sp3d/>
+    <dgm:txPr/>
+    <dgm:style>
+      <a:lnRef idx="0">
+        <a:scrgbClr r="0" g="0" b="0"/>
+      </a:lnRef>
+      <a:fillRef idx="3">
+        <a:scrgbClr r="0" g="0" b="0"/>
+      </a:fillRef>
+      <a:effectRef idx="3">
+        <a:scrgbClr r="0" g="0" b="0"/>
+      </a:effectRef>
+      <a:fontRef idx="minor">
+        <a:schemeClr val="lt1"/>
+      </a:fontRef>
+    </dgm:style>
+  </dgm:styleLbl>
+  <dgm:styleLbl name="node3">
+    <dgm:scene3d>
+      <a:camera prst="orthographicFront"/>
+      <a:lightRig rig="threePt" dir="t"/>
+    </dgm:scene3d>
+    <dgm:sp3d/>
+    <dgm:txPr/>
+    <dgm:style>
+      <a:lnRef idx="0">
+        <a:scrgbClr r="0" g="0" b="0"/>
+      </a:lnRef>
+      <a:fillRef idx="3">
+        <a:scrgbClr r="0" g="0" b="0"/>
+      </a:fillRef>
+      <a:effectRef idx="3">
+        <a:scrgbClr r="0" g="0" b="0"/>
+      </a:effectRef>
+      <a:fontRef idx="minor">
+        <a:schemeClr val="lt1"/>
+      </a:fontRef>
+    </dgm:style>
+  </dgm:styleLbl>
+  <dgm:styleLbl name="node4">
+    <dgm:scene3d>
+      <a:camera prst="orthographicFront"/>
+      <a:lightRig rig="threePt" dir="t"/>
+    </dgm:scene3d>
+    <dgm:sp3d/>
+    <dgm:txPr/>
+    <dgm:style>
+      <a:lnRef idx="0">
+        <a:scrgbClr r="0" g="0" b="0"/>
+      </a:lnRef>
+      <a:fillRef idx="3">
+        <a:scrgbClr r="0" g="0" b="0"/>
+      </a:fillRef>
+      <a:effectRef idx="3">
+        <a:scrgbClr r="0" g="0" b="0"/>
+      </a:effectRef>
+      <a:fontRef idx="minor">
+        <a:schemeClr val="lt1"/>
+      </a:fontRef>
+    </dgm:style>
+  </dgm:styleLbl>
+  <dgm:styleLbl name="fgImgPlace1">
+    <dgm:scene3d>
+      <a:camera prst="orthographicFront"/>
+      <a:lightRig rig="threePt" dir="t"/>
+    </dgm:scene3d>
+    <dgm:sp3d/>
+    <dgm:txPr/>
+    <dgm:style>
+      <a:lnRef idx="0">
+        <a:scrgbClr r="0" g="0" b="0"/>
+      </a:lnRef>
+      <a:fillRef idx="1">
+        <a:scrgbClr r="0" g="0" b="0"/>
+      </a:fillRef>
+      <a:effectRef idx="3">
+        <a:scrgbClr r="0" g="0" b="0"/>
+      </a:effectRef>
+      <a:fontRef idx="minor"/>
+    </dgm:style>
+  </dgm:styleLbl>
+  <dgm:styleLbl name="alignImgPlace1">
+    <dgm:scene3d>
+      <a:camera prst="orthographicFront"/>
+      <a:lightRig rig="threePt" dir="t"/>
+    </dgm:scene3d>
+    <dgm:sp3d/>
+    <dgm:txPr/>
+    <dgm:style>
+      <a:lnRef idx="0">
+        <a:scrgbClr r="0" g="0" b="0"/>
+      </a:lnRef>
+      <a:fillRef idx="1">
+        <a:scrgbClr r="0" g="0" b="0"/>
+      </a:fillRef>
+      <a:effectRef idx="3">
+        <a:scrgbClr r="0" g="0" b="0"/>
+      </a:effectRef>
+      <a:fontRef idx="minor"/>
+    </dgm:style>
+  </dgm:styleLbl>
+  <dgm:styleLbl name="bgImgPlace1">
+    <dgm:scene3d>
+      <a:camera prst="orthographicFront"/>
+      <a:lightRig rig="threePt" dir="t"/>
+    </dgm:scene3d>
+    <dgm:sp3d/>
+    <dgm:txPr/>
+    <dgm:style>
+      <a:lnRef idx="0">
+        <a:scrgbClr r="0" g="0" b="0"/>
+      </a:lnRef>
+      <a:fillRef idx="1">
+        <a:scrgbClr r="0" g="0" b="0"/>
+      </a:fillRef>
+      <a:effectRef idx="3">
+        <a:scrgbClr r="0" g="0" b="0"/>
+      </a:effectRef>
+      <a:fontRef idx="minor"/>
+    </dgm:style>
+  </dgm:styleLbl>
+  <dgm:styleLbl name="sibTrans2D1">
+    <dgm:scene3d>
+      <a:camera prst="orthographicFront"/>
+      <a:lightRig rig="threePt" dir="t"/>
+    </dgm:scene3d>
+    <dgm:sp3d/>
+    <dgm:txPr/>
+    <dgm:style>
+      <a:lnRef idx="0">
+        <a:scrgbClr r="0" g="0" b="0"/>
+      </a:lnRef>
+      <a:fillRef idx="3">
+        <a:scrgbClr r="0" g="0" b="0"/>
+      </a:fillRef>
+      <a:effectRef idx="3">
+        <a:scrgbClr r="0" g="0" b="0"/>
+      </a:effectRef>
+      <a:fontRef idx="minor">
+        <a:schemeClr val="lt1"/>
+      </a:fontRef>
+    </dgm:style>
+  </dgm:styleLbl>
+  <dgm:styleLbl name="fgSibTrans2D1">
+    <dgm:scene3d>
+      <a:camera prst="orthographicFront"/>
+      <a:lightRig rig="threePt" dir="t"/>
+    </dgm:scene3d>
+    <dgm:sp3d/>
+    <dgm:txPr/>
+    <dgm:style>
+      <a:lnRef idx="0">
+        <a:scrgbClr r="0" g="0" b="0"/>
+      </a:lnRef>
+      <a:fillRef idx="3">
+        <a:scrgbClr r="0" g="0" b="0"/>
+      </a:fillRef>
+      <a:effectRef idx="3">
+        <a:scrgbClr r="0" g="0" b="0"/>
+      </a:effectRef>
+      <a:fontRef idx="minor">
+        <a:schemeClr val="lt1"/>
+      </a:fontRef>
+    </dgm:style>
+  </dgm:styleLbl>
+  <dgm:styleLbl name="bgSibTrans2D1">
+    <dgm:scene3d>
+      <a:camera prst="orthographicFront"/>
+      <a:lightRig rig="threePt" dir="t"/>
+    </dgm:scene3d>
+    <dgm:sp3d/>
+    <dgm:txPr/>
+    <dgm:style>
+      <a:lnRef idx="0">
+        <a:scrgbClr r="0" g="0" b="0"/>
+      </a:lnRef>
+      <a:fillRef idx="3">
+        <a:scrgbClr r="0" g="0" b="0"/>
+      </a:fillRef>
+      <a:effectRef idx="3">
+        <a:scrgbClr r="0" g="0" b="0"/>
+      </a:effectRef>
+      <a:fontRef idx="minor">
+        <a:schemeClr val="lt1"/>
+      </a:fontRef>
+    </dgm:style>
+  </dgm:styleLbl>
+  <dgm:styleLbl name="sibTrans1D1">
+    <dgm:scene3d>
+      <a:camera prst="orthographicFront"/>
+      <a:lightRig rig="threePt" dir="t"/>
+    </dgm:scene3d>
+    <dgm:sp3d/>
+    <dgm:txPr/>
+    <dgm:style>
+      <a:lnRef idx="1">
+        <a:scrgbClr r="0" g="0" b="0"/>
+      </a:lnRef>
+      <a:fillRef idx="0">
+        <a:scrgbClr r="0" g="0" b="0"/>
+      </a:fillRef>
+      <a:effectRef idx="0">
+        <a:scrgbClr r="0" g="0" b="0"/>
+      </a:effectRef>
+      <a:fontRef idx="minor"/>
+    </dgm:style>
+  </dgm:styleLbl>
+  <dgm:styleLbl name="callout">
+    <dgm:scene3d>
+      <a:camera prst="orthographicFront"/>
+      <a:lightRig rig="threePt" dir="t"/>
+    </dgm:scene3d>
+    <dgm:sp3d/>
+    <dgm:txPr/>
+    <dgm:style>
+      <a:lnRef idx="1">
+        <a:scrgbClr r="0" g="0" b="0"/>
+      </a:lnRef>
+      <a:fillRef idx="0">
+        <a:scrgbClr r="0" g="0" b="0"/>
+      </a:fillRef>
+      <a:effectRef idx="1">
+        <a:scrgbClr r="0" g="0" b="0"/>
+      </a:effectRef>
+      <a:fontRef idx="minor"/>
+    </dgm:style>
+  </dgm:styleLbl>
+  <dgm:styleLbl name="asst0">
+    <dgm:scene3d>
+      <a:camera prst="orthographicFront"/>
+      <a:lightRig rig="threePt" dir="t"/>
+    </dgm:scene3d>
+    <dgm:sp3d/>
+    <dgm:txPr/>
+    <dgm:style>
+      <a:lnRef idx="0">
+        <a:scrgbClr r="0" g="0" b="0"/>
+      </a:lnRef>
+      <a:fillRef idx="3">
+        <a:scrgbClr r="0" g="0" b="0"/>
+      </a:fillRef>
+      <a:effectRef idx="3">
+        <a:scrgbClr r="0" g="0" b="0"/>
+      </a:effectRef>
+      <a:fontRef idx="minor">
+        <a:schemeClr val="lt1"/>
+      </a:fontRef>
+    </dgm:style>
+  </dgm:styleLbl>
+  <dgm:styleLbl name="asst1">
+    <dgm:scene3d>
+      <a:camera prst="orthographicFront"/>
+      <a:lightRig rig="threePt" dir="t"/>
+    </dgm:scene3d>
+    <dgm:sp3d/>
+    <dgm:txPr/>
+    <dgm:style>
+      <a:lnRef idx="0">
+        <a:scrgbClr r="0" g="0" b="0"/>
+      </a:lnRef>
+      <a:fillRef idx="3">
+        <a:scrgbClr r="0" g="0" b="0"/>
+      </a:fillRef>
+      <a:effectRef idx="3">
+        <a:scrgbClr r="0" g="0" b="0"/>
+      </a:effectRef>
+      <a:fontRef idx="minor">
+        <a:schemeClr val="lt1"/>
+      </a:fontRef>
+    </dgm:style>
+  </dgm:styleLbl>
+  <dgm:styleLbl name="asst2">
+    <dgm:scene3d>
+      <a:camera prst="orthographicFront"/>
+      <a:lightRig rig="threePt" dir="t"/>
+    </dgm:scene3d>
+    <dgm:sp3d/>
+    <dgm:txPr/>
+    <dgm:style>
+      <a:lnRef idx="0">
+        <a:scrgbClr r="0" g="0" b="0"/>
+      </a:lnRef>
+      <a:fillRef idx="3">
+        <a:scrgbClr r="0" g="0" b="0"/>
+      </a:fillRef>
+      <a:effectRef idx="3">
+        <a:scrgbClr r="0" g="0" b="0"/>
+      </a:effectRef>
+      <a:fontRef idx="minor">
+        <a:schemeClr val="lt1"/>
+      </a:fontRef>
+    </dgm:style>
+  </dgm:styleLbl>
+  <dgm:styleLbl name="asst3">
+    <dgm:scene3d>
+      <a:camera prst="orthographicFront"/>
+      <a:lightRig rig="threePt" dir="t"/>
+    </dgm:scene3d>
+    <dgm:sp3d/>
+    <dgm:txPr/>
+    <dgm:style>
+      <a:lnRef idx="0">
+        <a:scrgbClr r="0" g="0" b="0"/>
+      </a:lnRef>
+      <a:fillRef idx="3">
+        <a:scrgbClr r="0" g="0" b="0"/>
+      </a:fillRef>
+      <a:effectRef idx="3">
+        <a:scrgbClr r="0" g="0" b="0"/>
+      </a:effectRef>
+      <a:fontRef idx="minor">
+        <a:schemeClr val="lt1"/>
+      </a:fontRef>
+    </dgm:style>
+  </dgm:styleLbl>
+  <dgm:styleLbl name="asst4">
+    <dgm:scene3d>
+      <a:camera prst="orthographicFront"/>
+      <a:lightRig rig="threePt" dir="t"/>
+    </dgm:scene3d>
+    <dgm:sp3d/>
+    <dgm:txPr/>
+    <dgm:style>
+      <a:lnRef idx="0">
+        <a:scrgbClr r="0" g="0" b="0"/>
+      </a:lnRef>
+      <a:fillRef idx="3">
+        <a:scrgbClr r="0" g="0" b="0"/>
+      </a:fillRef>
+      <a:effectRef idx="3">
+        <a:scrgbClr r="0" g="0" b="0"/>
+      </a:effectRef>
+      <a:fontRef idx="minor">
+        <a:schemeClr val="lt1"/>
+      </a:fontRef>
+    </dgm:style>
+  </dgm:styleLbl>
+  <dgm:styleLbl name="parChTrans2D1">
+    <dgm:scene3d>
+      <a:camera prst="orthographicFront"/>
+      <a:lightRig rig="threePt" dir="t"/>
+    </dgm:scene3d>
+    <dgm:sp3d/>
+    <dgm:txPr/>
+    <dgm:style>
+      <a:lnRef idx="0">
+        <a:scrgbClr r="0" g="0" b="0"/>
+      </a:lnRef>
+      <a:fillRef idx="3">
+        <a:scrgbClr r="0" g="0" b="0"/>
+      </a:fillRef>
+      <a:effectRef idx="3">
+        <a:scrgbClr r="0" g="0" b="0"/>
+      </a:effectRef>
+      <a:fontRef idx="minor">
+        <a:schemeClr val="lt1"/>
+      </a:fontRef>
+    </dgm:style>
+  </dgm:styleLbl>
+  <dgm:styleLbl name="parChTrans2D2">
+    <dgm:scene3d>
+      <a:camera prst="orthographicFront"/>
+      <a:lightRig rig="threePt" dir="t"/>
+    </dgm:scene3d>
+    <dgm:sp3d/>
+    <dgm:txPr/>
+    <dgm:style>
+      <a:lnRef idx="0">
+        <a:scrgbClr r="0" g="0" b="0"/>
+      </a:lnRef>
+      <a:fillRef idx="3">
+        <a:scrgbClr r="0" g="0" b="0"/>
+      </a:fillRef>
+      <a:effectRef idx="3">
+        <a:scrgbClr r="0" g="0" b="0"/>
+      </a:effectRef>
+      <a:fontRef idx="minor">
+        <a:schemeClr val="lt1"/>
+      </a:fontRef>
+    </dgm:style>
+  </dgm:styleLbl>
+  <dgm:styleLbl name="parChTrans2D3">
+    <dgm:scene3d>
+      <a:camera prst="orthographicFront"/>
+      <a:lightRig rig="threePt" dir="t"/>
+    </dgm:scene3d>
+    <dgm:sp3d/>
+    <dgm:txPr/>
+    <dgm:style>
+      <a:lnRef idx="0">
+        <a:scrgbClr r="0" g="0" b="0"/>
+      </a:lnRef>
+      <a:fillRef idx="3">
+        <a:scrgbClr r="0" g="0" b="0"/>
+      </a:fillRef>
+      <a:effectRef idx="3">
+        <a:scrgbClr r="0" g="0" b="0"/>
+      </a:effectRef>
+      <a:fontRef idx="minor">
+        <a:schemeClr val="lt1"/>
+      </a:fontRef>
+    </dgm:style>
+  </dgm:styleLbl>
+  <dgm:styleLbl name="parChTrans2D4">
+    <dgm:scene3d>
+      <a:camera prst="orthographicFront"/>
+      <a:lightRig rig="threePt" dir="t"/>
+    </dgm:scene3d>
+    <dgm:sp3d/>
+    <dgm:txPr/>
+    <dgm:style>
+      <a:lnRef idx="0">
+        <a:scrgbClr r="0" g="0" b="0"/>
+      </a:lnRef>
+      <a:fillRef idx="3">
+        <a:scrgbClr r="0" g="0" b="0"/>
+      </a:fillRef>
+      <a:effectRef idx="3">
+        <a:scrgbClr r="0" g="0" b="0"/>
+      </a:effectRef>
+      <a:fontRef idx="minor">
+        <a:schemeClr val="lt1"/>
+      </a:fontRef>
+    </dgm:style>
+  </dgm:styleLbl>
+  <dgm:styleLbl name="parChTrans1D1">
+    <dgm:scene3d>
+      <a:camera prst="orthographicFront"/>
+      <a:lightRig rig="threePt" dir="t"/>
+    </dgm:scene3d>
+    <dgm:sp3d/>
+    <dgm:txPr/>
+    <dgm:style>
+      <a:lnRef idx="2">
+        <a:scrgbClr r="0" g="0" b="0"/>
+      </a:lnRef>
+      <a:fillRef idx="0">
+        <a:scrgbClr r="0" g="0" b="0"/>
+      </a:fillRef>
+      <a:effectRef idx="0">
+        <a:scrgbClr r="0" g="0" b="0"/>
+      </a:effectRef>
+      <a:fontRef idx="minor"/>
+    </dgm:style>
+  </dgm:styleLbl>
+  <dgm:styleLbl name="parChTrans1D2">
+    <dgm:scene3d>
+      <a:camera prst="orthographicFront"/>
+      <a:lightRig rig="threePt" dir="t"/>
+    </dgm:scene3d>
+    <dgm:sp3d/>
+    <dgm:txPr/>
+    <dgm:style>
+      <a:lnRef idx="2">
+        <a:scrgbClr r="0" g="0" b="0"/>
+      </a:lnRef>
+      <a:fillRef idx="0">
+        <a:scrgbClr r="0" g="0" b="0"/>
+      </a:fillRef>
+      <a:effectRef idx="0">
+        <a:scrgbClr r="0" g="0" b="0"/>
+      </a:effectRef>
+      <a:fontRef idx="minor"/>
+    </dgm:style>
+  </dgm:styleLbl>
+  <dgm:styleLbl name="parChTrans1D3">
+    <dgm:scene3d>
+      <a:camera prst="orthographicFront"/>
+      <a:lightRig rig="threePt" dir="t"/>
+    </dgm:scene3d>
+    <dgm:sp3d/>
+    <dgm:txPr/>
+    <dgm:style>
+      <a:lnRef idx="2">
+        <a:scrgbClr r="0" g="0" b="0"/>
+      </a:lnRef>
+      <a:fillRef idx="0">
+        <a:scrgbClr r="0" g="0" b="0"/>
+      </a:fillRef>
+      <a:effectRef idx="0">
+        <a:scrgbClr r="0" g="0" b="0"/>
+      </a:effectRef>
+      <a:fontRef idx="minor"/>
+    </dgm:style>
+  </dgm:styleLbl>
+  <dgm:styleLbl name="parChTrans1D4">
+    <dgm:scene3d>
+      <a:camera prst="orthographicFront"/>
+      <a:lightRig rig="threePt" dir="t"/>
+    </dgm:scene3d>
+    <dgm:sp3d/>
+    <dgm:txPr/>
+    <dgm:style>
+      <a:lnRef idx="2">
+        <a:scrgbClr r="0" g="0" b="0"/>
+      </a:lnRef>
+      <a:fillRef idx="0">
+        <a:scrgbClr r="0" g="0" b="0"/>
+      </a:fillRef>
+      <a:effectRef idx="0">
+        <a:scrgbClr r="0" g="0" b="0"/>
+      </a:effectRef>
+      <a:fontRef idx="minor"/>
+    </dgm:style>
+  </dgm:styleLbl>
+  <dgm:styleLbl name="fgAcc1">
+    <dgm:scene3d>
+      <a:camera prst="orthographicFront"/>
+      <a:lightRig rig="threePt" dir="t"/>
+    </dgm:scene3d>
+    <dgm:sp3d/>
+    <dgm:txPr/>
+    <dgm:style>
+      <a:lnRef idx="1">
+        <a:scrgbClr r="0" g="0" b="0"/>
+      </a:lnRef>
+      <a:fillRef idx="1">
+        <a:scrgbClr r="0" g="0" b="0"/>
+      </a:fillRef>
+      <a:effectRef idx="2">
+        <a:scrgbClr r="0" g="0" b="0"/>
+      </a:effectRef>
+      <a:fontRef idx="minor"/>
+    </dgm:style>
+  </dgm:styleLbl>
+  <dgm:styleLbl name="conFgAcc1">
+    <dgm:scene3d>
+      <a:camera prst="orthographicFront"/>
+      <a:lightRig rig="threePt" dir="t"/>
+    </dgm:scene3d>
+    <dgm:sp3d/>
+    <dgm:txPr/>
+    <dgm:style>
+      <a:lnRef idx="1">
+        <a:scrgbClr r="0" g="0" b="0"/>
+      </a:lnRef>
+      <a:fillRef idx="1">
+        <a:scrgbClr r="0" g="0" b="0"/>
+      </a:fillRef>
+      <a:effectRef idx="2">
+        <a:scrgbClr r="0" g="0" b="0"/>
+      </a:effectRef>
+      <a:fontRef idx="minor"/>
+    </dgm:style>
+  </dgm:styleLbl>
+  <dgm:styleLbl name="alignAcc1">
+    <dgm:scene3d>
+      <a:camera prst="orthographicFront"/>
+      <a:lightRig rig="threePt" dir="t"/>
+    </dgm:scene3d>
+    <dgm:sp3d/>
+    <dgm:txPr/>
+    <dgm:style>
+      <a:lnRef idx="1">
+        <a:scrgbClr r="0" g="0" b="0"/>
+      </a:lnRef>
+      <a:fillRef idx="1">
+        <a:scrgbClr r="0" g="0" b="0"/>
+      </a:fillRef>
+      <a:effectRef idx="2">
+        <a:scrgbClr r="0" g="0" b="0"/>
+      </a:effectRef>
+      <a:fontRef idx="minor"/>
+    </dgm:style>
+  </dgm:styleLbl>
+  <dgm:styleLbl name="trAlignAcc1">
+    <dgm:scene3d>
+      <a:camera prst="orthographicFront"/>
+      <a:lightRig rig="threePt" dir="t"/>
+    </dgm:scene3d>
+    <dgm:sp3d/>
+    <dgm:txPr/>
+    <dgm:style>
+      <a:lnRef idx="1">
+        <a:scrgbClr r="0" g="0" b="0"/>
+      </a:lnRef>
+      <a:fillRef idx="1">
+        <a:scrgbClr r="0" g="0" b="0"/>
+      </a:fillRef>
+      <a:effectRef idx="0">
+        <a:scrgbClr r="0" g="0" b="0"/>
+      </a:effectRef>
+      <a:fontRef idx="minor"/>
+    </dgm:style>
+  </dgm:styleLbl>
+  <dgm:styleLbl name="bgAcc1">
+    <dgm:scene3d>
+      <a:camera prst="orthographicFront"/>
+      <a:lightRig rig="threePt" dir="t"/>
+    </dgm:scene3d>
+    <dgm:sp3d/>
+    <dgm:txPr/>
+    <dgm:style>
+      <a:lnRef idx="1">
+        <a:scrgbClr r="0" g="0" b="0"/>
+      </a:lnRef>
+      <a:fillRef idx="1">
+        <a:scrgbClr r="0" g="0" b="0"/>
+      </a:fillRef>
+      <a:effectRef idx="2">
+        <a:scrgbClr r="0" g="0" b="0"/>
+      </a:effectRef>
+      <a:fontRef idx="minor"/>
+    </dgm:style>
+  </dgm:styleLbl>
+  <dgm:styleLbl name="solidFgAcc1">
+    <dgm:scene3d>
+      <a:camera prst="orthographicFront"/>
+      <a:lightRig rig="threePt" dir="t"/>
+    </dgm:scene3d>
+    <dgm:sp3d/>
+    <dgm:txPr/>
+    <dgm:style>
+      <a:lnRef idx="1">
+        <a:scrgbClr r="0" g="0" b="0"/>
+      </a:lnRef>
+      <a:fillRef idx="1">
+        <a:scrgbClr r="0" g="0" b="0"/>
+      </a:fillRef>
+      <a:effectRef idx="2">
+        <a:scrgbClr r="0" g="0" b="0"/>
+      </a:effectRef>
+      <a:fontRef idx="minor"/>
+    </dgm:style>
+  </dgm:styleLbl>
+  <dgm:styleLbl name="solidAlignAcc1">
+    <dgm:scene3d>
+      <a:camera prst="orthographicFront"/>
+      <a:lightRig rig="threePt" dir="t"/>
+    </dgm:scene3d>
+    <dgm:sp3d/>
+    <dgm:txPr/>
+    <dgm:style>
+      <a:lnRef idx="1">
+        <a:scrgbClr r="0" g="0" b="0"/>
+      </a:lnRef>
+      <a:fillRef idx="1">
+        <a:scrgbClr r="0" g="0" b="0"/>
+      </a:fillRef>
+      <a:effectRef idx="3">
+        <a:scrgbClr r="0" g="0" b="0"/>
+      </a:effectRef>
+      <a:fontRef idx="minor"/>
+    </dgm:style>
+  </dgm:styleLbl>
+  <dgm:styleLbl name="solidBgAcc1">
+    <dgm:scene3d>
+      <a:camera prst="orthographicFront"/>
+      <a:lightRig rig="threePt" dir="t"/>
+    </dgm:scene3d>
+    <dgm:sp3d/>
+    <dgm:txPr/>
+    <dgm:style>
+      <a:lnRef idx="1">
+        <a:scrgbClr r="0" g="0" b="0"/>
+      </a:lnRef>
+      <a:fillRef idx="1">
+        <a:scrgbClr r="0" g="0" b="0"/>
+      </a:fillRef>
+      <a:effectRef idx="3">
+        <a:scrgbClr r="0" g="0" b="0"/>
+      </a:effectRef>
+      <a:fontRef idx="minor"/>
+    </dgm:style>
+  </dgm:styleLbl>
+  <dgm:styleLbl name="fgAccFollowNode1">
+    <dgm:scene3d>
+      <a:camera prst="orthographicFront"/>
+      <a:lightRig rig="threePt" dir="t"/>
+    </dgm:scene3d>
+    <dgm:sp3d/>
+    <dgm:txPr/>
+    <dgm:style>
+      <a:lnRef idx="1">
+        <a:scrgbClr r="0" g="0" b="0"/>
+      </a:lnRef>
+      <a:fillRef idx="1">
+        <a:scrgbClr r="0" g="0" b="0"/>
+      </a:fillRef>
+      <a:effectRef idx="2">
+        <a:scrgbClr r="0" g="0" b="0"/>
+      </a:effectRef>
+      <a:fontRef idx="minor"/>
+    </dgm:style>
+  </dgm:styleLbl>
+  <dgm:styleLbl name="alignAccFollowNode1">
+    <dgm:scene3d>
+      <a:camera prst="orthographicFront"/>
+      <a:lightRig rig="threePt" dir="t"/>
+    </dgm:scene3d>
+    <dgm:sp3d/>
+    <dgm:txPr/>
+    <dgm:style>
+      <a:lnRef idx="1">
+        <a:scrgbClr r="0" g="0" b="0"/>
+      </a:lnRef>
+      <a:fillRef idx="1">
+        <a:scrgbClr r="0" g="0" b="0"/>
+      </a:fillRef>
+      <a:effectRef idx="2">
+        <a:scrgbClr r="0" g="0" b="0"/>
+      </a:effectRef>
+      <a:fontRef idx="minor"/>
+    </dgm:style>
+  </dgm:styleLbl>
+  <dgm:styleLbl name="bgAccFollowNode1">
+    <dgm:scene3d>
+      <a:camera prst="orthographicFront"/>
+      <a:lightRig rig="threePt" dir="t"/>
+    </dgm:scene3d>
+    <dgm:sp3d/>
+    <dgm:txPr/>
+    <dgm:style>
+      <a:lnRef idx="1">
+        <a:scrgbClr r="0" g="0" b="0"/>
+      </a:lnRef>
+      <a:fillRef idx="1">
+        <a:scrgbClr r="0" g="0" b="0"/>
+      </a:fillRef>
+      <a:effectRef idx="2">
+        <a:scrgbClr r="0" g="0" b="0"/>
+      </a:effectRef>
+      <a:fontRef idx="minor"/>
+    </dgm:style>
+  </dgm:styleLbl>
+  <dgm:styleLbl name="fgAcc0">
+    <dgm:scene3d>
+      <a:camera prst="orthographicFront"/>
+      <a:lightRig rig="threePt" dir="t"/>
+    </dgm:scene3d>
+    <dgm:sp3d/>
+    <dgm:txPr/>
+    <dgm:style>
+      <a:lnRef idx="1">
+        <a:scrgbClr r="0" g="0" b="0"/>
+      </a:lnRef>
+      <a:fillRef idx="1">
+        <a:scrgbClr r="0" g="0" b="0"/>
+      </a:fillRef>
+      <a:effectRef idx="2">
+        <a:scrgbClr r="0" g="0" b="0"/>
+      </a:effectRef>
+      <a:fontRef idx="minor"/>
+    </dgm:style>
+  </dgm:styleLbl>
+  <dgm:styleLbl name="fgAcc2">
+    <dgm:scene3d>
+      <a:camera prst="orthographicFront"/>
+      <a:lightRig rig="threePt" dir="t"/>
+    </dgm:scene3d>
+    <dgm:sp3d/>
+    <dgm:txPr/>
+    <dgm:style>
+      <a:lnRef idx="1">
+        <a:scrgbClr r="0" g="0" b="0"/>
+      </a:lnRef>
+      <a:fillRef idx="1">
+        <a:scrgbClr r="0" g="0" b="0"/>
+      </a:fillRef>
+      <a:effectRef idx="2">
+        <a:scrgbClr r="0" g="0" b="0"/>
+      </a:effectRef>
+      <a:fontRef idx="minor"/>
+    </dgm:style>
+  </dgm:styleLbl>
+  <dgm:styleLbl name="fgAcc3">
+    <dgm:scene3d>
+      <a:camera prst="orthographicFront"/>
+      <a:lightRig rig="threePt" dir="t"/>
+    </dgm:scene3d>
+    <dgm:sp3d/>
+    <dgm:txPr/>
+    <dgm:style>
+      <a:lnRef idx="1">
+        <a:scrgbClr r="0" g="0" b="0"/>
+      </a:lnRef>
+      <a:fillRef idx="1">
+        <a:scrgbClr r="0" g="0" b="0"/>
+      </a:fillRef>
+      <a:effectRef idx="2">
+        <a:scrgbClr r="0" g="0" b="0"/>
+      </a:effectRef>
+      <a:fontRef idx="minor"/>
+    </dgm:style>
+  </dgm:styleLbl>
+  <dgm:styleLbl name="fgAcc4">
+    <dgm:scene3d>
+      <a:camera prst="orthographicFront"/>
+      <a:lightRig rig="threePt" dir="t"/>
+    </dgm:scene3d>
+    <dgm:sp3d/>
+    <dgm:txPr/>
+    <dgm:style>
+      <a:lnRef idx="1">
+        <a:scrgbClr r="0" g="0" b="0"/>
+      </a:lnRef>
+      <a:fillRef idx="1">
+        <a:scrgbClr r="0" g="0" b="0"/>
+      </a:fillRef>
+      <a:effectRef idx="2">
+        <a:scrgbClr r="0" g="0" b="0"/>
+      </a:effectRef>
+      <a:fontRef idx="minor"/>
+    </dgm:style>
+  </dgm:styleLbl>
+  <dgm:styleLbl name="bgShp">
+    <dgm:scene3d>
+      <a:camera prst="orthographicFront"/>
+      <a:lightRig rig="threePt" dir="t"/>
+    </dgm:scene3d>
+    <dgm:sp3d/>
+    <dgm:txPr/>
+    <dgm:style>
+      <a:lnRef idx="0">
+        <a:scrgbClr r="0" g="0" b="0"/>
+      </a:lnRef>
+      <a:fillRef idx="1">
+        <a:scrgbClr r="0" g="0" b="0"/>
+      </a:fillRef>
+      <a:effectRef idx="2">
+        <a:scrgbClr r="0" g="0" b="0"/>
+      </a:effectRef>
+      <a:fontRef idx="minor"/>
+    </dgm:style>
+  </dgm:styleLbl>
+  <dgm:styleLbl name="dkBgShp">
+    <dgm:scene3d>
+      <a:camera prst="orthographicFront"/>
+      <a:lightRig rig="threePt" dir="t"/>
+    </dgm:scene3d>
+    <dgm:sp3d/>
+    <dgm:txPr/>
+    <dgm:style>
+      <a:lnRef idx="0">
+        <a:scrgbClr r="0" g="0" b="0"/>
+      </a:lnRef>
+      <a:fillRef idx="1">
+        <a:scrgbClr r="0" g="0" b="0"/>
+      </a:fillRef>
+      <a:effectRef idx="3">
+        <a:scrgbClr r="0" g="0" b="0"/>
+      </a:effectRef>
+      <a:fontRef idx="minor"/>
+    </dgm:style>
+  </dgm:styleLbl>
+  <dgm:styleLbl name="trBgShp">
+    <dgm:scene3d>
+      <a:camera prst="orthographicFront"/>
+      <a:lightRig rig="threePt" dir="t"/>
+    </dgm:scene3d>
+    <dgm:sp3d/>
+    <dgm:txPr/>
+    <dgm:style>
+      <a:lnRef idx="0">
+        <a:scrgbClr r="0" g="0" b="0"/>
+      </a:lnRef>
+      <a:fillRef idx="1">
+        <a:scrgbClr r="0" g="0" b="0"/>
+      </a:fillRef>
+      <a:effectRef idx="0">
+        <a:scrgbClr r="0" g="0" b="0"/>
+      </a:effectRef>
+      <a:fontRef idx="minor"/>
+    </dgm:style>
+  </dgm:styleLbl>
+  <dgm:styleLbl name="fgShp">
+    <dgm:scene3d>
+      <a:camera prst="orthographicFront"/>
+      <a:lightRig rig="threePt" dir="t"/>
+    </dgm:scene3d>
+    <dgm:sp3d/>
+    <dgm:txPr/>
+    <dgm:style>
+      <a:lnRef idx="0">
+        <a:scrgbClr r="0" g="0" b="0"/>
+      </a:lnRef>
+      <a:fillRef idx="3">
+        <a:scrgbClr r="0" g="0" b="0"/>
+      </a:fillRef>
+      <a:effectRef idx="3">
+        <a:scrgbClr r="0" g="0" b="0"/>
+      </a:effectRef>
+      <a:fontRef idx="minor"/>
+    </dgm:style>
+  </dgm:styleLbl>
+  <dgm:styleLbl name="revTx">
+    <dgm:scene3d>
+      <a:camera prst="orthographicFront"/>
+      <a:lightRig rig="threePt" dir="t"/>
+    </dgm:scene3d>
+    <dgm:sp3d/>
+    <dgm:txPr/>
+    <dgm:style>
+      <a:lnRef idx="0">
+        <a:scrgbClr r="0" g="0" b="0"/>
+      </a:lnRef>
+      <a:fillRef idx="0">
+        <a:scrgbClr r="0" g="0" b="0"/>
+      </a:fillRef>
+      <a:effectRef idx="0">
+        <a:scrgbClr r="0" g="0" b="0"/>
+      </a:effectRef>
+      <a:fontRef idx="minor"/>
+    </dgm:style>
+  </dgm:styleLbl>
+</dgm:styleDef>
 </file>
 
 <file path=ppt/slideLayouts/slideLayout1.xml><?xml version="1.0" encoding="utf-8"?>
@@ -1220,7 +5930,7 @@
           <a:p>
             <a:fld id="{638941B0-F4D5-4460-BCAD-F7E2B41A8257}" type="datetimeFigureOut">
               <a:rPr lang="fr-FR" smtClean="0"/>
-              <a:t>19/05/2024</a:t>
+              <a:t>20/05/2024</a:t>
             </a:fld>
             <a:endParaRPr lang="fr-FR"/>
           </a:p>
@@ -1388,7 +6098,7 @@
           <a:p>
             <a:fld id="{638941B0-F4D5-4460-BCAD-F7E2B41A8257}" type="datetimeFigureOut">
               <a:rPr lang="fr-FR" smtClean="0"/>
-              <a:t>19/05/2024</a:t>
+              <a:t>20/05/2024</a:t>
             </a:fld>
             <a:endParaRPr lang="fr-FR"/>
           </a:p>
@@ -1566,7 +6276,7 @@
           <a:p>
             <a:fld id="{638941B0-F4D5-4460-BCAD-F7E2B41A8257}" type="datetimeFigureOut">
               <a:rPr lang="fr-FR" smtClean="0"/>
-              <a:t>19/05/2024</a:t>
+              <a:t>20/05/2024</a:t>
             </a:fld>
             <a:endParaRPr lang="fr-FR"/>
           </a:p>
@@ -1734,7 +6444,7 @@
           <a:p>
             <a:fld id="{638941B0-F4D5-4460-BCAD-F7E2B41A8257}" type="datetimeFigureOut">
               <a:rPr lang="fr-FR" smtClean="0"/>
-              <a:t>19/05/2024</a:t>
+              <a:t>20/05/2024</a:t>
             </a:fld>
             <a:endParaRPr lang="fr-FR"/>
           </a:p>
@@ -1979,7 +6689,7 @@
           <a:p>
             <a:fld id="{638941B0-F4D5-4460-BCAD-F7E2B41A8257}" type="datetimeFigureOut">
               <a:rPr lang="fr-FR" smtClean="0"/>
-              <a:t>19/05/2024</a:t>
+              <a:t>20/05/2024</a:t>
             </a:fld>
             <a:endParaRPr lang="fr-FR"/>
           </a:p>
@@ -2208,7 +6918,7 @@
           <a:p>
             <a:fld id="{638941B0-F4D5-4460-BCAD-F7E2B41A8257}" type="datetimeFigureOut">
               <a:rPr lang="fr-FR" smtClean="0"/>
-              <a:t>19/05/2024</a:t>
+              <a:t>20/05/2024</a:t>
             </a:fld>
             <a:endParaRPr lang="fr-FR"/>
           </a:p>
@@ -2572,7 +7282,7 @@
           <a:p>
             <a:fld id="{638941B0-F4D5-4460-BCAD-F7E2B41A8257}" type="datetimeFigureOut">
               <a:rPr lang="fr-FR" smtClean="0"/>
-              <a:t>19/05/2024</a:t>
+              <a:t>20/05/2024</a:t>
             </a:fld>
             <a:endParaRPr lang="fr-FR"/>
           </a:p>
@@ -2689,7 +7399,7 @@
           <a:p>
             <a:fld id="{638941B0-F4D5-4460-BCAD-F7E2B41A8257}" type="datetimeFigureOut">
               <a:rPr lang="fr-FR" smtClean="0"/>
-              <a:t>19/05/2024</a:t>
+              <a:t>20/05/2024</a:t>
             </a:fld>
             <a:endParaRPr lang="fr-FR"/>
           </a:p>
@@ -2784,7 +7494,7 @@
           <a:p>
             <a:fld id="{638941B0-F4D5-4460-BCAD-F7E2B41A8257}" type="datetimeFigureOut">
               <a:rPr lang="fr-FR" smtClean="0"/>
-              <a:t>19/05/2024</a:t>
+              <a:t>20/05/2024</a:t>
             </a:fld>
             <a:endParaRPr lang="fr-FR"/>
           </a:p>
@@ -3059,7 +7769,7 @@
           <a:p>
             <a:fld id="{638941B0-F4D5-4460-BCAD-F7E2B41A8257}" type="datetimeFigureOut">
               <a:rPr lang="fr-FR" smtClean="0"/>
-              <a:t>19/05/2024</a:t>
+              <a:t>20/05/2024</a:t>
             </a:fld>
             <a:endParaRPr lang="fr-FR"/>
           </a:p>
@@ -3311,7 +8021,7 @@
           <a:p>
             <a:fld id="{638941B0-F4D5-4460-BCAD-F7E2B41A8257}" type="datetimeFigureOut">
               <a:rPr lang="fr-FR" smtClean="0"/>
-              <a:t>19/05/2024</a:t>
+              <a:t>20/05/2024</a:t>
             </a:fld>
             <a:endParaRPr lang="fr-FR"/>
           </a:p>
@@ -3522,7 +8232,7 @@
           <a:p>
             <a:fld id="{638941B0-F4D5-4460-BCAD-F7E2B41A8257}" type="datetimeFigureOut">
               <a:rPr lang="fr-FR" smtClean="0"/>
-              <a:t>19/05/2024</a:t>
+              <a:t>20/05/2024</a:t>
             </a:fld>
             <a:endParaRPr lang="fr-FR"/>
           </a:p>
@@ -3913,6 +8623,17 @@
 <file path=ppt/slides/slide1.xml><?xml version="1.0" encoding="utf-8"?>
 <p:sld xmlns:a="http://schemas.openxmlformats.org/drawingml/2006/main" xmlns:r="http://schemas.openxmlformats.org/officeDocument/2006/relationships" xmlns:p="http://schemas.openxmlformats.org/presentationml/2006/main">
   <p:cSld>
+    <p:bg>
+      <p:bgPr>
+        <a:solidFill>
+          <a:schemeClr val="tx2">
+            <a:lumMod val="25000"/>
+            <a:lumOff val="75000"/>
+          </a:schemeClr>
+        </a:solidFill>
+        <a:effectLst/>
+      </p:bgPr>
+    </p:bg>
     <p:spTree>
       <p:nvGrpSpPr>
         <p:cNvPr id="1" name=""/>
@@ -3927,12 +8648,200 @@
           <a:chExt cx="0" cy="0"/>
         </a:xfrm>
       </p:grpSpPr>
+      <p:sp>
+        <p:nvSpPr>
+          <p:cNvPr id="9" name="Organigramme : Procédé 6">
+            <a:extLst>
+              <a:ext uri="{FF2B5EF4-FFF2-40B4-BE49-F238E27FC236}">
+                <a16:creationId xmlns:a16="http://schemas.microsoft.com/office/drawing/2014/main" id="{4F4964E6-757D-C842-1C7C-B27CB752AF1B}"/>
+              </a:ext>
+            </a:extLst>
+          </p:cNvPr>
+          <p:cNvSpPr/>
+          <p:nvPr/>
+        </p:nvSpPr>
+        <p:spPr>
+          <a:xfrm flipV="1">
+            <a:off x="3784514" y="2156847"/>
+            <a:ext cx="4606081" cy="4726981"/>
+          </a:xfrm>
+          <a:prstGeom prst="round2SameRect">
+            <a:avLst/>
+          </a:prstGeom>
+          <a:solidFill>
+            <a:schemeClr val="bg1"/>
+          </a:solidFill>
+        </p:spPr>
+        <p:style>
+          <a:lnRef idx="0">
+            <a:schemeClr val="accent1"/>
+          </a:lnRef>
+          <a:fillRef idx="3">
+            <a:schemeClr val="accent1"/>
+          </a:fillRef>
+          <a:effectRef idx="3">
+            <a:schemeClr val="accent1"/>
+          </a:effectRef>
+          <a:fontRef idx="minor">
+            <a:schemeClr val="lt1"/>
+          </a:fontRef>
+        </p:style>
+        <p:txBody>
+          <a:bodyPr rtlCol="0" anchor="ctr"/>
+          <a:lstStyle/>
+          <a:p>
+            <a:pPr algn="ctr"/>
+            <a:endParaRPr lang="fr-FR"/>
+          </a:p>
+        </p:txBody>
+      </p:sp>
+      <p:sp>
+        <p:nvSpPr>
+          <p:cNvPr id="7" name="Organigramme : Procédé 6">
+            <a:extLst>
+              <a:ext uri="{FF2B5EF4-FFF2-40B4-BE49-F238E27FC236}">
+                <a16:creationId xmlns:a16="http://schemas.microsoft.com/office/drawing/2014/main" id="{E9F1C4DA-C505-7B31-87D7-903F7EBE65A5}"/>
+              </a:ext>
+            </a:extLst>
+          </p:cNvPr>
+          <p:cNvSpPr/>
+          <p:nvPr/>
+        </p:nvSpPr>
+        <p:spPr>
+          <a:xfrm flipV="1">
+            <a:off x="345" y="0"/>
+            <a:ext cx="12187336" cy="5372744"/>
+          </a:xfrm>
+          <a:prstGeom prst="round2SameRect">
+            <a:avLst/>
+          </a:prstGeom>
+        </p:spPr>
+        <p:style>
+          <a:lnRef idx="0">
+            <a:schemeClr val="accent1"/>
+          </a:lnRef>
+          <a:fillRef idx="3">
+            <a:schemeClr val="accent1"/>
+          </a:fillRef>
+          <a:effectRef idx="3">
+            <a:schemeClr val="accent1"/>
+          </a:effectRef>
+          <a:fontRef idx="minor">
+            <a:schemeClr val="lt1"/>
+          </a:fontRef>
+        </p:style>
+        <p:txBody>
+          <a:bodyPr rtlCol="0" anchor="ctr"/>
+          <a:lstStyle/>
+          <a:p>
+            <a:pPr algn="ctr"/>
+            <a:endParaRPr lang="fr-FR"/>
+          </a:p>
+        </p:txBody>
+      </p:sp>
+      <p:sp>
+        <p:nvSpPr>
+          <p:cNvPr id="2" name="Titre 1"/>
+          <p:cNvSpPr>
+            <a:spLocks noGrp="1"/>
+          </p:cNvSpPr>
+          <p:nvPr>
+            <p:ph type="ctrTitle"/>
+          </p:nvPr>
+        </p:nvSpPr>
+        <p:spPr>
+          <a:xfrm>
+            <a:off x="10160000" y="530"/>
+            <a:ext cx="2032000" cy="401744"/>
+          </a:xfrm>
+        </p:spPr>
+        <p:txBody>
+          <a:bodyPr>
+            <a:normAutofit fontScale="90000"/>
+          </a:bodyPr>
+          <a:lstStyle/>
+          <a:p>
+            <a:pPr algn="r"/>
+            <a:r>
+              <a:rPr lang="fr-FR" sz="2400" dirty="0">
+                <a:solidFill>
+                  <a:schemeClr val="bg1"/>
+                </a:solidFill>
+              </a:rPr>
+              <a:t>2024</a:t>
+            </a:r>
+            <a:r>
+              <a:rPr lang="fr-FR" sz="2400" dirty="0">
+                <a:solidFill>
+                  <a:srgbClr val="E2EEFF"/>
+                </a:solidFill>
+                <a:ea typeface="+mj-lt"/>
+                <a:cs typeface="+mj-lt"/>
+              </a:rPr>
+              <a:t>©</a:t>
+            </a:r>
+            <a:endParaRPr lang="fr-FR" sz="2400" dirty="0">
+              <a:solidFill>
+                <a:schemeClr val="bg1"/>
+              </a:solidFill>
+            </a:endParaRPr>
+          </a:p>
+        </p:txBody>
+      </p:sp>
+      <p:sp>
+        <p:nvSpPr>
+          <p:cNvPr id="3" name="Sous-titre 2"/>
+          <p:cNvSpPr>
+            <a:spLocks noGrp="1"/>
+          </p:cNvSpPr>
+          <p:nvPr>
+            <p:ph type="subTitle" idx="1"/>
+          </p:nvPr>
+        </p:nvSpPr>
+        <p:spPr>
+          <a:xfrm>
+            <a:off x="4107052" y="5693413"/>
+            <a:ext cx="3990813" cy="639762"/>
+          </a:xfrm>
+        </p:spPr>
+        <p:txBody>
+          <a:bodyPr vert="horz" lIns="91440" tIns="45720" rIns="91440" bIns="45720" rtlCol="0" anchor="t">
+            <a:noAutofit/>
+          </a:bodyPr>
+          <a:lstStyle/>
+          <a:p>
+            <a:r>
+              <a:rPr lang="fr-FR" sz="1800" dirty="0">
+                <a:latin typeface="Verdana"/>
+                <a:ea typeface="Verdana"/>
+              </a:rPr>
+              <a:t>LASNIER - LAZREG – POILVE</a:t>
+            </a:r>
+          </a:p>
+          <a:p>
+            <a:r>
+              <a:rPr lang="fr-FR" sz="1800" dirty="0" err="1">
+                <a:latin typeface="Verdana"/>
+                <a:ea typeface="Verdana"/>
+              </a:rPr>
+              <a:t>Applied</a:t>
+            </a:r>
+            <a:r>
+              <a:rPr lang="fr-FR" sz="1800" dirty="0">
+                <a:latin typeface="Verdana"/>
+                <a:ea typeface="Verdana"/>
+              </a:rPr>
+              <a:t> System Software</a:t>
+            </a:r>
+          </a:p>
+        </p:txBody>
+      </p:sp>
       <p:pic>
         <p:nvPicPr>
-          <p:cNvPr id="4" name="Image 3" descr="Une image contenant texte, capture d’écran, clipart, logo&#10;&#10;Description générée automatiquement">
+          <p:cNvPr id="5" name="Image 4" descr="File:Python-logo-notext.svg - Wikimedia Commons">
             <a:extLst>
               <a:ext uri="{FF2B5EF4-FFF2-40B4-BE49-F238E27FC236}">
-                <a16:creationId xmlns:a16="http://schemas.microsoft.com/office/drawing/2014/main" id="{04F6CC9B-C1AF-EF57-6710-E7399A2F00C0}"/>
+                <a16:creationId xmlns:a16="http://schemas.microsoft.com/office/drawing/2014/main" id="{10968C48-63A7-D53E-A5BC-549327DDB826}"/>
               </a:ext>
             </a:extLst>
           </p:cNvPr>
@@ -3949,8 +8858,8 @@
         </p:blipFill>
         <p:spPr>
           <a:xfrm>
-            <a:off x="-4113" y="13369"/>
-            <a:ext cx="12213431" cy="5957887"/>
+            <a:off x="4608973" y="507570"/>
+            <a:ext cx="2973232" cy="3304075"/>
           </a:xfrm>
           <a:prstGeom prst="rect">
             <a:avLst/>
@@ -3959,70 +8868,52 @@
       </p:pic>
       <p:sp>
         <p:nvSpPr>
-          <p:cNvPr id="2" name="Titre 1"/>
-          <p:cNvSpPr>
-            <a:spLocks noGrp="1"/>
-          </p:cNvSpPr>
-          <p:nvPr>
-            <p:ph type="ctrTitle"/>
-          </p:nvPr>
+          <p:cNvPr id="8" name="ZoneTexte 7">
+            <a:extLst>
+              <a:ext uri="{FF2B5EF4-FFF2-40B4-BE49-F238E27FC236}">
+                <a16:creationId xmlns:a16="http://schemas.microsoft.com/office/drawing/2014/main" id="{870ED200-96A1-0952-2658-D9558F1C345E}"/>
+              </a:ext>
+            </a:extLst>
+          </p:cNvPr>
+          <p:cNvSpPr txBox="1"/>
+          <p:nvPr/>
         </p:nvSpPr>
         <p:spPr>
           <a:xfrm>
-            <a:off x="10160000" y="530"/>
-            <a:ext cx="2032000" cy="1001184"/>
+            <a:off x="3348753" y="3887578"/>
+            <a:ext cx="5507063" cy="646331"/>
           </a:xfrm>
+          <a:prstGeom prst="rect">
+            <a:avLst/>
+          </a:prstGeom>
+          <a:noFill/>
         </p:spPr>
         <p:txBody>
-          <a:bodyPr/>
+          <a:bodyPr rot="0" spcFirstLastPara="0" vertOverflow="overflow" horzOverflow="overflow" vert="horz" wrap="square" lIns="91440" tIns="45720" rIns="91440" bIns="45720" numCol="1" spcCol="0" rtlCol="0" fromWordArt="0" anchor="t" anchorCtr="0" forceAA="0" compatLnSpc="1">
+            <a:prstTxWarp prst="textNoShape">
+              <a:avLst/>
+            </a:prstTxWarp>
+            <a:spAutoFit/>
+          </a:bodyPr>
           <a:lstStyle/>
           <a:p>
             <a:r>
-              <a:rPr lang="fr-FR">
+              <a:rPr lang="fr-FR" sz="3600" err="1">
                 <a:solidFill>
                   <a:schemeClr val="bg1"/>
                 </a:solidFill>
+                <a:latin typeface="Gill Sans MT"/>
               </a:rPr>
-              <a:t>2024</a:t>
-            </a:r>
-          </a:p>
-        </p:txBody>
-      </p:sp>
-      <p:sp>
-        <p:nvSpPr>
-          <p:cNvPr id="3" name="Sous-titre 2"/>
-          <p:cNvSpPr>
-            <a:spLocks noGrp="1"/>
-          </p:cNvSpPr>
-          <p:nvPr>
-            <p:ph type="subTitle" idx="1"/>
-          </p:nvPr>
-        </p:nvSpPr>
-        <p:spPr>
-          <a:xfrm>
-            <a:off x="1524000" y="6067955"/>
-            <a:ext cx="9144000" cy="639762"/>
-          </a:xfrm>
-        </p:spPr>
-        <p:txBody>
-          <a:bodyPr vert="horz" lIns="91440" tIns="45720" rIns="91440" bIns="45720" rtlCol="0" anchor="t">
-            <a:normAutofit fontScale="70000" lnSpcReduction="20000"/>
-          </a:bodyPr>
-          <a:lstStyle/>
-          <a:p>
-            <a:r>
-              <a:rPr lang="fr-FR"/>
-              <a:t>LASNIER - LAZREG – POILVE</a:t>
-            </a:r>
-          </a:p>
-          <a:p>
-            <a:r>
-              <a:rPr lang="fr-FR" err="1"/>
-              <a:t>Applied</a:t>
+              <a:t>Connect</a:t>
             </a:r>
             <a:r>
-              <a:rPr lang="fr-FR"/>
-              <a:t> System Software</a:t>
+              <a:rPr lang="fr-FR" sz="3600" dirty="0">
+                <a:solidFill>
+                  <a:schemeClr val="bg1"/>
+                </a:solidFill>
+                <a:latin typeface="Gill Sans MT"/>
+              </a:rPr>
+              <a:t> 4 Game in Python </a:t>
             </a:r>
           </a:p>
         </p:txBody>
@@ -4043,95 +8934,13 @@
 <file path=ppt/slides/slide2.xml><?xml version="1.0" encoding="utf-8"?>
 <p:sld xmlns:a="http://schemas.openxmlformats.org/drawingml/2006/main" xmlns:r="http://schemas.openxmlformats.org/officeDocument/2006/relationships" xmlns:p="http://schemas.openxmlformats.org/presentationml/2006/main">
   <p:cSld>
-    <p:spTree>
-      <p:nvGrpSpPr>
-        <p:cNvPr id="1" name=""/>
-        <p:cNvGrpSpPr/>
-        <p:nvPr/>
-      </p:nvGrpSpPr>
-      <p:grpSpPr>
-        <a:xfrm>
-          <a:off x="0" y="0"/>
-          <a:ext cx="0" cy="0"/>
-          <a:chOff x="0" y="0"/>
-          <a:chExt cx="0" cy="0"/>
-        </a:xfrm>
-      </p:grpSpPr>
-      <p:sp>
-        <p:nvSpPr>
-          <p:cNvPr id="2" name="Titre 1">
-            <a:extLst>
-              <a:ext uri="{FF2B5EF4-FFF2-40B4-BE49-F238E27FC236}">
-                <a16:creationId xmlns:a16="http://schemas.microsoft.com/office/drawing/2014/main" id="{5BA72D9F-46AA-93C9-34C4-F2162A816D6E}"/>
-              </a:ext>
-            </a:extLst>
-          </p:cNvPr>
-          <p:cNvSpPr>
-            <a:spLocks noGrp="1"/>
-          </p:cNvSpPr>
-          <p:nvPr>
-            <p:ph type="title"/>
-          </p:nvPr>
-        </p:nvSpPr>
-        <p:spPr/>
-        <p:txBody>
-          <a:bodyPr/>
-          <a:lstStyle/>
-          <a:p>
-            <a:r>
-              <a:rPr lang="fr-FR" dirty="0">
-                <a:latin typeface="Gill Sans MT"/>
-              </a:rPr>
-              <a:t>Agenda</a:t>
-            </a:r>
-          </a:p>
-        </p:txBody>
-      </p:sp>
-      <p:sp>
-        <p:nvSpPr>
-          <p:cNvPr id="3" name="Espace réservé du contenu 2">
-            <a:extLst>
-              <a:ext uri="{FF2B5EF4-FFF2-40B4-BE49-F238E27FC236}">
-                <a16:creationId xmlns:a16="http://schemas.microsoft.com/office/drawing/2014/main" id="{B6BD0C13-14DA-8BF6-10E4-1E6E9DA1B06A}"/>
-              </a:ext>
-            </a:extLst>
-          </p:cNvPr>
-          <p:cNvSpPr>
-            <a:spLocks noGrp="1"/>
-          </p:cNvSpPr>
-          <p:nvPr>
-            <p:ph idx="1"/>
-          </p:nvPr>
-        </p:nvSpPr>
-        <p:spPr/>
-        <p:txBody>
-          <a:bodyPr/>
-          <a:lstStyle/>
-          <a:p>
-            <a:endParaRPr lang="fr-FR"/>
-          </a:p>
-        </p:txBody>
-      </p:sp>
-    </p:spTree>
-    <p:extLst>
-      <p:ext uri="{BB962C8B-B14F-4D97-AF65-F5344CB8AC3E}">
-        <p14:creationId xmlns:p14="http://schemas.microsoft.com/office/powerpoint/2010/main" val="1255366357"/>
-      </p:ext>
-    </p:extLst>
-  </p:cSld>
-  <p:clrMapOvr>
-    <a:masterClrMapping/>
-  </p:clrMapOvr>
-</p:sld>
-</file>
-
-<file path=ppt/slides/slide3.xml><?xml version="1.0" encoding="utf-8"?>
-<p:sld xmlns:a="http://schemas.openxmlformats.org/drawingml/2006/main" xmlns:r="http://schemas.openxmlformats.org/officeDocument/2006/relationships" xmlns:p="http://schemas.openxmlformats.org/presentationml/2006/main">
-  <p:cSld>
     <p:bg>
       <p:bgPr>
         <a:solidFill>
-          <a:schemeClr val="bg1"/>
+          <a:schemeClr val="tx2">
+            <a:lumMod val="10000"/>
+            <a:lumOff val="90000"/>
+          </a:schemeClr>
         </a:solidFill>
         <a:effectLst/>
       </p:bgPr>
@@ -4150,51 +8959,35 @@
           <a:chExt cx="0" cy="0"/>
         </a:xfrm>
       </p:grpSpPr>
-      <p:sp useBgFill="1">
+      <p:sp>
         <p:nvSpPr>
-          <p:cNvPr id="16" name="Rectangle 15">
+          <p:cNvPr id="6" name="Organigramme : Procédé 5">
             <a:extLst>
               <a:ext uri="{FF2B5EF4-FFF2-40B4-BE49-F238E27FC236}">
-                <a16:creationId xmlns:a16="http://schemas.microsoft.com/office/drawing/2014/main" id="{4F7EBAE4-9945-4473-9E34-B2C66EA0F03D}"/>
-              </a:ext>
-              <a:ext uri="{C183D7F6-B498-43B3-948B-1728B52AA6E4}">
-                <adec:decorative xmlns:adec="http://schemas.microsoft.com/office/drawing/2017/decorative" val="1"/>
+                <a16:creationId xmlns:a16="http://schemas.microsoft.com/office/drawing/2014/main" id="{F9A54951-41BD-76DA-90E1-83FA571279C6}"/>
               </a:ext>
             </a:extLst>
           </p:cNvPr>
-          <p:cNvSpPr>
-            <a:spLocks noGrp="1" noRot="1" noChangeAspect="1" noMove="1" noResize="1" noEditPoints="1" noAdjustHandles="1" noChangeArrowheads="1" noChangeShapeType="1" noTextEdit="1"/>
-          </p:cNvSpPr>
-          <p:nvPr>
-            <p:extLst>
-              <p:ext uri="{386F3935-93C4-4BCD-93E2-E3B085C9AB24}">
-                <p16:designElem xmlns:p16="http://schemas.microsoft.com/office/powerpoint/2015/main" val="1"/>
-              </p:ext>
-            </p:extLst>
-          </p:nvPr>
+          <p:cNvSpPr/>
+          <p:nvPr/>
         </p:nvSpPr>
-        <p:spPr bwMode="white">
-          <a:xfrm>
-            <a:off x="0" y="0"/>
-            <a:ext cx="12192000" cy="6858000"/>
+        <p:spPr>
+          <a:xfrm flipH="1">
+            <a:off x="5929312" y="-1"/>
+            <a:ext cx="6265333" cy="6858001"/>
           </a:xfrm>
-          <a:prstGeom prst="rect">
+          <a:prstGeom prst="homePlate">
             <a:avLst/>
           </a:prstGeom>
-          <a:ln>
-            <a:noFill/>
-          </a:ln>
         </p:spPr>
         <p:style>
-          <a:lnRef idx="2">
-            <a:schemeClr val="accent1">
-              <a:shade val="50000"/>
-            </a:schemeClr>
+          <a:lnRef idx="0">
+            <a:schemeClr val="accent1"/>
           </a:lnRef>
-          <a:fillRef idx="1">
+          <a:fillRef idx="3">
             <a:schemeClr val="accent1"/>
           </a:fillRef>
-          <a:effectRef idx="0">
+          <a:effectRef idx="3">
             <a:schemeClr val="accent1"/>
           </a:effectRef>
           <a:fontRef idx="minor">
@@ -4203,104 +8996,10 @@
         </p:style>
         <p:txBody>
           <a:bodyPr rtlCol="0" anchor="ctr"/>
-          <a:lstStyle>
-            <a:defPPr>
-              <a:defRPr lang="en-US"/>
-            </a:defPPr>
-            <a:lvl1pPr marL="0" algn="l" defTabSz="914400" rtl="0" eaLnBrk="1" latinLnBrk="0" hangingPunct="1">
-              <a:defRPr sz="1800" kern="1200">
-                <a:solidFill>
-                  <a:schemeClr val="lt1"/>
-                </a:solidFill>
-                <a:latin typeface="+mn-lt"/>
-                <a:ea typeface="+mn-ea"/>
-                <a:cs typeface="+mn-cs"/>
-              </a:defRPr>
-            </a:lvl1pPr>
-            <a:lvl2pPr marL="457200" algn="l" defTabSz="914400" rtl="0" eaLnBrk="1" latinLnBrk="0" hangingPunct="1">
-              <a:defRPr sz="1800" kern="1200">
-                <a:solidFill>
-                  <a:schemeClr val="lt1"/>
-                </a:solidFill>
-                <a:latin typeface="+mn-lt"/>
-                <a:ea typeface="+mn-ea"/>
-                <a:cs typeface="+mn-cs"/>
-              </a:defRPr>
-            </a:lvl2pPr>
-            <a:lvl3pPr marL="914400" algn="l" defTabSz="914400" rtl="0" eaLnBrk="1" latinLnBrk="0" hangingPunct="1">
-              <a:defRPr sz="1800" kern="1200">
-                <a:solidFill>
-                  <a:schemeClr val="lt1"/>
-                </a:solidFill>
-                <a:latin typeface="+mn-lt"/>
-                <a:ea typeface="+mn-ea"/>
-                <a:cs typeface="+mn-cs"/>
-              </a:defRPr>
-            </a:lvl3pPr>
-            <a:lvl4pPr marL="1371600" algn="l" defTabSz="914400" rtl="0" eaLnBrk="1" latinLnBrk="0" hangingPunct="1">
-              <a:defRPr sz="1800" kern="1200">
-                <a:solidFill>
-                  <a:schemeClr val="lt1"/>
-                </a:solidFill>
-                <a:latin typeface="+mn-lt"/>
-                <a:ea typeface="+mn-ea"/>
-                <a:cs typeface="+mn-cs"/>
-              </a:defRPr>
-            </a:lvl4pPr>
-            <a:lvl5pPr marL="1828800" algn="l" defTabSz="914400" rtl="0" eaLnBrk="1" latinLnBrk="0" hangingPunct="1">
-              <a:defRPr sz="1800" kern="1200">
-                <a:solidFill>
-                  <a:schemeClr val="lt1"/>
-                </a:solidFill>
-                <a:latin typeface="+mn-lt"/>
-                <a:ea typeface="+mn-ea"/>
-                <a:cs typeface="+mn-cs"/>
-              </a:defRPr>
-            </a:lvl5pPr>
-            <a:lvl6pPr marL="2286000" algn="l" defTabSz="914400" rtl="0" eaLnBrk="1" latinLnBrk="0" hangingPunct="1">
-              <a:defRPr sz="1800" kern="1200">
-                <a:solidFill>
-                  <a:schemeClr val="lt1"/>
-                </a:solidFill>
-                <a:latin typeface="+mn-lt"/>
-                <a:ea typeface="+mn-ea"/>
-                <a:cs typeface="+mn-cs"/>
-              </a:defRPr>
-            </a:lvl6pPr>
-            <a:lvl7pPr marL="2743200" algn="l" defTabSz="914400" rtl="0" eaLnBrk="1" latinLnBrk="0" hangingPunct="1">
-              <a:defRPr sz="1800" kern="1200">
-                <a:solidFill>
-                  <a:schemeClr val="lt1"/>
-                </a:solidFill>
-                <a:latin typeface="+mn-lt"/>
-                <a:ea typeface="+mn-ea"/>
-                <a:cs typeface="+mn-cs"/>
-              </a:defRPr>
-            </a:lvl7pPr>
-            <a:lvl8pPr marL="3200400" algn="l" defTabSz="914400" rtl="0" eaLnBrk="1" latinLnBrk="0" hangingPunct="1">
-              <a:defRPr sz="1800" kern="1200">
-                <a:solidFill>
-                  <a:schemeClr val="lt1"/>
-                </a:solidFill>
-                <a:latin typeface="+mn-lt"/>
-                <a:ea typeface="+mn-ea"/>
-                <a:cs typeface="+mn-cs"/>
-              </a:defRPr>
-            </a:lvl8pPr>
-            <a:lvl9pPr marL="3657600" algn="l" defTabSz="914400" rtl="0" eaLnBrk="1" latinLnBrk="0" hangingPunct="1">
-              <a:defRPr sz="1800" kern="1200">
-                <a:solidFill>
-                  <a:schemeClr val="lt1"/>
-                </a:solidFill>
-                <a:latin typeface="+mn-lt"/>
-                <a:ea typeface="+mn-ea"/>
-                <a:cs typeface="+mn-cs"/>
-              </a:defRPr>
-            </a:lvl9pPr>
-          </a:lstStyle>
+          <a:lstStyle/>
           <a:p>
             <a:pPr algn="ctr"/>
-            <a:endParaRPr lang="en-US"/>
+            <a:endParaRPr lang="fr-FR"/>
           </a:p>
         </p:txBody>
       </p:sp>
@@ -4322,8 +9021,8 @@
         </p:nvSpPr>
         <p:spPr>
           <a:xfrm>
-            <a:off x="1790700" y="377031"/>
-            <a:ext cx="5393361" cy="1325563"/>
+            <a:off x="668867" y="377031"/>
+            <a:ext cx="6515194" cy="1336146"/>
           </a:xfrm>
         </p:spPr>
         <p:txBody>
@@ -4365,8 +9064,8 @@
         </p:nvSpPr>
         <p:spPr>
           <a:xfrm>
-            <a:off x="671513" y="1944687"/>
-            <a:ext cx="5702923" cy="4351338"/>
+            <a:off x="385763" y="1944687"/>
+            <a:ext cx="5988673" cy="4351338"/>
           </a:xfrm>
         </p:spPr>
         <p:txBody>
@@ -4376,7 +9075,7 @@
           <a:lstStyle/>
           <a:p>
             <a:r>
-              <a:rPr lang="en-US" dirty="0">
+              <a:rPr lang="en-US" sz="2400" dirty="0">
                 <a:latin typeface="Verdana"/>
                 <a:ea typeface="Verdana"/>
               </a:rPr>
@@ -4384,7 +9083,7 @@
             </a:r>
           </a:p>
           <a:p>
-            <a:endParaRPr lang="en-US" dirty="0">
+            <a:endParaRPr lang="en-US" sz="2400" dirty="0">
               <a:latin typeface="Verdana"/>
               <a:ea typeface="Verdana"/>
             </a:endParaRPr>
@@ -4394,7 +9093,7 @@
               <a:buNone/>
             </a:pPr>
             <a:r>
-              <a:rPr lang="en-US" dirty="0">
+              <a:rPr lang="en-US" sz="2400" dirty="0">
                 <a:latin typeface="Verdana"/>
                 <a:ea typeface="+mn-lt"/>
                 <a:cs typeface="+mn-lt"/>
@@ -4402,7 +9101,7 @@
               <a:t>For simplicity purposes we chose to use a basic library (</a:t>
             </a:r>
             <a:r>
-              <a:rPr lang="en-US" err="1">
+              <a:rPr lang="en-US" sz="2400" err="1">
                 <a:latin typeface="Verdana"/>
                 <a:ea typeface="+mn-lt"/>
                 <a:cs typeface="+mn-lt"/>
@@ -4410,14 +9109,14 @@
               <a:t>Tkinter</a:t>
             </a:r>
             <a:r>
-              <a:rPr lang="en-US" dirty="0">
+              <a:rPr lang="en-US" sz="2400" dirty="0">
                 <a:latin typeface="Verdana"/>
                 <a:ea typeface="+mn-lt"/>
                 <a:cs typeface="+mn-lt"/>
               </a:rPr>
               <a:t>)</a:t>
             </a:r>
-            <a:endParaRPr lang="en-US">
+            <a:endParaRPr lang="en-US" sz="2400" dirty="0">
               <a:latin typeface="Verdana"/>
               <a:ea typeface="Verdana"/>
             </a:endParaRPr>
@@ -4451,8 +9150,8 @@
         </p:blipFill>
         <p:spPr>
           <a:xfrm>
-            <a:off x="6374920" y="758514"/>
-            <a:ext cx="5122238" cy="5122238"/>
+            <a:off x="10057920" y="-1040654"/>
+            <a:ext cx="2836238" cy="2836238"/>
           </a:xfrm>
           <a:custGeom>
             <a:avLst/>
@@ -4491,61 +9190,134 @@
           </a:custGeom>
         </p:spPr>
       </p:pic>
-      <p:sp>
-        <p:nvSpPr>
-          <p:cNvPr id="18" name="!!Arc">
+      <p:pic>
+        <p:nvPicPr>
+          <p:cNvPr id="4" name="Image 3" descr="Une image contenant capture d’écran, Caractère coloré, motif, Bleu électrique&#10;&#10;Description générée automatiquement">
             <a:extLst>
               <a:ext uri="{FF2B5EF4-FFF2-40B4-BE49-F238E27FC236}">
-                <a16:creationId xmlns:a16="http://schemas.microsoft.com/office/drawing/2014/main" id="{70BEB1E7-2F88-40BC-B73D-42E5B6F80BFC}"/>
-              </a:ext>
-              <a:ext uri="{C183D7F6-B498-43B3-948B-1728B52AA6E4}">
-                <adec:decorative xmlns:adec="http://schemas.microsoft.com/office/drawing/2017/decorative" val="1"/>
+                <a16:creationId xmlns:a16="http://schemas.microsoft.com/office/drawing/2014/main" id="{278BFA19-3D97-17FF-2BB4-F4789A107BEB}"/>
               </a:ext>
             </a:extLst>
           </p:cNvPr>
-          <p:cNvSpPr>
-            <a:spLocks noGrp="1" noRot="1" noChangeAspect="1" noMove="1" noResize="1" noEditPoints="1" noAdjustHandles="1" noChangeArrowheads="1" noChangeShapeType="1" noTextEdit="1"/>
-          </p:cNvSpPr>
-          <p:nvPr>
-            <p:extLst>
-              <p:ext uri="{386F3935-93C4-4BCD-93E2-E3B085C9AB24}">
-                <p16:designElem xmlns:p16="http://schemas.microsoft.com/office/powerpoint/2015/main" val="1"/>
-              </p:ext>
-            </p:extLst>
-          </p:nvPr>
+          <p:cNvPicPr>
+            <a:picLocks noChangeAspect="1"/>
+          </p:cNvPicPr>
+          <p:nvPr/>
+        </p:nvPicPr>
+        <p:blipFill>
+          <a:blip r:embed="rId3"/>
+          <a:stretch>
+            <a:fillRect/>
+          </a:stretch>
+        </p:blipFill>
+        <p:spPr>
+          <a:xfrm>
+            <a:off x="6686589" y="1796521"/>
+            <a:ext cx="4096314" cy="4186465"/>
+          </a:xfrm>
+          <a:prstGeom prst="roundRect">
+            <a:avLst>
+              <a:gd name="adj" fmla="val 16667"/>
+            </a:avLst>
+          </a:prstGeom>
+          <a:ln>
+            <a:noFill/>
+          </a:ln>
+          <a:effectLst>
+            <a:outerShdw blurRad="152400" dist="12000" dir="900000" sy="98000" kx="110000" ky="200000" algn="tl" rotWithShape="0">
+              <a:srgbClr val="000000">
+                <a:alpha val="30000"/>
+              </a:srgbClr>
+            </a:outerShdw>
+          </a:effectLst>
+          <a:scene3d>
+            <a:camera prst="perspectiveRelaxed">
+              <a:rot lat="19800000" lon="1200000" rev="20820000"/>
+            </a:camera>
+            <a:lightRig rig="threePt" dir="t"/>
+          </a:scene3d>
+          <a:sp3d contourW="6350" prstMaterial="matte">
+            <a:bevelT w="101600" h="101600"/>
+            <a:contourClr>
+              <a:srgbClr val="969696"/>
+            </a:contourClr>
+          </a:sp3d>
+        </p:spPr>
+      </p:pic>
+    </p:spTree>
+    <p:extLst>
+      <p:ext uri="{BB962C8B-B14F-4D97-AF65-F5344CB8AC3E}">
+        <p14:creationId xmlns:p14="http://schemas.microsoft.com/office/powerpoint/2010/main" val="1114066402"/>
+      </p:ext>
+    </p:extLst>
+  </p:cSld>
+  <p:clrMapOvr>
+    <a:masterClrMapping/>
+  </p:clrMapOvr>
+</p:sld>
+</file>
+
+<file path=ppt/slides/slide3.xml><?xml version="1.0" encoding="utf-8"?>
+<p:sld xmlns:a="http://schemas.openxmlformats.org/drawingml/2006/main" xmlns:r="http://schemas.openxmlformats.org/officeDocument/2006/relationships" xmlns:p="http://schemas.openxmlformats.org/presentationml/2006/main">
+  <p:cSld>
+    <p:bg>
+      <p:bgPr>
+        <a:solidFill>
+          <a:schemeClr val="tx2">
+            <a:lumMod val="25000"/>
+            <a:lumOff val="75000"/>
+          </a:schemeClr>
+        </a:solidFill>
+        <a:effectLst/>
+      </p:bgPr>
+    </p:bg>
+    <p:spTree>
+      <p:nvGrpSpPr>
+        <p:cNvPr id="1" name=""/>
+        <p:cNvGrpSpPr/>
+        <p:nvPr/>
+      </p:nvGrpSpPr>
+      <p:grpSpPr>
+        <a:xfrm>
+          <a:off x="0" y="0"/>
+          <a:ext cx="0" cy="0"/>
+          <a:chOff x="0" y="0"/>
+          <a:chExt cx="0" cy="0"/>
+        </a:xfrm>
+      </p:grpSpPr>
+      <p:sp>
+        <p:nvSpPr>
+          <p:cNvPr id="738" name="Organigramme : Procédé 4">
+            <a:extLst>
+              <a:ext uri="{FF2B5EF4-FFF2-40B4-BE49-F238E27FC236}">
+                <a16:creationId xmlns:a16="http://schemas.microsoft.com/office/drawing/2014/main" id="{355162C3-EB73-B81C-90FF-7CC5C4414AFB}"/>
+              </a:ext>
+            </a:extLst>
+          </p:cNvPr>
+          <p:cNvSpPr/>
+          <p:nvPr/>
         </p:nvSpPr>
         <p:spPr>
-          <a:xfrm rot="21189197" flipV="1">
-            <a:off x="6261882" y="687822"/>
-            <a:ext cx="5471147" cy="5471147"/>
+          <a:xfrm>
+            <a:off x="4330412" y="-1659957"/>
+            <a:ext cx="7856742" cy="8523167"/>
           </a:xfrm>
-          <a:prstGeom prst="arc">
-            <a:avLst>
-              <a:gd name="adj1" fmla="val 16200000"/>
-              <a:gd name="adj2" fmla="val 20093138"/>
-            </a:avLst>
+          <a:prstGeom prst="flowChartExtract">
+            <a:avLst/>
           </a:prstGeom>
-          <a:ln w="127000" cap="rnd">
-            <a:solidFill>
-              <a:schemeClr val="accent4">
-                <a:alpha val="95000"/>
-              </a:schemeClr>
-            </a:solidFill>
-            <a:prstDash val="dash"/>
-          </a:ln>
         </p:spPr>
         <p:style>
-          <a:lnRef idx="1">
+          <a:lnRef idx="0">
             <a:schemeClr val="accent1"/>
           </a:lnRef>
-          <a:fillRef idx="0">
+          <a:fillRef idx="3">
             <a:schemeClr val="accent1"/>
           </a:fillRef>
-          <a:effectRef idx="0">
+          <a:effectRef idx="3">
             <a:schemeClr val="accent1"/>
           </a:effectRef>
           <a:fontRef idx="minor">
-            <a:schemeClr val="tx1"/>
+            <a:schemeClr val="lt1"/>
           </a:fontRef>
         </p:style>
         <p:txBody>
@@ -4553,14 +9325,124 @@
           <a:lstStyle/>
           <a:p>
             <a:pPr algn="ctr"/>
-            <a:endParaRPr lang="en-US"/>
+            <a:endParaRPr lang="fr-FR"/>
           </a:p>
         </p:txBody>
       </p:sp>
+      <p:sp>
+        <p:nvSpPr>
+          <p:cNvPr id="753" name="Organigramme : Procédé 4">
+            <a:extLst>
+              <a:ext uri="{FF2B5EF4-FFF2-40B4-BE49-F238E27FC236}">
+                <a16:creationId xmlns:a16="http://schemas.microsoft.com/office/drawing/2014/main" id="{D2BACD08-522E-254F-AD41-3850AA8CDE4C}"/>
+              </a:ext>
+            </a:extLst>
+          </p:cNvPr>
+          <p:cNvSpPr/>
+          <p:nvPr/>
+        </p:nvSpPr>
+        <p:spPr>
+          <a:xfrm>
+            <a:off x="1827" y="3430626"/>
+            <a:ext cx="5390826" cy="4512085"/>
+          </a:xfrm>
+          <a:prstGeom prst="flowChartExtract">
+            <a:avLst/>
+          </a:prstGeom>
+        </p:spPr>
+        <p:style>
+          <a:lnRef idx="0">
+            <a:schemeClr val="accent1"/>
+          </a:lnRef>
+          <a:fillRef idx="3">
+            <a:schemeClr val="accent1"/>
+          </a:fillRef>
+          <a:effectRef idx="3">
+            <a:schemeClr val="accent1"/>
+          </a:effectRef>
+          <a:fontRef idx="minor">
+            <a:schemeClr val="lt1"/>
+          </a:fontRef>
+        </p:style>
+        <p:txBody>
+          <a:bodyPr rtlCol="0" anchor="ctr"/>
+          <a:lstStyle/>
+          <a:p>
+            <a:pPr algn="ctr"/>
+            <a:endParaRPr lang="fr-FR"/>
+          </a:p>
+        </p:txBody>
+      </p:sp>
+      <p:sp>
+        <p:nvSpPr>
+          <p:cNvPr id="2" name="Titre 1">
+            <a:extLst>
+              <a:ext uri="{FF2B5EF4-FFF2-40B4-BE49-F238E27FC236}">
+                <a16:creationId xmlns:a16="http://schemas.microsoft.com/office/drawing/2014/main" id="{5BA72D9F-46AA-93C9-34C4-F2162A816D6E}"/>
+              </a:ext>
+            </a:extLst>
+          </p:cNvPr>
+          <p:cNvSpPr>
+            <a:spLocks noGrp="1"/>
+          </p:cNvSpPr>
+          <p:nvPr>
+            <p:ph type="title"/>
+          </p:nvPr>
+        </p:nvSpPr>
+        <p:spPr>
+          <a:xfrm>
+            <a:off x="8263890" y="131445"/>
+            <a:ext cx="2165350" cy="1336146"/>
+          </a:xfrm>
+        </p:spPr>
+        <p:txBody>
+          <a:bodyPr/>
+          <a:lstStyle/>
+          <a:p>
+            <a:r>
+              <a:rPr lang="fr-FR" dirty="0">
+                <a:solidFill>
+                  <a:schemeClr val="bg1"/>
+                </a:solidFill>
+                <a:latin typeface="Gill Sans MT"/>
+              </a:rPr>
+              <a:t>Agenda</a:t>
+            </a:r>
+          </a:p>
+        </p:txBody>
+      </p:sp>
+      <p:graphicFrame>
+        <p:nvGraphicFramePr>
+          <p:cNvPr id="110" name="Diagramme 109">
+            <a:extLst>
+              <a:ext uri="{FF2B5EF4-FFF2-40B4-BE49-F238E27FC236}">
+                <a16:creationId xmlns:a16="http://schemas.microsoft.com/office/drawing/2014/main" id="{1C2075AE-D35E-D2B1-84AE-6EB53155D664}"/>
+              </a:ext>
+            </a:extLst>
+          </p:cNvPr>
+          <p:cNvGraphicFramePr/>
+          <p:nvPr>
+            <p:extLst>
+              <p:ext uri="{D42A27DB-BD31-4B8C-83A1-F6EECF244321}">
+                <p14:modId xmlns:p14="http://schemas.microsoft.com/office/powerpoint/2010/main" val="2643171411"/>
+              </p:ext>
+            </p:extLst>
+          </p:nvPr>
+        </p:nvGraphicFramePr>
+        <p:xfrm>
+          <a:off x="1548131" y="1027006"/>
+          <a:ext cx="7868072" cy="6123517"/>
+        </p:xfrm>
+        <a:graphic>
+          <a:graphicData uri="http://schemas.openxmlformats.org/drawingml/2006/diagram">
+            <dgm:relIds xmlns:dgm="http://schemas.openxmlformats.org/drawingml/2006/diagram" xmlns:r="http://schemas.openxmlformats.org/officeDocument/2006/relationships" r:dm="rId2" r:lo="rId3" r:qs="rId4" r:cs="rId5"/>
+          </a:graphicData>
+        </a:graphic>
+      </p:graphicFrame>
     </p:spTree>
     <p:extLst>
       <p:ext uri="{BB962C8B-B14F-4D97-AF65-F5344CB8AC3E}">
-        <p14:creationId xmlns:p14="http://schemas.microsoft.com/office/powerpoint/2010/main" val="1114066402"/>
+        <p14:creationId xmlns:p14="http://schemas.microsoft.com/office/powerpoint/2010/main" val="1255366357"/>
       </p:ext>
     </p:extLst>
   </p:cSld>
@@ -4690,7 +9572,7 @@
             <a:avLst/>
           </a:prstGeom>
           <a:solidFill>
-            <a:srgbClr val="3F4F5B"/>
+            <a:srgbClr val="466E8B"/>
           </a:solidFill>
           <a:ln>
             <a:noFill/>
@@ -4723,6 +9605,50 @@
       </p:sp>
       <p:sp>
         <p:nvSpPr>
+          <p:cNvPr id="6" name="Organigramme : Procédé 5">
+            <a:extLst>
+              <a:ext uri="{FF2B5EF4-FFF2-40B4-BE49-F238E27FC236}">
+                <a16:creationId xmlns:a16="http://schemas.microsoft.com/office/drawing/2014/main" id="{3AA709EE-3D21-3ADC-E1DD-1347798513A7}"/>
+              </a:ext>
+            </a:extLst>
+          </p:cNvPr>
+          <p:cNvSpPr/>
+          <p:nvPr/>
+        </p:nvSpPr>
+        <p:spPr>
+          <a:xfrm flipH="1">
+            <a:off x="2647" y="-1"/>
+            <a:ext cx="2423582" cy="6858001"/>
+          </a:xfrm>
+          <a:prstGeom prst="flowChartProcess">
+            <a:avLst/>
+          </a:prstGeom>
+        </p:spPr>
+        <p:style>
+          <a:lnRef idx="0">
+            <a:schemeClr val="accent1"/>
+          </a:lnRef>
+          <a:fillRef idx="3">
+            <a:schemeClr val="accent1"/>
+          </a:fillRef>
+          <a:effectRef idx="3">
+            <a:schemeClr val="accent1"/>
+          </a:effectRef>
+          <a:fontRef idx="minor">
+            <a:schemeClr val="lt1"/>
+          </a:fontRef>
+        </p:style>
+        <p:txBody>
+          <a:bodyPr rtlCol="0" anchor="ctr"/>
+          <a:lstStyle/>
+          <a:p>
+            <a:pPr algn="ctr"/>
+            <a:endParaRPr lang="fr-FR"/>
+          </a:p>
+        </p:txBody>
+      </p:sp>
+      <p:sp>
+        <p:nvSpPr>
           <p:cNvPr id="2" name="Titre 1">
             <a:extLst>
               <a:ext uri="{FF2B5EF4-FFF2-40B4-BE49-F238E27FC236}">
@@ -4739,7 +9665,7 @@
         </p:nvSpPr>
         <p:spPr>
           <a:xfrm>
-            <a:off x="640080" y="2074363"/>
+            <a:off x="756497" y="1026613"/>
             <a:ext cx="2752354" cy="2709275"/>
           </a:xfrm>
           <a:prstGeom prst="ellipse">
@@ -4762,7 +9688,7 @@
           <a:p>
             <a:pPr algn="ctr"/>
             <a:r>
-              <a:rPr lang="en-US" sz="2600" kern="1200">
+              <a:rPr lang="en-US" sz="2600" kern="1200" dirty="0">
                 <a:solidFill>
                   <a:srgbClr val="FFFFFF"/>
                 </a:solidFill>
@@ -4799,8 +9725,8 @@
         </p:blipFill>
         <p:spPr>
           <a:xfrm>
-            <a:off x="3800475" y="916897"/>
-            <a:ext cx="7831136" cy="5274816"/>
+            <a:off x="3705225" y="652314"/>
+            <a:ext cx="8307386" cy="5549982"/>
           </a:xfrm>
           <a:prstGeom prst="rect">
             <a:avLst/>
@@ -4821,7 +9747,7 @@
         </p:nvSpPr>
         <p:spPr>
           <a:xfrm>
-            <a:off x="2416968" y="214312"/>
+            <a:off x="2673753" y="271128"/>
             <a:ext cx="3683792" cy="480131"/>
           </a:xfrm>
           <a:prstGeom prst="rect">
@@ -4848,21 +9774,196 @@
             </a:pPr>
             <a:r>
               <a:rPr lang="fr-FR" sz="2800" dirty="0">
+                <a:highlight>
+                  <a:srgbClr val="FFFF00"/>
+                </a:highlight>
+                <a:latin typeface="Gill Sans MT"/>
+                <a:cs typeface="Arial"/>
+              </a:rPr>
+              <a:t> </a:t>
+            </a:r>
+            <a:r>
+              <a:rPr lang="fr-FR" sz="2800" i="1" dirty="0">
+                <a:highlight>
+                  <a:srgbClr val="FFFF00"/>
+                </a:highlight>
                 <a:latin typeface="Gill Sans MT"/>
                 <a:cs typeface="Arial"/>
               </a:rPr>
               <a:t>UML class </a:t>
             </a:r>
             <a:r>
-              <a:rPr lang="fr-FR" sz="2800" err="1">
+              <a:rPr lang="fr-FR" sz="2800" i="1" err="1">
+                <a:highlight>
+                  <a:srgbClr val="FFFF00"/>
+                </a:highlight>
                 <a:latin typeface="Gill Sans MT"/>
                 <a:cs typeface="Arial"/>
               </a:rPr>
               <a:t>diagram</a:t>
             </a:r>
-            <a:endParaRPr lang="en-US" sz="2800" err="1">
+            <a:r>
+              <a:rPr lang="fr-FR" sz="2800" i="1" dirty="0">
+                <a:highlight>
+                  <a:srgbClr val="FFFF00"/>
+                </a:highlight>
+                <a:latin typeface="Gill Sans MT"/>
+                <a:cs typeface="Arial"/>
+              </a:rPr>
+              <a:t> </a:t>
+            </a:r>
+            <a:endParaRPr lang="en-US" sz="2800" i="1" dirty="0" err="1">
+              <a:highlight>
+                <a:srgbClr val="FFFF00"/>
+              </a:highlight>
               <a:latin typeface="Gill Sans MT"/>
               <a:cs typeface="Arial"/>
+            </a:endParaRPr>
+          </a:p>
+        </p:txBody>
+      </p:sp>
+      <p:sp>
+        <p:nvSpPr>
+          <p:cNvPr id="7" name="ZoneTexte 6">
+            <a:extLst>
+              <a:ext uri="{FF2B5EF4-FFF2-40B4-BE49-F238E27FC236}">
+                <a16:creationId xmlns:a16="http://schemas.microsoft.com/office/drawing/2014/main" id="{4D90653B-5373-90C3-B4FE-8CE63E20A933}"/>
+              </a:ext>
+            </a:extLst>
+          </p:cNvPr>
+          <p:cNvSpPr txBox="1"/>
+          <p:nvPr/>
+        </p:nvSpPr>
+        <p:spPr>
+          <a:xfrm>
+            <a:off x="232833" y="4307417"/>
+            <a:ext cx="1960034" cy="2031325"/>
+          </a:xfrm>
+          <a:prstGeom prst="rect">
+            <a:avLst/>
+          </a:prstGeom>
+          <a:noFill/>
+        </p:spPr>
+        <p:txBody>
+          <a:bodyPr rot="0" spcFirstLastPara="0" vertOverflow="overflow" horzOverflow="overflow" vert="horz" wrap="square" lIns="91440" tIns="45720" rIns="91440" bIns="45720" numCol="1" spcCol="0" rtlCol="0" fromWordArt="0" anchor="t" anchorCtr="0" forceAA="0" compatLnSpc="1">
+            <a:prstTxWarp prst="textNoShape">
+              <a:avLst/>
+            </a:prstTxWarp>
+            <a:spAutoFit/>
+          </a:bodyPr>
+          <a:lstStyle/>
+          <a:p>
+            <a:r>
+              <a:rPr lang="fr-FR" dirty="0">
+                <a:solidFill>
+                  <a:schemeClr val="bg1"/>
+                </a:solidFill>
+                <a:latin typeface="Verdana"/>
+                <a:ea typeface="Verdana"/>
+              </a:rPr>
+              <a:t>Class </a:t>
+            </a:r>
+            <a:endParaRPr lang="fr-FR" dirty="0">
+              <a:solidFill>
+                <a:schemeClr val="bg1"/>
+              </a:solidFill>
+            </a:endParaRPr>
+          </a:p>
+          <a:p>
+            <a:pPr algn="ctr"/>
+            <a:r>
+              <a:rPr lang="fr-FR" dirty="0">
+                <a:solidFill>
+                  <a:schemeClr val="bg1"/>
+                </a:solidFill>
+                <a:latin typeface="Verdana"/>
+                <a:ea typeface="Verdana"/>
+              </a:rPr>
+              <a:t>Connect4</a:t>
+            </a:r>
+            <a:endParaRPr lang="fr-FR" dirty="0">
+              <a:solidFill>
+                <a:schemeClr val="bg1"/>
+              </a:solidFill>
+            </a:endParaRPr>
+          </a:p>
+          <a:p>
+            <a:pPr algn="ctr"/>
+            <a:r>
+              <a:rPr lang="fr-FR" dirty="0">
+                <a:solidFill>
+                  <a:schemeClr val="bg1"/>
+                </a:solidFill>
+                <a:latin typeface="Verdana"/>
+                <a:ea typeface="Verdana"/>
+              </a:rPr>
+              <a:t>Player</a:t>
+            </a:r>
+          </a:p>
+          <a:p>
+            <a:pPr algn="ctr"/>
+            <a:r>
+              <a:rPr lang="fr-FR" err="1">
+                <a:solidFill>
+                  <a:schemeClr val="bg1"/>
+                </a:solidFill>
+                <a:latin typeface="Verdana"/>
+                <a:ea typeface="Verdana"/>
+              </a:rPr>
+              <a:t>Grid</a:t>
+            </a:r>
+            <a:endParaRPr lang="fr-FR">
+              <a:solidFill>
+                <a:schemeClr val="bg1"/>
+              </a:solidFill>
+              <a:latin typeface="Verdana"/>
+              <a:ea typeface="Verdana"/>
+            </a:endParaRPr>
+          </a:p>
+          <a:p>
+            <a:pPr algn="ctr"/>
+            <a:r>
+              <a:rPr lang="fr-FR" dirty="0">
+                <a:solidFill>
+                  <a:schemeClr val="bg1"/>
+                </a:solidFill>
+                <a:latin typeface="Verdana"/>
+                <a:ea typeface="Verdana"/>
+              </a:rPr>
+              <a:t>Disc</a:t>
+            </a:r>
+          </a:p>
+          <a:p>
+            <a:pPr algn="ctr"/>
+            <a:r>
+              <a:rPr lang="fr-FR" dirty="0">
+                <a:solidFill>
+                  <a:schemeClr val="bg1"/>
+                </a:solidFill>
+                <a:latin typeface="Verdana"/>
+                <a:ea typeface="Verdana"/>
+              </a:rPr>
+              <a:t>Position</a:t>
+            </a:r>
+          </a:p>
+          <a:p>
+            <a:pPr algn="ctr"/>
+            <a:r>
+              <a:rPr lang="fr-FR" err="1">
+                <a:solidFill>
+                  <a:schemeClr val="bg1"/>
+                </a:solidFill>
+                <a:latin typeface="Verdana"/>
+                <a:ea typeface="Verdana"/>
+              </a:rPr>
+              <a:t>Color</a:t>
+            </a:r>
+            <a:endParaRPr lang="fr-FR">
+              <a:solidFill>
+                <a:schemeClr val="bg1"/>
+              </a:solidFill>
+              <a:latin typeface="Verdana"/>
+              <a:ea typeface="Verdana"/>
             </a:endParaRPr>
           </a:p>
         </p:txBody>
@@ -4883,6 +9984,17 @@
 <file path=ppt/slides/slide5.xml><?xml version="1.0" encoding="utf-8"?>
 <p:sld xmlns:a="http://schemas.openxmlformats.org/drawingml/2006/main" xmlns:r="http://schemas.openxmlformats.org/officeDocument/2006/relationships" xmlns:p="http://schemas.openxmlformats.org/presentationml/2006/main">
   <p:cSld>
+    <p:bg>
+      <p:bgPr>
+        <a:solidFill>
+          <a:schemeClr val="tx2">
+            <a:lumMod val="10000"/>
+            <a:lumOff val="90000"/>
+          </a:schemeClr>
+        </a:solidFill>
+        <a:effectLst/>
+      </p:bgPr>
+    </p:bg>
     <p:spTree>
       <p:nvGrpSpPr>
         <p:cNvPr id="1" name=""/>
@@ -4897,6 +10009,50 @@
           <a:chExt cx="0" cy="0"/>
         </a:xfrm>
       </p:grpSpPr>
+      <p:sp>
+        <p:nvSpPr>
+          <p:cNvPr id="5" name="Organigramme : Procédé 4">
+            <a:extLst>
+              <a:ext uri="{FF2B5EF4-FFF2-40B4-BE49-F238E27FC236}">
+                <a16:creationId xmlns:a16="http://schemas.microsoft.com/office/drawing/2014/main" id="{B43C2658-42E8-EEC0-84FE-B120B1F9050A}"/>
+              </a:ext>
+            </a:extLst>
+          </p:cNvPr>
+          <p:cNvSpPr/>
+          <p:nvPr/>
+        </p:nvSpPr>
+        <p:spPr>
+          <a:xfrm>
+            <a:off x="7496785" y="-1"/>
+            <a:ext cx="10477500" cy="6858001"/>
+          </a:xfrm>
+          <a:prstGeom prst="flowChartExtract">
+            <a:avLst/>
+          </a:prstGeom>
+        </p:spPr>
+        <p:style>
+          <a:lnRef idx="0">
+            <a:schemeClr val="accent1"/>
+          </a:lnRef>
+          <a:fillRef idx="3">
+            <a:schemeClr val="accent1"/>
+          </a:fillRef>
+          <a:effectRef idx="3">
+            <a:schemeClr val="accent1"/>
+          </a:effectRef>
+          <a:fontRef idx="minor">
+            <a:schemeClr val="lt1"/>
+          </a:fontRef>
+        </p:style>
+        <p:txBody>
+          <a:bodyPr rtlCol="0" anchor="ctr"/>
+          <a:lstStyle/>
+          <a:p>
+            <a:pPr algn="ctr"/>
+            <a:endParaRPr lang="fr-FR"/>
+          </a:p>
+        </p:txBody>
+      </p:sp>
       <p:sp>
         <p:nvSpPr>
           <p:cNvPr id="2" name="Titre 1">
@@ -4915,23 +10071,43 @@
         </p:nvSpPr>
         <p:spPr>
           <a:xfrm>
-            <a:off x="838200" y="377031"/>
-            <a:ext cx="3919538" cy="1337469"/>
+            <a:off x="3254782" y="377519"/>
+            <a:ext cx="4078288" cy="1337469"/>
           </a:xfrm>
         </p:spPr>
         <p:txBody>
-          <a:bodyPr/>
+          <a:bodyPr>
+            <a:noAutofit/>
+          </a:bodyPr>
           <a:lstStyle/>
           <a:p>
             <a:r>
-              <a:rPr lang="fr-FR" err="1">
+              <a:rPr lang="fr-FR" i="1" dirty="0">
+                <a:highlight>
+                  <a:srgbClr val="FFFF00"/>
+                </a:highlight>
+                <a:latin typeface="Gill Sans MT"/>
+              </a:rPr>
+              <a:t> </a:t>
+            </a:r>
+            <a:r>
+              <a:rPr lang="fr-FR" i="1" dirty="0" err="1">
+                <a:highlight>
+                  <a:srgbClr val="FFFF00"/>
+                </a:highlight>
                 <a:latin typeface="Gill Sans MT"/>
               </a:rPr>
               <a:t>Implementation</a:t>
             </a:r>
-            <a:endParaRPr lang="fr-FR">
-              <a:latin typeface="Gill Sans MT"/>
-            </a:endParaRPr>
+            <a:r>
+              <a:rPr lang="fr-FR" i="1" dirty="0">
+                <a:highlight>
+                  <a:srgbClr val="FFFF00"/>
+                </a:highlight>
+                <a:latin typeface="Gill Sans MT"/>
+              </a:rPr>
+              <a:t> </a:t>
+            </a:r>
           </a:p>
         </p:txBody>
       </p:sp>
@@ -4951,7 +10127,12 @@
             <p:ph idx="1"/>
           </p:nvPr>
         </p:nvSpPr>
-        <p:spPr/>
+        <p:spPr>
+          <a:xfrm>
+            <a:off x="800612" y="2045223"/>
+            <a:ext cx="8155518" cy="4351338"/>
+          </a:xfrm>
+        </p:spPr>
         <p:txBody>
           <a:bodyPr vert="horz" lIns="91440" tIns="45720" rIns="91440" bIns="45720" rtlCol="0" anchor="t">
             <a:normAutofit/>
@@ -4962,7 +10143,7 @@
               <a:buNone/>
             </a:pPr>
             <a:r>
-              <a:rPr lang="en-US" b="1" dirty="0">
+              <a:rPr lang="en-US" sz="2000" b="1" dirty="0">
                 <a:latin typeface="Verdana"/>
                 <a:ea typeface="Verdana"/>
               </a:rPr>
@@ -4975,7 +10156,7 @@
               <a:buChar char="o"/>
             </a:pPr>
             <a:r>
-              <a:rPr lang="en-US" dirty="0">
+              <a:rPr lang="en-US" sz="1800" dirty="0">
                 <a:latin typeface="Verdana"/>
                 <a:ea typeface="Verdana"/>
               </a:rPr>
@@ -4988,7 +10169,7 @@
               <a:buChar char="o"/>
             </a:pPr>
             <a:r>
-              <a:rPr lang="en-US" dirty="0">
+              <a:rPr lang="en-US" sz="1800" dirty="0">
                 <a:latin typeface="Verdana"/>
                 <a:ea typeface="Verdana"/>
               </a:rPr>
@@ -5001,7 +10182,7 @@
               <a:buChar char="o"/>
             </a:pPr>
             <a:r>
-              <a:rPr lang="en-US" dirty="0">
+              <a:rPr lang="en-US" sz="1800" dirty="0">
                 <a:latin typeface="Verdana"/>
                 <a:ea typeface="Verdana"/>
               </a:rPr>
@@ -5014,7 +10195,7 @@
               <a:buChar char="o"/>
             </a:pPr>
             <a:r>
-              <a:rPr lang="en-US" dirty="0">
+              <a:rPr lang="en-US" sz="1800" dirty="0">
                 <a:latin typeface="Verdana"/>
                 <a:ea typeface="Verdana"/>
               </a:rPr>
@@ -5027,7 +10208,7 @@
               <a:buChar char="o"/>
             </a:pPr>
             <a:r>
-              <a:rPr lang="en-US" dirty="0">
+              <a:rPr lang="en-US" sz="1800" dirty="0">
                 <a:latin typeface="Verdana"/>
                 <a:ea typeface="Verdana"/>
               </a:rPr>
@@ -5040,7 +10221,7 @@
               <a:buChar char="o"/>
             </a:pPr>
             <a:r>
-              <a:rPr lang="en-US" dirty="0">
+              <a:rPr lang="en-US" sz="1800" dirty="0">
                 <a:latin typeface="Verdana"/>
                 <a:ea typeface="Verdana"/>
               </a:rPr>
@@ -5052,7 +10233,7 @@
               <a:buFont typeface="Courier New" panose="020B0604020202020204" pitchFamily="34" charset="0"/>
               <a:buChar char="o"/>
             </a:pPr>
-            <a:endParaRPr lang="en-US" dirty="0">
+            <a:endParaRPr lang="en-US" sz="1800" dirty="0">
               <a:latin typeface="Verdana"/>
               <a:ea typeface="Verdana"/>
             </a:endParaRPr>
@@ -5063,7 +10244,7 @@
               <a:buChar char="o"/>
             </a:pPr>
             <a:r>
-              <a:rPr lang="en-US" dirty="0">
+              <a:rPr lang="en-US" sz="1800" dirty="0">
                 <a:latin typeface="Verdana"/>
                 <a:ea typeface="Verdana"/>
               </a:rPr>
@@ -5081,6 +10262,159 @@
           </a:p>
         </p:txBody>
       </p:sp>
+      <p:pic>
+        <p:nvPicPr>
+          <p:cNvPr id="8" name="Image 7" descr="advantages and disadvantages of encapsulation in java">
+            <a:extLst>
+              <a:ext uri="{FF2B5EF4-FFF2-40B4-BE49-F238E27FC236}">
+                <a16:creationId xmlns:a16="http://schemas.microsoft.com/office/drawing/2014/main" id="{D41BA558-467E-22D4-C7E3-F18363E69F5F}"/>
+              </a:ext>
+            </a:extLst>
+          </p:cNvPr>
+          <p:cNvPicPr>
+            <a:picLocks noChangeAspect="1"/>
+          </p:cNvPicPr>
+          <p:nvPr/>
+        </p:nvPicPr>
+        <p:blipFill rotWithShape="1">
+          <a:blip r:embed="rId2"/>
+          <a:srcRect l="2600" t="5031" r="4052" b="6289"/>
+          <a:stretch/>
+        </p:blipFill>
+        <p:spPr>
+          <a:xfrm>
+            <a:off x="7619899" y="1158955"/>
+            <a:ext cx="4694623" cy="1672447"/>
+          </a:xfrm>
+          <a:prstGeom prst="rect">
+            <a:avLst/>
+          </a:prstGeom>
+          <a:ln>
+            <a:noFill/>
+          </a:ln>
+          <a:effectLst>
+            <a:outerShdw blurRad="292100" dist="139700" dir="2700000" algn="tl" rotWithShape="0">
+              <a:srgbClr val="333333">
+                <a:alpha val="65000"/>
+              </a:srgbClr>
+            </a:outerShdw>
+          </a:effectLst>
+        </p:spPr>
+      </p:pic>
+      <p:sp>
+        <p:nvSpPr>
+          <p:cNvPr id="7" name="Organigramme : Procédé 4">
+            <a:extLst>
+              <a:ext uri="{FF2B5EF4-FFF2-40B4-BE49-F238E27FC236}">
+                <a16:creationId xmlns:a16="http://schemas.microsoft.com/office/drawing/2014/main" id="{ED3FAF61-39EE-FC6F-D680-D5458E53D430}"/>
+              </a:ext>
+            </a:extLst>
+          </p:cNvPr>
+          <p:cNvSpPr/>
+          <p:nvPr/>
+        </p:nvSpPr>
+        <p:spPr>
+          <a:xfrm flipV="1">
+            <a:off x="-8867003" y="5210"/>
+            <a:ext cx="12259408" cy="4208582"/>
+          </a:xfrm>
+          <a:prstGeom prst="flowChartExtract">
+            <a:avLst/>
+          </a:prstGeom>
+        </p:spPr>
+        <p:style>
+          <a:lnRef idx="0">
+            <a:schemeClr val="accent1"/>
+          </a:lnRef>
+          <a:fillRef idx="3">
+            <a:schemeClr val="accent1"/>
+          </a:fillRef>
+          <a:effectRef idx="3">
+            <a:schemeClr val="accent1"/>
+          </a:effectRef>
+          <a:fontRef idx="minor">
+            <a:schemeClr val="lt1"/>
+          </a:fontRef>
+        </p:style>
+        <p:txBody>
+          <a:bodyPr rtlCol="0" anchor="ctr"/>
+          <a:lstStyle/>
+          <a:p>
+            <a:pPr algn="ctr"/>
+            <a:endParaRPr lang="fr-FR"/>
+          </a:p>
+        </p:txBody>
+      </p:sp>
+      <p:pic>
+        <p:nvPicPr>
+          <p:cNvPr id="11" name="Image 10" descr="Click icons for free download | Freepik">
+            <a:extLst>
+              <a:ext uri="{FF2B5EF4-FFF2-40B4-BE49-F238E27FC236}">
+                <a16:creationId xmlns:a16="http://schemas.microsoft.com/office/drawing/2014/main" id="{2EA0634E-46ED-A1D6-6C3B-44904BD688B1}"/>
+              </a:ext>
+            </a:extLst>
+          </p:cNvPr>
+          <p:cNvPicPr>
+            <a:picLocks noChangeAspect="1"/>
+          </p:cNvPicPr>
+          <p:nvPr/>
+        </p:nvPicPr>
+        <p:blipFill>
+          <a:blip r:embed="rId3"/>
+          <a:stretch>
+            <a:fillRect/>
+          </a:stretch>
+        </p:blipFill>
+        <p:spPr>
+          <a:xfrm>
+            <a:off x="7942548" y="3754152"/>
+            <a:ext cx="457201" cy="468924"/>
+          </a:xfrm>
+          <a:prstGeom prst="rect">
+            <a:avLst/>
+          </a:prstGeom>
+        </p:spPr>
+      </p:pic>
+      <p:pic>
+        <p:nvPicPr>
+          <p:cNvPr id="12" name="Image 11" descr="Une image contenant texte, capture d’écran, Police, logiciel&#10;&#10;Description générée automatiquement">
+            <a:extLst>
+              <a:ext uri="{FF2B5EF4-FFF2-40B4-BE49-F238E27FC236}">
+                <a16:creationId xmlns:a16="http://schemas.microsoft.com/office/drawing/2014/main" id="{27340118-A694-0426-9A20-E5727A895224}"/>
+              </a:ext>
+            </a:extLst>
+          </p:cNvPr>
+          <p:cNvPicPr>
+            <a:picLocks noChangeAspect="1"/>
+          </p:cNvPicPr>
+          <p:nvPr/>
+        </p:nvPicPr>
+        <p:blipFill>
+          <a:blip r:embed="rId4"/>
+          <a:stretch>
+            <a:fillRect/>
+          </a:stretch>
+        </p:blipFill>
+        <p:spPr>
+          <a:xfrm>
+            <a:off x="6647987" y="4638492"/>
+            <a:ext cx="4615228" cy="2886441"/>
+          </a:xfrm>
+          <a:prstGeom prst="rect">
+            <a:avLst/>
+          </a:prstGeom>
+          <a:ln>
+            <a:noFill/>
+          </a:ln>
+          <a:effectLst>
+            <a:outerShdw blurRad="190500" algn="tl" rotWithShape="0">
+              <a:srgbClr val="000000">
+                <a:alpha val="70000"/>
+              </a:srgbClr>
+            </a:outerShdw>
+          </a:effectLst>
+        </p:spPr>
+      </p:pic>
       <p:pic>
         <p:nvPicPr>
           <p:cNvPr id="6" name="Image 5" descr="GitHub - Wikipedia">
@@ -5096,48 +10430,29 @@
           <p:nvPr/>
         </p:nvPicPr>
         <p:blipFill>
-          <a:blip r:embed="rId2"/>
+          <a:blip r:embed="rId5"/>
           <a:stretch>
             <a:fillRect/>
           </a:stretch>
         </p:blipFill>
         <p:spPr>
           <a:xfrm>
-            <a:off x="5966353" y="4570675"/>
+            <a:off x="5382927" y="4734676"/>
             <a:ext cx="1411554" cy="1348054"/>
           </a:xfrm>
           <a:prstGeom prst="rect">
             <a:avLst/>
           </a:prstGeom>
-        </p:spPr>
-      </p:pic>
-      <p:pic>
-        <p:nvPicPr>
-          <p:cNvPr id="8" name="Image 7" descr="advantages and disadvantages of encapsulation in java">
-            <a:extLst>
-              <a:ext uri="{FF2B5EF4-FFF2-40B4-BE49-F238E27FC236}">
-                <a16:creationId xmlns:a16="http://schemas.microsoft.com/office/drawing/2014/main" id="{D41BA558-467E-22D4-C7E3-F18363E69F5F}"/>
-              </a:ext>
-            </a:extLst>
-          </p:cNvPr>
-          <p:cNvPicPr>
-            <a:picLocks noChangeAspect="1"/>
-          </p:cNvPicPr>
-          <p:nvPr/>
-        </p:nvPicPr>
-        <p:blipFill rotWithShape="1">
-          <a:blip r:embed="rId3"/>
-          <a:srcRect l="2600" t="5031" r="4052" b="6289"/>
-          <a:stretch/>
-        </p:blipFill>
-        <p:spPr>
-          <a:xfrm>
-            <a:off x="6673057" y="714639"/>
-            <a:ext cx="4694623" cy="1672447"/>
-          </a:xfrm>
-          <a:prstGeom prst="rect">
-            <a:avLst/>
-          </a:prstGeom>
+          <a:ln>
+            <a:noFill/>
+          </a:ln>
+          <a:effectLst>
+            <a:outerShdw blurRad="292100" dist="139700" dir="2700000" algn="tl" rotWithShape="0">
+              <a:srgbClr val="333333">
+                <a:alpha val="65000"/>
+              </a:srgbClr>
+            </a:outerShdw>
+          </a:effectLst>
         </p:spPr>
       </p:pic>
     </p:spTree>
@@ -5159,7 +10474,10 @@
     <p:bg>
       <p:bgPr>
         <a:solidFill>
-          <a:schemeClr val="bg1"/>
+          <a:schemeClr val="tx2">
+            <a:lumMod val="25000"/>
+            <a:lumOff val="75000"/>
+          </a:schemeClr>
         </a:solidFill>
         <a:effectLst/>
       </p:bgPr>
@@ -5178,51 +10496,35 @@
           <a:chExt cx="0" cy="0"/>
         </a:xfrm>
       </p:grpSpPr>
-      <p:sp useBgFill="1">
+      <p:sp>
         <p:nvSpPr>
-          <p:cNvPr id="20" name="Rectangle 19">
+          <p:cNvPr id="3" name="Organigramme : Procédé 2">
             <a:extLst>
               <a:ext uri="{FF2B5EF4-FFF2-40B4-BE49-F238E27FC236}">
-                <a16:creationId xmlns:a16="http://schemas.microsoft.com/office/drawing/2014/main" id="{5BF4DF2C-F028-4921-9C23-41303F650A62}"/>
-              </a:ext>
-              <a:ext uri="{C183D7F6-B498-43B3-948B-1728B52AA6E4}">
-                <adec:decorative xmlns:adec="http://schemas.microsoft.com/office/drawing/2017/decorative" val="1"/>
+                <a16:creationId xmlns:a16="http://schemas.microsoft.com/office/drawing/2014/main" id="{A845918D-7EA6-54BF-985D-66772401ECC5}"/>
               </a:ext>
             </a:extLst>
           </p:cNvPr>
-          <p:cNvSpPr>
-            <a:spLocks noGrp="1" noRot="1" noChangeAspect="1" noMove="1" noResize="1" noEditPoints="1" noAdjustHandles="1" noChangeArrowheads="1" noChangeShapeType="1" noTextEdit="1"/>
-          </p:cNvSpPr>
-          <p:nvPr>
-            <p:extLst>
-              <p:ext uri="{386F3935-93C4-4BCD-93E2-E3B085C9AB24}">
-                <p16:designElem xmlns:p16="http://schemas.microsoft.com/office/powerpoint/2015/main" val="1"/>
-              </p:ext>
-            </p:extLst>
-          </p:nvPr>
+          <p:cNvSpPr/>
+          <p:nvPr/>
         </p:nvSpPr>
         <p:spPr>
           <a:xfrm>
-            <a:off x="0" y="0"/>
-            <a:ext cx="12192000" cy="6858000"/>
+            <a:off x="3230562" y="-1"/>
+            <a:ext cx="9165167" cy="6858001"/>
           </a:xfrm>
-          <a:prstGeom prst="rect">
+          <a:prstGeom prst="flowChartProcess">
             <a:avLst/>
           </a:prstGeom>
-          <a:ln>
-            <a:noFill/>
-          </a:ln>
         </p:spPr>
         <p:style>
-          <a:lnRef idx="2">
-            <a:schemeClr val="accent1">
-              <a:shade val="50000"/>
-            </a:schemeClr>
+          <a:lnRef idx="0">
+            <a:schemeClr val="accent1"/>
           </a:lnRef>
-          <a:fillRef idx="1">
+          <a:fillRef idx="3">
             <a:schemeClr val="accent1"/>
           </a:fillRef>
-          <a:effectRef idx="0">
+          <a:effectRef idx="3">
             <a:schemeClr val="accent1"/>
           </a:effectRef>
           <a:fontRef idx="minor">
@@ -5234,117 +10536,60 @@
           <a:lstStyle/>
           <a:p>
             <a:pPr algn="ctr"/>
-            <a:endParaRPr lang="en-US"/>
+            <a:endParaRPr lang="fr-FR"/>
           </a:p>
         </p:txBody>
       </p:sp>
       <p:sp>
         <p:nvSpPr>
-          <p:cNvPr id="21" name="Rectangle 20">
+          <p:cNvPr id="9" name="Titre 1">
             <a:extLst>
               <a:ext uri="{FF2B5EF4-FFF2-40B4-BE49-F238E27FC236}">
-                <a16:creationId xmlns:a16="http://schemas.microsoft.com/office/drawing/2014/main" id="{158B3569-73B2-4D05-8E95-886A6EE17F1F}"/>
-              </a:ext>
-              <a:ext uri="{C183D7F6-B498-43B3-948B-1728B52AA6E4}">
-                <adec:decorative xmlns:adec="http://schemas.microsoft.com/office/drawing/2017/decorative" val="1"/>
+                <a16:creationId xmlns:a16="http://schemas.microsoft.com/office/drawing/2014/main" id="{1763C336-DF23-71AE-24CE-FF8D62C82A7F}"/>
               </a:ext>
             </a:extLst>
           </p:cNvPr>
-          <p:cNvSpPr>
-            <a:spLocks noGrp="1" noRot="1" noChangeAspect="1" noMove="1" noResize="1" noEditPoints="1" noAdjustHandles="1" noChangeArrowheads="1" noChangeShapeType="1" noTextEdit="1"/>
+          <p:cNvSpPr txBox="1">
+            <a:spLocks/>
           </p:cNvSpPr>
-          <p:nvPr>
-            <p:extLst>
-              <p:ext uri="{386F3935-93C4-4BCD-93E2-E3B085C9AB24}">
-                <p16:designElem xmlns:p16="http://schemas.microsoft.com/office/powerpoint/2015/main" val="1"/>
-              </p:ext>
-            </p:extLst>
-          </p:nvPr>
-        </p:nvSpPr>
-        <p:spPr>
-          <a:xfrm>
-            <a:off x="0" y="0"/>
-            <a:ext cx="12192000" cy="6858000"/>
-          </a:xfrm>
-          <a:prstGeom prst="rect">
-            <a:avLst/>
-          </a:prstGeom>
-          <a:gradFill flip="none" rotWithShape="1">
-            <a:gsLst>
-              <a:gs pos="0">
-                <a:schemeClr val="accent1"/>
-              </a:gs>
-              <a:gs pos="100000">
-                <a:schemeClr val="accent2"/>
-              </a:gs>
-            </a:gsLst>
-            <a:lin ang="2700000" scaled="1"/>
-            <a:tileRect/>
-          </a:gradFill>
-          <a:ln>
-            <a:noFill/>
-          </a:ln>
-        </p:spPr>
-        <p:style>
-          <a:lnRef idx="2">
-            <a:schemeClr val="accent1">
-              <a:shade val="50000"/>
-            </a:schemeClr>
-          </a:lnRef>
-          <a:fillRef idx="1">
-            <a:schemeClr val="accent1"/>
-          </a:fillRef>
-          <a:effectRef idx="0">
-            <a:schemeClr val="accent1"/>
-          </a:effectRef>
-          <a:fontRef idx="minor">
-            <a:schemeClr val="lt1"/>
-          </a:fontRef>
-        </p:style>
-        <p:txBody>
-          <a:bodyPr rtlCol="0" anchor="ctr"/>
-          <a:lstStyle/>
-          <a:p>
-            <a:pPr algn="ctr"/>
-            <a:endParaRPr lang="en-US">
-              <a:solidFill>
-                <a:srgbClr val="FFFFFF"/>
-              </a:solidFill>
-            </a:endParaRPr>
-          </a:p>
-        </p:txBody>
-      </p:sp>
-      <p:sp>
-        <p:nvSpPr>
-          <p:cNvPr id="2" name="Titre 1">
-            <a:extLst>
-              <a:ext uri="{FF2B5EF4-FFF2-40B4-BE49-F238E27FC236}">
-                <a16:creationId xmlns:a16="http://schemas.microsoft.com/office/drawing/2014/main" id="{A2341FF3-FFD7-09B3-F1B8-24EFF77D1D3B}"/>
-              </a:ext>
-            </a:extLst>
-          </p:cNvPr>
-          <p:cNvSpPr>
-            <a:spLocks noGrp="1"/>
-          </p:cNvSpPr>
-          <p:nvPr>
-            <p:ph type="title"/>
-          </p:nvPr>
+          <p:nvPr/>
         </p:nvSpPr>
         <p:spPr>
           <a:xfrm>
             <a:off x="457200" y="1598246"/>
             <a:ext cx="4412419" cy="3626217"/>
           </a:xfrm>
+          <a:prstGeom prst="rect">
+            <a:avLst/>
+          </a:prstGeom>
         </p:spPr>
         <p:txBody>
           <a:bodyPr vert="horz" lIns="91440" tIns="45720" rIns="91440" bIns="45720" rtlCol="0" anchor="t">
             <a:normAutofit/>
           </a:bodyPr>
-          <a:lstStyle/>
+          <a:lstStyle>
+            <a:lvl1pPr algn="l" defTabSz="914400" rtl="0" eaLnBrk="1" latinLnBrk="0" hangingPunct="1">
+              <a:lnSpc>
+                <a:spcPct val="90000"/>
+              </a:lnSpc>
+              <a:spcBef>
+                <a:spcPct val="0"/>
+              </a:spcBef>
+              <a:buNone/>
+              <a:defRPr sz="4400" kern="1200">
+                <a:solidFill>
+                  <a:schemeClr val="tx1"/>
+                </a:solidFill>
+                <a:latin typeface="+mj-lt"/>
+                <a:ea typeface="+mj-ea"/>
+                <a:cs typeface="+mj-cs"/>
+              </a:defRPr>
+            </a:lvl1pPr>
+          </a:lstStyle>
           <a:p>
             <a:pPr algn="r"/>
             <a:r>
-              <a:rPr lang="en-US" sz="8000" kern="1200" dirty="0">
+              <a:rPr lang="en-US" sz="8000" dirty="0">
                 <a:solidFill>
                   <a:srgbClr val="FFFFFF"/>
                 </a:solidFill>
@@ -5357,43 +10602,205 @@
       </p:sp>
       <p:sp>
         <p:nvSpPr>
-          <p:cNvPr id="3" name="Espace réservé du contenu 2">
+          <p:cNvPr id="11" name="Espace réservé du contenu 2">
             <a:extLst>
               <a:ext uri="{FF2B5EF4-FFF2-40B4-BE49-F238E27FC236}">
-                <a16:creationId xmlns:a16="http://schemas.microsoft.com/office/drawing/2014/main" id="{8C5A2872-4ACC-9301-7994-C3479B0D7CD0}"/>
+                <a16:creationId xmlns:a16="http://schemas.microsoft.com/office/drawing/2014/main" id="{808E4FA2-0D06-3556-AF64-3A387D049CFB}"/>
               </a:ext>
             </a:extLst>
           </p:cNvPr>
-          <p:cNvSpPr>
-            <a:spLocks noGrp="1"/>
+          <p:cNvSpPr txBox="1">
+            <a:spLocks/>
           </p:cNvSpPr>
-          <p:nvPr>
-            <p:ph idx="1"/>
-          </p:nvPr>
+          <p:nvPr/>
         </p:nvSpPr>
         <p:spPr>
           <a:xfrm>
             <a:off x="457200" y="5350213"/>
             <a:ext cx="4412417" cy="1031537"/>
           </a:xfrm>
+          <a:prstGeom prst="rect">
+            <a:avLst/>
+          </a:prstGeom>
         </p:spPr>
         <p:txBody>
           <a:bodyPr vert="horz" lIns="91440" tIns="45720" rIns="91440" bIns="45720" rtlCol="0">
             <a:normAutofit/>
           </a:bodyPr>
-          <a:lstStyle/>
-          <a:p>
-            <a:pPr marL="0" indent="0" algn="r">
-              <a:buNone/>
-            </a:pPr>
-            <a:r>
-              <a:rPr lang="en-US" sz="3200" kern="1200">
+          <a:lstStyle>
+            <a:lvl1pPr marL="228600" indent="-228600" algn="l" defTabSz="914400" rtl="0" eaLnBrk="1" latinLnBrk="0" hangingPunct="1">
+              <a:lnSpc>
+                <a:spcPct val="90000"/>
+              </a:lnSpc>
+              <a:spcBef>
+                <a:spcPts val="1000"/>
+              </a:spcBef>
+              <a:buFont typeface="Arial" panose="020B0604020202020204" pitchFamily="34" charset="0"/>
+              <a:buChar char="•"/>
+              <a:defRPr sz="2800" kern="1200">
                 <a:solidFill>
-                  <a:srgbClr val="FFFFFF"/>
+                  <a:schemeClr val="tx1"/>
                 </a:solidFill>
                 <a:latin typeface="+mn-lt"/>
                 <a:ea typeface="+mn-ea"/>
                 <a:cs typeface="+mn-cs"/>
+              </a:defRPr>
+            </a:lvl1pPr>
+            <a:lvl2pPr marL="685800" indent="-228600" algn="l" defTabSz="914400" rtl="0" eaLnBrk="1" latinLnBrk="0" hangingPunct="1">
+              <a:lnSpc>
+                <a:spcPct val="90000"/>
+              </a:lnSpc>
+              <a:spcBef>
+                <a:spcPts val="500"/>
+              </a:spcBef>
+              <a:buFont typeface="Arial" panose="020B0604020202020204" pitchFamily="34" charset="0"/>
+              <a:buChar char="•"/>
+              <a:defRPr sz="2400" kern="1200">
+                <a:solidFill>
+                  <a:schemeClr val="tx1"/>
+                </a:solidFill>
+                <a:latin typeface="+mn-lt"/>
+                <a:ea typeface="+mn-ea"/>
+                <a:cs typeface="+mn-cs"/>
+              </a:defRPr>
+            </a:lvl2pPr>
+            <a:lvl3pPr marL="1143000" indent="-228600" algn="l" defTabSz="914400" rtl="0" eaLnBrk="1" latinLnBrk="0" hangingPunct="1">
+              <a:lnSpc>
+                <a:spcPct val="90000"/>
+              </a:lnSpc>
+              <a:spcBef>
+                <a:spcPts val="500"/>
+              </a:spcBef>
+              <a:buFont typeface="Arial" panose="020B0604020202020204" pitchFamily="34" charset="0"/>
+              <a:buChar char="•"/>
+              <a:defRPr sz="2000" kern="1200">
+                <a:solidFill>
+                  <a:schemeClr val="tx1"/>
+                </a:solidFill>
+                <a:latin typeface="+mn-lt"/>
+                <a:ea typeface="+mn-ea"/>
+                <a:cs typeface="+mn-cs"/>
+              </a:defRPr>
+            </a:lvl3pPr>
+            <a:lvl4pPr marL="1600200" indent="-228600" algn="l" defTabSz="914400" rtl="0" eaLnBrk="1" latinLnBrk="0" hangingPunct="1">
+              <a:lnSpc>
+                <a:spcPct val="90000"/>
+              </a:lnSpc>
+              <a:spcBef>
+                <a:spcPts val="500"/>
+              </a:spcBef>
+              <a:buFont typeface="Arial" panose="020B0604020202020204" pitchFamily="34" charset="0"/>
+              <a:buChar char="•"/>
+              <a:defRPr sz="1800" kern="1200">
+                <a:solidFill>
+                  <a:schemeClr val="tx1"/>
+                </a:solidFill>
+                <a:latin typeface="+mn-lt"/>
+                <a:ea typeface="+mn-ea"/>
+                <a:cs typeface="+mn-cs"/>
+              </a:defRPr>
+            </a:lvl4pPr>
+            <a:lvl5pPr marL="2057400" indent="-228600" algn="l" defTabSz="914400" rtl="0" eaLnBrk="1" latinLnBrk="0" hangingPunct="1">
+              <a:lnSpc>
+                <a:spcPct val="90000"/>
+              </a:lnSpc>
+              <a:spcBef>
+                <a:spcPts val="500"/>
+              </a:spcBef>
+              <a:buFont typeface="Arial" panose="020B0604020202020204" pitchFamily="34" charset="0"/>
+              <a:buChar char="•"/>
+              <a:defRPr sz="1800" kern="1200">
+                <a:solidFill>
+                  <a:schemeClr val="tx1"/>
+                </a:solidFill>
+                <a:latin typeface="+mn-lt"/>
+                <a:ea typeface="+mn-ea"/>
+                <a:cs typeface="+mn-cs"/>
+              </a:defRPr>
+            </a:lvl5pPr>
+            <a:lvl6pPr marL="2514600" indent="-228600" algn="l" defTabSz="914400" rtl="0" eaLnBrk="1" latinLnBrk="0" hangingPunct="1">
+              <a:lnSpc>
+                <a:spcPct val="90000"/>
+              </a:lnSpc>
+              <a:spcBef>
+                <a:spcPts val="500"/>
+              </a:spcBef>
+              <a:buFont typeface="Arial" panose="020B0604020202020204" pitchFamily="34" charset="0"/>
+              <a:buChar char="•"/>
+              <a:defRPr sz="1800" kern="1200">
+                <a:solidFill>
+                  <a:schemeClr val="tx1"/>
+                </a:solidFill>
+                <a:latin typeface="+mn-lt"/>
+                <a:ea typeface="+mn-ea"/>
+                <a:cs typeface="+mn-cs"/>
+              </a:defRPr>
+            </a:lvl6pPr>
+            <a:lvl7pPr marL="2971800" indent="-228600" algn="l" defTabSz="914400" rtl="0" eaLnBrk="1" latinLnBrk="0" hangingPunct="1">
+              <a:lnSpc>
+                <a:spcPct val="90000"/>
+              </a:lnSpc>
+              <a:spcBef>
+                <a:spcPts val="500"/>
+              </a:spcBef>
+              <a:buFont typeface="Arial" panose="020B0604020202020204" pitchFamily="34" charset="0"/>
+              <a:buChar char="•"/>
+              <a:defRPr sz="1800" kern="1200">
+                <a:solidFill>
+                  <a:schemeClr val="tx1"/>
+                </a:solidFill>
+                <a:latin typeface="+mn-lt"/>
+                <a:ea typeface="+mn-ea"/>
+                <a:cs typeface="+mn-cs"/>
+              </a:defRPr>
+            </a:lvl7pPr>
+            <a:lvl8pPr marL="3429000" indent="-228600" algn="l" defTabSz="914400" rtl="0" eaLnBrk="1" latinLnBrk="0" hangingPunct="1">
+              <a:lnSpc>
+                <a:spcPct val="90000"/>
+              </a:lnSpc>
+              <a:spcBef>
+                <a:spcPts val="500"/>
+              </a:spcBef>
+              <a:buFont typeface="Arial" panose="020B0604020202020204" pitchFamily="34" charset="0"/>
+              <a:buChar char="•"/>
+              <a:defRPr sz="1800" kern="1200">
+                <a:solidFill>
+                  <a:schemeClr val="tx1"/>
+                </a:solidFill>
+                <a:latin typeface="+mn-lt"/>
+                <a:ea typeface="+mn-ea"/>
+                <a:cs typeface="+mn-cs"/>
+              </a:defRPr>
+            </a:lvl8pPr>
+            <a:lvl9pPr marL="3886200" indent="-228600" algn="l" defTabSz="914400" rtl="0" eaLnBrk="1" latinLnBrk="0" hangingPunct="1">
+              <a:lnSpc>
+                <a:spcPct val="90000"/>
+              </a:lnSpc>
+              <a:spcBef>
+                <a:spcPts val="500"/>
+              </a:spcBef>
+              <a:buFont typeface="Arial" panose="020B0604020202020204" pitchFamily="34" charset="0"/>
+              <a:buChar char="•"/>
+              <a:defRPr sz="1800" kern="1200">
+                <a:solidFill>
+                  <a:schemeClr val="tx1"/>
+                </a:solidFill>
+                <a:latin typeface="+mn-lt"/>
+                <a:ea typeface="+mn-ea"/>
+                <a:cs typeface="+mn-cs"/>
+              </a:defRPr>
+            </a:lvl9pPr>
+          </a:lstStyle>
+          <a:p>
+            <a:pPr marL="0" indent="0" algn="r">
+              <a:buFont typeface="Arial" panose="020B0604020202020204" pitchFamily="34" charset="0"/>
+              <a:buNone/>
+            </a:pPr>
+            <a:r>
+              <a:rPr lang="en-US" sz="3200">
+                <a:solidFill>
+                  <a:srgbClr val="FFFFFF"/>
+                </a:solidFill>
               </a:rPr>
               <a:t>4 files </a:t>
             </a:r>
@@ -5402,10 +10809,10 @@
       </p:sp>
       <p:cxnSp>
         <p:nvCxnSpPr>
-          <p:cNvPr id="22" name="Straight Connector 12">
+          <p:cNvPr id="13" name="Straight Connector 12">
             <a:extLst>
               <a:ext uri="{FF2B5EF4-FFF2-40B4-BE49-F238E27FC236}">
-                <a16:creationId xmlns:a16="http://schemas.microsoft.com/office/drawing/2014/main" id="{56020367-4FD5-4596-8E10-C5F095CD8DBF}"/>
+                <a16:creationId xmlns:a16="http://schemas.microsoft.com/office/drawing/2014/main" id="{E999AB95-B036-1573-FF5F-3B9244EFF6AB}"/>
               </a:ext>
               <a:ext uri="{C183D7F6-B498-43B3-948B-1728B52AA6E4}">
                 <adec:decorative xmlns:adec="http://schemas.microsoft.com/office/drawing/2017/decorative" val="1"/>
@@ -5455,10 +10862,10 @@
       </p:cxnSp>
       <p:pic>
         <p:nvPicPr>
-          <p:cNvPr id="4" name="Image 3" descr="Une image contenant texte, capture d’écran, Police, nombre&#10;&#10;Description générée automatiquement">
+          <p:cNvPr id="15" name="Image 14" descr="Une image contenant texte, capture d’écran, Police, nombre&#10;&#10;Description générée automatiquement">
             <a:extLst>
               <a:ext uri="{FF2B5EF4-FFF2-40B4-BE49-F238E27FC236}">
-                <a16:creationId xmlns:a16="http://schemas.microsoft.com/office/drawing/2014/main" id="{39B4591E-379B-677B-D389-92D0768A2D41}"/>
+                <a16:creationId xmlns:a16="http://schemas.microsoft.com/office/drawing/2014/main" id="{F6AC6A05-A9FB-D5BD-B8CE-CEB8F65384B9}"/>
               </a:ext>
             </a:extLst>
           </p:cNvPr>
@@ -5493,411 +10900,46 @@
           </a:effectLst>
         </p:spPr>
       </p:pic>
-      <p:grpSp>
-        <p:nvGrpSpPr>
-          <p:cNvPr id="15" name="Group 14">
+      <p:pic>
+        <p:nvPicPr>
+          <p:cNvPr id="16" name="Graphique 15" descr="Dossier ouvert avec un remplissage uni">
             <a:extLst>
               <a:ext uri="{FF2B5EF4-FFF2-40B4-BE49-F238E27FC236}">
-                <a16:creationId xmlns:a16="http://schemas.microsoft.com/office/drawing/2014/main" id="{892B7B61-D701-474B-AE8F-EA238B550A78}"/>
-              </a:ext>
-              <a:ext uri="{C183D7F6-B498-43B3-948B-1728B52AA6E4}">
-                <adec:decorative xmlns:adec="http://schemas.microsoft.com/office/drawing/2017/decorative" val="1"/>
+                <a16:creationId xmlns:a16="http://schemas.microsoft.com/office/drawing/2014/main" id="{C2967BC5-F066-359B-0D9F-1C07D029B32D}"/>
               </a:ext>
             </a:extLst>
           </p:cNvPr>
-          <p:cNvGrpSpPr>
-            <a:grpSpLocks noGrp="1" noUngrp="1" noRot="1" noChangeAspect="1" noMove="1" noResize="1"/>
-          </p:cNvGrpSpPr>
-          <p:nvPr>
-            <p:extLst>
-              <p:ext uri="{386F3935-93C4-4BCD-93E2-E3B085C9AB24}">
-                <p16:designElem xmlns:p16="http://schemas.microsoft.com/office/powerpoint/2015/main" val="1"/>
-              </p:ext>
-            </p:extLst>
-          </p:nvPr>
-        </p:nvGrpSpPr>
-        <p:grpSpPr>
+          <p:cNvPicPr>
+            <a:picLocks noChangeAspect="1"/>
+          </p:cNvPicPr>
+          <p:nvPr/>
+        </p:nvPicPr>
+        <p:blipFill>
+          <a:blip r:embed="rId3">
+            <a:extLst>
+              <a:ext uri="{96DAC541-7B7A-43D3-8B79-37D633B846F1}">
+                <asvg:svgBlip xmlns:asvg="http://schemas.microsoft.com/office/drawing/2016/SVG/main" r:embed="rId4"/>
+              </a:ext>
+            </a:extLst>
+          </a:blip>
+          <a:stretch>
+            <a:fillRect/>
+          </a:stretch>
+        </p:blipFill>
+        <p:spPr>
           <a:xfrm>
-            <a:off x="11512034" y="1267063"/>
-            <a:ext cx="368480" cy="519967"/>
-            <a:chOff x="11512034" y="1267063"/>
-            <a:chExt cx="368480" cy="519967"/>
+            <a:off x="2760133" y="5067300"/>
+            <a:ext cx="914400" cy="914400"/>
           </a:xfrm>
-          <a:solidFill>
-            <a:srgbClr val="FFFFFF"/>
-          </a:solidFill>
-        </p:grpSpPr>
-        <p:sp>
-          <p:nvSpPr>
-            <p:cNvPr id="16" name="Graphic 17">
-              <a:extLst>
-                <a:ext uri="{FF2B5EF4-FFF2-40B4-BE49-F238E27FC236}">
-                  <a16:creationId xmlns:a16="http://schemas.microsoft.com/office/drawing/2014/main" id="{B71758F4-3F46-45DA-8AC5-4E508DA080BA}"/>
-                </a:ext>
-                <a:ext uri="{C183D7F6-B498-43B3-948B-1728B52AA6E4}">
-                  <adec:decorative xmlns:adec="http://schemas.microsoft.com/office/drawing/2017/decorative" val="1"/>
-                </a:ext>
-              </a:extLst>
-            </p:cNvPr>
-            <p:cNvSpPr/>
-            <p:nvPr>
-              <p:extLst>
-                <p:ext uri="{386F3935-93C4-4BCD-93E2-E3B085C9AB24}">
-                  <p16:designElem xmlns:p16="http://schemas.microsoft.com/office/powerpoint/2015/main" val="1"/>
-                </p:ext>
-              </p:extLst>
-            </p:nvPr>
-          </p:nvSpPr>
-          <p:spPr>
-            <a:xfrm>
-              <a:off x="11512034" y="1267063"/>
-              <a:ext cx="139037" cy="139039"/>
-            </a:xfrm>
-            <a:custGeom>
-              <a:avLst/>
-              <a:gdLst>
-                <a:gd name="connsiteX0" fmla="*/ 129600 w 139037"/>
-                <a:gd name="connsiteY0" fmla="*/ 60082 h 139039"/>
-                <a:gd name="connsiteX1" fmla="*/ 78955 w 139037"/>
-                <a:gd name="connsiteY1" fmla="*/ 60082 h 139039"/>
-                <a:gd name="connsiteX2" fmla="*/ 78955 w 139037"/>
-                <a:gd name="connsiteY2" fmla="*/ 9437 h 139039"/>
-                <a:gd name="connsiteX3" fmla="*/ 69519 w 139037"/>
-                <a:gd name="connsiteY3" fmla="*/ 0 h 139039"/>
-                <a:gd name="connsiteX4" fmla="*/ 60082 w 139037"/>
-                <a:gd name="connsiteY4" fmla="*/ 9437 h 139039"/>
-                <a:gd name="connsiteX5" fmla="*/ 60082 w 139037"/>
-                <a:gd name="connsiteY5" fmla="*/ 60082 h 139039"/>
-                <a:gd name="connsiteX6" fmla="*/ 9437 w 139037"/>
-                <a:gd name="connsiteY6" fmla="*/ 60082 h 139039"/>
-                <a:gd name="connsiteX7" fmla="*/ 0 w 139037"/>
-                <a:gd name="connsiteY7" fmla="*/ 69520 h 139039"/>
-                <a:gd name="connsiteX8" fmla="*/ 9437 w 139037"/>
-                <a:gd name="connsiteY8" fmla="*/ 78957 h 139039"/>
-                <a:gd name="connsiteX9" fmla="*/ 60082 w 139037"/>
-                <a:gd name="connsiteY9" fmla="*/ 78957 h 139039"/>
-                <a:gd name="connsiteX10" fmla="*/ 60082 w 139037"/>
-                <a:gd name="connsiteY10" fmla="*/ 129602 h 139039"/>
-                <a:gd name="connsiteX11" fmla="*/ 69519 w 139037"/>
-                <a:gd name="connsiteY11" fmla="*/ 139039 h 139039"/>
-                <a:gd name="connsiteX12" fmla="*/ 78955 w 139037"/>
-                <a:gd name="connsiteY12" fmla="*/ 129602 h 139039"/>
-                <a:gd name="connsiteX13" fmla="*/ 78955 w 139037"/>
-                <a:gd name="connsiteY13" fmla="*/ 78957 h 139039"/>
-                <a:gd name="connsiteX14" fmla="*/ 129600 w 139037"/>
-                <a:gd name="connsiteY14" fmla="*/ 78957 h 139039"/>
-                <a:gd name="connsiteX15" fmla="*/ 139037 w 139037"/>
-                <a:gd name="connsiteY15" fmla="*/ 69520 h 139039"/>
-                <a:gd name="connsiteX16" fmla="*/ 129600 w 139037"/>
-                <a:gd name="connsiteY16" fmla="*/ 60082 h 139039"/>
-              </a:gdLst>
-              <a:ahLst/>
-              <a:cxnLst>
-                <a:cxn ang="0">
-                  <a:pos x="connsiteX0" y="connsiteY0"/>
-                </a:cxn>
-                <a:cxn ang="0">
-                  <a:pos x="connsiteX1" y="connsiteY1"/>
-                </a:cxn>
-                <a:cxn ang="0">
-                  <a:pos x="connsiteX2" y="connsiteY2"/>
-                </a:cxn>
-                <a:cxn ang="0">
-                  <a:pos x="connsiteX3" y="connsiteY3"/>
-                </a:cxn>
-                <a:cxn ang="0">
-                  <a:pos x="connsiteX4" y="connsiteY4"/>
-                </a:cxn>
-                <a:cxn ang="0">
-                  <a:pos x="connsiteX5" y="connsiteY5"/>
-                </a:cxn>
-                <a:cxn ang="0">
-                  <a:pos x="connsiteX6" y="connsiteY6"/>
-                </a:cxn>
-                <a:cxn ang="0">
-                  <a:pos x="connsiteX7" y="connsiteY7"/>
-                </a:cxn>
-                <a:cxn ang="0">
-                  <a:pos x="connsiteX8" y="connsiteY8"/>
-                </a:cxn>
-                <a:cxn ang="0">
-                  <a:pos x="connsiteX9" y="connsiteY9"/>
-                </a:cxn>
-                <a:cxn ang="0">
-                  <a:pos x="connsiteX10" y="connsiteY10"/>
-                </a:cxn>
-                <a:cxn ang="0">
-                  <a:pos x="connsiteX11" y="connsiteY11"/>
-                </a:cxn>
-                <a:cxn ang="0">
-                  <a:pos x="connsiteX12" y="connsiteY12"/>
-                </a:cxn>
-                <a:cxn ang="0">
-                  <a:pos x="connsiteX13" y="connsiteY13"/>
-                </a:cxn>
-                <a:cxn ang="0">
-                  <a:pos x="connsiteX14" y="connsiteY14"/>
-                </a:cxn>
-                <a:cxn ang="0">
-                  <a:pos x="connsiteX15" y="connsiteY15"/>
-                </a:cxn>
-                <a:cxn ang="0">
-                  <a:pos x="connsiteX16" y="connsiteY16"/>
-                </a:cxn>
-              </a:cxnLst>
-              <a:rect l="l" t="t" r="r" b="b"/>
-              <a:pathLst>
-                <a:path w="139037" h="139039">
-                  <a:moveTo>
-                    <a:pt x="129600" y="60082"/>
-                  </a:moveTo>
-                  <a:lnTo>
-                    <a:pt x="78955" y="60082"/>
-                  </a:lnTo>
-                  <a:lnTo>
-                    <a:pt x="78955" y="9437"/>
-                  </a:lnTo>
-                  <a:cubicBezTo>
-                    <a:pt x="78955" y="4225"/>
-                    <a:pt x="74730" y="0"/>
-                    <a:pt x="69519" y="0"/>
-                  </a:cubicBezTo>
-                  <a:cubicBezTo>
-                    <a:pt x="64307" y="0"/>
-                    <a:pt x="60082" y="4225"/>
-                    <a:pt x="60082" y="9437"/>
-                  </a:cubicBezTo>
-                  <a:lnTo>
-                    <a:pt x="60082" y="60082"/>
-                  </a:lnTo>
-                  <a:lnTo>
-                    <a:pt x="9437" y="60082"/>
-                  </a:lnTo>
-                  <a:cubicBezTo>
-                    <a:pt x="4225" y="60082"/>
-                    <a:pt x="0" y="64308"/>
-                    <a:pt x="0" y="69520"/>
-                  </a:cubicBezTo>
-                  <a:cubicBezTo>
-                    <a:pt x="0" y="74731"/>
-                    <a:pt x="4225" y="78957"/>
-                    <a:pt x="9437" y="78957"/>
-                  </a:cubicBezTo>
-                  <a:lnTo>
-                    <a:pt x="60082" y="78957"/>
-                  </a:lnTo>
-                  <a:lnTo>
-                    <a:pt x="60082" y="129602"/>
-                  </a:lnTo>
-                  <a:cubicBezTo>
-                    <a:pt x="60082" y="134814"/>
-                    <a:pt x="64307" y="139039"/>
-                    <a:pt x="69519" y="139039"/>
-                  </a:cubicBezTo>
-                  <a:cubicBezTo>
-                    <a:pt x="74730" y="139039"/>
-                    <a:pt x="78955" y="134814"/>
-                    <a:pt x="78955" y="129602"/>
-                  </a:cubicBezTo>
-                  <a:lnTo>
-                    <a:pt x="78955" y="78957"/>
-                  </a:lnTo>
-                  <a:lnTo>
-                    <a:pt x="129600" y="78957"/>
-                  </a:lnTo>
-                  <a:cubicBezTo>
-                    <a:pt x="134812" y="78957"/>
-                    <a:pt x="139037" y="74731"/>
-                    <a:pt x="139037" y="69520"/>
-                  </a:cubicBezTo>
-                  <a:cubicBezTo>
-                    <a:pt x="139037" y="64308"/>
-                    <a:pt x="134812" y="60082"/>
-                    <a:pt x="129600" y="60082"/>
-                  </a:cubicBezTo>
-                  <a:close/>
-                </a:path>
-              </a:pathLst>
-            </a:custGeom>
-            <a:grpFill/>
-            <a:ln w="603" cap="flat">
-              <a:noFill/>
-              <a:prstDash val="solid"/>
-              <a:miter/>
-            </a:ln>
-          </p:spPr>
-          <p:txBody>
-            <a:bodyPr rtlCol="0" anchor="ctr"/>
-            <a:lstStyle/>
-            <a:p>
-              <a:endParaRPr lang="en-US">
-                <a:solidFill>
-                  <a:srgbClr val="FFFFFF"/>
-                </a:solidFill>
-              </a:endParaRPr>
-            </a:p>
-          </p:txBody>
-        </p:sp>
-        <p:sp>
-          <p:nvSpPr>
-            <p:cNvPr id="17" name="Graphic 21">
-              <a:extLst>
-                <a:ext uri="{FF2B5EF4-FFF2-40B4-BE49-F238E27FC236}">
-                  <a16:creationId xmlns:a16="http://schemas.microsoft.com/office/drawing/2014/main" id="{8D61482F-F3C5-4D66-8C5D-C6BBE3E1275C}"/>
-                </a:ext>
-                <a:ext uri="{C183D7F6-B498-43B3-948B-1728B52AA6E4}">
-                  <adec:decorative xmlns:adec="http://schemas.microsoft.com/office/drawing/2017/decorative" val="1"/>
-                </a:ext>
-              </a:extLst>
-            </p:cNvPr>
-            <p:cNvSpPr/>
-            <p:nvPr>
-              <p:extLst>
-                <p:ext uri="{386F3935-93C4-4BCD-93E2-E3B085C9AB24}">
-                  <p16:designElem xmlns:p16="http://schemas.microsoft.com/office/powerpoint/2015/main" val="1"/>
-                </p:ext>
-              </p:extLst>
-            </p:nvPr>
-          </p:nvSpPr>
-          <p:spPr>
-            <a:xfrm>
-              <a:off x="11752801" y="1659316"/>
-              <a:ext cx="127713" cy="127714"/>
-            </a:xfrm>
-            <a:custGeom>
-              <a:avLst/>
-              <a:gdLst>
-                <a:gd name="connsiteX0" fmla="*/ 63857 w 127713"/>
-                <a:gd name="connsiteY0" fmla="*/ 18874 h 127714"/>
-                <a:gd name="connsiteX1" fmla="*/ 108839 w 127713"/>
-                <a:gd name="connsiteY1" fmla="*/ 63857 h 127714"/>
-                <a:gd name="connsiteX2" fmla="*/ 63857 w 127713"/>
-                <a:gd name="connsiteY2" fmla="*/ 108840 h 127714"/>
-                <a:gd name="connsiteX3" fmla="*/ 18874 w 127713"/>
-                <a:gd name="connsiteY3" fmla="*/ 63857 h 127714"/>
-                <a:gd name="connsiteX4" fmla="*/ 63857 w 127713"/>
-                <a:gd name="connsiteY4" fmla="*/ 18874 h 127714"/>
-                <a:gd name="connsiteX5" fmla="*/ 63857 w 127713"/>
-                <a:gd name="connsiteY5" fmla="*/ 0 h 127714"/>
-                <a:gd name="connsiteX6" fmla="*/ 0 w 127713"/>
-                <a:gd name="connsiteY6" fmla="*/ 63857 h 127714"/>
-                <a:gd name="connsiteX7" fmla="*/ 63857 w 127713"/>
-                <a:gd name="connsiteY7" fmla="*/ 127714 h 127714"/>
-                <a:gd name="connsiteX8" fmla="*/ 127713 w 127713"/>
-                <a:gd name="connsiteY8" fmla="*/ 63857 h 127714"/>
-                <a:gd name="connsiteX9" fmla="*/ 63857 w 127713"/>
-                <a:gd name="connsiteY9" fmla="*/ 0 h 127714"/>
-              </a:gdLst>
-              <a:ahLst/>
-              <a:cxnLst>
-                <a:cxn ang="0">
-                  <a:pos x="connsiteX0" y="connsiteY0"/>
-                </a:cxn>
-                <a:cxn ang="0">
-                  <a:pos x="connsiteX1" y="connsiteY1"/>
-                </a:cxn>
-                <a:cxn ang="0">
-                  <a:pos x="connsiteX2" y="connsiteY2"/>
-                </a:cxn>
-                <a:cxn ang="0">
-                  <a:pos x="connsiteX3" y="connsiteY3"/>
-                </a:cxn>
-                <a:cxn ang="0">
-                  <a:pos x="connsiteX4" y="connsiteY4"/>
-                </a:cxn>
-                <a:cxn ang="0">
-                  <a:pos x="connsiteX5" y="connsiteY5"/>
-                </a:cxn>
-                <a:cxn ang="0">
-                  <a:pos x="connsiteX6" y="connsiteY6"/>
-                </a:cxn>
-                <a:cxn ang="0">
-                  <a:pos x="connsiteX7" y="connsiteY7"/>
-                </a:cxn>
-                <a:cxn ang="0">
-                  <a:pos x="connsiteX8" y="connsiteY8"/>
-                </a:cxn>
-                <a:cxn ang="0">
-                  <a:pos x="connsiteX9" y="connsiteY9"/>
-                </a:cxn>
-              </a:cxnLst>
-              <a:rect l="l" t="t" r="r" b="b"/>
-              <a:pathLst>
-                <a:path w="127713" h="127714">
-                  <a:moveTo>
-                    <a:pt x="63857" y="18874"/>
-                  </a:moveTo>
-                  <a:cubicBezTo>
-                    <a:pt x="88700" y="18874"/>
-                    <a:pt x="108839" y="39014"/>
-                    <a:pt x="108839" y="63857"/>
-                  </a:cubicBezTo>
-                  <a:cubicBezTo>
-                    <a:pt x="108839" y="88700"/>
-                    <a:pt x="88700" y="108840"/>
-                    <a:pt x="63857" y="108840"/>
-                  </a:cubicBezTo>
-                  <a:cubicBezTo>
-                    <a:pt x="39013" y="108840"/>
-                    <a:pt x="18874" y="88700"/>
-                    <a:pt x="18874" y="63857"/>
-                  </a:cubicBezTo>
-                  <a:cubicBezTo>
-                    <a:pt x="18898" y="39024"/>
-                    <a:pt x="39023" y="18898"/>
-                    <a:pt x="63857" y="18874"/>
-                  </a:cubicBezTo>
-                  <a:moveTo>
-                    <a:pt x="63857" y="0"/>
-                  </a:moveTo>
-                  <a:cubicBezTo>
-                    <a:pt x="28590" y="0"/>
-                    <a:pt x="0" y="28590"/>
-                    <a:pt x="0" y="63857"/>
-                  </a:cubicBezTo>
-                  <a:cubicBezTo>
-                    <a:pt x="0" y="99124"/>
-                    <a:pt x="28590" y="127714"/>
-                    <a:pt x="63857" y="127714"/>
-                  </a:cubicBezTo>
-                  <a:cubicBezTo>
-                    <a:pt x="99124" y="127714"/>
-                    <a:pt x="127713" y="99124"/>
-                    <a:pt x="127713" y="63857"/>
-                  </a:cubicBezTo>
-                  <a:cubicBezTo>
-                    <a:pt x="127713" y="28590"/>
-                    <a:pt x="99124" y="0"/>
-                    <a:pt x="63857" y="0"/>
-                  </a:cubicBezTo>
-                  <a:close/>
-                </a:path>
-              </a:pathLst>
-            </a:custGeom>
-            <a:grpFill/>
-            <a:ln w="610" cap="flat">
-              <a:noFill/>
-              <a:prstDash val="solid"/>
-              <a:miter/>
-            </a:ln>
-          </p:spPr>
-          <p:txBody>
-            <a:bodyPr rtlCol="0" anchor="ctr"/>
-            <a:lstStyle/>
-            <a:p>
-              <a:endParaRPr lang="en-US">
-                <a:solidFill>
-                  <a:srgbClr val="FFFFFF"/>
-                </a:solidFill>
-              </a:endParaRPr>
-            </a:p>
-          </p:txBody>
-        </p:sp>
-      </p:grpSp>
+          <a:prstGeom prst="rect">
+            <a:avLst/>
+          </a:prstGeom>
+        </p:spPr>
+      </p:pic>
     </p:spTree>
     <p:extLst>
       <p:ext uri="{BB962C8B-B14F-4D97-AF65-F5344CB8AC3E}">
-        <p14:creationId xmlns:p14="http://schemas.microsoft.com/office/powerpoint/2010/main" val="1396293091"/>
+        <p14:creationId xmlns:p14="http://schemas.microsoft.com/office/powerpoint/2010/main" val="1737621038"/>
       </p:ext>
     </p:extLst>
   </p:cSld>
@@ -6049,51 +11091,6 @@
           </a:p>
         </p:txBody>
       </p:sp>
-      <p:sp>
-        <p:nvSpPr>
-          <p:cNvPr id="3" name="Espace réservé du contenu 2">
-            <a:extLst>
-              <a:ext uri="{FF2B5EF4-FFF2-40B4-BE49-F238E27FC236}">
-                <a16:creationId xmlns:a16="http://schemas.microsoft.com/office/drawing/2014/main" id="{A8ABFA07-AE05-0505-D63A-54CC92D82390}"/>
-              </a:ext>
-            </a:extLst>
-          </p:cNvPr>
-          <p:cNvSpPr>
-            <a:spLocks noGrp="1"/>
-          </p:cNvSpPr>
-          <p:nvPr>
-            <p:ph idx="1"/>
-          </p:nvPr>
-        </p:nvSpPr>
-        <p:spPr>
-          <a:xfrm>
-            <a:off x="5685809" y="537"/>
-            <a:ext cx="4036333" cy="364443"/>
-          </a:xfrm>
-        </p:spPr>
-        <p:txBody>
-          <a:bodyPr vert="horz" lIns="91440" tIns="45720" rIns="91440" bIns="45720" rtlCol="0" anchor="b">
-            <a:normAutofit lnSpcReduction="10000"/>
-          </a:bodyPr>
-          <a:lstStyle/>
-          <a:p>
-            <a:pPr marL="0" indent="0">
-              <a:buNone/>
-            </a:pPr>
-            <a:r>
-              <a:rPr lang="en-US" sz="2000" kern="1200">
-                <a:solidFill>
-                  <a:schemeClr val="tx1"/>
-                </a:solidFill>
-                <a:latin typeface="+mn-lt"/>
-                <a:ea typeface="+mn-ea"/>
-                <a:cs typeface="+mn-cs"/>
-              </a:rPr>
-              <a:t>Code arborescence</a:t>
-            </a:r>
-          </a:p>
-        </p:txBody>
-      </p:sp>
       <p:grpSp>
         <p:nvGrpSpPr>
           <p:cNvPr id="11" name="Group 10">
@@ -6157,7 +11154,11 @@
             <a:prstGeom prst="rect">
               <a:avLst/>
             </a:prstGeom>
-            <a:grpFill/>
+            <a:solidFill>
+              <a:schemeClr val="accent4">
+                <a:lumMod val="75000"/>
+              </a:schemeClr>
+            </a:solidFill>
             <a:ln>
               <a:noFill/>
             </a:ln>
@@ -6216,7 +11217,11 @@
             <a:prstGeom prst="rect">
               <a:avLst/>
             </a:prstGeom>
-            <a:grpFill/>
+            <a:solidFill>
+              <a:schemeClr val="accent4">
+                <a:lumMod val="75000"/>
+              </a:schemeClr>
+            </a:solidFill>
             <a:ln>
               <a:noFill/>
             </a:ln>
@@ -6275,7 +11280,11 @@
             <a:prstGeom prst="rect">
               <a:avLst/>
             </a:prstGeom>
-            <a:grpFill/>
+            <a:solidFill>
+              <a:schemeClr val="accent4">
+                <a:lumMod val="75000"/>
+              </a:schemeClr>
+            </a:solidFill>
             <a:ln>
               <a:noFill/>
             </a:ln>
@@ -6338,7 +11347,9 @@
             <a:avLst/>
           </a:prstGeom>
           <a:solidFill>
-            <a:schemeClr val="accent4"/>
+            <a:schemeClr val="accent4">
+              <a:lumMod val="75000"/>
+            </a:schemeClr>
           </a:solidFill>
           <a:ln>
             <a:noFill/>
@@ -6469,6 +11480,60 @@
           </a:prstGeom>
         </p:spPr>
       </p:pic>
+      <p:sp>
+        <p:nvSpPr>
+          <p:cNvPr id="3" name="Espace réservé du contenu 2">
+            <a:extLst>
+              <a:ext uri="{FF2B5EF4-FFF2-40B4-BE49-F238E27FC236}">
+                <a16:creationId xmlns:a16="http://schemas.microsoft.com/office/drawing/2014/main" id="{A8ABFA07-AE05-0505-D63A-54CC92D82390}"/>
+              </a:ext>
+            </a:extLst>
+          </p:cNvPr>
+          <p:cNvSpPr>
+            <a:spLocks noGrp="1"/>
+          </p:cNvSpPr>
+          <p:nvPr>
+            <p:ph idx="1"/>
+          </p:nvPr>
+        </p:nvSpPr>
+        <p:spPr>
+          <a:xfrm>
+            <a:off x="5685809" y="200799"/>
+            <a:ext cx="4036333" cy="364443"/>
+          </a:xfrm>
+        </p:spPr>
+        <p:txBody>
+          <a:bodyPr vert="horz" lIns="91440" tIns="45720" rIns="91440" bIns="45720" rtlCol="0" anchor="b">
+            <a:normAutofit lnSpcReduction="10000"/>
+          </a:bodyPr>
+          <a:lstStyle/>
+          <a:p>
+            <a:pPr marL="0" indent="0">
+              <a:buNone/>
+            </a:pPr>
+            <a:r>
+              <a:rPr lang="en-US" sz="2000" kern="1200" dirty="0">
+                <a:latin typeface="+mn-lt"/>
+                <a:ea typeface="+mn-ea"/>
+                <a:cs typeface="+mn-cs"/>
+              </a:rPr>
+              <a:t>Code </a:t>
+            </a:r>
+            <a:r>
+              <a:rPr lang="en-US" sz="2000" dirty="0"/>
+              <a:t>Tree</a:t>
+            </a:r>
+            <a:endParaRPr lang="en-US" sz="2000" kern="1200" dirty="0">
+              <a:solidFill>
+                <a:schemeClr val="tx1"/>
+              </a:solidFill>
+              <a:latin typeface="+mn-lt"/>
+              <a:ea typeface="+mn-ea"/>
+              <a:cs typeface="+mn-cs"/>
+            </a:endParaRPr>
+          </a:p>
+        </p:txBody>
+      </p:sp>
     </p:spTree>
     <p:extLst>
       <p:ext uri="{BB962C8B-B14F-4D97-AF65-F5344CB8AC3E}">

--- a/doc/Final Presentation - Project.pptx
+++ b/doc/Final Presentation - Project.pptx
@@ -10,9 +10,12 @@
     <p:sldId id="270" r:id="rId8"/>
     <p:sldId id="267" r:id="rId9"/>
     <p:sldId id="265" r:id="rId10"/>
-    <p:sldId id="271" r:id="rId11"/>
-    <p:sldId id="269" r:id="rId12"/>
-    <p:sldId id="260" r:id="rId13"/>
+    <p:sldId id="272" r:id="rId11"/>
+    <p:sldId id="271" r:id="rId12"/>
+    <p:sldId id="273" r:id="rId13"/>
+    <p:sldId id="269" r:id="rId14"/>
+    <p:sldId id="275" r:id="rId15"/>
+    <p:sldId id="260" r:id="rId16"/>
   </p:sldIdLst>
   <p:sldSz cx="12192000" cy="6858000"/>
   <p:notesSz cx="6858000" cy="9144000"/>
@@ -124,1835 +127,12 @@
   <p1510:revLst>
     <p1510:client id="{1E14994C-D0E2-4020-A4B7-46E9582640BB}" v="331" dt="2024-05-20T21:01:00.760"/>
     <p1510:client id="{1EB54B21-62D8-4672-B878-B9072B4D21B7}" v="29" dt="2024-05-20T21:35:22.825"/>
-    <p1510:client id="{530C6B5C-9BFB-4832-94D2-15196166BE06}" v="22" dt="2024-05-20T06:41:55.225"/>
+    <p1510:client id="{28F9F1C1-E536-4B8F-A613-CFDE4E045DD3}" v="94" dt="2024-05-21T08:30:44.919"/>
+    <p1510:client id="{67C1BC95-563C-4A81-A5F5-503AB5B5C521}" v="96" dt="2024-05-21T08:21:26.887"/>
     <p1510:client id="{F6C581F1-41D9-447C-BCDC-DBA4D2F3E5A8}" v="271" dt="2024-05-20T21:29:07.850"/>
+    <p1510:client id="{FCB8152E-CE00-479C-B082-D7D3362F008A}" v="497" dt="2024-05-21T09:00:12.881"/>
   </p1510:revLst>
 </p1510:revInfo>
-</file>
-
-<file path=ppt/changesInfos/changesInfo1.xml><?xml version="1.0" encoding="utf-8"?>
-<pc:chgInfo xmlns:a="http://schemas.openxmlformats.org/drawingml/2006/main" xmlns:r="http://schemas.openxmlformats.org/officeDocument/2006/relationships" xmlns:ac="http://schemas.microsoft.com/office/drawing/2013/main/command" xmlns:pc="http://schemas.microsoft.com/office/powerpoint/2013/main/command">
-  <pc:docChgLst>
-    <pc:chgData name="LAZREG Mehdi" userId="S::mehdi.lazreg@edu.devinci.fr::9a6f43fa-4406-4f8c-8a9f-6a6c2418bdff" providerId="AD" clId="Web-{5339F386-AAE6-4E54-B93C-F68F1103F79F}"/>
-    <pc:docChg chg="addSld delSld modSld sldOrd">
-      <pc:chgData name="LAZREG Mehdi" userId="S::mehdi.lazreg@edu.devinci.fr::9a6f43fa-4406-4f8c-8a9f-6a6c2418bdff" providerId="AD" clId="Web-{5339F386-AAE6-4E54-B93C-F68F1103F79F}" dt="2024-05-14T11:26:15.954" v="342" actId="1076"/>
-      <pc:docMkLst>
-        <pc:docMk/>
-      </pc:docMkLst>
-      <pc:sldChg chg="modSp">
-        <pc:chgData name="LAZREG Mehdi" userId="S::mehdi.lazreg@edu.devinci.fr::9a6f43fa-4406-4f8c-8a9f-6a6c2418bdff" providerId="AD" clId="Web-{5339F386-AAE6-4E54-B93C-F68F1103F79F}" dt="2024-05-14T11:26:15.954" v="342" actId="1076"/>
-        <pc:sldMkLst>
-          <pc:docMk/>
-          <pc:sldMk cId="3784089036" sldId="256"/>
-        </pc:sldMkLst>
-        <pc:spChg chg="mod">
-          <ac:chgData name="LAZREG Mehdi" userId="S::mehdi.lazreg@edu.devinci.fr::9a6f43fa-4406-4f8c-8a9f-6a6c2418bdff" providerId="AD" clId="Web-{5339F386-AAE6-4E54-B93C-F68F1103F79F}" dt="2024-05-14T11:24:52.763" v="322" actId="1076"/>
-          <ac:spMkLst>
-            <pc:docMk/>
-            <pc:sldMk cId="3784089036" sldId="256"/>
-            <ac:spMk id="2" creationId="{00000000-0000-0000-0000-000000000000}"/>
-          </ac:spMkLst>
-        </pc:spChg>
-        <pc:spChg chg="mod">
-          <ac:chgData name="LAZREG Mehdi" userId="S::mehdi.lazreg@edu.devinci.fr::9a6f43fa-4406-4f8c-8a9f-6a6c2418bdff" providerId="AD" clId="Web-{5339F386-AAE6-4E54-B93C-F68F1103F79F}" dt="2024-05-14T11:26:15.954" v="342" actId="1076"/>
-          <ac:spMkLst>
-            <pc:docMk/>
-            <pc:sldMk cId="3784089036" sldId="256"/>
-            <ac:spMk id="3" creationId="{00000000-0000-0000-0000-000000000000}"/>
-          </ac:spMkLst>
-        </pc:spChg>
-        <pc:picChg chg="mod">
-          <ac:chgData name="LAZREG Mehdi" userId="S::mehdi.lazreg@edu.devinci.fr::9a6f43fa-4406-4f8c-8a9f-6a6c2418bdff" providerId="AD" clId="Web-{5339F386-AAE6-4E54-B93C-F68F1103F79F}" dt="2024-05-14T11:25:04.779" v="324" actId="1076"/>
-          <ac:picMkLst>
-            <pc:docMk/>
-            <pc:sldMk cId="3784089036" sldId="256"/>
-            <ac:picMk id="4" creationId="{04F6CC9B-C1AF-EF57-6710-E7399A2F00C0}"/>
-          </ac:picMkLst>
-        </pc:picChg>
-      </pc:sldChg>
-      <pc:sldChg chg="addSp delSp modSp mod setBg">
-        <pc:chgData name="LAZREG Mehdi" userId="S::mehdi.lazreg@edu.devinci.fr::9a6f43fa-4406-4f8c-8a9f-6a6c2418bdff" providerId="AD" clId="Web-{5339F386-AAE6-4E54-B93C-F68F1103F79F}" dt="2024-05-14T10:53:24.583" v="105" actId="1076"/>
-        <pc:sldMkLst>
-          <pc:docMk/>
-          <pc:sldMk cId="1114066402" sldId="257"/>
-        </pc:sldMkLst>
-        <pc:spChg chg="mod">
-          <ac:chgData name="LAZREG Mehdi" userId="S::mehdi.lazreg@edu.devinci.fr::9a6f43fa-4406-4f8c-8a9f-6a6c2418bdff" providerId="AD" clId="Web-{5339F386-AAE6-4E54-B93C-F68F1103F79F}" dt="2024-05-14T10:53:19.489" v="104" actId="1076"/>
-          <ac:spMkLst>
-            <pc:docMk/>
-            <pc:sldMk cId="1114066402" sldId="257"/>
-            <ac:spMk id="2" creationId="{EA28FF8B-F0C0-25AB-B7CE-944A979D01FC}"/>
-          </ac:spMkLst>
-        </pc:spChg>
-        <pc:spChg chg="mod">
-          <ac:chgData name="LAZREG Mehdi" userId="S::mehdi.lazreg@edu.devinci.fr::9a6f43fa-4406-4f8c-8a9f-6a6c2418bdff" providerId="AD" clId="Web-{5339F386-AAE6-4E54-B93C-F68F1103F79F}" dt="2024-05-14T10:53:24.583" v="105" actId="1076"/>
-          <ac:spMkLst>
-            <pc:docMk/>
-            <pc:sldMk cId="1114066402" sldId="257"/>
-            <ac:spMk id="3" creationId="{ED2B8304-F0EF-24E1-D772-F5FBC994348D}"/>
-          </ac:spMkLst>
-        </pc:spChg>
-        <pc:spChg chg="add del">
-          <ac:chgData name="LAZREG Mehdi" userId="S::mehdi.lazreg@edu.devinci.fr::9a6f43fa-4406-4f8c-8a9f-6a6c2418bdff" providerId="AD" clId="Web-{5339F386-AAE6-4E54-B93C-F68F1103F79F}" dt="2024-05-14T10:52:54.644" v="98"/>
-          <ac:spMkLst>
-            <pc:docMk/>
-            <pc:sldMk cId="1114066402" sldId="257"/>
-            <ac:spMk id="9" creationId="{04812C46-200A-4DEB-A05E-3ED6C68C2387}"/>
-          </ac:spMkLst>
-        </pc:spChg>
-        <pc:spChg chg="add del">
-          <ac:chgData name="LAZREG Mehdi" userId="S::mehdi.lazreg@edu.devinci.fr::9a6f43fa-4406-4f8c-8a9f-6a6c2418bdff" providerId="AD" clId="Web-{5339F386-AAE6-4E54-B93C-F68F1103F79F}" dt="2024-05-14T10:52:54.644" v="98"/>
-          <ac:spMkLst>
-            <pc:docMk/>
-            <pc:sldMk cId="1114066402" sldId="257"/>
-            <ac:spMk id="11" creationId="{D1EA859B-E555-4109-94F3-6700E046E008}"/>
-          </ac:spMkLst>
-        </pc:spChg>
-        <pc:spChg chg="add">
-          <ac:chgData name="LAZREG Mehdi" userId="S::mehdi.lazreg@edu.devinci.fr::9a6f43fa-4406-4f8c-8a9f-6a6c2418bdff" providerId="AD" clId="Web-{5339F386-AAE6-4E54-B93C-F68F1103F79F}" dt="2024-05-14T10:52:54.644" v="98"/>
-          <ac:spMkLst>
-            <pc:docMk/>
-            <pc:sldMk cId="1114066402" sldId="257"/>
-            <ac:spMk id="16" creationId="{4F7EBAE4-9945-4473-9E34-B2C66EA0F03D}"/>
-          </ac:spMkLst>
-        </pc:spChg>
-        <pc:spChg chg="add">
-          <ac:chgData name="LAZREG Mehdi" userId="S::mehdi.lazreg@edu.devinci.fr::9a6f43fa-4406-4f8c-8a9f-6a6c2418bdff" providerId="AD" clId="Web-{5339F386-AAE6-4E54-B93C-F68F1103F79F}" dt="2024-05-14T10:52:54.644" v="98"/>
-          <ac:spMkLst>
-            <pc:docMk/>
-            <pc:sldMk cId="1114066402" sldId="257"/>
-            <ac:spMk id="18" creationId="{70BEB1E7-2F88-40BC-B73D-42E5B6F80BFC}"/>
-          </ac:spMkLst>
-        </pc:spChg>
-        <pc:spChg chg="add del">
-          <ac:chgData name="LAZREG Mehdi" userId="S::mehdi.lazreg@edu.devinci.fr::9a6f43fa-4406-4f8c-8a9f-6a6c2418bdff" providerId="AD" clId="Web-{5339F386-AAE6-4E54-B93C-F68F1103F79F}" dt="2024-05-14T10:52:57.926" v="99"/>
-          <ac:spMkLst>
-            <pc:docMk/>
-            <pc:sldMk cId="1114066402" sldId="257"/>
-            <ac:spMk id="20" creationId="{A7B99495-F43F-4D80-A44F-2CB4764EB90B}"/>
-          </ac:spMkLst>
-        </pc:spChg>
-        <pc:picChg chg="add del mod ord">
-          <ac:chgData name="LAZREG Mehdi" userId="S::mehdi.lazreg@edu.devinci.fr::9a6f43fa-4406-4f8c-8a9f-6a6c2418bdff" providerId="AD" clId="Web-{5339F386-AAE6-4E54-B93C-F68F1103F79F}" dt="2024-05-14T10:52:42.769" v="95"/>
-          <ac:picMkLst>
-            <pc:docMk/>
-            <pc:sldMk cId="1114066402" sldId="257"/>
-            <ac:picMk id="4" creationId="{DD2131AA-18FE-D307-D650-130060AC4025}"/>
-          </ac:picMkLst>
-        </pc:picChg>
-        <pc:picChg chg="add mod">
-          <ac:chgData name="LAZREG Mehdi" userId="S::mehdi.lazreg@edu.devinci.fr::9a6f43fa-4406-4f8c-8a9f-6a6c2418bdff" providerId="AD" clId="Web-{5339F386-AAE6-4E54-B93C-F68F1103F79F}" dt="2024-05-14T10:53:07.582" v="101" actId="14100"/>
-          <ac:picMkLst>
-            <pc:docMk/>
-            <pc:sldMk cId="1114066402" sldId="257"/>
-            <ac:picMk id="5" creationId="{4903A523-2B22-69FA-949F-195A8175BC8D}"/>
-          </ac:picMkLst>
-        </pc:picChg>
-      </pc:sldChg>
-      <pc:sldChg chg="del">
-        <pc:chgData name="LAZREG Mehdi" userId="S::mehdi.lazreg@edu.devinci.fr::9a6f43fa-4406-4f8c-8a9f-6a6c2418bdff" providerId="AD" clId="Web-{5339F386-AAE6-4E54-B93C-F68F1103F79F}" dt="2024-05-14T10:29:47.077" v="20"/>
-        <pc:sldMkLst>
-          <pc:docMk/>
-          <pc:sldMk cId="2077686319" sldId="258"/>
-        </pc:sldMkLst>
-      </pc:sldChg>
-      <pc:sldChg chg="del">
-        <pc:chgData name="LAZREG Mehdi" userId="S::mehdi.lazreg@edu.devinci.fr::9a6f43fa-4406-4f8c-8a9f-6a6c2418bdff" providerId="AD" clId="Web-{5339F386-AAE6-4E54-B93C-F68F1103F79F}" dt="2024-05-14T10:29:44.280" v="19"/>
-        <pc:sldMkLst>
-          <pc:docMk/>
-          <pc:sldMk cId="3770238864" sldId="259"/>
-        </pc:sldMkLst>
-      </pc:sldChg>
-      <pc:sldChg chg="del">
-        <pc:chgData name="LAZREG Mehdi" userId="S::mehdi.lazreg@edu.devinci.fr::9a6f43fa-4406-4f8c-8a9f-6a6c2418bdff" providerId="AD" clId="Web-{5339F386-AAE6-4E54-B93C-F68F1103F79F}" dt="2024-05-14T11:03:04.355" v="119"/>
-        <pc:sldMkLst>
-          <pc:docMk/>
-          <pc:sldMk cId="3236234168" sldId="261"/>
-        </pc:sldMkLst>
-      </pc:sldChg>
-      <pc:sldChg chg="del">
-        <pc:chgData name="LAZREG Mehdi" userId="S::mehdi.lazreg@edu.devinci.fr::9a6f43fa-4406-4f8c-8a9f-6a6c2418bdff" providerId="AD" clId="Web-{5339F386-AAE6-4E54-B93C-F68F1103F79F}" dt="2024-05-14T11:02:55.573" v="118"/>
-        <pc:sldMkLst>
-          <pc:docMk/>
-          <pc:sldMk cId="269650652" sldId="262"/>
-        </pc:sldMkLst>
-      </pc:sldChg>
-      <pc:sldChg chg="del">
-        <pc:chgData name="LAZREG Mehdi" userId="S::mehdi.lazreg@edu.devinci.fr::9a6f43fa-4406-4f8c-8a9f-6a6c2418bdff" providerId="AD" clId="Web-{5339F386-AAE6-4E54-B93C-F68F1103F79F}" dt="2024-05-14T10:58:34.735" v="107"/>
-        <pc:sldMkLst>
-          <pc:docMk/>
-          <pc:sldMk cId="3935125743" sldId="263"/>
-        </pc:sldMkLst>
-      </pc:sldChg>
-      <pc:sldChg chg="del">
-        <pc:chgData name="LAZREG Mehdi" userId="S::mehdi.lazreg@edu.devinci.fr::9a6f43fa-4406-4f8c-8a9f-6a6c2418bdff" providerId="AD" clId="Web-{5339F386-AAE6-4E54-B93C-F68F1103F79F}" dt="2024-05-14T10:59:19.565" v="108"/>
-        <pc:sldMkLst>
-          <pc:docMk/>
-          <pc:sldMk cId="3027520233" sldId="264"/>
-        </pc:sldMkLst>
-      </pc:sldChg>
-      <pc:sldChg chg="addSp delSp modSp ord">
-        <pc:chgData name="LAZREG Mehdi" userId="S::mehdi.lazreg@edu.devinci.fr::9a6f43fa-4406-4f8c-8a9f-6a6c2418bdff" providerId="AD" clId="Web-{5339F386-AAE6-4E54-B93C-F68F1103F79F}" dt="2024-05-14T11:23:11.322" v="270" actId="1076"/>
-        <pc:sldMkLst>
-          <pc:docMk/>
-          <pc:sldMk cId="291742287" sldId="265"/>
-        </pc:sldMkLst>
-        <pc:spChg chg="mod">
-          <ac:chgData name="LAZREG Mehdi" userId="S::mehdi.lazreg@edu.devinci.fr::9a6f43fa-4406-4f8c-8a9f-6a6c2418bdff" providerId="AD" clId="Web-{5339F386-AAE6-4E54-B93C-F68F1103F79F}" dt="2024-05-14T11:21:29.021" v="253" actId="14100"/>
-          <ac:spMkLst>
-            <pc:docMk/>
-            <pc:sldMk cId="291742287" sldId="265"/>
-            <ac:spMk id="2" creationId="{3EDC45F6-2CC2-EC6E-8C54-FA26E11C3A59}"/>
-          </ac:spMkLst>
-        </pc:spChg>
-        <pc:spChg chg="mod">
-          <ac:chgData name="LAZREG Mehdi" userId="S::mehdi.lazreg@edu.devinci.fr::9a6f43fa-4406-4f8c-8a9f-6a6c2418bdff" providerId="AD" clId="Web-{5339F386-AAE6-4E54-B93C-F68F1103F79F}" dt="2024-05-14T11:22:21.429" v="262" actId="20577"/>
-          <ac:spMkLst>
-            <pc:docMk/>
-            <pc:sldMk cId="291742287" sldId="265"/>
-            <ac:spMk id="3" creationId="{3FFE00BC-E39A-CD6D-E4C4-BC62DC39A231}"/>
-          </ac:spMkLst>
-        </pc:spChg>
-        <pc:picChg chg="add del mod">
-          <ac:chgData name="LAZREG Mehdi" userId="S::mehdi.lazreg@edu.devinci.fr::9a6f43fa-4406-4f8c-8a9f-6a6c2418bdff" providerId="AD" clId="Web-{5339F386-AAE6-4E54-B93C-F68F1103F79F}" dt="2024-05-14T11:13:57.926" v="185"/>
-          <ac:picMkLst>
-            <pc:docMk/>
-            <pc:sldMk cId="291742287" sldId="265"/>
-            <ac:picMk id="4" creationId="{7ECFFC99-22E7-1F93-42BD-15261F6D5869}"/>
-          </ac:picMkLst>
-        </pc:picChg>
-        <pc:picChg chg="add del mod">
-          <ac:chgData name="LAZREG Mehdi" userId="S::mehdi.lazreg@edu.devinci.fr::9a6f43fa-4406-4f8c-8a9f-6a6c2418bdff" providerId="AD" clId="Web-{5339F386-AAE6-4E54-B93C-F68F1103F79F}" dt="2024-05-14T11:14:10.208" v="187"/>
-          <ac:picMkLst>
-            <pc:docMk/>
-            <pc:sldMk cId="291742287" sldId="265"/>
-            <ac:picMk id="5" creationId="{DF22E949-AC8D-AA75-4DCB-FD0BA2912886}"/>
-          </ac:picMkLst>
-        </pc:picChg>
-        <pc:picChg chg="add mod">
-          <ac:chgData name="LAZREG Mehdi" userId="S::mehdi.lazreg@edu.devinci.fr::9a6f43fa-4406-4f8c-8a9f-6a6c2418bdff" providerId="AD" clId="Web-{5339F386-AAE6-4E54-B93C-F68F1103F79F}" dt="2024-05-14T11:23:11.322" v="270" actId="1076"/>
-          <ac:picMkLst>
-            <pc:docMk/>
-            <pc:sldMk cId="291742287" sldId="265"/>
-            <ac:picMk id="6" creationId="{43FF344D-7CBF-A57C-1C55-C037AFA7E53E}"/>
-          </ac:picMkLst>
-        </pc:picChg>
-        <pc:picChg chg="add del mod">
-          <ac:chgData name="LAZREG Mehdi" userId="S::mehdi.lazreg@edu.devinci.fr::9a6f43fa-4406-4f8c-8a9f-6a6c2418bdff" providerId="AD" clId="Web-{5339F386-AAE6-4E54-B93C-F68F1103F79F}" dt="2024-05-14T11:19:26.673" v="247"/>
-          <ac:picMkLst>
-            <pc:docMk/>
-            <pc:sldMk cId="291742287" sldId="265"/>
-            <ac:picMk id="7" creationId="{49B56F76-0485-E299-0BE2-389C22E252E7}"/>
-          </ac:picMkLst>
-        </pc:picChg>
-        <pc:picChg chg="add mod modCrop">
-          <ac:chgData name="LAZREG Mehdi" userId="S::mehdi.lazreg@edu.devinci.fr::9a6f43fa-4406-4f8c-8a9f-6a6c2418bdff" providerId="AD" clId="Web-{5339F386-AAE6-4E54-B93C-F68F1103F79F}" dt="2024-05-14T11:22:56.056" v="266" actId="1076"/>
-          <ac:picMkLst>
-            <pc:docMk/>
-            <pc:sldMk cId="291742287" sldId="265"/>
-            <ac:picMk id="8" creationId="{D41BA558-467E-22D4-C7E3-F18363E69F5F}"/>
-          </ac:picMkLst>
-        </pc:picChg>
-      </pc:sldChg>
-      <pc:sldChg chg="del">
-        <pc:chgData name="LAZREG Mehdi" userId="S::mehdi.lazreg@edu.devinci.fr::9a6f43fa-4406-4f8c-8a9f-6a6c2418bdff" providerId="AD" clId="Web-{5339F386-AAE6-4E54-B93C-F68F1103F79F}" dt="2024-05-14T10:54:39.211" v="106"/>
-        <pc:sldMkLst>
-          <pc:docMk/>
-          <pc:sldMk cId="1650450270" sldId="266"/>
-        </pc:sldMkLst>
-      </pc:sldChg>
-      <pc:sldChg chg="addSp delSp modSp new mod setBg">
-        <pc:chgData name="LAZREG Mehdi" userId="S::mehdi.lazreg@edu.devinci.fr::9a6f43fa-4406-4f8c-8a9f-6a6c2418bdff" providerId="AD" clId="Web-{5339F386-AAE6-4E54-B93C-F68F1103F79F}" dt="2024-05-14T10:59:49.066" v="117" actId="20577"/>
-        <pc:sldMkLst>
-          <pc:docMk/>
-          <pc:sldMk cId="1940570141" sldId="267"/>
-        </pc:sldMkLst>
-        <pc:spChg chg="mod">
-          <ac:chgData name="LAZREG Mehdi" userId="S::mehdi.lazreg@edu.devinci.fr::9a6f43fa-4406-4f8c-8a9f-6a6c2418bdff" providerId="AD" clId="Web-{5339F386-AAE6-4E54-B93C-F68F1103F79F}" dt="2024-05-14T10:48:19.822" v="49"/>
-          <ac:spMkLst>
-            <pc:docMk/>
-            <pc:sldMk cId="1940570141" sldId="267"/>
-            <ac:spMk id="2" creationId="{2F7704A9-04D9-FC06-4DA0-B77127721D17}"/>
-          </ac:spMkLst>
-        </pc:spChg>
-        <pc:spChg chg="del mod">
-          <ac:chgData name="LAZREG Mehdi" userId="S::mehdi.lazreg@edu.devinci.fr::9a6f43fa-4406-4f8c-8a9f-6a6c2418bdff" providerId="AD" clId="Web-{5339F386-AAE6-4E54-B93C-F68F1103F79F}" dt="2024-05-14T10:48:19.822" v="49"/>
-          <ac:spMkLst>
-            <pc:docMk/>
-            <pc:sldMk cId="1940570141" sldId="267"/>
-            <ac:spMk id="3" creationId="{2C780491-C41B-4B5E-3B31-CA00B9DEC006}"/>
-          </ac:spMkLst>
-        </pc:spChg>
-        <pc:spChg chg="add mod">
-          <ac:chgData name="LAZREG Mehdi" userId="S::mehdi.lazreg@edu.devinci.fr::9a6f43fa-4406-4f8c-8a9f-6a6c2418bdff" providerId="AD" clId="Web-{5339F386-AAE6-4E54-B93C-F68F1103F79F}" dt="2024-05-14T10:59:49.066" v="117" actId="20577"/>
-          <ac:spMkLst>
-            <pc:docMk/>
-            <pc:sldMk cId="1940570141" sldId="267"/>
-            <ac:spMk id="5" creationId="{0B98D220-B552-FE0A-488E-F561C082DDBD}"/>
-          </ac:spMkLst>
-        </pc:spChg>
-        <pc:spChg chg="add">
-          <ac:chgData name="LAZREG Mehdi" userId="S::mehdi.lazreg@edu.devinci.fr::9a6f43fa-4406-4f8c-8a9f-6a6c2418bdff" providerId="AD" clId="Web-{5339F386-AAE6-4E54-B93C-F68F1103F79F}" dt="2024-05-14T10:48:19.822" v="49"/>
-          <ac:spMkLst>
-            <pc:docMk/>
-            <pc:sldMk cId="1940570141" sldId="267"/>
-            <ac:spMk id="9" creationId="{6753252F-4873-4F63-801D-CC719279A7D5}"/>
-          </ac:spMkLst>
-        </pc:spChg>
-        <pc:spChg chg="add">
-          <ac:chgData name="LAZREG Mehdi" userId="S::mehdi.lazreg@edu.devinci.fr::9a6f43fa-4406-4f8c-8a9f-6a6c2418bdff" providerId="AD" clId="Web-{5339F386-AAE6-4E54-B93C-F68F1103F79F}" dt="2024-05-14T10:48:19.822" v="49"/>
-          <ac:spMkLst>
-            <pc:docMk/>
-            <pc:sldMk cId="1940570141" sldId="267"/>
-            <ac:spMk id="11" creationId="{047C8CCB-F95D-4249-92DD-651249D3535A}"/>
-          </ac:spMkLst>
-        </pc:spChg>
-        <pc:picChg chg="add mod">
-          <ac:chgData name="LAZREG Mehdi" userId="S::mehdi.lazreg@edu.devinci.fr::9a6f43fa-4406-4f8c-8a9f-6a6c2418bdff" providerId="AD" clId="Web-{5339F386-AAE6-4E54-B93C-F68F1103F79F}" dt="2024-05-14T10:49:53.747" v="51" actId="1076"/>
-          <ac:picMkLst>
-            <pc:docMk/>
-            <pc:sldMk cId="1940570141" sldId="267"/>
-            <ac:picMk id="4" creationId="{981215E1-1D6B-D725-2B68-619784995D17}"/>
-          </ac:picMkLst>
-        </pc:picChg>
-      </pc:sldChg>
-      <pc:sldChg chg="addSp delSp modSp new mod ord setBg">
-        <pc:chgData name="LAZREG Mehdi" userId="S::mehdi.lazreg@edu.devinci.fr::9a6f43fa-4406-4f8c-8a9f-6a6c2418bdff" providerId="AD" clId="Web-{5339F386-AAE6-4E54-B93C-F68F1103F79F}" dt="2024-05-14T11:06:24.268" v="148"/>
-        <pc:sldMkLst>
-          <pc:docMk/>
-          <pc:sldMk cId="1396293091" sldId="268"/>
-        </pc:sldMkLst>
-        <pc:spChg chg="mod">
-          <ac:chgData name="LAZREG Mehdi" userId="S::mehdi.lazreg@edu.devinci.fr::9a6f43fa-4406-4f8c-8a9f-6a6c2418bdff" providerId="AD" clId="Web-{5339F386-AAE6-4E54-B93C-F68F1103F79F}" dt="2024-05-14T10:51:59.049" v="92"/>
-          <ac:spMkLst>
-            <pc:docMk/>
-            <pc:sldMk cId="1396293091" sldId="268"/>
-            <ac:spMk id="2" creationId="{A2341FF3-FFD7-09B3-F1B8-24EFF77D1D3B}"/>
-          </ac:spMkLst>
-        </pc:spChg>
-        <pc:spChg chg="mod">
-          <ac:chgData name="LAZREG Mehdi" userId="S::mehdi.lazreg@edu.devinci.fr::9a6f43fa-4406-4f8c-8a9f-6a6c2418bdff" providerId="AD" clId="Web-{5339F386-AAE6-4E54-B93C-F68F1103F79F}" dt="2024-05-14T10:51:59.049" v="92"/>
-          <ac:spMkLst>
-            <pc:docMk/>
-            <pc:sldMk cId="1396293091" sldId="268"/>
-            <ac:spMk id="3" creationId="{8C5A2872-4ACC-9301-7994-C3479B0D7CD0}"/>
-          </ac:spMkLst>
-        </pc:spChg>
-        <pc:spChg chg="add del">
-          <ac:chgData name="LAZREG Mehdi" userId="S::mehdi.lazreg@edu.devinci.fr::9a6f43fa-4406-4f8c-8a9f-6a6c2418bdff" providerId="AD" clId="Web-{5339F386-AAE6-4E54-B93C-F68F1103F79F}" dt="2024-05-14T10:51:59.033" v="91"/>
-          <ac:spMkLst>
-            <pc:docMk/>
-            <pc:sldMk cId="1396293091" sldId="268"/>
-            <ac:spMk id="9" creationId="{F575A102-D95D-4D6E-8F1B-49EED0AEC65C}"/>
-          </ac:spMkLst>
-        </pc:spChg>
-        <pc:spChg chg="add del">
-          <ac:chgData name="LAZREG Mehdi" userId="S::mehdi.lazreg@edu.devinci.fr::9a6f43fa-4406-4f8c-8a9f-6a6c2418bdff" providerId="AD" clId="Web-{5339F386-AAE6-4E54-B93C-F68F1103F79F}" dt="2024-05-14T10:51:59.033" v="91"/>
-          <ac:spMkLst>
-            <pc:docMk/>
-            <pc:sldMk cId="1396293091" sldId="268"/>
-            <ac:spMk id="11" creationId="{158B3569-73B2-4D05-8E95-886A6EE17F1F}"/>
-          </ac:spMkLst>
-        </pc:spChg>
-        <pc:spChg chg="add">
-          <ac:chgData name="LAZREG Mehdi" userId="S::mehdi.lazreg@edu.devinci.fr::9a6f43fa-4406-4f8c-8a9f-6a6c2418bdff" providerId="AD" clId="Web-{5339F386-AAE6-4E54-B93C-F68F1103F79F}" dt="2024-05-14T10:51:59.049" v="92"/>
-          <ac:spMkLst>
-            <pc:docMk/>
-            <pc:sldMk cId="1396293091" sldId="268"/>
-            <ac:spMk id="20" creationId="{5BF4DF2C-F028-4921-9C23-41303F650A62}"/>
-          </ac:spMkLst>
-        </pc:spChg>
-        <pc:spChg chg="add">
-          <ac:chgData name="LAZREG Mehdi" userId="S::mehdi.lazreg@edu.devinci.fr::9a6f43fa-4406-4f8c-8a9f-6a6c2418bdff" providerId="AD" clId="Web-{5339F386-AAE6-4E54-B93C-F68F1103F79F}" dt="2024-05-14T10:51:59.049" v="92"/>
-          <ac:spMkLst>
-            <pc:docMk/>
-            <pc:sldMk cId="1396293091" sldId="268"/>
-            <ac:spMk id="21" creationId="{158B3569-73B2-4D05-8E95-886A6EE17F1F}"/>
-          </ac:spMkLst>
-        </pc:spChg>
-        <pc:grpChg chg="add del">
-          <ac:chgData name="LAZREG Mehdi" userId="S::mehdi.lazreg@edu.devinci.fr::9a6f43fa-4406-4f8c-8a9f-6a6c2418bdff" providerId="AD" clId="Web-{5339F386-AAE6-4E54-B93C-F68F1103F79F}" dt="2024-05-14T10:51:59.033" v="91"/>
-          <ac:grpSpMkLst>
-            <pc:docMk/>
-            <pc:sldMk cId="1396293091" sldId="268"/>
-            <ac:grpSpMk id="13" creationId="{CF0FFF1F-79B6-4A13-A464-070CD6F896AF}"/>
-          </ac:grpSpMkLst>
-        </pc:grpChg>
-        <pc:grpChg chg="add">
-          <ac:chgData name="LAZREG Mehdi" userId="S::mehdi.lazreg@edu.devinci.fr::9a6f43fa-4406-4f8c-8a9f-6a6c2418bdff" providerId="AD" clId="Web-{5339F386-AAE6-4E54-B93C-F68F1103F79F}" dt="2024-05-14T10:51:59.049" v="92"/>
-          <ac:grpSpMkLst>
-            <pc:docMk/>
-            <pc:sldMk cId="1396293091" sldId="268"/>
-            <ac:grpSpMk id="15" creationId="{892B7B61-D701-474B-AE8F-EA238B550A78}"/>
-          </ac:grpSpMkLst>
-        </pc:grpChg>
-        <pc:picChg chg="add mod">
-          <ac:chgData name="LAZREG Mehdi" userId="S::mehdi.lazreg@edu.devinci.fr::9a6f43fa-4406-4f8c-8a9f-6a6c2418bdff" providerId="AD" clId="Web-{5339F386-AAE6-4E54-B93C-F68F1103F79F}" dt="2024-05-14T11:06:24.268" v="148"/>
-          <ac:picMkLst>
-            <pc:docMk/>
-            <pc:sldMk cId="1396293091" sldId="268"/>
-            <ac:picMk id="4" creationId="{39B4591E-379B-677B-D389-92D0768A2D41}"/>
-          </ac:picMkLst>
-        </pc:picChg>
-        <pc:cxnChg chg="add del">
-          <ac:chgData name="LAZREG Mehdi" userId="S::mehdi.lazreg@edu.devinci.fr::9a6f43fa-4406-4f8c-8a9f-6a6c2418bdff" providerId="AD" clId="Web-{5339F386-AAE6-4E54-B93C-F68F1103F79F}" dt="2024-05-14T10:51:59.033" v="91"/>
-          <ac:cxnSpMkLst>
-            <pc:docMk/>
-            <pc:sldMk cId="1396293091" sldId="268"/>
-            <ac:cxnSpMk id="18" creationId="{56020367-4FD5-4596-8E10-C5F095CD8DBF}"/>
-          </ac:cxnSpMkLst>
-        </pc:cxnChg>
-        <pc:cxnChg chg="add">
-          <ac:chgData name="LAZREG Mehdi" userId="S::mehdi.lazreg@edu.devinci.fr::9a6f43fa-4406-4f8c-8a9f-6a6c2418bdff" providerId="AD" clId="Web-{5339F386-AAE6-4E54-B93C-F68F1103F79F}" dt="2024-05-14T10:51:59.049" v="92"/>
-          <ac:cxnSpMkLst>
-            <pc:docMk/>
-            <pc:sldMk cId="1396293091" sldId="268"/>
-            <ac:cxnSpMk id="22" creationId="{56020367-4FD5-4596-8E10-C5F095CD8DBF}"/>
-          </ac:cxnSpMkLst>
-        </pc:cxnChg>
-      </pc:sldChg>
-      <pc:sldChg chg="addSp modSp new mod ord setBg">
-        <pc:chgData name="LAZREG Mehdi" userId="S::mehdi.lazreg@edu.devinci.fr::9a6f43fa-4406-4f8c-8a9f-6a6c2418bdff" providerId="AD" clId="Web-{5339F386-AAE6-4E54-B93C-F68F1103F79F}" dt="2024-05-14T11:11:59.969" v="181" actId="14100"/>
-        <pc:sldMkLst>
-          <pc:docMk/>
-          <pc:sldMk cId="2610056257" sldId="269"/>
-        </pc:sldMkLst>
-        <pc:spChg chg="mod">
-          <ac:chgData name="LAZREG Mehdi" userId="S::mehdi.lazreg@edu.devinci.fr::9a6f43fa-4406-4f8c-8a9f-6a6c2418bdff" providerId="AD" clId="Web-{5339F386-AAE6-4E54-B93C-F68F1103F79F}" dt="2024-05-14T11:11:42.155" v="178" actId="1076"/>
-          <ac:spMkLst>
-            <pc:docMk/>
-            <pc:sldMk cId="2610056257" sldId="269"/>
-            <ac:spMk id="2" creationId="{885BB6C9-1985-11FA-37AB-EBA4AE5F073E}"/>
-          </ac:spMkLst>
-        </pc:spChg>
-        <pc:spChg chg="mod">
-          <ac:chgData name="LAZREG Mehdi" userId="S::mehdi.lazreg@edu.devinci.fr::9a6f43fa-4406-4f8c-8a9f-6a6c2418bdff" providerId="AD" clId="Web-{5339F386-AAE6-4E54-B93C-F68F1103F79F}" dt="2024-05-14T11:10:46.528" v="161" actId="1076"/>
-          <ac:spMkLst>
-            <pc:docMk/>
-            <pc:sldMk cId="2610056257" sldId="269"/>
-            <ac:spMk id="3" creationId="{A8ABFA07-AE05-0505-D63A-54CC92D82390}"/>
-          </ac:spMkLst>
-        </pc:spChg>
-        <pc:spChg chg="add">
-          <ac:chgData name="LAZREG Mehdi" userId="S::mehdi.lazreg@edu.devinci.fr::9a6f43fa-4406-4f8c-8a9f-6a6c2418bdff" providerId="AD" clId="Web-{5339F386-AAE6-4E54-B93C-F68F1103F79F}" dt="2024-05-14T11:10:36.715" v="159"/>
-          <ac:spMkLst>
-            <pc:docMk/>
-            <pc:sldMk cId="2610056257" sldId="269"/>
-            <ac:spMk id="9" creationId="{47942995-B07F-4636-9A06-C6A104B260A8}"/>
-          </ac:spMkLst>
-        </pc:spChg>
-        <pc:spChg chg="add">
-          <ac:chgData name="LAZREG Mehdi" userId="S::mehdi.lazreg@edu.devinci.fr::9a6f43fa-4406-4f8c-8a9f-6a6c2418bdff" providerId="AD" clId="Web-{5339F386-AAE6-4E54-B93C-F68F1103F79F}" dt="2024-05-14T11:10:36.715" v="159"/>
-          <ac:spMkLst>
-            <pc:docMk/>
-            <pc:sldMk cId="2610056257" sldId="269"/>
-            <ac:spMk id="16" creationId="{B81933D1-5615-42C7-9C0B-4EB7105CCE2D}"/>
-          </ac:spMkLst>
-        </pc:spChg>
-        <pc:spChg chg="add">
-          <ac:chgData name="LAZREG Mehdi" userId="S::mehdi.lazreg@edu.devinci.fr::9a6f43fa-4406-4f8c-8a9f-6a6c2418bdff" providerId="AD" clId="Web-{5339F386-AAE6-4E54-B93C-F68F1103F79F}" dt="2024-05-14T11:10:36.715" v="159"/>
-          <ac:spMkLst>
-            <pc:docMk/>
-            <pc:sldMk cId="2610056257" sldId="269"/>
-            <ac:spMk id="18" creationId="{19C9EAEA-39D0-4B0E-A0EB-51E7B26740B1}"/>
-          </ac:spMkLst>
-        </pc:spChg>
-        <pc:grpChg chg="add">
-          <ac:chgData name="LAZREG Mehdi" userId="S::mehdi.lazreg@edu.devinci.fr::9a6f43fa-4406-4f8c-8a9f-6a6c2418bdff" providerId="AD" clId="Web-{5339F386-AAE6-4E54-B93C-F68F1103F79F}" dt="2024-05-14T11:10:36.715" v="159"/>
-          <ac:grpSpMkLst>
-            <pc:docMk/>
-            <pc:sldMk cId="2610056257" sldId="269"/>
-            <ac:grpSpMk id="11" creationId="{032D8612-31EB-44CF-A1D0-14FD4C705424}"/>
-          </ac:grpSpMkLst>
-        </pc:grpChg>
-        <pc:picChg chg="add mod">
-          <ac:chgData name="LAZREG Mehdi" userId="S::mehdi.lazreg@edu.devinci.fr::9a6f43fa-4406-4f8c-8a9f-6a6c2418bdff" providerId="AD" clId="Web-{5339F386-AAE6-4E54-B93C-F68F1103F79F}" dt="2024-05-14T11:11:59.969" v="181" actId="14100"/>
-          <ac:picMkLst>
-            <pc:docMk/>
-            <pc:sldMk cId="2610056257" sldId="269"/>
-            <ac:picMk id="4" creationId="{9FF5B068-7112-7B83-6EAD-8E4460BD6628}"/>
-          </ac:picMkLst>
-        </pc:picChg>
-      </pc:sldChg>
-    </pc:docChg>
-  </pc:docChgLst>
-  <pc:docChgLst>
-    <pc:chgData name="LAZREG Mehdi" userId="S::mehdi.lazreg@edu.devinci.fr::9a6f43fa-4406-4f8c-8a9f-6a6c2418bdff" providerId="AD" clId="Web-{F6C581F1-41D9-447C-BCDC-DBA4D2F3E5A8}"/>
-    <pc:docChg chg="modSld">
-      <pc:chgData name="LAZREG Mehdi" userId="S::mehdi.lazreg@edu.devinci.fr::9a6f43fa-4406-4f8c-8a9f-6a6c2418bdff" providerId="AD" clId="Web-{F6C581F1-41D9-447C-BCDC-DBA4D2F3E5A8}" dt="2024-05-20T21:29:07.850" v="277" actId="1076"/>
-      <pc:docMkLst>
-        <pc:docMk/>
-      </pc:docMkLst>
-      <pc:sldChg chg="addSp delSp modSp mod setBg">
-        <pc:chgData name="LAZREG Mehdi" userId="S::mehdi.lazreg@edu.devinci.fr::9a6f43fa-4406-4f8c-8a9f-6a6c2418bdff" providerId="AD" clId="Web-{F6C581F1-41D9-447C-BCDC-DBA4D2F3E5A8}" dt="2024-05-20T21:07:47.072" v="80" actId="1076"/>
-        <pc:sldMkLst>
-          <pc:docMk/>
-          <pc:sldMk cId="3784089036" sldId="256"/>
-        </pc:sldMkLst>
-        <pc:spChg chg="mod">
-          <ac:chgData name="LAZREG Mehdi" userId="S::mehdi.lazreg@edu.devinci.fr::9a6f43fa-4406-4f8c-8a9f-6a6c2418bdff" providerId="AD" clId="Web-{F6C581F1-41D9-447C-BCDC-DBA4D2F3E5A8}" dt="2024-05-20T21:07:47.072" v="80" actId="1076"/>
-          <ac:spMkLst>
-            <pc:docMk/>
-            <pc:sldMk cId="3784089036" sldId="256"/>
-            <ac:spMk id="3" creationId="{00000000-0000-0000-0000-000000000000}"/>
-          </ac:spMkLst>
-        </pc:spChg>
-        <pc:spChg chg="add mod ord">
-          <ac:chgData name="LAZREG Mehdi" userId="S::mehdi.lazreg@edu.devinci.fr::9a6f43fa-4406-4f8c-8a9f-6a6c2418bdff" providerId="AD" clId="Web-{F6C581F1-41D9-447C-BCDC-DBA4D2F3E5A8}" dt="2024-05-20T21:03:56.337" v="16"/>
-          <ac:spMkLst>
-            <pc:docMk/>
-            <pc:sldMk cId="3784089036" sldId="256"/>
-            <ac:spMk id="7" creationId="{E9F1C4DA-C505-7B31-87D7-903F7EBE65A5}"/>
-          </ac:spMkLst>
-        </pc:spChg>
-        <pc:spChg chg="add mod">
-          <ac:chgData name="LAZREG Mehdi" userId="S::mehdi.lazreg@edu.devinci.fr::9a6f43fa-4406-4f8c-8a9f-6a6c2418bdff" providerId="AD" clId="Web-{F6C581F1-41D9-447C-BCDC-DBA4D2F3E5A8}" dt="2024-05-20T21:06:02.018" v="61" actId="1076"/>
-          <ac:spMkLst>
-            <pc:docMk/>
-            <pc:sldMk cId="3784089036" sldId="256"/>
-            <ac:spMk id="8" creationId="{870ED200-96A1-0952-2658-D9558F1C345E}"/>
-          </ac:spMkLst>
-        </pc:spChg>
-        <pc:spChg chg="add mod ord">
-          <ac:chgData name="LAZREG Mehdi" userId="S::mehdi.lazreg@edu.devinci.fr::9a6f43fa-4406-4f8c-8a9f-6a6c2418bdff" providerId="AD" clId="Web-{F6C581F1-41D9-447C-BCDC-DBA4D2F3E5A8}" dt="2024-05-20T21:07:29.024" v="79" actId="14100"/>
-          <ac:spMkLst>
-            <pc:docMk/>
-            <pc:sldMk cId="3784089036" sldId="256"/>
-            <ac:spMk id="9" creationId="{4F4964E6-757D-C842-1C7C-B27CB752AF1B}"/>
-          </ac:spMkLst>
-        </pc:spChg>
-        <pc:picChg chg="del">
-          <ac:chgData name="LAZREG Mehdi" userId="S::mehdi.lazreg@edu.devinci.fr::9a6f43fa-4406-4f8c-8a9f-6a6c2418bdff" providerId="AD" clId="Web-{F6C581F1-41D9-447C-BCDC-DBA4D2F3E5A8}" dt="2024-05-20T21:02:13.002" v="0"/>
-          <ac:picMkLst>
-            <pc:docMk/>
-            <pc:sldMk cId="3784089036" sldId="256"/>
-            <ac:picMk id="4" creationId="{04F6CC9B-C1AF-EF57-6710-E7399A2F00C0}"/>
-          </ac:picMkLst>
-        </pc:picChg>
-        <pc:picChg chg="add mod">
-          <ac:chgData name="LAZREG Mehdi" userId="S::mehdi.lazreg@edu.devinci.fr::9a6f43fa-4406-4f8c-8a9f-6a6c2418bdff" providerId="AD" clId="Web-{F6C581F1-41D9-447C-BCDC-DBA4D2F3E5A8}" dt="2024-05-20T21:04:49.403" v="28" actId="1076"/>
-          <ac:picMkLst>
-            <pc:docMk/>
-            <pc:sldMk cId="3784089036" sldId="256"/>
-            <ac:picMk id="5" creationId="{10968C48-63A7-D53E-A5BC-549327DDB826}"/>
-          </ac:picMkLst>
-        </pc:picChg>
-      </pc:sldChg>
-      <pc:sldChg chg="addSp modSp">
-        <pc:chgData name="LAZREG Mehdi" userId="S::mehdi.lazreg@edu.devinci.fr::9a6f43fa-4406-4f8c-8a9f-6a6c2418bdff" providerId="AD" clId="Web-{F6C581F1-41D9-447C-BCDC-DBA4D2F3E5A8}" dt="2024-05-20T21:14:21.944" v="128" actId="14100"/>
-        <pc:sldMkLst>
-          <pc:docMk/>
-          <pc:sldMk cId="1114066402" sldId="257"/>
-        </pc:sldMkLst>
-        <pc:spChg chg="mod">
-          <ac:chgData name="LAZREG Mehdi" userId="S::mehdi.lazreg@edu.devinci.fr::9a6f43fa-4406-4f8c-8a9f-6a6c2418bdff" providerId="AD" clId="Web-{F6C581F1-41D9-447C-BCDC-DBA4D2F3E5A8}" dt="2024-05-20T21:14:21.944" v="128" actId="14100"/>
-          <ac:spMkLst>
-            <pc:docMk/>
-            <pc:sldMk cId="1114066402" sldId="257"/>
-            <ac:spMk id="3" creationId="{ED2B8304-F0EF-24E1-D772-F5FBC994348D}"/>
-          </ac:spMkLst>
-        </pc:spChg>
-        <pc:picChg chg="add mod">
-          <ac:chgData name="LAZREG Mehdi" userId="S::mehdi.lazreg@edu.devinci.fr::9a6f43fa-4406-4f8c-8a9f-6a6c2418bdff" providerId="AD" clId="Web-{F6C581F1-41D9-447C-BCDC-DBA4D2F3E5A8}" dt="2024-05-20T21:14:08.021" v="124" actId="1076"/>
-          <ac:picMkLst>
-            <pc:docMk/>
-            <pc:sldMk cId="1114066402" sldId="257"/>
-            <ac:picMk id="4" creationId="{278BFA19-3D97-17FF-2BB4-F4789A107BEB}"/>
-          </ac:picMkLst>
-        </pc:picChg>
-        <pc:picChg chg="mod">
-          <ac:chgData name="LAZREG Mehdi" userId="S::mehdi.lazreg@edu.devinci.fr::9a6f43fa-4406-4f8c-8a9f-6a6c2418bdff" providerId="AD" clId="Web-{F6C581F1-41D9-447C-BCDC-DBA4D2F3E5A8}" dt="2024-05-20T21:14:00.489" v="121" actId="1076"/>
-          <ac:picMkLst>
-            <pc:docMk/>
-            <pc:sldMk cId="1114066402" sldId="257"/>
-            <ac:picMk id="5" creationId="{4903A523-2B22-69FA-949F-195A8175BC8D}"/>
-          </ac:picMkLst>
-        </pc:picChg>
-      </pc:sldChg>
-      <pc:sldChg chg="modSp">
-        <pc:chgData name="LAZREG Mehdi" userId="S::mehdi.lazreg@edu.devinci.fr::9a6f43fa-4406-4f8c-8a9f-6a6c2418bdff" providerId="AD" clId="Web-{F6C581F1-41D9-447C-BCDC-DBA4D2F3E5A8}" dt="2024-05-20T21:26:40.886" v="245"/>
-        <pc:sldMkLst>
-          <pc:docMk/>
-          <pc:sldMk cId="291742287" sldId="265"/>
-        </pc:sldMkLst>
-        <pc:spChg chg="mod">
-          <ac:chgData name="LAZREG Mehdi" userId="S::mehdi.lazreg@edu.devinci.fr::9a6f43fa-4406-4f8c-8a9f-6a6c2418bdff" providerId="AD" clId="Web-{F6C581F1-41D9-447C-BCDC-DBA4D2F3E5A8}" dt="2024-05-20T21:26:40.886" v="245"/>
-          <ac:spMkLst>
-            <pc:docMk/>
-            <pc:sldMk cId="291742287" sldId="265"/>
-            <ac:spMk id="2" creationId="{3EDC45F6-2CC2-EC6E-8C54-FA26E11C3A59}"/>
-          </ac:spMkLst>
-        </pc:spChg>
-        <pc:spChg chg="mod">
-          <ac:chgData name="LAZREG Mehdi" userId="S::mehdi.lazreg@edu.devinci.fr::9a6f43fa-4406-4f8c-8a9f-6a6c2418bdff" providerId="AD" clId="Web-{F6C581F1-41D9-447C-BCDC-DBA4D2F3E5A8}" dt="2024-05-20T21:08:48.170" v="85" actId="20577"/>
-          <ac:spMkLst>
-            <pc:docMk/>
-            <pc:sldMk cId="291742287" sldId="265"/>
-            <ac:spMk id="3" creationId="{3FFE00BC-E39A-CD6D-E4C4-BC62DC39A231}"/>
-          </ac:spMkLst>
-        </pc:spChg>
-        <pc:picChg chg="mod ord">
-          <ac:chgData name="LAZREG Mehdi" userId="S::mehdi.lazreg@edu.devinci.fr::9a6f43fa-4406-4f8c-8a9f-6a6c2418bdff" providerId="AD" clId="Web-{F6C581F1-41D9-447C-BCDC-DBA4D2F3E5A8}" dt="2024-05-20T21:10:26.130" v="102" actId="1076"/>
-          <ac:picMkLst>
-            <pc:docMk/>
-            <pc:sldMk cId="291742287" sldId="265"/>
-            <ac:picMk id="6" creationId="{43FF344D-7CBF-A57C-1C55-C037AFA7E53E}"/>
-          </ac:picMkLst>
-        </pc:picChg>
-        <pc:picChg chg="mod">
-          <ac:chgData name="LAZREG Mehdi" userId="S::mehdi.lazreg@edu.devinci.fr::9a6f43fa-4406-4f8c-8a9f-6a6c2418bdff" providerId="AD" clId="Web-{F6C581F1-41D9-447C-BCDC-DBA4D2F3E5A8}" dt="2024-05-20T21:09:58.629" v="97" actId="1076"/>
-          <ac:picMkLst>
-            <pc:docMk/>
-            <pc:sldMk cId="291742287" sldId="265"/>
-            <ac:picMk id="8" creationId="{D41BA558-467E-22D4-C7E3-F18363E69F5F}"/>
-          </ac:picMkLst>
-        </pc:picChg>
-        <pc:picChg chg="mod">
-          <ac:chgData name="LAZREG Mehdi" userId="S::mehdi.lazreg@edu.devinci.fr::9a6f43fa-4406-4f8c-8a9f-6a6c2418bdff" providerId="AD" clId="Web-{F6C581F1-41D9-447C-BCDC-DBA4D2F3E5A8}" dt="2024-05-20T21:10:30.475" v="105" actId="1076"/>
-          <ac:picMkLst>
-            <pc:docMk/>
-            <pc:sldMk cId="291742287" sldId="265"/>
-            <ac:picMk id="12" creationId="{27340118-A694-0426-9A20-E5727A895224}"/>
-          </ac:picMkLst>
-        </pc:picChg>
-      </pc:sldChg>
-      <pc:sldChg chg="modSp">
-        <pc:chgData name="LAZREG Mehdi" userId="S::mehdi.lazreg@edu.devinci.fr::9a6f43fa-4406-4f8c-8a9f-6a6c2418bdff" providerId="AD" clId="Web-{F6C581F1-41D9-447C-BCDC-DBA4D2F3E5A8}" dt="2024-05-20T21:27:18.483" v="251" actId="20577"/>
-        <pc:sldMkLst>
-          <pc:docMk/>
-          <pc:sldMk cId="1940570141" sldId="267"/>
-        </pc:sldMkLst>
-        <pc:spChg chg="mod">
-          <ac:chgData name="LAZREG Mehdi" userId="S::mehdi.lazreg@edu.devinci.fr::9a6f43fa-4406-4f8c-8a9f-6a6c2418bdff" providerId="AD" clId="Web-{F6C581F1-41D9-447C-BCDC-DBA4D2F3E5A8}" dt="2024-05-20T21:27:18.483" v="251" actId="20577"/>
-          <ac:spMkLst>
-            <pc:docMk/>
-            <pc:sldMk cId="1940570141" sldId="267"/>
-            <ac:spMk id="5" creationId="{0B98D220-B552-FE0A-488E-F561C082DDBD}"/>
-          </ac:spMkLst>
-        </pc:spChg>
-      </pc:sldChg>
-      <pc:sldChg chg="addSp delSp modSp mod setBg">
-        <pc:chgData name="LAZREG Mehdi" userId="S::mehdi.lazreg@edu.devinci.fr::9a6f43fa-4406-4f8c-8a9f-6a6c2418bdff" providerId="AD" clId="Web-{F6C581F1-41D9-447C-BCDC-DBA4D2F3E5A8}" dt="2024-05-20T21:29:07.850" v="277" actId="1076"/>
-        <pc:sldMkLst>
-          <pc:docMk/>
-          <pc:sldMk cId="1255366357" sldId="270"/>
-        </pc:sldMkLst>
-        <pc:spChg chg="mod">
-          <ac:chgData name="LAZREG Mehdi" userId="S::mehdi.lazreg@edu.devinci.fr::9a6f43fa-4406-4f8c-8a9f-6a6c2418bdff" providerId="AD" clId="Web-{F6C581F1-41D9-447C-BCDC-DBA4D2F3E5A8}" dt="2024-05-20T21:26:07.134" v="235" actId="20577"/>
-          <ac:spMkLst>
-            <pc:docMk/>
-            <pc:sldMk cId="1255366357" sldId="270"/>
-            <ac:spMk id="2" creationId="{5BA72D9F-46AA-93C9-34C4-F2162A816D6E}"/>
-          </ac:spMkLst>
-        </pc:spChg>
-        <pc:spChg chg="del mod">
-          <ac:chgData name="LAZREG Mehdi" userId="S::mehdi.lazreg@edu.devinci.fr::9a6f43fa-4406-4f8c-8a9f-6a6c2418bdff" providerId="AD" clId="Web-{F6C581F1-41D9-447C-BCDC-DBA4D2F3E5A8}" dt="2024-05-20T21:22:16.399" v="205"/>
-          <ac:spMkLst>
-            <pc:docMk/>
-            <pc:sldMk cId="1255366357" sldId="270"/>
-            <ac:spMk id="3" creationId="{B6BD0C13-14DA-8BF6-10E4-1E6E9DA1B06A}"/>
-          </ac:spMkLst>
-        </pc:spChg>
-        <pc:spChg chg="add del mod">
-          <ac:chgData name="LAZREG Mehdi" userId="S::mehdi.lazreg@edu.devinci.fr::9a6f43fa-4406-4f8c-8a9f-6a6c2418bdff" providerId="AD" clId="Web-{F6C581F1-41D9-447C-BCDC-DBA4D2F3E5A8}" dt="2024-05-20T21:22:20.665" v="206"/>
-          <ac:spMkLst>
-            <pc:docMk/>
-            <pc:sldMk cId="1255366357" sldId="270"/>
-            <ac:spMk id="330" creationId="{C1470017-865D-38AC-B43D-D1C05B23C346}"/>
-          </ac:spMkLst>
-        </pc:spChg>
-        <pc:spChg chg="add mod ord">
-          <ac:chgData name="LAZREG Mehdi" userId="S::mehdi.lazreg@edu.devinci.fr::9a6f43fa-4406-4f8c-8a9f-6a6c2418bdff" providerId="AD" clId="Web-{F6C581F1-41D9-447C-BCDC-DBA4D2F3E5A8}" dt="2024-05-20T21:28:43.786" v="271"/>
-          <ac:spMkLst>
-            <pc:docMk/>
-            <pc:sldMk cId="1255366357" sldId="270"/>
-            <ac:spMk id="738" creationId="{355162C3-EB73-B81C-90FF-7CC5C4414AFB}"/>
-          </ac:spMkLst>
-        </pc:spChg>
-        <pc:spChg chg="add mod ord">
-          <ac:chgData name="LAZREG Mehdi" userId="S::mehdi.lazreg@edu.devinci.fr::9a6f43fa-4406-4f8c-8a9f-6a6c2418bdff" providerId="AD" clId="Web-{F6C581F1-41D9-447C-BCDC-DBA4D2F3E5A8}" dt="2024-05-20T21:29:07.850" v="277" actId="1076"/>
-          <ac:spMkLst>
-            <pc:docMk/>
-            <pc:sldMk cId="1255366357" sldId="270"/>
-            <ac:spMk id="753" creationId="{D2BACD08-522E-254F-AD41-3850AA8CDE4C}"/>
-          </ac:spMkLst>
-        </pc:spChg>
-        <pc:graphicFrameChg chg="add del mod modGraphic">
-          <ac:chgData name="LAZREG Mehdi" userId="S::mehdi.lazreg@edu.devinci.fr::9a6f43fa-4406-4f8c-8a9f-6a6c2418bdff" providerId="AD" clId="Web-{F6C581F1-41D9-447C-BCDC-DBA4D2F3E5A8}" dt="2024-05-20T21:20:42.908" v="188"/>
-          <ac:graphicFrameMkLst>
-            <pc:docMk/>
-            <pc:sldMk cId="1255366357" sldId="270"/>
-            <ac:graphicFrameMk id="4" creationId="{E9A1795A-5F75-9705-B357-D0687182281F}"/>
-          </ac:graphicFrameMkLst>
-        </pc:graphicFrameChg>
-        <pc:graphicFrameChg chg="add mod modGraphic">
-          <ac:chgData name="LAZREG Mehdi" userId="S::mehdi.lazreg@edu.devinci.fr::9a6f43fa-4406-4f8c-8a9f-6a6c2418bdff" providerId="AD" clId="Web-{F6C581F1-41D9-447C-BCDC-DBA4D2F3E5A8}" dt="2024-05-20T21:29:01.381" v="275" actId="1076"/>
-          <ac:graphicFrameMkLst>
-            <pc:docMk/>
-            <pc:sldMk cId="1255366357" sldId="270"/>
-            <ac:graphicFrameMk id="110" creationId="{1C2075AE-D35E-D2B1-84AE-6EB53155D664}"/>
-          </ac:graphicFrameMkLst>
-        </pc:graphicFrameChg>
-      </pc:sldChg>
-      <pc:sldChg chg="mod setBg">
-        <pc:chgData name="LAZREG Mehdi" userId="S::mehdi.lazreg@edu.devinci.fr::9a6f43fa-4406-4f8c-8a9f-6a6c2418bdff" providerId="AD" clId="Web-{F6C581F1-41D9-447C-BCDC-DBA4D2F3E5A8}" dt="2024-05-20T21:02:43.176" v="8"/>
-        <pc:sldMkLst>
-          <pc:docMk/>
-          <pc:sldMk cId="1737621038" sldId="271"/>
-        </pc:sldMkLst>
-      </pc:sldChg>
-    </pc:docChg>
-  </pc:docChgLst>
-  <pc:docChgLst>
-    <pc:chgData name="LAZREG Mehdi" userId="S::mehdi.lazreg@edu.devinci.fr::9a6f43fa-4406-4f8c-8a9f-6a6c2418bdff" providerId="AD" clId="Web-{C959B5EF-1019-4BF8-8C19-9724E56C0A50}"/>
-    <pc:docChg chg="addSld modSld sldOrd">
-      <pc:chgData name="LAZREG Mehdi" userId="S::mehdi.lazreg@edu.devinci.fr::9a6f43fa-4406-4f8c-8a9f-6a6c2418bdff" providerId="AD" clId="Web-{C959B5EF-1019-4BF8-8C19-9724E56C0A50}" dt="2024-05-12T13:30:10.913" v="35"/>
-      <pc:docMkLst>
-        <pc:docMk/>
-      </pc:docMkLst>
-      <pc:sldChg chg="modSp">
-        <pc:chgData name="LAZREG Mehdi" userId="S::mehdi.lazreg@edu.devinci.fr::9a6f43fa-4406-4f8c-8a9f-6a6c2418bdff" providerId="AD" clId="Web-{C959B5EF-1019-4BF8-8C19-9724E56C0A50}" dt="2024-05-12T13:27:29.582" v="1" actId="20577"/>
-        <pc:sldMkLst>
-          <pc:docMk/>
-          <pc:sldMk cId="1114066402" sldId="257"/>
-        </pc:sldMkLst>
-        <pc:spChg chg="mod">
-          <ac:chgData name="LAZREG Mehdi" userId="S::mehdi.lazreg@edu.devinci.fr::9a6f43fa-4406-4f8c-8a9f-6a6c2418bdff" providerId="AD" clId="Web-{C959B5EF-1019-4BF8-8C19-9724E56C0A50}" dt="2024-05-12T13:27:29.582" v="1" actId="20577"/>
-          <ac:spMkLst>
-            <pc:docMk/>
-            <pc:sldMk cId="1114066402" sldId="257"/>
-            <ac:spMk id="3" creationId="{ED2B8304-F0EF-24E1-D772-F5FBC994348D}"/>
-          </ac:spMkLst>
-        </pc:spChg>
-      </pc:sldChg>
-      <pc:sldChg chg="mod modShow">
-        <pc:chgData name="LAZREG Mehdi" userId="S::mehdi.lazreg@edu.devinci.fr::9a6f43fa-4406-4f8c-8a9f-6a6c2418bdff" providerId="AD" clId="Web-{C959B5EF-1019-4BF8-8C19-9724E56C0A50}" dt="2024-05-12T13:30:10.913" v="35"/>
-        <pc:sldMkLst>
-          <pc:docMk/>
-          <pc:sldMk cId="203961534" sldId="260"/>
-        </pc:sldMkLst>
-      </pc:sldChg>
-      <pc:sldChg chg="modSp new">
-        <pc:chgData name="LAZREG Mehdi" userId="S::mehdi.lazreg@edu.devinci.fr::9a6f43fa-4406-4f8c-8a9f-6a6c2418bdff" providerId="AD" clId="Web-{C959B5EF-1019-4BF8-8C19-9724E56C0A50}" dt="2024-05-12T13:27:49.395" v="6" actId="20577"/>
-        <pc:sldMkLst>
-          <pc:docMk/>
-          <pc:sldMk cId="269650652" sldId="262"/>
-        </pc:sldMkLst>
-        <pc:spChg chg="mod">
-          <ac:chgData name="LAZREG Mehdi" userId="S::mehdi.lazreg@edu.devinci.fr::9a6f43fa-4406-4f8c-8a9f-6a6c2418bdff" providerId="AD" clId="Web-{C959B5EF-1019-4BF8-8C19-9724E56C0A50}" dt="2024-05-12T13:27:49.395" v="6" actId="20577"/>
-          <ac:spMkLst>
-            <pc:docMk/>
-            <pc:sldMk cId="269650652" sldId="262"/>
-            <ac:spMk id="2" creationId="{E27C92B8-C958-E69C-45D3-48133CCFF65E}"/>
-          </ac:spMkLst>
-        </pc:spChg>
-        <pc:spChg chg="mod">
-          <ac:chgData name="LAZREG Mehdi" userId="S::mehdi.lazreg@edu.devinci.fr::9a6f43fa-4406-4f8c-8a9f-6a6c2418bdff" providerId="AD" clId="Web-{C959B5EF-1019-4BF8-8C19-9724E56C0A50}" dt="2024-05-12T13:27:39.286" v="4" actId="20577"/>
-          <ac:spMkLst>
-            <pc:docMk/>
-            <pc:sldMk cId="269650652" sldId="262"/>
-            <ac:spMk id="3" creationId="{9062FB82-9960-FDD0-FC03-893CC798E25C}"/>
-          </ac:spMkLst>
-        </pc:spChg>
-      </pc:sldChg>
-      <pc:sldChg chg="modSp new">
-        <pc:chgData name="LAZREG Mehdi" userId="S::mehdi.lazreg@edu.devinci.fr::9a6f43fa-4406-4f8c-8a9f-6a6c2418bdff" providerId="AD" clId="Web-{C959B5EF-1019-4BF8-8C19-9724E56C0A50}" dt="2024-05-12T13:28:18.990" v="19" actId="20577"/>
-        <pc:sldMkLst>
-          <pc:docMk/>
-          <pc:sldMk cId="3935125743" sldId="263"/>
-        </pc:sldMkLst>
-        <pc:spChg chg="mod">
-          <ac:chgData name="LAZREG Mehdi" userId="S::mehdi.lazreg@edu.devinci.fr::9a6f43fa-4406-4f8c-8a9f-6a6c2418bdff" providerId="AD" clId="Web-{C959B5EF-1019-4BF8-8C19-9724E56C0A50}" dt="2024-05-12T13:28:18.990" v="19" actId="20577"/>
-          <ac:spMkLst>
-            <pc:docMk/>
-            <pc:sldMk cId="3935125743" sldId="263"/>
-            <ac:spMk id="2" creationId="{5A0C9C8C-3F77-6656-6B75-5D7C071C9E28}"/>
-          </ac:spMkLst>
-        </pc:spChg>
-        <pc:spChg chg="mod">
-          <ac:chgData name="LAZREG Mehdi" userId="S::mehdi.lazreg@edu.devinci.fr::9a6f43fa-4406-4f8c-8a9f-6a6c2418bdff" providerId="AD" clId="Web-{C959B5EF-1019-4BF8-8C19-9724E56C0A50}" dt="2024-05-12T13:27:56.974" v="9" actId="20577"/>
-          <ac:spMkLst>
-            <pc:docMk/>
-            <pc:sldMk cId="3935125743" sldId="263"/>
-            <ac:spMk id="3" creationId="{F6908E4B-F02A-CF7E-E32C-C867495960D0}"/>
-          </ac:spMkLst>
-        </pc:spChg>
-      </pc:sldChg>
-      <pc:sldChg chg="modSp new">
-        <pc:chgData name="LAZREG Mehdi" userId="S::mehdi.lazreg@edu.devinci.fr::9a6f43fa-4406-4f8c-8a9f-6a6c2418bdff" providerId="AD" clId="Web-{C959B5EF-1019-4BF8-8C19-9724E56C0A50}" dt="2024-05-12T13:29:10.178" v="23" actId="20577"/>
-        <pc:sldMkLst>
-          <pc:docMk/>
-          <pc:sldMk cId="3027520233" sldId="264"/>
-        </pc:sldMkLst>
-        <pc:spChg chg="mod">
-          <ac:chgData name="LAZREG Mehdi" userId="S::mehdi.lazreg@edu.devinci.fr::9a6f43fa-4406-4f8c-8a9f-6a6c2418bdff" providerId="AD" clId="Web-{C959B5EF-1019-4BF8-8C19-9724E56C0A50}" dt="2024-05-12T13:28:52.896" v="21" actId="20577"/>
-          <ac:spMkLst>
-            <pc:docMk/>
-            <pc:sldMk cId="3027520233" sldId="264"/>
-            <ac:spMk id="2" creationId="{15D48C4D-ACD2-A139-029B-B2DB7D596D52}"/>
-          </ac:spMkLst>
-        </pc:spChg>
-        <pc:spChg chg="mod">
-          <ac:chgData name="LAZREG Mehdi" userId="S::mehdi.lazreg@edu.devinci.fr::9a6f43fa-4406-4f8c-8a9f-6a6c2418bdff" providerId="AD" clId="Web-{C959B5EF-1019-4BF8-8C19-9724E56C0A50}" dt="2024-05-12T13:29:10.178" v="23" actId="20577"/>
-          <ac:spMkLst>
-            <pc:docMk/>
-            <pc:sldMk cId="3027520233" sldId="264"/>
-            <ac:spMk id="3" creationId="{F3590984-D9D2-998B-C45A-CFFA67B852C6}"/>
-          </ac:spMkLst>
-        </pc:spChg>
-      </pc:sldChg>
-      <pc:sldChg chg="modSp new">
-        <pc:chgData name="LAZREG Mehdi" userId="S::mehdi.lazreg@edu.devinci.fr::9a6f43fa-4406-4f8c-8a9f-6a6c2418bdff" providerId="AD" clId="Web-{C959B5EF-1019-4BF8-8C19-9724E56C0A50}" dt="2024-05-12T13:29:32.569" v="28" actId="20577"/>
-        <pc:sldMkLst>
-          <pc:docMk/>
-          <pc:sldMk cId="291742287" sldId="265"/>
-        </pc:sldMkLst>
-        <pc:spChg chg="mod">
-          <ac:chgData name="LAZREG Mehdi" userId="S::mehdi.lazreg@edu.devinci.fr::9a6f43fa-4406-4f8c-8a9f-6a6c2418bdff" providerId="AD" clId="Web-{C959B5EF-1019-4BF8-8C19-9724E56C0A50}" dt="2024-05-12T13:29:18.475" v="26" actId="20577"/>
-          <ac:spMkLst>
-            <pc:docMk/>
-            <pc:sldMk cId="291742287" sldId="265"/>
-            <ac:spMk id="2" creationId="{3EDC45F6-2CC2-EC6E-8C54-FA26E11C3A59}"/>
-          </ac:spMkLst>
-        </pc:spChg>
-        <pc:spChg chg="mod">
-          <ac:chgData name="LAZREG Mehdi" userId="S::mehdi.lazreg@edu.devinci.fr::9a6f43fa-4406-4f8c-8a9f-6a6c2418bdff" providerId="AD" clId="Web-{C959B5EF-1019-4BF8-8C19-9724E56C0A50}" dt="2024-05-12T13:29:32.569" v="28" actId="20577"/>
-          <ac:spMkLst>
-            <pc:docMk/>
-            <pc:sldMk cId="291742287" sldId="265"/>
-            <ac:spMk id="3" creationId="{3FFE00BC-E39A-CD6D-E4C4-BC62DC39A231}"/>
-          </ac:spMkLst>
-        </pc:spChg>
-      </pc:sldChg>
-      <pc:sldChg chg="modSp new ord">
-        <pc:chgData name="LAZREG Mehdi" userId="S::mehdi.lazreg@edu.devinci.fr::9a6f43fa-4406-4f8c-8a9f-6a6c2418bdff" providerId="AD" clId="Web-{C959B5EF-1019-4BF8-8C19-9724E56C0A50}" dt="2024-05-12T13:29:52.944" v="34"/>
-        <pc:sldMkLst>
-          <pc:docMk/>
-          <pc:sldMk cId="1650450270" sldId="266"/>
-        </pc:sldMkLst>
-        <pc:spChg chg="mod">
-          <ac:chgData name="LAZREG Mehdi" userId="S::mehdi.lazreg@edu.devinci.fr::9a6f43fa-4406-4f8c-8a9f-6a6c2418bdff" providerId="AD" clId="Web-{C959B5EF-1019-4BF8-8C19-9724E56C0A50}" dt="2024-05-12T13:29:52.835" v="33" actId="20577"/>
-          <ac:spMkLst>
-            <pc:docMk/>
-            <pc:sldMk cId="1650450270" sldId="266"/>
-            <ac:spMk id="2" creationId="{C2026159-7AC3-481E-A0BC-D9ECAC4E5E22}"/>
-          </ac:spMkLst>
-        </pc:spChg>
-        <pc:spChg chg="mod">
-          <ac:chgData name="LAZREG Mehdi" userId="S::mehdi.lazreg@edu.devinci.fr::9a6f43fa-4406-4f8c-8a9f-6a6c2418bdff" providerId="AD" clId="Web-{C959B5EF-1019-4BF8-8C19-9724E56C0A50}" dt="2024-05-12T13:29:48.163" v="31" actId="20577"/>
-          <ac:spMkLst>
-            <pc:docMk/>
-            <pc:sldMk cId="1650450270" sldId="266"/>
-            <ac:spMk id="3" creationId="{F968F188-0580-9862-EB31-34956B73D166}"/>
-          </ac:spMkLst>
-        </pc:spChg>
-      </pc:sldChg>
-    </pc:docChg>
-  </pc:docChgLst>
-  <pc:docChgLst>
-    <pc:chgData name="LASNIER Aurélien" userId="S::aurelien.lasnier@edu.devinci.fr::a70bf9b7-3438-4f85-aeab-d83f2eeded99" providerId="AD" clId="Web-{E018C8DA-E121-4C18-807B-F7E05DC422A0}"/>
-    <pc:docChg chg="modSld">
-      <pc:chgData name="LASNIER Aurélien" userId="S::aurelien.lasnier@edu.devinci.fr::a70bf9b7-3438-4f85-aeab-d83f2eeded99" providerId="AD" clId="Web-{E018C8DA-E121-4C18-807B-F7E05DC422A0}" dt="2024-05-14T11:59:19.971" v="3" actId="20577"/>
-      <pc:docMkLst>
-        <pc:docMk/>
-      </pc:docMkLst>
-      <pc:sldChg chg="modSp">
-        <pc:chgData name="LASNIER Aurélien" userId="S::aurelien.lasnier@edu.devinci.fr::a70bf9b7-3438-4f85-aeab-d83f2eeded99" providerId="AD" clId="Web-{E018C8DA-E121-4C18-807B-F7E05DC422A0}" dt="2024-05-14T11:50:26.023" v="1" actId="20577"/>
-        <pc:sldMkLst>
-          <pc:docMk/>
-          <pc:sldMk cId="1114066402" sldId="257"/>
-        </pc:sldMkLst>
-        <pc:spChg chg="mod">
-          <ac:chgData name="LASNIER Aurélien" userId="S::aurelien.lasnier@edu.devinci.fr::a70bf9b7-3438-4f85-aeab-d83f2eeded99" providerId="AD" clId="Web-{E018C8DA-E121-4C18-807B-F7E05DC422A0}" dt="2024-05-14T11:50:26.023" v="1" actId="20577"/>
-          <ac:spMkLst>
-            <pc:docMk/>
-            <pc:sldMk cId="1114066402" sldId="257"/>
-            <ac:spMk id="3" creationId="{ED2B8304-F0EF-24E1-D772-F5FBC994348D}"/>
-          </ac:spMkLst>
-        </pc:spChg>
-      </pc:sldChg>
-      <pc:sldChg chg="modSp">
-        <pc:chgData name="LASNIER Aurélien" userId="S::aurelien.lasnier@edu.devinci.fr::a70bf9b7-3438-4f85-aeab-d83f2eeded99" providerId="AD" clId="Web-{E018C8DA-E121-4C18-807B-F7E05DC422A0}" dt="2024-05-14T11:59:19.971" v="3" actId="20577"/>
-        <pc:sldMkLst>
-          <pc:docMk/>
-          <pc:sldMk cId="291742287" sldId="265"/>
-        </pc:sldMkLst>
-        <pc:spChg chg="mod">
-          <ac:chgData name="LASNIER Aurélien" userId="S::aurelien.lasnier@edu.devinci.fr::a70bf9b7-3438-4f85-aeab-d83f2eeded99" providerId="AD" clId="Web-{E018C8DA-E121-4C18-807B-F7E05DC422A0}" dt="2024-05-14T11:59:19.971" v="3" actId="20577"/>
-          <ac:spMkLst>
-            <pc:docMk/>
-            <pc:sldMk cId="291742287" sldId="265"/>
-            <ac:spMk id="3" creationId="{3FFE00BC-E39A-CD6D-E4C4-BC62DC39A231}"/>
-          </ac:spMkLst>
-        </pc:spChg>
-      </pc:sldChg>
-    </pc:docChg>
-  </pc:docChgLst>
-  <pc:docChgLst>
-    <pc:chgData name="LAZREG Mehdi" userId="S::mehdi.lazreg@edu.devinci.fr::9a6f43fa-4406-4f8c-8a9f-6a6c2418bdff" providerId="AD" clId="Web-{56E1B00F-21B9-4C3B-A22B-DB542F127612}"/>
-    <pc:docChg chg="addSld modSld sldOrd">
-      <pc:chgData name="LAZREG Mehdi" userId="S::mehdi.lazreg@edu.devinci.fr::9a6f43fa-4406-4f8c-8a9f-6a6c2418bdff" providerId="AD" clId="Web-{56E1B00F-21B9-4C3B-A22B-DB542F127612}" dt="2024-05-14T12:17:08.423" v="10" actId="20577"/>
-      <pc:docMkLst>
-        <pc:docMk/>
-      </pc:docMkLst>
-      <pc:sldChg chg="modSp">
-        <pc:chgData name="LAZREG Mehdi" userId="S::mehdi.lazreg@edu.devinci.fr::9a6f43fa-4406-4f8c-8a9f-6a6c2418bdff" providerId="AD" clId="Web-{56E1B00F-21B9-4C3B-A22B-DB542F127612}" dt="2024-05-14T11:36:13.316" v="0" actId="1076"/>
-        <pc:sldMkLst>
-          <pc:docMk/>
-          <pc:sldMk cId="3784089036" sldId="256"/>
-        </pc:sldMkLst>
-        <pc:picChg chg="mod">
-          <ac:chgData name="LAZREG Mehdi" userId="S::mehdi.lazreg@edu.devinci.fr::9a6f43fa-4406-4f8c-8a9f-6a6c2418bdff" providerId="AD" clId="Web-{56E1B00F-21B9-4C3B-A22B-DB542F127612}" dt="2024-05-14T11:36:13.316" v="0" actId="1076"/>
-          <ac:picMkLst>
-            <pc:docMk/>
-            <pc:sldMk cId="3784089036" sldId="256"/>
-            <ac:picMk id="4" creationId="{04F6CC9B-C1AF-EF57-6710-E7399A2F00C0}"/>
-          </ac:picMkLst>
-        </pc:picChg>
-      </pc:sldChg>
-      <pc:sldChg chg="modSp">
-        <pc:chgData name="LAZREG Mehdi" userId="S::mehdi.lazreg@edu.devinci.fr::9a6f43fa-4406-4f8c-8a9f-6a6c2418bdff" providerId="AD" clId="Web-{56E1B00F-21B9-4C3B-A22B-DB542F127612}" dt="2024-05-14T11:37:47.273" v="3" actId="20577"/>
-        <pc:sldMkLst>
-          <pc:docMk/>
-          <pc:sldMk cId="203961534" sldId="260"/>
-        </pc:sldMkLst>
-        <pc:spChg chg="mod">
-          <ac:chgData name="LAZREG Mehdi" userId="S::mehdi.lazreg@edu.devinci.fr::9a6f43fa-4406-4f8c-8a9f-6a6c2418bdff" providerId="AD" clId="Web-{56E1B00F-21B9-4C3B-A22B-DB542F127612}" dt="2024-05-14T11:37:47.273" v="3" actId="20577"/>
-          <ac:spMkLst>
-            <pc:docMk/>
-            <pc:sldMk cId="203961534" sldId="260"/>
-            <ac:spMk id="3" creationId="{16093933-0F01-D004-A89A-26658F1909A2}"/>
-          </ac:spMkLst>
-        </pc:spChg>
-      </pc:sldChg>
-      <pc:sldChg chg="modSp">
-        <pc:chgData name="LAZREG Mehdi" userId="S::mehdi.lazreg@edu.devinci.fr::9a6f43fa-4406-4f8c-8a9f-6a6c2418bdff" providerId="AD" clId="Web-{56E1B00F-21B9-4C3B-A22B-DB542F127612}" dt="2024-05-14T11:37:56.070" v="4" actId="1076"/>
-        <pc:sldMkLst>
-          <pc:docMk/>
-          <pc:sldMk cId="1940570141" sldId="267"/>
-        </pc:sldMkLst>
-        <pc:picChg chg="mod">
-          <ac:chgData name="LAZREG Mehdi" userId="S::mehdi.lazreg@edu.devinci.fr::9a6f43fa-4406-4f8c-8a9f-6a6c2418bdff" providerId="AD" clId="Web-{56E1B00F-21B9-4C3B-A22B-DB542F127612}" dt="2024-05-14T11:37:56.070" v="4" actId="1076"/>
-          <ac:picMkLst>
-            <pc:docMk/>
-            <pc:sldMk cId="1940570141" sldId="267"/>
-            <ac:picMk id="4" creationId="{981215E1-1D6B-D725-2B68-619784995D17}"/>
-          </ac:picMkLst>
-        </pc:picChg>
-      </pc:sldChg>
-      <pc:sldChg chg="modSp new ord">
-        <pc:chgData name="LAZREG Mehdi" userId="S::mehdi.lazreg@edu.devinci.fr::9a6f43fa-4406-4f8c-8a9f-6a6c2418bdff" providerId="AD" clId="Web-{56E1B00F-21B9-4C3B-A22B-DB542F127612}" dt="2024-05-14T12:17:08.423" v="10" actId="20577"/>
-        <pc:sldMkLst>
-          <pc:docMk/>
-          <pc:sldMk cId="1255366357" sldId="270"/>
-        </pc:sldMkLst>
-        <pc:spChg chg="mod">
-          <ac:chgData name="LAZREG Mehdi" userId="S::mehdi.lazreg@edu.devinci.fr::9a6f43fa-4406-4f8c-8a9f-6a6c2418bdff" providerId="AD" clId="Web-{56E1B00F-21B9-4C3B-A22B-DB542F127612}" dt="2024-05-14T12:17:08.423" v="10" actId="20577"/>
-          <ac:spMkLst>
-            <pc:docMk/>
-            <pc:sldMk cId="1255366357" sldId="270"/>
-            <ac:spMk id="2" creationId="{5BA72D9F-46AA-93C9-34C4-F2162A816D6E}"/>
-          </ac:spMkLst>
-        </pc:spChg>
-      </pc:sldChg>
-    </pc:docChg>
-  </pc:docChgLst>
-  <pc:docChgLst>
-    <pc:chgData clId="Web-{976FB1CE-2E6D-4135-95CA-3E654A4D4326}"/>
-    <pc:docChg chg="addSld">
-      <pc:chgData name="" userId="" providerId="" clId="Web-{976FB1CE-2E6D-4135-95CA-3E654A4D4326}" dt="2024-05-12T13:19:42.918" v="0"/>
-      <pc:docMkLst>
-        <pc:docMk/>
-      </pc:docMkLst>
-      <pc:sldChg chg="new">
-        <pc:chgData name="" userId="" providerId="" clId="Web-{976FB1CE-2E6D-4135-95CA-3E654A4D4326}" dt="2024-05-12T13:19:42.918" v="0"/>
-        <pc:sldMkLst>
-          <pc:docMk/>
-          <pc:sldMk cId="1114066402" sldId="257"/>
-        </pc:sldMkLst>
-      </pc:sldChg>
-    </pc:docChg>
-  </pc:docChgLst>
-  <pc:docChgLst>
-    <pc:chgData name="LAZREG Mehdi" userId="S::mehdi.lazreg@edu.devinci.fr::9a6f43fa-4406-4f8c-8a9f-6a6c2418bdff" providerId="AD" clId="Web-{530C6B5C-9BFB-4832-94D2-15196166BE06}"/>
-    <pc:docChg chg="modSld">
-      <pc:chgData name="LAZREG Mehdi" userId="S::mehdi.lazreg@edu.devinci.fr::9a6f43fa-4406-4f8c-8a9f-6a6c2418bdff" providerId="AD" clId="Web-{530C6B5C-9BFB-4832-94D2-15196166BE06}" dt="2024-05-20T06:41:55.225" v="18" actId="20577"/>
-      <pc:docMkLst>
-        <pc:docMk/>
-      </pc:docMkLst>
-      <pc:sldChg chg="modSp">
-        <pc:chgData name="LAZREG Mehdi" userId="S::mehdi.lazreg@edu.devinci.fr::9a6f43fa-4406-4f8c-8a9f-6a6c2418bdff" providerId="AD" clId="Web-{530C6B5C-9BFB-4832-94D2-15196166BE06}" dt="2024-05-20T06:40:10.300" v="6" actId="20577"/>
-        <pc:sldMkLst>
-          <pc:docMk/>
-          <pc:sldMk cId="1114066402" sldId="257"/>
-        </pc:sldMkLst>
-        <pc:spChg chg="mod">
-          <ac:chgData name="LAZREG Mehdi" userId="S::mehdi.lazreg@edu.devinci.fr::9a6f43fa-4406-4f8c-8a9f-6a6c2418bdff" providerId="AD" clId="Web-{530C6B5C-9BFB-4832-94D2-15196166BE06}" dt="2024-05-20T06:39:44.518" v="4" actId="20577"/>
-          <ac:spMkLst>
-            <pc:docMk/>
-            <pc:sldMk cId="1114066402" sldId="257"/>
-            <ac:spMk id="2" creationId="{EA28FF8B-F0C0-25AB-B7CE-944A979D01FC}"/>
-          </ac:spMkLst>
-        </pc:spChg>
-        <pc:spChg chg="mod">
-          <ac:chgData name="LAZREG Mehdi" userId="S::mehdi.lazreg@edu.devinci.fr::9a6f43fa-4406-4f8c-8a9f-6a6c2418bdff" providerId="AD" clId="Web-{530C6B5C-9BFB-4832-94D2-15196166BE06}" dt="2024-05-20T06:40:10.300" v="6" actId="20577"/>
-          <ac:spMkLst>
-            <pc:docMk/>
-            <pc:sldMk cId="1114066402" sldId="257"/>
-            <ac:spMk id="3" creationId="{ED2B8304-F0EF-24E1-D772-F5FBC994348D}"/>
-          </ac:spMkLst>
-        </pc:spChg>
-      </pc:sldChg>
-      <pc:sldChg chg="modSp">
-        <pc:chgData name="LAZREG Mehdi" userId="S::mehdi.lazreg@edu.devinci.fr::9a6f43fa-4406-4f8c-8a9f-6a6c2418bdff" providerId="AD" clId="Web-{530C6B5C-9BFB-4832-94D2-15196166BE06}" dt="2024-05-20T06:41:46.272" v="17" actId="20577"/>
-        <pc:sldMkLst>
-          <pc:docMk/>
-          <pc:sldMk cId="203961534" sldId="260"/>
-        </pc:sldMkLst>
-        <pc:spChg chg="mod">
-          <ac:chgData name="LAZREG Mehdi" userId="S::mehdi.lazreg@edu.devinci.fr::9a6f43fa-4406-4f8c-8a9f-6a6c2418bdff" providerId="AD" clId="Web-{530C6B5C-9BFB-4832-94D2-15196166BE06}" dt="2024-05-20T06:41:46.272" v="17" actId="20577"/>
-          <ac:spMkLst>
-            <pc:docMk/>
-            <pc:sldMk cId="203961534" sldId="260"/>
-            <ac:spMk id="2" creationId="{111E395F-F23E-905B-D1BE-83716F275D76}"/>
-          </ac:spMkLst>
-        </pc:spChg>
-      </pc:sldChg>
-      <pc:sldChg chg="modSp">
-        <pc:chgData name="LAZREG Mehdi" userId="S::mehdi.lazreg@edu.devinci.fr::9a6f43fa-4406-4f8c-8a9f-6a6c2418bdff" providerId="AD" clId="Web-{530C6B5C-9BFB-4832-94D2-15196166BE06}" dt="2024-05-20T06:40:40.801" v="12" actId="1076"/>
-        <pc:sldMkLst>
-          <pc:docMk/>
-          <pc:sldMk cId="291742287" sldId="265"/>
-        </pc:sldMkLst>
-        <pc:spChg chg="mod">
-          <ac:chgData name="LAZREG Mehdi" userId="S::mehdi.lazreg@edu.devinci.fr::9a6f43fa-4406-4f8c-8a9f-6a6c2418bdff" providerId="AD" clId="Web-{530C6B5C-9BFB-4832-94D2-15196166BE06}" dt="2024-05-20T06:40:33.317" v="10" actId="20577"/>
-          <ac:spMkLst>
-            <pc:docMk/>
-            <pc:sldMk cId="291742287" sldId="265"/>
-            <ac:spMk id="2" creationId="{3EDC45F6-2CC2-EC6E-8C54-FA26E11C3A59}"/>
-          </ac:spMkLst>
-        </pc:spChg>
-        <pc:spChg chg="mod">
-          <ac:chgData name="LAZREG Mehdi" userId="S::mehdi.lazreg@edu.devinci.fr::9a6f43fa-4406-4f8c-8a9f-6a6c2418bdff" providerId="AD" clId="Web-{530C6B5C-9BFB-4832-94D2-15196166BE06}" dt="2024-05-20T06:40:38.145" v="11" actId="20577"/>
-          <ac:spMkLst>
-            <pc:docMk/>
-            <pc:sldMk cId="291742287" sldId="265"/>
-            <ac:spMk id="3" creationId="{3FFE00BC-E39A-CD6D-E4C4-BC62DC39A231}"/>
-          </ac:spMkLst>
-        </pc:spChg>
-        <pc:picChg chg="mod">
-          <ac:chgData name="LAZREG Mehdi" userId="S::mehdi.lazreg@edu.devinci.fr::9a6f43fa-4406-4f8c-8a9f-6a6c2418bdff" providerId="AD" clId="Web-{530C6B5C-9BFB-4832-94D2-15196166BE06}" dt="2024-05-20T06:40:40.801" v="12" actId="1076"/>
-          <ac:picMkLst>
-            <pc:docMk/>
-            <pc:sldMk cId="291742287" sldId="265"/>
-            <ac:picMk id="6" creationId="{43FF344D-7CBF-A57C-1C55-C037AFA7E53E}"/>
-          </ac:picMkLst>
-        </pc:picChg>
-      </pc:sldChg>
-      <pc:sldChg chg="modSp">
-        <pc:chgData name="LAZREG Mehdi" userId="S::mehdi.lazreg@edu.devinci.fr::9a6f43fa-4406-4f8c-8a9f-6a6c2418bdff" providerId="AD" clId="Web-{530C6B5C-9BFB-4832-94D2-15196166BE06}" dt="2024-05-20T06:40:18.941" v="8" actId="20577"/>
-        <pc:sldMkLst>
-          <pc:docMk/>
-          <pc:sldMk cId="1940570141" sldId="267"/>
-        </pc:sldMkLst>
-        <pc:spChg chg="mod">
-          <ac:chgData name="LAZREG Mehdi" userId="S::mehdi.lazreg@edu.devinci.fr::9a6f43fa-4406-4f8c-8a9f-6a6c2418bdff" providerId="AD" clId="Web-{530C6B5C-9BFB-4832-94D2-15196166BE06}" dt="2024-05-20T06:40:18.941" v="8" actId="20577"/>
-          <ac:spMkLst>
-            <pc:docMk/>
-            <pc:sldMk cId="1940570141" sldId="267"/>
-            <ac:spMk id="5" creationId="{0B98D220-B552-FE0A-488E-F561C082DDBD}"/>
-          </ac:spMkLst>
-        </pc:spChg>
-      </pc:sldChg>
-      <pc:sldChg chg="modSp">
-        <pc:chgData name="LAZREG Mehdi" userId="S::mehdi.lazreg@edu.devinci.fr::9a6f43fa-4406-4f8c-8a9f-6a6c2418bdff" providerId="AD" clId="Web-{530C6B5C-9BFB-4832-94D2-15196166BE06}" dt="2024-05-20T06:40:51.692" v="13" actId="20577"/>
-        <pc:sldMkLst>
-          <pc:docMk/>
-          <pc:sldMk cId="1396293091" sldId="268"/>
-        </pc:sldMkLst>
-        <pc:spChg chg="mod">
-          <ac:chgData name="LAZREG Mehdi" userId="S::mehdi.lazreg@edu.devinci.fr::9a6f43fa-4406-4f8c-8a9f-6a6c2418bdff" providerId="AD" clId="Web-{530C6B5C-9BFB-4832-94D2-15196166BE06}" dt="2024-05-20T06:40:51.692" v="13" actId="20577"/>
-          <ac:spMkLst>
-            <pc:docMk/>
-            <pc:sldMk cId="1396293091" sldId="268"/>
-            <ac:spMk id="2" creationId="{A2341FF3-FFD7-09B3-F1B8-24EFF77D1D3B}"/>
-          </ac:spMkLst>
-        </pc:spChg>
-      </pc:sldChg>
-      <pc:sldChg chg="modSp">
-        <pc:chgData name="LAZREG Mehdi" userId="S::mehdi.lazreg@edu.devinci.fr::9a6f43fa-4406-4f8c-8a9f-6a6c2418bdff" providerId="AD" clId="Web-{530C6B5C-9BFB-4832-94D2-15196166BE06}" dt="2024-05-20T06:41:02.318" v="14" actId="20577"/>
-        <pc:sldMkLst>
-          <pc:docMk/>
-          <pc:sldMk cId="2610056257" sldId="269"/>
-        </pc:sldMkLst>
-        <pc:spChg chg="mod">
-          <ac:chgData name="LAZREG Mehdi" userId="S::mehdi.lazreg@edu.devinci.fr::9a6f43fa-4406-4f8c-8a9f-6a6c2418bdff" providerId="AD" clId="Web-{530C6B5C-9BFB-4832-94D2-15196166BE06}" dt="2024-05-20T06:41:02.318" v="14" actId="20577"/>
-          <ac:spMkLst>
-            <pc:docMk/>
-            <pc:sldMk cId="2610056257" sldId="269"/>
-            <ac:spMk id="2" creationId="{885BB6C9-1985-11FA-37AB-EBA4AE5F073E}"/>
-          </ac:spMkLst>
-        </pc:spChg>
-      </pc:sldChg>
-      <pc:sldChg chg="modSp">
-        <pc:chgData name="LAZREG Mehdi" userId="S::mehdi.lazreg@edu.devinci.fr::9a6f43fa-4406-4f8c-8a9f-6a6c2418bdff" providerId="AD" clId="Web-{530C6B5C-9BFB-4832-94D2-15196166BE06}" dt="2024-05-20T06:41:55.225" v="18" actId="20577"/>
-        <pc:sldMkLst>
-          <pc:docMk/>
-          <pc:sldMk cId="1255366357" sldId="270"/>
-        </pc:sldMkLst>
-        <pc:spChg chg="mod">
-          <ac:chgData name="LAZREG Mehdi" userId="S::mehdi.lazreg@edu.devinci.fr::9a6f43fa-4406-4f8c-8a9f-6a6c2418bdff" providerId="AD" clId="Web-{530C6B5C-9BFB-4832-94D2-15196166BE06}" dt="2024-05-20T06:41:55.225" v="18" actId="20577"/>
-          <ac:spMkLst>
-            <pc:docMk/>
-            <pc:sldMk cId="1255366357" sldId="270"/>
-            <ac:spMk id="2" creationId="{5BA72D9F-46AA-93C9-34C4-F2162A816D6E}"/>
-          </ac:spMkLst>
-        </pc:spChg>
-      </pc:sldChg>
-    </pc:docChg>
-  </pc:docChgLst>
-  <pc:docChgLst>
-    <pc:chgData name="LAZREG Mehdi" userId="S::mehdi.lazreg@edu.devinci.fr::9a6f43fa-4406-4f8c-8a9f-6a6c2418bdff" providerId="AD" clId="Web-{1E14994C-D0E2-4020-A4B7-46E9582640BB}"/>
-    <pc:docChg chg="addSld delSld modSld modMainMaster">
-      <pc:chgData name="LAZREG Mehdi" userId="S::mehdi.lazreg@edu.devinci.fr::9a6f43fa-4406-4f8c-8a9f-6a6c2418bdff" providerId="AD" clId="Web-{1E14994C-D0E2-4020-A4B7-46E9582640BB}" dt="2024-05-20T21:01:00.760" v="290" actId="1076"/>
-      <pc:docMkLst>
-        <pc:docMk/>
-      </pc:docMkLst>
-      <pc:sldChg chg="mod">
-        <pc:chgData name="LAZREG Mehdi" userId="S::mehdi.lazreg@edu.devinci.fr::9a6f43fa-4406-4f8c-8a9f-6a6c2418bdff" providerId="AD" clId="Web-{1E14994C-D0E2-4020-A4B7-46E9582640BB}" dt="2024-05-20T20:40:56.445" v="88"/>
-        <pc:sldMkLst>
-          <pc:docMk/>
-          <pc:sldMk cId="3784089036" sldId="256"/>
-        </pc:sldMkLst>
-      </pc:sldChg>
-      <pc:sldChg chg="addSp delSp modSp mod setBg">
-        <pc:chgData name="LAZREG Mehdi" userId="S::mehdi.lazreg@edu.devinci.fr::9a6f43fa-4406-4f8c-8a9f-6a6c2418bdff" providerId="AD" clId="Web-{1E14994C-D0E2-4020-A4B7-46E9582640BB}" dt="2024-05-20T20:54:02.948" v="226"/>
-        <pc:sldMkLst>
-          <pc:docMk/>
-          <pc:sldMk cId="1114066402" sldId="257"/>
-        </pc:sldMkLst>
-        <pc:spChg chg="mod">
-          <ac:chgData name="LAZREG Mehdi" userId="S::mehdi.lazreg@edu.devinci.fr::9a6f43fa-4406-4f8c-8a9f-6a6c2418bdff" providerId="AD" clId="Web-{1E14994C-D0E2-4020-A4B7-46E9582640BB}" dt="2024-05-20T20:53:42.479" v="221" actId="20577"/>
-          <ac:spMkLst>
-            <pc:docMk/>
-            <pc:sldMk cId="1114066402" sldId="257"/>
-            <ac:spMk id="2" creationId="{EA28FF8B-F0C0-25AB-B7CE-944A979D01FC}"/>
-          </ac:spMkLst>
-        </pc:spChg>
-        <pc:spChg chg="mod">
-          <ac:chgData name="LAZREG Mehdi" userId="S::mehdi.lazreg@edu.devinci.fr::9a6f43fa-4406-4f8c-8a9f-6a6c2418bdff" providerId="AD" clId="Web-{1E14994C-D0E2-4020-A4B7-46E9582640BB}" dt="2024-05-20T20:53:43.182" v="223" actId="20577"/>
-          <ac:spMkLst>
-            <pc:docMk/>
-            <pc:sldMk cId="1114066402" sldId="257"/>
-            <ac:spMk id="3" creationId="{ED2B8304-F0EF-24E1-D772-F5FBC994348D}"/>
-          </ac:spMkLst>
-        </pc:spChg>
-        <pc:spChg chg="add mod ord">
-          <ac:chgData name="LAZREG Mehdi" userId="S::mehdi.lazreg@edu.devinci.fr::9a6f43fa-4406-4f8c-8a9f-6a6c2418bdff" providerId="AD" clId="Web-{1E14994C-D0E2-4020-A4B7-46E9582640BB}" dt="2024-05-20T20:47:17.028" v="135" actId="14100"/>
-          <ac:spMkLst>
-            <pc:docMk/>
-            <pc:sldMk cId="1114066402" sldId="257"/>
-            <ac:spMk id="6" creationId="{F9A54951-41BD-76DA-90E1-83FA571279C6}"/>
-          </ac:spMkLst>
-        </pc:spChg>
-        <pc:spChg chg="del ord">
-          <ac:chgData name="LAZREG Mehdi" userId="S::mehdi.lazreg@edu.devinci.fr::9a6f43fa-4406-4f8c-8a9f-6a6c2418bdff" providerId="AD" clId="Web-{1E14994C-D0E2-4020-A4B7-46E9582640BB}" dt="2024-05-20T20:44:32.472" v="116"/>
-          <ac:spMkLst>
-            <pc:docMk/>
-            <pc:sldMk cId="1114066402" sldId="257"/>
-            <ac:spMk id="16" creationId="{4F7EBAE4-9945-4473-9E34-B2C66EA0F03D}"/>
-          </ac:spMkLst>
-        </pc:spChg>
-        <pc:spChg chg="del">
-          <ac:chgData name="LAZREG Mehdi" userId="S::mehdi.lazreg@edu.devinci.fr::9a6f43fa-4406-4f8c-8a9f-6a6c2418bdff" providerId="AD" clId="Web-{1E14994C-D0E2-4020-A4B7-46E9582640BB}" dt="2024-05-20T20:44:32.472" v="115"/>
-          <ac:spMkLst>
-            <pc:docMk/>
-            <pc:sldMk cId="1114066402" sldId="257"/>
-            <ac:spMk id="18" creationId="{70BEB1E7-2F88-40BC-B73D-42E5B6F80BFC}"/>
-          </ac:spMkLst>
-        </pc:spChg>
-        <pc:picChg chg="mod">
-          <ac:chgData name="LAZREG Mehdi" userId="S::mehdi.lazreg@edu.devinci.fr::9a6f43fa-4406-4f8c-8a9f-6a6c2418bdff" providerId="AD" clId="Web-{1E14994C-D0E2-4020-A4B7-46E9582640BB}" dt="2024-05-20T20:47:11.325" v="132" actId="1076"/>
-          <ac:picMkLst>
-            <pc:docMk/>
-            <pc:sldMk cId="1114066402" sldId="257"/>
-            <ac:picMk id="5" creationId="{4903A523-2B22-69FA-949F-195A8175BC8D}"/>
-          </ac:picMkLst>
-        </pc:picChg>
-      </pc:sldChg>
-      <pc:sldChg chg="mod">
-        <pc:chgData name="LAZREG Mehdi" userId="S::mehdi.lazreg@edu.devinci.fr::9a6f43fa-4406-4f8c-8a9f-6a6c2418bdff" providerId="AD" clId="Web-{1E14994C-D0E2-4020-A4B7-46E9582640BB}" dt="2024-05-20T20:40:56.445" v="88"/>
-        <pc:sldMkLst>
-          <pc:docMk/>
-          <pc:sldMk cId="203961534" sldId="260"/>
-        </pc:sldMkLst>
-      </pc:sldChg>
-      <pc:sldChg chg="addSp delSp modSp mod setBg">
-        <pc:chgData name="LAZREG Mehdi" userId="S::mehdi.lazreg@edu.devinci.fr::9a6f43fa-4406-4f8c-8a9f-6a6c2418bdff" providerId="AD" clId="Web-{1E14994C-D0E2-4020-A4B7-46E9582640BB}" dt="2024-05-20T21:01:00.760" v="290" actId="1076"/>
-        <pc:sldMkLst>
-          <pc:docMk/>
-          <pc:sldMk cId="291742287" sldId="265"/>
-        </pc:sldMkLst>
-        <pc:spChg chg="mod">
-          <ac:chgData name="LAZREG Mehdi" userId="S::mehdi.lazreg@edu.devinci.fr::9a6f43fa-4406-4f8c-8a9f-6a6c2418bdff" providerId="AD" clId="Web-{1E14994C-D0E2-4020-A4B7-46E9582640BB}" dt="2024-05-20T20:56:41.063" v="258" actId="1076"/>
-          <ac:spMkLst>
-            <pc:docMk/>
-            <pc:sldMk cId="291742287" sldId="265"/>
-            <ac:spMk id="2" creationId="{3EDC45F6-2CC2-EC6E-8C54-FA26E11C3A59}"/>
-          </ac:spMkLst>
-        </pc:spChg>
-        <pc:spChg chg="mod">
-          <ac:chgData name="LAZREG Mehdi" userId="S::mehdi.lazreg@edu.devinci.fr::9a6f43fa-4406-4f8c-8a9f-6a6c2418bdff" providerId="AD" clId="Web-{1E14994C-D0E2-4020-A4B7-46E9582640BB}" dt="2024-05-20T20:56:44.798" v="260" actId="1076"/>
-          <ac:spMkLst>
-            <pc:docMk/>
-            <pc:sldMk cId="291742287" sldId="265"/>
-            <ac:spMk id="3" creationId="{3FFE00BC-E39A-CD6D-E4C4-BC62DC39A231}"/>
-          </ac:spMkLst>
-        </pc:spChg>
-        <pc:spChg chg="add mod ord">
-          <ac:chgData name="LAZREG Mehdi" userId="S::mehdi.lazreg@edu.devinci.fr::9a6f43fa-4406-4f8c-8a9f-6a6c2418bdff" providerId="AD" clId="Web-{1E14994C-D0E2-4020-A4B7-46E9582640BB}" dt="2024-05-20T20:57:22.472" v="268" actId="1076"/>
-          <ac:spMkLst>
-            <pc:docMk/>
-            <pc:sldMk cId="291742287" sldId="265"/>
-            <ac:spMk id="5" creationId="{B43C2658-42E8-EEC0-84FE-B120B1F9050A}"/>
-          </ac:spMkLst>
-        </pc:spChg>
-        <pc:spChg chg="add mod">
-          <ac:chgData name="LAZREG Mehdi" userId="S::mehdi.lazreg@edu.devinci.fr::9a6f43fa-4406-4f8c-8a9f-6a6c2418bdff" providerId="AD" clId="Web-{1E14994C-D0E2-4020-A4B7-46E9582640BB}" dt="2024-05-20T20:57:08.408" v="266" actId="1076"/>
-          <ac:spMkLst>
-            <pc:docMk/>
-            <pc:sldMk cId="291742287" sldId="265"/>
-            <ac:spMk id="7" creationId="{ED3FAF61-39EE-FC6F-D680-D5458E53D430}"/>
-          </ac:spMkLst>
-        </pc:spChg>
-        <pc:picChg chg="mod">
-          <ac:chgData name="LAZREG Mehdi" userId="S::mehdi.lazreg@edu.devinci.fr::9a6f43fa-4406-4f8c-8a9f-6a6c2418bdff" providerId="AD" clId="Web-{1E14994C-D0E2-4020-A4B7-46E9582640BB}" dt="2024-05-20T20:56:48.001" v="261" actId="1076"/>
-          <ac:picMkLst>
-            <pc:docMk/>
-            <pc:sldMk cId="291742287" sldId="265"/>
-            <ac:picMk id="6" creationId="{43FF344D-7CBF-A57C-1C55-C037AFA7E53E}"/>
-          </ac:picMkLst>
-        </pc:picChg>
-        <pc:picChg chg="mod">
-          <ac:chgData name="LAZREG Mehdi" userId="S::mehdi.lazreg@edu.devinci.fr::9a6f43fa-4406-4f8c-8a9f-6a6c2418bdff" providerId="AD" clId="Web-{1E14994C-D0E2-4020-A4B7-46E9582640BB}" dt="2024-05-20T20:57:29.035" v="270" actId="1076"/>
-          <ac:picMkLst>
-            <pc:docMk/>
-            <pc:sldMk cId="291742287" sldId="265"/>
-            <ac:picMk id="8" creationId="{D41BA558-467E-22D4-C7E3-F18363E69F5F}"/>
-          </ac:picMkLst>
-        </pc:picChg>
-        <pc:picChg chg="add del mod">
-          <ac:chgData name="LAZREG Mehdi" userId="S::mehdi.lazreg@edu.devinci.fr::9a6f43fa-4406-4f8c-8a9f-6a6c2418bdff" providerId="AD" clId="Web-{1E14994C-D0E2-4020-A4B7-46E9582640BB}" dt="2024-05-20T20:58:09.489" v="272"/>
-          <ac:picMkLst>
-            <pc:docMk/>
-            <pc:sldMk cId="291742287" sldId="265"/>
-            <ac:picMk id="9" creationId="{7C661C3C-D1DD-7D87-D547-B42623850496}"/>
-          </ac:picMkLst>
-        </pc:picChg>
-        <pc:picChg chg="add del mod">
-          <ac:chgData name="LAZREG Mehdi" userId="S::mehdi.lazreg@edu.devinci.fr::9a6f43fa-4406-4f8c-8a9f-6a6c2418bdff" providerId="AD" clId="Web-{1E14994C-D0E2-4020-A4B7-46E9582640BB}" dt="2024-05-20T20:58:34.990" v="274"/>
-          <ac:picMkLst>
-            <pc:docMk/>
-            <pc:sldMk cId="291742287" sldId="265"/>
-            <ac:picMk id="10" creationId="{103495BB-CFBC-43DF-DD8D-5DA9DFDC5C94}"/>
-          </ac:picMkLst>
-        </pc:picChg>
-        <pc:picChg chg="add mod">
-          <ac:chgData name="LAZREG Mehdi" userId="S::mehdi.lazreg@edu.devinci.fr::9a6f43fa-4406-4f8c-8a9f-6a6c2418bdff" providerId="AD" clId="Web-{1E14994C-D0E2-4020-A4B7-46E9582640BB}" dt="2024-05-20T20:59:02.256" v="280" actId="1076"/>
-          <ac:picMkLst>
-            <pc:docMk/>
-            <pc:sldMk cId="291742287" sldId="265"/>
-            <ac:picMk id="11" creationId="{2EA0634E-46ED-A1D6-6C3B-44904BD688B1}"/>
-          </ac:picMkLst>
-        </pc:picChg>
-        <pc:picChg chg="add mod">
-          <ac:chgData name="LAZREG Mehdi" userId="S::mehdi.lazreg@edu.devinci.fr::9a6f43fa-4406-4f8c-8a9f-6a6c2418bdff" providerId="AD" clId="Web-{1E14994C-D0E2-4020-A4B7-46E9582640BB}" dt="2024-05-20T21:01:00.760" v="290" actId="1076"/>
-          <ac:picMkLst>
-            <pc:docMk/>
-            <pc:sldMk cId="291742287" sldId="265"/>
-            <ac:picMk id="12" creationId="{27340118-A694-0426-9A20-E5727A895224}"/>
-          </ac:picMkLst>
-        </pc:picChg>
-      </pc:sldChg>
-      <pc:sldChg chg="addSp modSp mod">
-        <pc:chgData name="LAZREG Mehdi" userId="S::mehdi.lazreg@edu.devinci.fr::9a6f43fa-4406-4f8c-8a9f-6a6c2418bdff" providerId="AD" clId="Web-{1E14994C-D0E2-4020-A4B7-46E9582640BB}" dt="2024-05-20T20:52:41.071" v="213" actId="20577"/>
-        <pc:sldMkLst>
-          <pc:docMk/>
-          <pc:sldMk cId="1940570141" sldId="267"/>
-        </pc:sldMkLst>
-        <pc:spChg chg="mod">
-          <ac:chgData name="LAZREG Mehdi" userId="S::mehdi.lazreg@edu.devinci.fr::9a6f43fa-4406-4f8c-8a9f-6a6c2418bdff" providerId="AD" clId="Web-{1E14994C-D0E2-4020-A4B7-46E9582640BB}" dt="2024-05-20T20:52:12.773" v="202" actId="1076"/>
-          <ac:spMkLst>
-            <pc:docMk/>
-            <pc:sldMk cId="1940570141" sldId="267"/>
-            <ac:spMk id="2" creationId="{2F7704A9-04D9-FC06-4DA0-B77127721D17}"/>
-          </ac:spMkLst>
-        </pc:spChg>
-        <pc:spChg chg="mod">
-          <ac:chgData name="LAZREG Mehdi" userId="S::mehdi.lazreg@edu.devinci.fr::9a6f43fa-4406-4f8c-8a9f-6a6c2418bdff" providerId="AD" clId="Web-{1E14994C-D0E2-4020-A4B7-46E9582640BB}" dt="2024-05-20T20:50:45.003" v="160" actId="1076"/>
-          <ac:spMkLst>
-            <pc:docMk/>
-            <pc:sldMk cId="1940570141" sldId="267"/>
-            <ac:spMk id="5" creationId="{0B98D220-B552-FE0A-488E-F561C082DDBD}"/>
-          </ac:spMkLst>
-        </pc:spChg>
-        <pc:spChg chg="add mod ord">
-          <ac:chgData name="LAZREG Mehdi" userId="S::mehdi.lazreg@edu.devinci.fr::9a6f43fa-4406-4f8c-8a9f-6a6c2418bdff" providerId="AD" clId="Web-{1E14994C-D0E2-4020-A4B7-46E9582640BB}" dt="2024-05-20T20:50:39.034" v="159" actId="14100"/>
-          <ac:spMkLst>
-            <pc:docMk/>
-            <pc:sldMk cId="1940570141" sldId="267"/>
-            <ac:spMk id="6" creationId="{3AA709EE-3D21-3ADC-E1DD-1347798513A7}"/>
-          </ac:spMkLst>
-        </pc:spChg>
-        <pc:spChg chg="add mod">
-          <ac:chgData name="LAZREG Mehdi" userId="S::mehdi.lazreg@edu.devinci.fr::9a6f43fa-4406-4f8c-8a9f-6a6c2418bdff" providerId="AD" clId="Web-{1E14994C-D0E2-4020-A4B7-46E9582640BB}" dt="2024-05-20T20:52:41.071" v="213" actId="20577"/>
-          <ac:spMkLst>
-            <pc:docMk/>
-            <pc:sldMk cId="1940570141" sldId="267"/>
-            <ac:spMk id="7" creationId="{4D90653B-5373-90C3-B4FE-8CE63E20A933}"/>
-          </ac:spMkLst>
-        </pc:spChg>
-        <pc:spChg chg="mod">
-          <ac:chgData name="LAZREG Mehdi" userId="S::mehdi.lazreg@edu.devinci.fr::9a6f43fa-4406-4f8c-8a9f-6a6c2418bdff" providerId="AD" clId="Web-{1E14994C-D0E2-4020-A4B7-46E9582640BB}" dt="2024-05-20T20:49:46.267" v="149"/>
-          <ac:spMkLst>
-            <pc:docMk/>
-            <pc:sldMk cId="1940570141" sldId="267"/>
-            <ac:spMk id="11" creationId="{047C8CCB-F95D-4249-92DD-651249D3535A}"/>
-          </ac:spMkLst>
-        </pc:spChg>
-        <pc:picChg chg="mod">
-          <ac:chgData name="LAZREG Mehdi" userId="S::mehdi.lazreg@edu.devinci.fr::9a6f43fa-4406-4f8c-8a9f-6a6c2418bdff" providerId="AD" clId="Web-{1E14994C-D0E2-4020-A4B7-46E9582640BB}" dt="2024-05-20T20:50:50.878" v="163" actId="1076"/>
-          <ac:picMkLst>
-            <pc:docMk/>
-            <pc:sldMk cId="1940570141" sldId="267"/>
-            <ac:picMk id="4" creationId="{981215E1-1D6B-D725-2B68-619784995D17}"/>
-          </ac:picMkLst>
-        </pc:picChg>
-      </pc:sldChg>
-      <pc:sldChg chg="modSp del mod setBg">
-        <pc:chgData name="LAZREG Mehdi" userId="S::mehdi.lazreg@edu.devinci.fr::9a6f43fa-4406-4f8c-8a9f-6a6c2418bdff" providerId="AD" clId="Web-{1E14994C-D0E2-4020-A4B7-46E9582640BB}" dt="2024-05-20T20:40:47.195" v="86"/>
-        <pc:sldMkLst>
-          <pc:docMk/>
-          <pc:sldMk cId="1396293091" sldId="268"/>
-        </pc:sldMkLst>
-        <pc:spChg chg="mod">
-          <ac:chgData name="LAZREG Mehdi" userId="S::mehdi.lazreg@edu.devinci.fr::9a6f43fa-4406-4f8c-8a9f-6a6c2418bdff" providerId="AD" clId="Web-{1E14994C-D0E2-4020-A4B7-46E9582640BB}" dt="2024-05-20T20:09:35.978" v="33" actId="1076"/>
-          <ac:spMkLst>
-            <pc:docMk/>
-            <pc:sldMk cId="1396293091" sldId="268"/>
-            <ac:spMk id="2" creationId="{A2341FF3-FFD7-09B3-F1B8-24EFF77D1D3B}"/>
-          </ac:spMkLst>
-        </pc:spChg>
-      </pc:sldChg>
-      <pc:sldChg chg="addSp delSp modSp mod">
-        <pc:chgData name="LAZREG Mehdi" userId="S::mehdi.lazreg@edu.devinci.fr::9a6f43fa-4406-4f8c-8a9f-6a6c2418bdff" providerId="AD" clId="Web-{1E14994C-D0E2-4020-A4B7-46E9582640BB}" dt="2024-05-20T20:43:40.169" v="104"/>
-        <pc:sldMkLst>
-          <pc:docMk/>
-          <pc:sldMk cId="2610056257" sldId="269"/>
-        </pc:sldMkLst>
-        <pc:spChg chg="add del mod ord">
-          <ac:chgData name="LAZREG Mehdi" userId="S::mehdi.lazreg@edu.devinci.fr::9a6f43fa-4406-4f8c-8a9f-6a6c2418bdff" providerId="AD" clId="Web-{1E14994C-D0E2-4020-A4B7-46E9582640BB}" dt="2024-05-20T20:43:40.169" v="104"/>
-          <ac:spMkLst>
-            <pc:docMk/>
-            <pc:sldMk cId="2610056257" sldId="269"/>
-            <ac:spMk id="6" creationId="{37EC094E-6256-9B1F-B363-4EBF797AD615}"/>
-          </ac:spMkLst>
-        </pc:spChg>
-        <pc:spChg chg="mod">
-          <ac:chgData name="LAZREG Mehdi" userId="S::mehdi.lazreg@edu.devinci.fr::9a6f43fa-4406-4f8c-8a9f-6a6c2418bdff" providerId="AD" clId="Web-{1E14994C-D0E2-4020-A4B7-46E9582640BB}" dt="2024-05-20T20:32:30.001" v="68"/>
-          <ac:spMkLst>
-            <pc:docMk/>
-            <pc:sldMk cId="2610056257" sldId="269"/>
-            <ac:spMk id="9" creationId="{47942995-B07F-4636-9A06-C6A104B260A8}"/>
-          </ac:spMkLst>
-        </pc:spChg>
-        <pc:spChg chg="mod">
-          <ac:chgData name="LAZREG Mehdi" userId="S::mehdi.lazreg@edu.devinci.fr::9a6f43fa-4406-4f8c-8a9f-6a6c2418bdff" providerId="AD" clId="Web-{1E14994C-D0E2-4020-A4B7-46E9582640BB}" dt="2024-05-20T20:40:41.242" v="83"/>
-          <ac:spMkLst>
-            <pc:docMk/>
-            <pc:sldMk cId="2610056257" sldId="269"/>
-            <ac:spMk id="12" creationId="{F19A4A0F-1B59-4DB0-9764-D10936E98770}"/>
-          </ac:spMkLst>
-        </pc:spChg>
-        <pc:spChg chg="mod">
-          <ac:chgData name="LAZREG Mehdi" userId="S::mehdi.lazreg@edu.devinci.fr::9a6f43fa-4406-4f8c-8a9f-6a6c2418bdff" providerId="AD" clId="Web-{1E14994C-D0E2-4020-A4B7-46E9582640BB}" dt="2024-05-20T20:40:41.242" v="84"/>
-          <ac:spMkLst>
-            <pc:docMk/>
-            <pc:sldMk cId="2610056257" sldId="269"/>
-            <ac:spMk id="13" creationId="{F399A70F-F8CD-4992-9EF5-6CF15472E73F}"/>
-          </ac:spMkLst>
-        </pc:spChg>
-        <pc:spChg chg="mod">
-          <ac:chgData name="LAZREG Mehdi" userId="S::mehdi.lazreg@edu.devinci.fr::9a6f43fa-4406-4f8c-8a9f-6a6c2418bdff" providerId="AD" clId="Web-{1E14994C-D0E2-4020-A4B7-46E9582640BB}" dt="2024-05-20T20:40:41.257" v="85"/>
-          <ac:spMkLst>
-            <pc:docMk/>
-            <pc:sldMk cId="2610056257" sldId="269"/>
-            <ac:spMk id="14" creationId="{48F4FEDC-6D80-458C-A665-075D9B9500FD}"/>
-          </ac:spMkLst>
-        </pc:spChg>
-        <pc:spChg chg="mod">
-          <ac:chgData name="LAZREG Mehdi" userId="S::mehdi.lazreg@edu.devinci.fr::9a6f43fa-4406-4f8c-8a9f-6a6c2418bdff" providerId="AD" clId="Web-{1E14994C-D0E2-4020-A4B7-46E9582640BB}" dt="2024-05-20T20:32:13.938" v="60"/>
-          <ac:spMkLst>
-            <pc:docMk/>
-            <pc:sldMk cId="2610056257" sldId="269"/>
-            <ac:spMk id="16" creationId="{B81933D1-5615-42C7-9C0B-4EB7105CCE2D}"/>
-          </ac:spMkLst>
-        </pc:spChg>
-      </pc:sldChg>
-      <pc:sldChg chg="mod">
-        <pc:chgData name="LAZREG Mehdi" userId="S::mehdi.lazreg@edu.devinci.fr::9a6f43fa-4406-4f8c-8a9f-6a6c2418bdff" providerId="AD" clId="Web-{1E14994C-D0E2-4020-A4B7-46E9582640BB}" dt="2024-05-20T20:40:56.445" v="88"/>
-        <pc:sldMkLst>
-          <pc:docMk/>
-          <pc:sldMk cId="1255366357" sldId="270"/>
-        </pc:sldMkLst>
-      </pc:sldChg>
-      <pc:sldChg chg="addSp delSp modSp new mod setBg">
-        <pc:chgData name="LAZREG Mehdi" userId="S::mehdi.lazreg@edu.devinci.fr::9a6f43fa-4406-4f8c-8a9f-6a6c2418bdff" providerId="AD" clId="Web-{1E14994C-D0E2-4020-A4B7-46E9582640BB}" dt="2024-05-20T20:48:59.172" v="146" actId="1076"/>
-        <pc:sldMkLst>
-          <pc:docMk/>
-          <pc:sldMk cId="1737621038" sldId="271"/>
-        </pc:sldMkLst>
-        <pc:spChg chg="del">
-          <ac:chgData name="LAZREG Mehdi" userId="S::mehdi.lazreg@edu.devinci.fr::9a6f43fa-4406-4f8c-8a9f-6a6c2418bdff" providerId="AD" clId="Web-{1E14994C-D0E2-4020-A4B7-46E9582640BB}" dt="2024-05-20T20:10:32.542" v="46"/>
-          <ac:spMkLst>
-            <pc:docMk/>
-            <pc:sldMk cId="1737621038" sldId="271"/>
-            <ac:spMk id="2" creationId="{ADCA0589-5C02-FBA8-C6D5-2D172159306B}"/>
-          </ac:spMkLst>
-        </pc:spChg>
-        <pc:spChg chg="add mod ord">
-          <ac:chgData name="LAZREG Mehdi" userId="S::mehdi.lazreg@edu.devinci.fr::9a6f43fa-4406-4f8c-8a9f-6a6c2418bdff" providerId="AD" clId="Web-{1E14994C-D0E2-4020-A4B7-46E9582640BB}" dt="2024-05-20T20:48:59.172" v="146" actId="1076"/>
-          <ac:spMkLst>
-            <pc:docMk/>
-            <pc:sldMk cId="1737621038" sldId="271"/>
-            <ac:spMk id="3" creationId="{A845918D-7EA6-54BF-985D-66772401ECC5}"/>
-          </ac:spMkLst>
-        </pc:spChg>
-        <pc:spChg chg="del">
-          <ac:chgData name="LAZREG Mehdi" userId="S::mehdi.lazreg@edu.devinci.fr::9a6f43fa-4406-4f8c-8a9f-6a6c2418bdff" providerId="AD" clId="Web-{1E14994C-D0E2-4020-A4B7-46E9582640BB}" dt="2024-05-20T20:10:47.308" v="49"/>
-          <ac:spMkLst>
-            <pc:docMk/>
-            <pc:sldMk cId="1737621038" sldId="271"/>
-            <ac:spMk id="3" creationId="{AE6F45F9-8BAE-0E6D-7890-35284C6D0E2E}"/>
-          </ac:spMkLst>
-        </pc:spChg>
-        <pc:spChg chg="add del">
-          <ac:chgData name="LAZREG Mehdi" userId="S::mehdi.lazreg@edu.devinci.fr::9a6f43fa-4406-4f8c-8a9f-6a6c2418bdff" providerId="AD" clId="Web-{1E14994C-D0E2-4020-A4B7-46E9582640BB}" dt="2024-05-20T20:10:47.308" v="48"/>
-          <ac:spMkLst>
-            <pc:docMk/>
-            <pc:sldMk cId="1737621038" sldId="271"/>
-            <ac:spMk id="5" creationId="{77AE3CC7-F215-D190-4F83-ED740E61E360}"/>
-          </ac:spMkLst>
-        </pc:spChg>
-        <pc:spChg chg="add del">
-          <ac:chgData name="LAZREG Mehdi" userId="S::mehdi.lazreg@edu.devinci.fr::9a6f43fa-4406-4f8c-8a9f-6a6c2418bdff" providerId="AD" clId="Web-{1E14994C-D0E2-4020-A4B7-46E9582640BB}" dt="2024-05-20T20:10:39.292" v="47"/>
-          <ac:spMkLst>
-            <pc:docMk/>
-            <pc:sldMk cId="1737621038" sldId="271"/>
-            <ac:spMk id="7" creationId="{85D09394-9EF6-1630-D92F-CB5BCB201A73}"/>
-          </ac:spMkLst>
-        </pc:spChg>
-        <pc:spChg chg="add">
-          <ac:chgData name="LAZREG Mehdi" userId="S::mehdi.lazreg@edu.devinci.fr::9a6f43fa-4406-4f8c-8a9f-6a6c2418bdff" providerId="AD" clId="Web-{1E14994C-D0E2-4020-A4B7-46E9582640BB}" dt="2024-05-20T20:10:26.995" v="42"/>
-          <ac:spMkLst>
-            <pc:docMk/>
-            <pc:sldMk cId="1737621038" sldId="271"/>
-            <ac:spMk id="9" creationId="{1763C336-DF23-71AE-24CE-FF8D62C82A7F}"/>
-          </ac:spMkLst>
-        </pc:spChg>
-        <pc:spChg chg="add">
-          <ac:chgData name="LAZREG Mehdi" userId="S::mehdi.lazreg@edu.devinci.fr::9a6f43fa-4406-4f8c-8a9f-6a6c2418bdff" providerId="AD" clId="Web-{1E14994C-D0E2-4020-A4B7-46E9582640BB}" dt="2024-05-20T20:10:27.011" v="43"/>
-          <ac:spMkLst>
-            <pc:docMk/>
-            <pc:sldMk cId="1737621038" sldId="271"/>
-            <ac:spMk id="11" creationId="{808E4FA2-0D06-3556-AF64-3A387D049CFB}"/>
-          </ac:spMkLst>
-        </pc:spChg>
-        <pc:picChg chg="add del mod">
-          <ac:chgData name="LAZREG Mehdi" userId="S::mehdi.lazreg@edu.devinci.fr::9a6f43fa-4406-4f8c-8a9f-6a6c2418bdff" providerId="AD" clId="Web-{1E14994C-D0E2-4020-A4B7-46E9582640BB}" dt="2024-05-20T20:40:05.881" v="81"/>
-          <ac:picMkLst>
-            <pc:docMk/>
-            <pc:sldMk cId="1737621038" sldId="271"/>
-            <ac:picMk id="2" creationId="{CDD8A00C-3D72-890F-A20E-8CBADABE0EC9}"/>
-          </ac:picMkLst>
-        </pc:picChg>
-        <pc:picChg chg="add mod">
-          <ac:chgData name="LAZREG Mehdi" userId="S::mehdi.lazreg@edu.devinci.fr::9a6f43fa-4406-4f8c-8a9f-6a6c2418bdff" providerId="AD" clId="Web-{1E14994C-D0E2-4020-A4B7-46E9582640BB}" dt="2024-05-20T20:38:27.002" v="77" actId="1076"/>
-          <ac:picMkLst>
-            <pc:docMk/>
-            <pc:sldMk cId="1737621038" sldId="271"/>
-            <ac:picMk id="15" creationId="{F6AC6A05-A9FB-D5BD-B8CE-CEB8F65384B9}"/>
-          </ac:picMkLst>
-        </pc:picChg>
-        <pc:picChg chg="add mod">
-          <ac:chgData name="LAZREG Mehdi" userId="S::mehdi.lazreg@edu.devinci.fr::9a6f43fa-4406-4f8c-8a9f-6a6c2418bdff" providerId="AD" clId="Web-{1E14994C-D0E2-4020-A4B7-46E9582640BB}" dt="2024-05-20T20:12:53.062" v="52" actId="1076"/>
-          <ac:picMkLst>
-            <pc:docMk/>
-            <pc:sldMk cId="1737621038" sldId="271"/>
-            <ac:picMk id="16" creationId="{C2967BC5-F066-359B-0D9F-1C07D029B32D}"/>
-          </ac:picMkLst>
-        </pc:picChg>
-        <pc:cxnChg chg="add">
-          <ac:chgData name="LAZREG Mehdi" userId="S::mehdi.lazreg@edu.devinci.fr::9a6f43fa-4406-4f8c-8a9f-6a6c2418bdff" providerId="AD" clId="Web-{1E14994C-D0E2-4020-A4B7-46E9582640BB}" dt="2024-05-20T20:10:27.011" v="44"/>
-          <ac:cxnSpMkLst>
-            <pc:docMk/>
-            <pc:sldMk cId="1737621038" sldId="271"/>
-            <ac:cxnSpMk id="13" creationId="{E999AB95-B036-1573-FF5F-3B9244EFF6AB}"/>
-          </ac:cxnSpMkLst>
-        </pc:cxnChg>
-      </pc:sldChg>
-      <pc:sldMasterChg chg="mod setBg modSldLayout">
-        <pc:chgData name="LAZREG Mehdi" userId="S::mehdi.lazreg@edu.devinci.fr::9a6f43fa-4406-4f8c-8a9f-6a6c2418bdff" providerId="AD" clId="Web-{1E14994C-D0E2-4020-A4B7-46E9582640BB}" dt="2024-05-20T20:40:56.445" v="88"/>
-        <pc:sldMasterMkLst>
-          <pc:docMk/>
-          <pc:sldMasterMk cId="3071127875" sldId="2147483648"/>
-        </pc:sldMasterMkLst>
-        <pc:sldLayoutChg chg="mod">
-          <pc:chgData name="LAZREG Mehdi" userId="S::mehdi.lazreg@edu.devinci.fr::9a6f43fa-4406-4f8c-8a9f-6a6c2418bdff" providerId="AD" clId="Web-{1E14994C-D0E2-4020-A4B7-46E9582640BB}" dt="2024-05-20T20:40:56.445" v="88"/>
-          <pc:sldLayoutMkLst>
-            <pc:docMk/>
-            <pc:sldMasterMk cId="3071127875" sldId="2147483648"/>
-            <pc:sldLayoutMk cId="3310491181" sldId="2147483649"/>
-          </pc:sldLayoutMkLst>
-        </pc:sldLayoutChg>
-        <pc:sldLayoutChg chg="mod">
-          <pc:chgData name="LAZREG Mehdi" userId="S::mehdi.lazreg@edu.devinci.fr::9a6f43fa-4406-4f8c-8a9f-6a6c2418bdff" providerId="AD" clId="Web-{1E14994C-D0E2-4020-A4B7-46E9582640BB}" dt="2024-05-20T20:40:56.445" v="88"/>
-          <pc:sldLayoutMkLst>
-            <pc:docMk/>
-            <pc:sldMasterMk cId="3071127875" sldId="2147483648"/>
-            <pc:sldLayoutMk cId="3841795644" sldId="2147483650"/>
-          </pc:sldLayoutMkLst>
-        </pc:sldLayoutChg>
-        <pc:sldLayoutChg chg="mod">
-          <pc:chgData name="LAZREG Mehdi" userId="S::mehdi.lazreg@edu.devinci.fr::9a6f43fa-4406-4f8c-8a9f-6a6c2418bdff" providerId="AD" clId="Web-{1E14994C-D0E2-4020-A4B7-46E9582640BB}" dt="2024-05-20T20:40:56.445" v="88"/>
-          <pc:sldLayoutMkLst>
-            <pc:docMk/>
-            <pc:sldMasterMk cId="3071127875" sldId="2147483648"/>
-            <pc:sldLayoutMk cId="3466923455" sldId="2147483651"/>
-          </pc:sldLayoutMkLst>
-        </pc:sldLayoutChg>
-        <pc:sldLayoutChg chg="mod">
-          <pc:chgData name="LAZREG Mehdi" userId="S::mehdi.lazreg@edu.devinci.fr::9a6f43fa-4406-4f8c-8a9f-6a6c2418bdff" providerId="AD" clId="Web-{1E14994C-D0E2-4020-A4B7-46E9582640BB}" dt="2024-05-20T20:40:56.445" v="88"/>
-          <pc:sldLayoutMkLst>
-            <pc:docMk/>
-            <pc:sldMasterMk cId="3071127875" sldId="2147483648"/>
-            <pc:sldLayoutMk cId="3747632232" sldId="2147483652"/>
-          </pc:sldLayoutMkLst>
-        </pc:sldLayoutChg>
-        <pc:sldLayoutChg chg="mod">
-          <pc:chgData name="LAZREG Mehdi" userId="S::mehdi.lazreg@edu.devinci.fr::9a6f43fa-4406-4f8c-8a9f-6a6c2418bdff" providerId="AD" clId="Web-{1E14994C-D0E2-4020-A4B7-46E9582640BB}" dt="2024-05-20T20:40:56.445" v="88"/>
-          <pc:sldLayoutMkLst>
-            <pc:docMk/>
-            <pc:sldMasterMk cId="3071127875" sldId="2147483648"/>
-            <pc:sldLayoutMk cId="2611866596" sldId="2147483653"/>
-          </pc:sldLayoutMkLst>
-        </pc:sldLayoutChg>
-        <pc:sldLayoutChg chg="mod">
-          <pc:chgData name="LAZREG Mehdi" userId="S::mehdi.lazreg@edu.devinci.fr::9a6f43fa-4406-4f8c-8a9f-6a6c2418bdff" providerId="AD" clId="Web-{1E14994C-D0E2-4020-A4B7-46E9582640BB}" dt="2024-05-20T20:40:56.445" v="88"/>
-          <pc:sldLayoutMkLst>
-            <pc:docMk/>
-            <pc:sldMasterMk cId="3071127875" sldId="2147483648"/>
-            <pc:sldLayoutMk cId="3395854097" sldId="2147483654"/>
-          </pc:sldLayoutMkLst>
-        </pc:sldLayoutChg>
-        <pc:sldLayoutChg chg="mod">
-          <pc:chgData name="LAZREG Mehdi" userId="S::mehdi.lazreg@edu.devinci.fr::9a6f43fa-4406-4f8c-8a9f-6a6c2418bdff" providerId="AD" clId="Web-{1E14994C-D0E2-4020-A4B7-46E9582640BB}" dt="2024-05-20T20:40:56.445" v="88"/>
-          <pc:sldLayoutMkLst>
-            <pc:docMk/>
-            <pc:sldMasterMk cId="3071127875" sldId="2147483648"/>
-            <pc:sldLayoutMk cId="4040201302" sldId="2147483655"/>
-          </pc:sldLayoutMkLst>
-        </pc:sldLayoutChg>
-        <pc:sldLayoutChg chg="mod">
-          <pc:chgData name="LAZREG Mehdi" userId="S::mehdi.lazreg@edu.devinci.fr::9a6f43fa-4406-4f8c-8a9f-6a6c2418bdff" providerId="AD" clId="Web-{1E14994C-D0E2-4020-A4B7-46E9582640BB}" dt="2024-05-20T20:40:56.445" v="88"/>
-          <pc:sldLayoutMkLst>
-            <pc:docMk/>
-            <pc:sldMasterMk cId="3071127875" sldId="2147483648"/>
-            <pc:sldLayoutMk cId="2706407263" sldId="2147483656"/>
-          </pc:sldLayoutMkLst>
-        </pc:sldLayoutChg>
-        <pc:sldLayoutChg chg="mod">
-          <pc:chgData name="LAZREG Mehdi" userId="S::mehdi.lazreg@edu.devinci.fr::9a6f43fa-4406-4f8c-8a9f-6a6c2418bdff" providerId="AD" clId="Web-{1E14994C-D0E2-4020-A4B7-46E9582640BB}" dt="2024-05-20T20:40:56.445" v="88"/>
-          <pc:sldLayoutMkLst>
-            <pc:docMk/>
-            <pc:sldMasterMk cId="3071127875" sldId="2147483648"/>
-            <pc:sldLayoutMk cId="1610903340" sldId="2147483657"/>
-          </pc:sldLayoutMkLst>
-        </pc:sldLayoutChg>
-        <pc:sldLayoutChg chg="mod">
-          <pc:chgData name="LAZREG Mehdi" userId="S::mehdi.lazreg@edu.devinci.fr::9a6f43fa-4406-4f8c-8a9f-6a6c2418bdff" providerId="AD" clId="Web-{1E14994C-D0E2-4020-A4B7-46E9582640BB}" dt="2024-05-20T20:40:56.445" v="88"/>
-          <pc:sldLayoutMkLst>
-            <pc:docMk/>
-            <pc:sldMasterMk cId="3071127875" sldId="2147483648"/>
-            <pc:sldLayoutMk cId="4172787210" sldId="2147483658"/>
-          </pc:sldLayoutMkLst>
-        </pc:sldLayoutChg>
-        <pc:sldLayoutChg chg="mod">
-          <pc:chgData name="LAZREG Mehdi" userId="S::mehdi.lazreg@edu.devinci.fr::9a6f43fa-4406-4f8c-8a9f-6a6c2418bdff" providerId="AD" clId="Web-{1E14994C-D0E2-4020-A4B7-46E9582640BB}" dt="2024-05-20T20:40:56.445" v="88"/>
-          <pc:sldLayoutMkLst>
-            <pc:docMk/>
-            <pc:sldMasterMk cId="3071127875" sldId="2147483648"/>
-            <pc:sldLayoutMk cId="1902177510" sldId="2147483659"/>
-          </pc:sldLayoutMkLst>
-        </pc:sldLayoutChg>
-      </pc:sldMasterChg>
-    </pc:docChg>
-  </pc:docChgLst>
-  <pc:docChgLst>
-    <pc:chgData name="LAZREG Mehdi" userId="S::mehdi.lazreg@edu.devinci.fr::9a6f43fa-4406-4f8c-8a9f-6a6c2418bdff" providerId="AD" clId="Web-{976FB1CE-2E6D-4135-95CA-3E654A4D4326}"/>
-    <pc:docChg chg="addSld modSld">
-      <pc:chgData name="LAZREG Mehdi" userId="S::mehdi.lazreg@edu.devinci.fr::9a6f43fa-4406-4f8c-8a9f-6a6c2418bdff" providerId="AD" clId="Web-{976FB1CE-2E6D-4135-95CA-3E654A4D4326}" dt="2024-05-12T13:23:24.572" v="66" actId="20577"/>
-      <pc:docMkLst>
-        <pc:docMk/>
-      </pc:docMkLst>
-      <pc:sldChg chg="addSp modSp">
-        <pc:chgData name="LAZREG Mehdi" userId="S::mehdi.lazreg@edu.devinci.fr::9a6f43fa-4406-4f8c-8a9f-6a6c2418bdff" providerId="AD" clId="Web-{976FB1CE-2E6D-4135-95CA-3E654A4D4326}" dt="2024-05-12T13:22:41.368" v="44" actId="20577"/>
-        <pc:sldMkLst>
-          <pc:docMk/>
-          <pc:sldMk cId="3784089036" sldId="256"/>
-        </pc:sldMkLst>
-        <pc:spChg chg="mod">
-          <ac:chgData name="LAZREG Mehdi" userId="S::mehdi.lazreg@edu.devinci.fr::9a6f43fa-4406-4f8c-8a9f-6a6c2418bdff" providerId="AD" clId="Web-{976FB1CE-2E6D-4135-95CA-3E654A4D4326}" dt="2024-05-12T13:22:41.368" v="44" actId="20577"/>
-          <ac:spMkLst>
-            <pc:docMk/>
-            <pc:sldMk cId="3784089036" sldId="256"/>
-            <ac:spMk id="2" creationId="{00000000-0000-0000-0000-000000000000}"/>
-          </ac:spMkLst>
-        </pc:spChg>
-        <pc:picChg chg="add mod ord">
-          <ac:chgData name="LAZREG Mehdi" userId="S::mehdi.lazreg@edu.devinci.fr::9a6f43fa-4406-4f8c-8a9f-6a6c2418bdff" providerId="AD" clId="Web-{976FB1CE-2E6D-4135-95CA-3E654A4D4326}" dt="2024-05-12T13:22:37.617" v="43" actId="14100"/>
-          <ac:picMkLst>
-            <pc:docMk/>
-            <pc:sldMk cId="3784089036" sldId="256"/>
-            <ac:picMk id="4" creationId="{04F6CC9B-C1AF-EF57-6710-E7399A2F00C0}"/>
-          </ac:picMkLst>
-        </pc:picChg>
-      </pc:sldChg>
-      <pc:sldChg chg="modSp">
-        <pc:chgData name="LAZREG Mehdi" userId="S::mehdi.lazreg@edu.devinci.fr::9a6f43fa-4406-4f8c-8a9f-6a6c2418bdff" providerId="AD" clId="Web-{976FB1CE-2E6D-4135-95CA-3E654A4D4326}" dt="2024-05-12T13:23:16.338" v="61" actId="20577"/>
-        <pc:sldMkLst>
-          <pc:docMk/>
-          <pc:sldMk cId="1114066402" sldId="257"/>
-        </pc:sldMkLst>
-        <pc:spChg chg="mod">
-          <ac:chgData name="LAZREG Mehdi" userId="S::mehdi.lazreg@edu.devinci.fr::9a6f43fa-4406-4f8c-8a9f-6a6c2418bdff" providerId="AD" clId="Web-{976FB1CE-2E6D-4135-95CA-3E654A4D4326}" dt="2024-05-12T13:23:16.338" v="61" actId="20577"/>
-          <ac:spMkLst>
-            <pc:docMk/>
-            <pc:sldMk cId="1114066402" sldId="257"/>
-            <ac:spMk id="2" creationId="{EA28FF8B-F0C0-25AB-B7CE-944A979D01FC}"/>
-          </ac:spMkLst>
-        </pc:spChg>
-      </pc:sldChg>
-      <pc:sldChg chg="modSp new">
-        <pc:chgData name="LAZREG Mehdi" userId="S::mehdi.lazreg@edu.devinci.fr::9a6f43fa-4406-4f8c-8a9f-6a6c2418bdff" providerId="AD" clId="Web-{976FB1CE-2E6D-4135-95CA-3E654A4D4326}" dt="2024-05-12T13:23:24.572" v="66" actId="20577"/>
-        <pc:sldMkLst>
-          <pc:docMk/>
-          <pc:sldMk cId="2077686319" sldId="258"/>
-        </pc:sldMkLst>
-        <pc:spChg chg="mod">
-          <ac:chgData name="LAZREG Mehdi" userId="S::mehdi.lazreg@edu.devinci.fr::9a6f43fa-4406-4f8c-8a9f-6a6c2418bdff" providerId="AD" clId="Web-{976FB1CE-2E6D-4135-95CA-3E654A4D4326}" dt="2024-05-12T13:23:24.572" v="66" actId="20577"/>
-          <ac:spMkLst>
-            <pc:docMk/>
-            <pc:sldMk cId="2077686319" sldId="258"/>
-            <ac:spMk id="2" creationId="{399398FF-19F5-7302-5363-40F7AFE0448D}"/>
-          </ac:spMkLst>
-        </pc:spChg>
-      </pc:sldChg>
-      <pc:sldChg chg="new">
-        <pc:chgData name="LAZREG Mehdi" userId="S::mehdi.lazreg@edu.devinci.fr::9a6f43fa-4406-4f8c-8a9f-6a6c2418bdff" providerId="AD" clId="Web-{976FB1CE-2E6D-4135-95CA-3E654A4D4326}" dt="2024-05-12T13:19:45.012" v="1"/>
-        <pc:sldMkLst>
-          <pc:docMk/>
-          <pc:sldMk cId="3770238864" sldId="259"/>
-        </pc:sldMkLst>
-      </pc:sldChg>
-      <pc:sldChg chg="modSp new">
-        <pc:chgData name="LAZREG Mehdi" userId="S::mehdi.lazreg@edu.devinci.fr::9a6f43fa-4406-4f8c-8a9f-6a6c2418bdff" providerId="AD" clId="Web-{976FB1CE-2E6D-4135-95CA-3E654A4D4326}" dt="2024-05-12T13:22:58.649" v="46" actId="20577"/>
-        <pc:sldMkLst>
-          <pc:docMk/>
-          <pc:sldMk cId="203961534" sldId="260"/>
-        </pc:sldMkLst>
-        <pc:spChg chg="mod">
-          <ac:chgData name="LAZREG Mehdi" userId="S::mehdi.lazreg@edu.devinci.fr::9a6f43fa-4406-4f8c-8a9f-6a6c2418bdff" providerId="AD" clId="Web-{976FB1CE-2E6D-4135-95CA-3E654A4D4326}" dt="2024-05-12T13:22:58.649" v="46" actId="20577"/>
-          <ac:spMkLst>
-            <pc:docMk/>
-            <pc:sldMk cId="203961534" sldId="260"/>
-            <ac:spMk id="2" creationId="{111E395F-F23E-905B-D1BE-83716F275D76}"/>
-          </ac:spMkLst>
-        </pc:spChg>
-        <pc:spChg chg="mod">
-          <ac:chgData name="LAZREG Mehdi" userId="S::mehdi.lazreg@edu.devinci.fr::9a6f43fa-4406-4f8c-8a9f-6a6c2418bdff" providerId="AD" clId="Web-{976FB1CE-2E6D-4135-95CA-3E654A4D4326}" dt="2024-05-12T13:20:19.216" v="29" actId="20577"/>
-          <ac:spMkLst>
-            <pc:docMk/>
-            <pc:sldMk cId="203961534" sldId="260"/>
-            <ac:spMk id="3" creationId="{16093933-0F01-D004-A89A-26658F1909A2}"/>
-          </ac:spMkLst>
-        </pc:spChg>
-      </pc:sldChg>
-      <pc:sldChg chg="modSp new">
-        <pc:chgData name="LAZREG Mehdi" userId="S::mehdi.lazreg@edu.devinci.fr::9a6f43fa-4406-4f8c-8a9f-6a6c2418bdff" providerId="AD" clId="Web-{976FB1CE-2E6D-4135-95CA-3E654A4D4326}" dt="2024-05-12T13:23:03.525" v="48" actId="20577"/>
-        <pc:sldMkLst>
-          <pc:docMk/>
-          <pc:sldMk cId="3236234168" sldId="261"/>
-        </pc:sldMkLst>
-        <pc:spChg chg="mod">
-          <ac:chgData name="LAZREG Mehdi" userId="S::mehdi.lazreg@edu.devinci.fr::9a6f43fa-4406-4f8c-8a9f-6a6c2418bdff" providerId="AD" clId="Web-{976FB1CE-2E6D-4135-95CA-3E654A4D4326}" dt="2024-05-12T13:23:03.525" v="48" actId="20577"/>
-          <ac:spMkLst>
-            <pc:docMk/>
-            <pc:sldMk cId="3236234168" sldId="261"/>
-            <ac:spMk id="2" creationId="{3713E058-76F6-AFD5-355A-BB33EE811894}"/>
-          </ac:spMkLst>
-        </pc:spChg>
-      </pc:sldChg>
-    </pc:docChg>
-  </pc:docChgLst>
-  <pc:docChgLst>
-    <pc:chgData name="LAZREG Mehdi" userId="S::mehdi.lazreg@edu.devinci.fr::9a6f43fa-4406-4f8c-8a9f-6a6c2418bdff" providerId="AD" clId="Web-{1EB54B21-62D8-4672-B878-B9072B4D21B7}"/>
-    <pc:docChg chg="modSld sldOrd">
-      <pc:chgData name="LAZREG Mehdi" userId="S::mehdi.lazreg@edu.devinci.fr::9a6f43fa-4406-4f8c-8a9f-6a6c2418bdff" providerId="AD" clId="Web-{1EB54B21-62D8-4672-B878-B9072B4D21B7}" dt="2024-05-20T21:35:22.825" v="67"/>
-      <pc:docMkLst>
-        <pc:docMk/>
-      </pc:docMkLst>
-      <pc:sldChg chg="modSp">
-        <pc:chgData name="LAZREG Mehdi" userId="S::mehdi.lazreg@edu.devinci.fr::9a6f43fa-4406-4f8c-8a9f-6a6c2418bdff" providerId="AD" clId="Web-{1EB54B21-62D8-4672-B878-B9072B4D21B7}" dt="2024-05-20T21:32:34.302" v="17" actId="1076"/>
-        <pc:sldMkLst>
-          <pc:docMk/>
-          <pc:sldMk cId="3784089036" sldId="256"/>
-        </pc:sldMkLst>
-        <pc:spChg chg="mod">
-          <ac:chgData name="LAZREG Mehdi" userId="S::mehdi.lazreg@edu.devinci.fr::9a6f43fa-4406-4f8c-8a9f-6a6c2418bdff" providerId="AD" clId="Web-{1EB54B21-62D8-4672-B878-B9072B4D21B7}" dt="2024-05-20T21:32:23.752" v="16" actId="20577"/>
-          <ac:spMkLst>
-            <pc:docMk/>
-            <pc:sldMk cId="3784089036" sldId="256"/>
-            <ac:spMk id="2" creationId="{00000000-0000-0000-0000-000000000000}"/>
-          </ac:spMkLst>
-        </pc:spChg>
-        <pc:spChg chg="mod">
-          <ac:chgData name="LAZREG Mehdi" userId="S::mehdi.lazreg@edu.devinci.fr::9a6f43fa-4406-4f8c-8a9f-6a6c2418bdff" providerId="AD" clId="Web-{1EB54B21-62D8-4672-B878-B9072B4D21B7}" dt="2024-05-20T21:32:34.302" v="17" actId="1076"/>
-          <ac:spMkLst>
-            <pc:docMk/>
-            <pc:sldMk cId="3784089036" sldId="256"/>
-            <ac:spMk id="8" creationId="{870ED200-96A1-0952-2658-D9558F1C345E}"/>
-          </ac:spMkLst>
-        </pc:spChg>
-      </pc:sldChg>
-      <pc:sldChg chg="modSp">
-        <pc:chgData name="LAZREG Mehdi" userId="S::mehdi.lazreg@edu.devinci.fr::9a6f43fa-4406-4f8c-8a9f-6a6c2418bdff" providerId="AD" clId="Web-{1EB54B21-62D8-4672-B878-B9072B4D21B7}" dt="2024-05-20T21:34:57.839" v="65" actId="20577"/>
-        <pc:sldMkLst>
-          <pc:docMk/>
-          <pc:sldMk cId="1114066402" sldId="257"/>
-        </pc:sldMkLst>
-        <pc:spChg chg="mod">
-          <ac:chgData name="LAZREG Mehdi" userId="S::mehdi.lazreg@edu.devinci.fr::9a6f43fa-4406-4f8c-8a9f-6a6c2418bdff" providerId="AD" clId="Web-{1EB54B21-62D8-4672-B878-B9072B4D21B7}" dt="2024-05-20T21:34:57.839" v="65" actId="20577"/>
-          <ac:spMkLst>
-            <pc:docMk/>
-            <pc:sldMk cId="1114066402" sldId="257"/>
-            <ac:spMk id="3" creationId="{ED2B8304-F0EF-24E1-D772-F5FBC994348D}"/>
-          </ac:spMkLst>
-        </pc:spChg>
-      </pc:sldChg>
-      <pc:sldChg chg="modSp">
-        <pc:chgData name="LAZREG Mehdi" userId="S::mehdi.lazreg@edu.devinci.fr::9a6f43fa-4406-4f8c-8a9f-6a6c2418bdff" providerId="AD" clId="Web-{1EB54B21-62D8-4672-B878-B9072B4D21B7}" dt="2024-05-20T21:35:22.825" v="67"/>
-        <pc:sldMkLst>
-          <pc:docMk/>
-          <pc:sldMk cId="291742287" sldId="265"/>
-        </pc:sldMkLst>
-        <pc:spChg chg="mod">
-          <ac:chgData name="LAZREG Mehdi" userId="S::mehdi.lazreg@edu.devinci.fr::9a6f43fa-4406-4f8c-8a9f-6a6c2418bdff" providerId="AD" clId="Web-{1EB54B21-62D8-4672-B878-B9072B4D21B7}" dt="2024-05-20T21:30:27.561" v="4" actId="1076"/>
-          <ac:spMkLst>
-            <pc:docMk/>
-            <pc:sldMk cId="291742287" sldId="265"/>
-            <ac:spMk id="2" creationId="{3EDC45F6-2CC2-EC6E-8C54-FA26E11C3A59}"/>
-          </ac:spMkLst>
-        </pc:spChg>
-        <pc:spChg chg="mod">
-          <ac:chgData name="LAZREG Mehdi" userId="S::mehdi.lazreg@edu.devinci.fr::9a6f43fa-4406-4f8c-8a9f-6a6c2418bdff" providerId="AD" clId="Web-{1EB54B21-62D8-4672-B878-B9072B4D21B7}" dt="2024-05-20T21:30:18.388" v="2" actId="1076"/>
-          <ac:spMkLst>
-            <pc:docMk/>
-            <pc:sldMk cId="291742287" sldId="265"/>
-            <ac:spMk id="3" creationId="{3FFE00BC-E39A-CD6D-E4C4-BC62DC39A231}"/>
-          </ac:spMkLst>
-        </pc:spChg>
-        <pc:spChg chg="mod">
-          <ac:chgData name="LAZREG Mehdi" userId="S::mehdi.lazreg@edu.devinci.fr::9a6f43fa-4406-4f8c-8a9f-6a6c2418bdff" providerId="AD" clId="Web-{1EB54B21-62D8-4672-B878-B9072B4D21B7}" dt="2024-05-20T21:30:11.529" v="1" actId="1076"/>
-          <ac:spMkLst>
-            <pc:docMk/>
-            <pc:sldMk cId="291742287" sldId="265"/>
-            <ac:spMk id="7" creationId="{ED3FAF61-39EE-FC6F-D680-D5458E53D430}"/>
-          </ac:spMkLst>
-        </pc:spChg>
-        <pc:picChg chg="mod">
-          <ac:chgData name="LAZREG Mehdi" userId="S::mehdi.lazreg@edu.devinci.fr::9a6f43fa-4406-4f8c-8a9f-6a6c2418bdff" providerId="AD" clId="Web-{1EB54B21-62D8-4672-B878-B9072B4D21B7}" dt="2024-05-20T21:30:22.748" v="3" actId="1076"/>
-          <ac:picMkLst>
-            <pc:docMk/>
-            <pc:sldMk cId="291742287" sldId="265"/>
-            <ac:picMk id="11" creationId="{2EA0634E-46ED-A1D6-6C3B-44904BD688B1}"/>
-          </ac:picMkLst>
-        </pc:picChg>
-        <pc:picChg chg="mod">
-          <ac:chgData name="LAZREG Mehdi" userId="S::mehdi.lazreg@edu.devinci.fr::9a6f43fa-4406-4f8c-8a9f-6a6c2418bdff" providerId="AD" clId="Web-{1EB54B21-62D8-4672-B878-B9072B4D21B7}" dt="2024-05-20T21:35:22.825" v="67"/>
-          <ac:picMkLst>
-            <pc:docMk/>
-            <pc:sldMk cId="291742287" sldId="265"/>
-            <ac:picMk id="12" creationId="{27340118-A694-0426-9A20-E5727A895224}"/>
-          </ac:picMkLst>
-        </pc:picChg>
-      </pc:sldChg>
-      <pc:sldChg chg="modSp">
-        <pc:chgData name="LAZREG Mehdi" userId="S::mehdi.lazreg@edu.devinci.fr::9a6f43fa-4406-4f8c-8a9f-6a6c2418bdff" providerId="AD" clId="Web-{1EB54B21-62D8-4672-B878-B9072B4D21B7}" dt="2024-05-20T21:30:38.920" v="5" actId="1076"/>
-        <pc:sldMkLst>
-          <pc:docMk/>
-          <pc:sldMk cId="1940570141" sldId="267"/>
-        </pc:sldMkLst>
-        <pc:spChg chg="mod">
-          <ac:chgData name="LAZREG Mehdi" userId="S::mehdi.lazreg@edu.devinci.fr::9a6f43fa-4406-4f8c-8a9f-6a6c2418bdff" providerId="AD" clId="Web-{1EB54B21-62D8-4672-B878-B9072B4D21B7}" dt="2024-05-20T21:30:38.920" v="5" actId="1076"/>
-          <ac:spMkLst>
-            <pc:docMk/>
-            <pc:sldMk cId="1940570141" sldId="267"/>
-            <ac:spMk id="5" creationId="{0B98D220-B552-FE0A-488E-F561C082DDBD}"/>
-          </ac:spMkLst>
-        </pc:spChg>
-      </pc:sldChg>
-      <pc:sldChg chg="modSp">
-        <pc:chgData name="LAZREG Mehdi" userId="S::mehdi.lazreg@edu.devinci.fr::9a6f43fa-4406-4f8c-8a9f-6a6c2418bdff" providerId="AD" clId="Web-{1EB54B21-62D8-4672-B878-B9072B4D21B7}" dt="2024-05-20T21:31:27.766" v="9" actId="20577"/>
-        <pc:sldMkLst>
-          <pc:docMk/>
-          <pc:sldMk cId="2610056257" sldId="269"/>
-        </pc:sldMkLst>
-        <pc:spChg chg="mod ord">
-          <ac:chgData name="LAZREG Mehdi" userId="S::mehdi.lazreg@edu.devinci.fr::9a6f43fa-4406-4f8c-8a9f-6a6c2418bdff" providerId="AD" clId="Web-{1EB54B21-62D8-4672-B878-B9072B4D21B7}" dt="2024-05-20T21:31:27.766" v="9" actId="20577"/>
-          <ac:spMkLst>
-            <pc:docMk/>
-            <pc:sldMk cId="2610056257" sldId="269"/>
-            <ac:spMk id="3" creationId="{A8ABFA07-AE05-0505-D63A-54CC92D82390}"/>
-          </ac:spMkLst>
-        </pc:spChg>
-      </pc:sldChg>
-      <pc:sldChg chg="modSp ord">
-        <pc:chgData name="LAZREG Mehdi" userId="S::mehdi.lazreg@edu.devinci.fr::9a6f43fa-4406-4f8c-8a9f-6a6c2418bdff" providerId="AD" clId="Web-{1EB54B21-62D8-4672-B878-B9072B4D21B7}" dt="2024-05-20T21:34:31.464" v="61"/>
-        <pc:sldMkLst>
-          <pc:docMk/>
-          <pc:sldMk cId="1255366357" sldId="270"/>
-        </pc:sldMkLst>
-        <pc:spChg chg="mod">
-          <ac:chgData name="LAZREG Mehdi" userId="S::mehdi.lazreg@edu.devinci.fr::9a6f43fa-4406-4f8c-8a9f-6a6c2418bdff" providerId="AD" clId="Web-{1EB54B21-62D8-4672-B878-B9072B4D21B7}" dt="2024-05-20T21:32:58.570" v="20" actId="1076"/>
-          <ac:spMkLst>
-            <pc:docMk/>
-            <pc:sldMk cId="1255366357" sldId="270"/>
-            <ac:spMk id="2" creationId="{5BA72D9F-46AA-93C9-34C4-F2162A816D6E}"/>
-          </ac:spMkLst>
-        </pc:spChg>
-        <pc:graphicFrameChg chg="mod modGraphic">
-          <ac:chgData name="LAZREG Mehdi" userId="S::mehdi.lazreg@edu.devinci.fr::9a6f43fa-4406-4f8c-8a9f-6a6c2418bdff" providerId="AD" clId="Web-{1EB54B21-62D8-4672-B878-B9072B4D21B7}" dt="2024-05-20T21:34:17.338" v="60" actId="20577"/>
-          <ac:graphicFrameMkLst>
-            <pc:docMk/>
-            <pc:sldMk cId="1255366357" sldId="270"/>
-            <ac:graphicFrameMk id="110" creationId="{1C2075AE-D35E-D2B1-84AE-6EB53155D664}"/>
-          </ac:graphicFrameMkLst>
-        </pc:graphicFrameChg>
-      </pc:sldChg>
-    </pc:docChg>
-  </pc:docChgLst>
-</pc:chgInfo>
 </file>
 
 <file path=ppt/diagrams/colors1.xml><?xml version="1.0" encoding="utf-8"?>
@@ -2764,14 +944,16 @@
             </a:lnSpc>
           </a:pPr>
           <a:r>
-            <a:rPr lang="fr-FR" b="1" dirty="0">
-              <a:latin typeface="Gill Sans MT"/>
+            <a:rPr lang="fr-FR" dirty="0">
+              <a:latin typeface="Consolas"/>
               <a:ea typeface="Verdana"/>
               <a:cs typeface="Arial"/>
             </a:rPr>
             <a:t>1. Report  2.GitHub  3.Presentation</a:t>
           </a:r>
-          <a:endParaRPr lang="fr-FR" dirty="0"/>
+          <a:endParaRPr lang="fr-FR" dirty="0">
+            <a:latin typeface="Consolas"/>
+          </a:endParaRPr>
         </a:p>
       </dgm:t>
     </dgm:pt>
@@ -2810,23 +992,23 @@
             </a:lnSpc>
           </a:pPr>
           <a:r>
-            <a:rPr lang="fr-FR" b="1" dirty="0">
-              <a:latin typeface="Gill Sans MT"/>
+            <a:rPr lang="fr-FR" dirty="0">
+              <a:latin typeface="Consolas"/>
               <a:ea typeface="Verdana"/>
               <a:cs typeface="Arial"/>
             </a:rPr>
             <a:t>Software </a:t>
           </a:r>
           <a:r>
-            <a:rPr lang="fr-FR" b="1" dirty="0" err="1">
-              <a:latin typeface="Gill Sans MT"/>
+            <a:rPr lang="fr-FR" dirty="0" err="1">
+              <a:latin typeface="Consolas"/>
               <a:ea typeface="Verdana"/>
               <a:cs typeface="Arial"/>
             </a:rPr>
             <a:t>Requirements</a:t>
           </a:r>
-          <a:endParaRPr lang="fr-FR" b="1" dirty="0">
-            <a:latin typeface="Gill Sans MT"/>
+          <a:endParaRPr lang="fr-FR" dirty="0">
+            <a:latin typeface="Consolas"/>
             <a:ea typeface="Verdana"/>
             <a:cs typeface="Arial"/>
           </a:endParaRPr>
@@ -2861,31 +1043,31 @@
             </a:lnSpc>
           </a:pPr>
           <a:r>
-            <a:rPr lang="fr-FR" b="1" dirty="0">
-              <a:latin typeface="Gill Sans MT"/>
+            <a:rPr lang="fr-FR" dirty="0">
+              <a:latin typeface="Consolas"/>
               <a:ea typeface="Verdana"/>
               <a:cs typeface="Arial"/>
             </a:rPr>
             <a:t>Black-Box </a:t>
           </a:r>
           <a:r>
-            <a:rPr lang="fr-FR" b="1" dirty="0" err="1">
-              <a:latin typeface="Gill Sans MT"/>
+            <a:rPr lang="fr-FR" dirty="0" err="1">
+              <a:latin typeface="Consolas"/>
               <a:ea typeface="Verdana"/>
               <a:cs typeface="Arial"/>
             </a:rPr>
             <a:t>Testing</a:t>
           </a:r>
           <a:r>
-            <a:rPr lang="fr-FR" b="1" dirty="0">
-              <a:latin typeface="Gill Sans MT"/>
+            <a:rPr lang="fr-FR" dirty="0">
+              <a:latin typeface="Consolas"/>
               <a:ea typeface="Verdana"/>
               <a:cs typeface="Arial"/>
             </a:rPr>
             <a:t>/Test Cases</a:t>
           </a:r>
-          <a:endParaRPr lang="en-US" b="1" dirty="0">
-            <a:latin typeface="Gill Sans MT"/>
+          <a:endParaRPr lang="en-US" dirty="0">
+            <a:latin typeface="Consolas"/>
             <a:ea typeface="Verdana"/>
             <a:cs typeface="Arial"/>
           </a:endParaRPr>
@@ -2920,15 +1102,15 @@
             </a:lnSpc>
           </a:pPr>
           <a:r>
-            <a:rPr lang="fr-FR" b="1" dirty="0">
-              <a:latin typeface="Gill Sans MT"/>
+            <a:rPr lang="fr-FR" dirty="0">
+              <a:latin typeface="Consolas"/>
               <a:ea typeface="Verdana"/>
               <a:cs typeface="Arial"/>
             </a:rPr>
             <a:t>Design</a:t>
           </a:r>
-          <a:endParaRPr lang="en-US" b="1" dirty="0">
-            <a:latin typeface="Gill Sans MT"/>
+          <a:endParaRPr lang="en-US" dirty="0">
+            <a:latin typeface="Consolas"/>
             <a:ea typeface="Verdana"/>
             <a:cs typeface="Arial"/>
           </a:endParaRPr>
@@ -2963,15 +1145,15 @@
             </a:lnSpc>
           </a:pPr>
           <a:r>
-            <a:rPr lang="fr-FR" b="1" dirty="0">
-              <a:latin typeface="Gill Sans MT"/>
+            <a:rPr lang="fr-FR" dirty="0">
+              <a:latin typeface="Consolas"/>
               <a:ea typeface="Verdana"/>
               <a:cs typeface="Arial"/>
             </a:rPr>
             <a:t>Software Design</a:t>
           </a:r>
-          <a:endParaRPr lang="en-US" b="1" dirty="0">
-            <a:latin typeface="Gill Sans MT"/>
+          <a:endParaRPr lang="en-US" dirty="0">
+            <a:latin typeface="Consolas"/>
             <a:ea typeface="Verdana"/>
             <a:cs typeface="Arial"/>
           </a:endParaRPr>
@@ -3006,15 +1188,15 @@
             </a:lnSpc>
           </a:pPr>
           <a:r>
-            <a:rPr lang="fr-FR" b="1" dirty="0" err="1">
-              <a:latin typeface="Gill Sans MT"/>
+            <a:rPr lang="fr-FR" dirty="0" err="1">
+              <a:latin typeface="Consolas"/>
               <a:ea typeface="Verdana"/>
               <a:cs typeface="Arial"/>
             </a:rPr>
             <a:t>Implementation</a:t>
           </a:r>
-          <a:endParaRPr lang="fr-FR" b="1" dirty="0">
-            <a:latin typeface="Gill Sans MT"/>
+          <a:endParaRPr lang="fr-FR" dirty="0">
+            <a:latin typeface="Consolas"/>
             <a:ea typeface="Verdana"/>
             <a:cs typeface="Arial"/>
           </a:endParaRPr>
@@ -3049,15 +1231,15 @@
             </a:lnSpc>
           </a:pPr>
           <a:r>
-            <a:rPr lang="fr-FR" b="1" dirty="0" err="1">
-              <a:latin typeface="Gill Sans MT"/>
+            <a:rPr lang="fr-FR" dirty="0" err="1">
+              <a:latin typeface="Consolas"/>
               <a:ea typeface="Verdana"/>
               <a:cs typeface="Arial"/>
             </a:rPr>
             <a:t>Testing</a:t>
           </a:r>
-          <a:endParaRPr lang="fr-FR" b="1" dirty="0">
-            <a:latin typeface="Gill Sans MT"/>
+          <a:endParaRPr lang="fr-FR" dirty="0">
+            <a:latin typeface="Consolas"/>
             <a:ea typeface="Verdana"/>
             <a:cs typeface="Arial"/>
           </a:endParaRPr>
@@ -3435,23 +1617,23 @@
             <a:buNone/>
           </a:pPr>
           <a:r>
-            <a:rPr lang="fr-FR" sz="1400" b="1" kern="1200" dirty="0">
-              <a:latin typeface="Gill Sans MT"/>
+            <a:rPr lang="fr-FR" sz="1400" kern="1200" dirty="0">
+              <a:latin typeface="Consolas"/>
               <a:ea typeface="Verdana"/>
               <a:cs typeface="Arial"/>
             </a:rPr>
             <a:t>Software </a:t>
           </a:r>
           <a:r>
-            <a:rPr lang="fr-FR" sz="1400" b="1" kern="1200" dirty="0" err="1">
-              <a:latin typeface="Gill Sans MT"/>
+            <a:rPr lang="fr-FR" sz="1400" kern="1200" dirty="0" err="1">
+              <a:latin typeface="Consolas"/>
               <a:ea typeface="Verdana"/>
               <a:cs typeface="Arial"/>
             </a:rPr>
             <a:t>Requirements</a:t>
           </a:r>
-          <a:endParaRPr lang="fr-FR" sz="1400" b="1" kern="1200" dirty="0">
-            <a:latin typeface="Gill Sans MT"/>
+          <a:endParaRPr lang="fr-FR" sz="1400" kern="1200" dirty="0">
+            <a:latin typeface="Consolas"/>
             <a:ea typeface="Verdana"/>
             <a:cs typeface="Arial"/>
           </a:endParaRPr>
@@ -3638,31 +1820,31 @@
             <a:buNone/>
           </a:pPr>
           <a:r>
-            <a:rPr lang="fr-FR" sz="1400" b="1" kern="1200" dirty="0">
-              <a:latin typeface="Gill Sans MT"/>
+            <a:rPr lang="fr-FR" sz="1400" kern="1200" dirty="0">
+              <a:latin typeface="Consolas"/>
               <a:ea typeface="Verdana"/>
               <a:cs typeface="Arial"/>
             </a:rPr>
             <a:t>Black-Box </a:t>
           </a:r>
           <a:r>
-            <a:rPr lang="fr-FR" sz="1400" b="1" kern="1200" dirty="0" err="1">
-              <a:latin typeface="Gill Sans MT"/>
+            <a:rPr lang="fr-FR" sz="1400" kern="1200" dirty="0" err="1">
+              <a:latin typeface="Consolas"/>
               <a:ea typeface="Verdana"/>
               <a:cs typeface="Arial"/>
             </a:rPr>
             <a:t>Testing</a:t>
           </a:r>
           <a:r>
-            <a:rPr lang="fr-FR" sz="1400" b="1" kern="1200" dirty="0">
-              <a:latin typeface="Gill Sans MT"/>
+            <a:rPr lang="fr-FR" sz="1400" kern="1200" dirty="0">
+              <a:latin typeface="Consolas"/>
               <a:ea typeface="Verdana"/>
               <a:cs typeface="Arial"/>
             </a:rPr>
             <a:t>/Test Cases</a:t>
           </a:r>
-          <a:endParaRPr lang="en-US" sz="1400" b="1" kern="1200" dirty="0">
-            <a:latin typeface="Gill Sans MT"/>
+          <a:endParaRPr lang="en-US" sz="1400" kern="1200" dirty="0">
+            <a:latin typeface="Consolas"/>
             <a:ea typeface="Verdana"/>
             <a:cs typeface="Arial"/>
           </a:endParaRPr>
@@ -3855,15 +2037,15 @@
             <a:buNone/>
           </a:pPr>
           <a:r>
-            <a:rPr lang="fr-FR" sz="1400" b="1" kern="1200" dirty="0">
-              <a:latin typeface="Gill Sans MT"/>
+            <a:rPr lang="fr-FR" sz="1400" kern="1200" dirty="0">
+              <a:latin typeface="Consolas"/>
               <a:ea typeface="Verdana"/>
               <a:cs typeface="Arial"/>
             </a:rPr>
             <a:t>Design</a:t>
           </a:r>
-          <a:endParaRPr lang="en-US" sz="1400" b="1" kern="1200" dirty="0">
-            <a:latin typeface="Gill Sans MT"/>
+          <a:endParaRPr lang="en-US" sz="1400" kern="1200" dirty="0">
+            <a:latin typeface="Consolas"/>
             <a:ea typeface="Verdana"/>
             <a:cs typeface="Arial"/>
           </a:endParaRPr>
@@ -4050,15 +2232,15 @@
             <a:buNone/>
           </a:pPr>
           <a:r>
-            <a:rPr lang="fr-FR" sz="1400" b="1" kern="1200" dirty="0">
-              <a:latin typeface="Gill Sans MT"/>
+            <a:rPr lang="fr-FR" sz="1400" kern="1200" dirty="0">
+              <a:latin typeface="Consolas"/>
               <a:ea typeface="Verdana"/>
               <a:cs typeface="Arial"/>
             </a:rPr>
             <a:t>Software Design</a:t>
           </a:r>
-          <a:endParaRPr lang="en-US" sz="1400" b="1" kern="1200" dirty="0">
-            <a:latin typeface="Gill Sans MT"/>
+          <a:endParaRPr lang="en-US" sz="1400" kern="1200" dirty="0">
+            <a:latin typeface="Consolas"/>
             <a:ea typeface="Verdana"/>
             <a:cs typeface="Arial"/>
           </a:endParaRPr>
@@ -4245,15 +2427,15 @@
             <a:buNone/>
           </a:pPr>
           <a:r>
-            <a:rPr lang="fr-FR" sz="1400" b="1" kern="1200" dirty="0" err="1">
-              <a:latin typeface="Gill Sans MT"/>
+            <a:rPr lang="fr-FR" sz="1400" kern="1200" dirty="0" err="1">
+              <a:latin typeface="Consolas"/>
               <a:ea typeface="Verdana"/>
               <a:cs typeface="Arial"/>
             </a:rPr>
             <a:t>Implementation</a:t>
           </a:r>
-          <a:endParaRPr lang="fr-FR" sz="1400" b="1" kern="1200" dirty="0">
-            <a:latin typeface="Gill Sans MT"/>
+          <a:endParaRPr lang="fr-FR" sz="1400" kern="1200" dirty="0">
+            <a:latin typeface="Consolas"/>
             <a:ea typeface="Verdana"/>
             <a:cs typeface="Arial"/>
           </a:endParaRPr>
@@ -4446,15 +2628,15 @@
             <a:buNone/>
           </a:pPr>
           <a:r>
-            <a:rPr lang="fr-FR" sz="1400" b="1" kern="1200" dirty="0" err="1">
-              <a:latin typeface="Gill Sans MT"/>
+            <a:rPr lang="fr-FR" sz="1400" kern="1200" dirty="0" err="1">
+              <a:latin typeface="Consolas"/>
               <a:ea typeface="Verdana"/>
               <a:cs typeface="Arial"/>
             </a:rPr>
             <a:t>Testing</a:t>
           </a:r>
-          <a:endParaRPr lang="fr-FR" sz="1400" b="1" kern="1200" dirty="0">
-            <a:latin typeface="Gill Sans MT"/>
+          <a:endParaRPr lang="fr-FR" sz="1400" kern="1200" dirty="0">
+            <a:latin typeface="Consolas"/>
             <a:ea typeface="Verdana"/>
             <a:cs typeface="Arial"/>
           </a:endParaRPr>
@@ -4560,14 +2742,16 @@
             <a:buNone/>
           </a:pPr>
           <a:r>
-            <a:rPr lang="fr-FR" sz="1400" b="1" kern="1200" dirty="0">
-              <a:latin typeface="Gill Sans MT"/>
+            <a:rPr lang="fr-FR" sz="1400" kern="1200" dirty="0">
+              <a:latin typeface="Consolas"/>
               <a:ea typeface="Verdana"/>
               <a:cs typeface="Arial"/>
             </a:rPr>
             <a:t>1. Report  2.GitHub  3.Presentation</a:t>
           </a:r>
-          <a:endParaRPr lang="fr-FR" sz="1400" kern="1200" dirty="0"/>
+          <a:endParaRPr lang="fr-FR" sz="1400" kern="1200" dirty="0">
+            <a:latin typeface="Consolas"/>
+          </a:endParaRPr>
         </a:p>
       </dsp:txBody>
       <dsp:txXfrm>
@@ -5930,7 +4114,7 @@
           <a:p>
             <a:fld id="{638941B0-F4D5-4460-BCAD-F7E2B41A8257}" type="datetimeFigureOut">
               <a:rPr lang="fr-FR" smtClean="0"/>
-              <a:t>20/05/2024</a:t>
+              <a:t>21/05/2024</a:t>
             </a:fld>
             <a:endParaRPr lang="fr-FR"/>
           </a:p>
@@ -6098,7 +4282,7 @@
           <a:p>
             <a:fld id="{638941B0-F4D5-4460-BCAD-F7E2B41A8257}" type="datetimeFigureOut">
               <a:rPr lang="fr-FR" smtClean="0"/>
-              <a:t>20/05/2024</a:t>
+              <a:t>21/05/2024</a:t>
             </a:fld>
             <a:endParaRPr lang="fr-FR"/>
           </a:p>
@@ -6276,7 +4460,7 @@
           <a:p>
             <a:fld id="{638941B0-F4D5-4460-BCAD-F7E2B41A8257}" type="datetimeFigureOut">
               <a:rPr lang="fr-FR" smtClean="0"/>
-              <a:t>20/05/2024</a:t>
+              <a:t>21/05/2024</a:t>
             </a:fld>
             <a:endParaRPr lang="fr-FR"/>
           </a:p>
@@ -6444,7 +4628,7 @@
           <a:p>
             <a:fld id="{638941B0-F4D5-4460-BCAD-F7E2B41A8257}" type="datetimeFigureOut">
               <a:rPr lang="fr-FR" smtClean="0"/>
-              <a:t>20/05/2024</a:t>
+              <a:t>21/05/2024</a:t>
             </a:fld>
             <a:endParaRPr lang="fr-FR"/>
           </a:p>
@@ -6689,7 +4873,7 @@
           <a:p>
             <a:fld id="{638941B0-F4D5-4460-BCAD-F7E2B41A8257}" type="datetimeFigureOut">
               <a:rPr lang="fr-FR" smtClean="0"/>
-              <a:t>20/05/2024</a:t>
+              <a:t>21/05/2024</a:t>
             </a:fld>
             <a:endParaRPr lang="fr-FR"/>
           </a:p>
@@ -6918,7 +5102,7 @@
           <a:p>
             <a:fld id="{638941B0-F4D5-4460-BCAD-F7E2B41A8257}" type="datetimeFigureOut">
               <a:rPr lang="fr-FR" smtClean="0"/>
-              <a:t>20/05/2024</a:t>
+              <a:t>21/05/2024</a:t>
             </a:fld>
             <a:endParaRPr lang="fr-FR"/>
           </a:p>
@@ -7282,7 +5466,7 @@
           <a:p>
             <a:fld id="{638941B0-F4D5-4460-BCAD-F7E2B41A8257}" type="datetimeFigureOut">
               <a:rPr lang="fr-FR" smtClean="0"/>
-              <a:t>20/05/2024</a:t>
+              <a:t>21/05/2024</a:t>
             </a:fld>
             <a:endParaRPr lang="fr-FR"/>
           </a:p>
@@ -7399,7 +5583,7 @@
           <a:p>
             <a:fld id="{638941B0-F4D5-4460-BCAD-F7E2B41A8257}" type="datetimeFigureOut">
               <a:rPr lang="fr-FR" smtClean="0"/>
-              <a:t>20/05/2024</a:t>
+              <a:t>21/05/2024</a:t>
             </a:fld>
             <a:endParaRPr lang="fr-FR"/>
           </a:p>
@@ -7494,7 +5678,7 @@
           <a:p>
             <a:fld id="{638941B0-F4D5-4460-BCAD-F7E2B41A8257}" type="datetimeFigureOut">
               <a:rPr lang="fr-FR" smtClean="0"/>
-              <a:t>20/05/2024</a:t>
+              <a:t>21/05/2024</a:t>
             </a:fld>
             <a:endParaRPr lang="fr-FR"/>
           </a:p>
@@ -7769,7 +5953,7 @@
           <a:p>
             <a:fld id="{638941B0-F4D5-4460-BCAD-F7E2B41A8257}" type="datetimeFigureOut">
               <a:rPr lang="fr-FR" smtClean="0"/>
-              <a:t>20/05/2024</a:t>
+              <a:t>21/05/2024</a:t>
             </a:fld>
             <a:endParaRPr lang="fr-FR"/>
           </a:p>
@@ -8021,7 +6205,7 @@
           <a:p>
             <a:fld id="{638941B0-F4D5-4460-BCAD-F7E2B41A8257}" type="datetimeFigureOut">
               <a:rPr lang="fr-FR" smtClean="0"/>
-              <a:t>20/05/2024</a:t>
+              <a:t>21/05/2024</a:t>
             </a:fld>
             <a:endParaRPr lang="fr-FR"/>
           </a:p>
@@ -8087,7 +6271,7 @@
   <p:cSld>
     <p:bg>
       <p:bgRef idx="1001">
-        <a:schemeClr val="bg1"/>
+        <a:schemeClr val="bg2"/>
       </p:bgRef>
     </p:bg>
     <p:spTree>
@@ -8232,7 +6416,7 @@
           <a:p>
             <a:fld id="{638941B0-F4D5-4460-BCAD-F7E2B41A8257}" type="datetimeFigureOut">
               <a:rPr lang="fr-FR" smtClean="0"/>
-              <a:t>20/05/2024</a:t>
+              <a:t>21/05/2024</a:t>
             </a:fld>
             <a:endParaRPr lang="fr-FR"/>
           </a:p>
@@ -8623,17 +6807,6 @@
 <file path=ppt/slides/slide1.xml><?xml version="1.0" encoding="utf-8"?>
 <p:sld xmlns:a="http://schemas.openxmlformats.org/drawingml/2006/main" xmlns:r="http://schemas.openxmlformats.org/officeDocument/2006/relationships" xmlns:p="http://schemas.openxmlformats.org/presentationml/2006/main">
   <p:cSld>
-    <p:bg>
-      <p:bgPr>
-        <a:solidFill>
-          <a:schemeClr val="tx2">
-            <a:lumMod val="25000"/>
-            <a:lumOff val="75000"/>
-          </a:schemeClr>
-        </a:solidFill>
-        <a:effectLst/>
-      </p:bgPr>
-    </p:bg>
     <p:spTree>
       <p:nvGrpSpPr>
         <p:cNvPr id="1" name=""/>
@@ -8812,7 +6985,7 @@
           <a:p>
             <a:r>
               <a:rPr lang="fr-FR" sz="1800" dirty="0">
-                <a:latin typeface="Verdana"/>
+                <a:latin typeface="Consolas"/>
                 <a:ea typeface="Verdana"/>
               </a:rPr>
               <a:t>LASNIER - LAZREG – POILVE</a:t>
@@ -8820,15 +6993,15 @@
           </a:p>
           <a:p>
             <a:r>
-              <a:rPr lang="fr-FR" sz="1800" dirty="0" err="1">
-                <a:latin typeface="Verdana"/>
+              <a:rPr lang="fr-FR" sz="1800" err="1">
+                <a:latin typeface="Consolas"/>
                 <a:ea typeface="Verdana"/>
               </a:rPr>
               <a:t>Applied</a:t>
             </a:r>
             <a:r>
               <a:rPr lang="fr-FR" sz="1800" dirty="0">
-                <a:latin typeface="Verdana"/>
+                <a:latin typeface="Consolas"/>
                 <a:ea typeface="Verdana"/>
               </a:rPr>
               <a:t> System Software</a:t>
@@ -8881,7 +7054,7 @@
         <p:spPr>
           <a:xfrm>
             <a:off x="3348753" y="3887578"/>
-            <a:ext cx="5507063" cy="646331"/>
+            <a:ext cx="5507063" cy="1200329"/>
           </a:xfrm>
           <a:prstGeom prst="rect">
             <a:avLst/>
@@ -8897,12 +7070,13 @@
           </a:bodyPr>
           <a:lstStyle/>
           <a:p>
+            <a:pPr algn="ctr"/>
             <a:r>
               <a:rPr lang="fr-FR" sz="3600" err="1">
                 <a:solidFill>
                   <a:schemeClr val="bg1"/>
                 </a:solidFill>
-                <a:latin typeface="Gill Sans MT"/>
+                <a:latin typeface="Consolas"/>
               </a:rPr>
               <a:t>Connect</a:t>
             </a:r>
@@ -8911,10 +7085,15 @@
                 <a:solidFill>
                   <a:schemeClr val="bg1"/>
                 </a:solidFill>
-                <a:latin typeface="Gill Sans MT"/>
+                <a:latin typeface="Consolas"/>
               </a:rPr>
               <a:t> 4 Game in Python </a:t>
             </a:r>
+            <a:endParaRPr lang="fr-FR">
+              <a:solidFill>
+                <a:schemeClr val="bg1"/>
+              </a:solidFill>
+            </a:endParaRPr>
           </a:p>
         </p:txBody>
       </p:sp>
@@ -8931,20 +7110,712 @@
 </p:sld>
 </file>
 
-<file path=ppt/slides/slide2.xml><?xml version="1.0" encoding="utf-8"?>
+<file path=ppt/slides/slide10.xml><?xml version="1.0" encoding="utf-8"?>
 <p:sld xmlns:a="http://schemas.openxmlformats.org/drawingml/2006/main" xmlns:r="http://schemas.openxmlformats.org/officeDocument/2006/relationships" xmlns:p="http://schemas.openxmlformats.org/presentationml/2006/main">
   <p:cSld>
     <p:bg>
       <p:bgPr>
         <a:solidFill>
-          <a:schemeClr val="tx2">
-            <a:lumMod val="10000"/>
-            <a:lumOff val="90000"/>
-          </a:schemeClr>
+          <a:schemeClr val="bg1"/>
         </a:solidFill>
         <a:effectLst/>
       </p:bgPr>
     </p:bg>
+    <p:spTree>
+      <p:nvGrpSpPr>
+        <p:cNvPr id="1" name=""/>
+        <p:cNvGrpSpPr/>
+        <p:nvPr/>
+      </p:nvGrpSpPr>
+      <p:grpSpPr>
+        <a:xfrm>
+          <a:off x="0" y="0"/>
+          <a:ext cx="0" cy="0"/>
+          <a:chOff x="0" y="0"/>
+          <a:chExt cx="0" cy="0"/>
+        </a:xfrm>
+      </p:grpSpPr>
+      <p:sp useBgFill="1">
+        <p:nvSpPr>
+          <p:cNvPr id="12" name="Rectangle 11">
+            <a:extLst>
+              <a:ext uri="{FF2B5EF4-FFF2-40B4-BE49-F238E27FC236}">
+                <a16:creationId xmlns:a16="http://schemas.microsoft.com/office/drawing/2014/main" id="{47942995-B07F-4636-9A06-C6A104B260A8}"/>
+              </a:ext>
+              <a:ext uri="{C183D7F6-B498-43B3-948B-1728B52AA6E4}">
+                <adec:decorative xmlns:adec="http://schemas.microsoft.com/office/drawing/2017/decorative" val="1"/>
+              </a:ext>
+            </a:extLst>
+          </p:cNvPr>
+          <p:cNvSpPr>
+            <a:spLocks noGrp="1" noRot="1" noChangeAspect="1" noMove="1" noResize="1" noEditPoints="1" noAdjustHandles="1" noChangeArrowheads="1" noChangeShapeType="1" noTextEdit="1"/>
+          </p:cNvSpPr>
+          <p:nvPr>
+            <p:extLst>
+              <p:ext uri="{386F3935-93C4-4BCD-93E2-E3B085C9AB24}">
+                <p16:designElem xmlns:p16="http://schemas.microsoft.com/office/powerpoint/2015/main" val="1"/>
+              </p:ext>
+            </p:extLst>
+          </p:nvPr>
+        </p:nvSpPr>
+        <p:spPr>
+          <a:xfrm>
+            <a:off x="0" y="0"/>
+            <a:ext cx="12191999" cy="6857365"/>
+          </a:xfrm>
+          <a:prstGeom prst="rect">
+            <a:avLst/>
+          </a:prstGeom>
+          <a:ln>
+            <a:noFill/>
+          </a:ln>
+        </p:spPr>
+        <p:style>
+          <a:lnRef idx="2">
+            <a:schemeClr val="accent1">
+              <a:shade val="50000"/>
+            </a:schemeClr>
+          </a:lnRef>
+          <a:fillRef idx="1">
+            <a:schemeClr val="accent1"/>
+          </a:fillRef>
+          <a:effectRef idx="0">
+            <a:schemeClr val="accent1"/>
+          </a:effectRef>
+          <a:fontRef idx="minor">
+            <a:schemeClr val="lt1"/>
+          </a:fontRef>
+        </p:style>
+        <p:txBody>
+          <a:bodyPr rtlCol="0" anchor="ctr"/>
+          <a:lstStyle/>
+          <a:p>
+            <a:pPr algn="ctr"/>
+            <a:endParaRPr lang="en-US"/>
+          </a:p>
+        </p:txBody>
+      </p:sp>
+      <p:sp>
+        <p:nvSpPr>
+          <p:cNvPr id="2" name="Titre 1">
+            <a:extLst>
+              <a:ext uri="{FF2B5EF4-FFF2-40B4-BE49-F238E27FC236}">
+                <a16:creationId xmlns:a16="http://schemas.microsoft.com/office/drawing/2014/main" id="{A0DEC11B-7D48-BBDE-A9A7-948D578435B0}"/>
+              </a:ext>
+            </a:extLst>
+          </p:cNvPr>
+          <p:cNvSpPr>
+            <a:spLocks noGrp="1"/>
+          </p:cNvSpPr>
+          <p:nvPr>
+            <p:ph type="title"/>
+          </p:nvPr>
+        </p:nvSpPr>
+        <p:spPr>
+          <a:xfrm>
+            <a:off x="1113810" y="2977839"/>
+            <a:ext cx="4318873" cy="2370477"/>
+          </a:xfrm>
+        </p:spPr>
+        <p:txBody>
+          <a:bodyPr vert="horz" lIns="91440" tIns="45720" rIns="91440" bIns="45720" rtlCol="0" anchor="t">
+            <a:normAutofit/>
+          </a:bodyPr>
+          <a:lstStyle/>
+          <a:p>
+            <a:r>
+              <a:rPr lang="en-US" kern="1200" dirty="0">
+                <a:latin typeface="Consolas"/>
+              </a:rPr>
+              <a:t>Screenshots :</a:t>
+            </a:r>
+            <a:r>
+              <a:rPr lang="en-US" sz="5400" kern="1200" dirty="0">
+                <a:latin typeface="+mj-lt"/>
+                <a:ea typeface="+mj-ea"/>
+                <a:cs typeface="+mj-cs"/>
+              </a:rPr>
+              <a:t> </a:t>
+            </a:r>
+          </a:p>
+        </p:txBody>
+      </p:sp>
+      <p:grpSp>
+        <p:nvGrpSpPr>
+          <p:cNvPr id="14" name="Group 13">
+            <a:extLst>
+              <a:ext uri="{FF2B5EF4-FFF2-40B4-BE49-F238E27FC236}">
+                <a16:creationId xmlns:a16="http://schemas.microsoft.com/office/drawing/2014/main" id="{032D8612-31EB-44CF-A1D0-14FD4C705424}"/>
+              </a:ext>
+              <a:ext uri="{C183D7F6-B498-43B3-948B-1728B52AA6E4}">
+                <adec:decorative xmlns:adec="http://schemas.microsoft.com/office/drawing/2017/decorative" val="1"/>
+              </a:ext>
+            </a:extLst>
+          </p:cNvPr>
+          <p:cNvGrpSpPr>
+            <a:grpSpLocks noGrp="1" noUngrp="1" noRot="1" noChangeAspect="1" noMove="1" noResize="1"/>
+          </p:cNvGrpSpPr>
+          <p:nvPr>
+            <p:extLst>
+              <p:ext uri="{386F3935-93C4-4BCD-93E2-E3B085C9AB24}">
+                <p16:designElem xmlns:p16="http://schemas.microsoft.com/office/powerpoint/2015/main" val="1"/>
+              </p:ext>
+            </p:extLst>
+          </p:nvPr>
+        </p:nvGrpSpPr>
+        <p:grpSpPr>
+          <a:xfrm>
+            <a:off x="0" y="2984992"/>
+            <a:ext cx="731521" cy="673460"/>
+            <a:chOff x="3940602" y="308034"/>
+            <a:chExt cx="2116791" cy="3428999"/>
+          </a:xfrm>
+          <a:solidFill>
+            <a:schemeClr val="accent4"/>
+          </a:solidFill>
+        </p:grpSpPr>
+        <p:sp>
+          <p:nvSpPr>
+            <p:cNvPr id="15" name="Rectangle 14">
+              <a:extLst>
+                <a:ext uri="{FF2B5EF4-FFF2-40B4-BE49-F238E27FC236}">
+                  <a16:creationId xmlns:a16="http://schemas.microsoft.com/office/drawing/2014/main" id="{F19A4A0F-1B59-4DB0-9764-D10936E98770}"/>
+                </a:ext>
+                <a:ext uri="{C183D7F6-B498-43B3-948B-1728B52AA6E4}">
+                  <adec:decorative xmlns:adec="http://schemas.microsoft.com/office/drawing/2017/decorative" val="1"/>
+                </a:ext>
+              </a:extLst>
+            </p:cNvPr>
+            <p:cNvSpPr/>
+            <p:nvPr>
+              <p:extLst>
+                <p:ext uri="{386F3935-93C4-4BCD-93E2-E3B085C9AB24}">
+                  <p16:designElem xmlns:p16="http://schemas.microsoft.com/office/powerpoint/2015/main" val="1"/>
+                </p:ext>
+              </p:extLst>
+            </p:nvPr>
+          </p:nvSpPr>
+          <p:spPr>
+            <a:xfrm>
+              <a:off x="3940602" y="308034"/>
+              <a:ext cx="566743" cy="3428999"/>
+            </a:xfrm>
+            <a:prstGeom prst="rect">
+              <a:avLst/>
+            </a:prstGeom>
+            <a:grpFill/>
+            <a:ln>
+              <a:noFill/>
+            </a:ln>
+          </p:spPr>
+          <p:style>
+            <a:lnRef idx="2">
+              <a:schemeClr val="accent1">
+                <a:shade val="50000"/>
+              </a:schemeClr>
+            </a:lnRef>
+            <a:fillRef idx="1">
+              <a:schemeClr val="accent1"/>
+            </a:fillRef>
+            <a:effectRef idx="0">
+              <a:schemeClr val="accent1"/>
+            </a:effectRef>
+            <a:fontRef idx="minor">
+              <a:schemeClr val="lt1"/>
+            </a:fontRef>
+          </p:style>
+          <p:txBody>
+            <a:bodyPr rtlCol="0" anchor="ctr"/>
+            <a:lstStyle/>
+            <a:p>
+              <a:pPr algn="ctr"/>
+              <a:endParaRPr lang="en-US"/>
+            </a:p>
+          </p:txBody>
+        </p:sp>
+        <p:sp>
+          <p:nvSpPr>
+            <p:cNvPr id="16" name="Rectangle 15">
+              <a:extLst>
+                <a:ext uri="{FF2B5EF4-FFF2-40B4-BE49-F238E27FC236}">
+                  <a16:creationId xmlns:a16="http://schemas.microsoft.com/office/drawing/2014/main" id="{F399A70F-F8CD-4992-9EF5-6CF15472E73F}"/>
+                </a:ext>
+                <a:ext uri="{C183D7F6-B498-43B3-948B-1728B52AA6E4}">
+                  <adec:decorative xmlns:adec="http://schemas.microsoft.com/office/drawing/2017/decorative" val="1"/>
+                </a:ext>
+              </a:extLst>
+            </p:cNvPr>
+            <p:cNvSpPr/>
+            <p:nvPr>
+              <p:extLst>
+                <p:ext uri="{386F3935-93C4-4BCD-93E2-E3B085C9AB24}">
+                  <p16:designElem xmlns:p16="http://schemas.microsoft.com/office/powerpoint/2015/main" val="1"/>
+                </p:ext>
+              </p:extLst>
+            </p:nvPr>
+          </p:nvSpPr>
+          <p:spPr>
+            <a:xfrm>
+              <a:off x="4715626" y="308034"/>
+              <a:ext cx="566743" cy="3428999"/>
+            </a:xfrm>
+            <a:prstGeom prst="rect">
+              <a:avLst/>
+            </a:prstGeom>
+            <a:grpFill/>
+            <a:ln>
+              <a:noFill/>
+            </a:ln>
+          </p:spPr>
+          <p:style>
+            <a:lnRef idx="2">
+              <a:schemeClr val="accent1">
+                <a:shade val="50000"/>
+              </a:schemeClr>
+            </a:lnRef>
+            <a:fillRef idx="1">
+              <a:schemeClr val="accent1"/>
+            </a:fillRef>
+            <a:effectRef idx="0">
+              <a:schemeClr val="accent1"/>
+            </a:effectRef>
+            <a:fontRef idx="minor">
+              <a:schemeClr val="lt1"/>
+            </a:fontRef>
+          </p:style>
+          <p:txBody>
+            <a:bodyPr rtlCol="0" anchor="ctr"/>
+            <a:lstStyle/>
+            <a:p>
+              <a:pPr algn="ctr"/>
+              <a:endParaRPr lang="en-US"/>
+            </a:p>
+          </p:txBody>
+        </p:sp>
+        <p:sp>
+          <p:nvSpPr>
+            <p:cNvPr id="17" name="Rectangle 16">
+              <a:extLst>
+                <a:ext uri="{FF2B5EF4-FFF2-40B4-BE49-F238E27FC236}">
+                  <a16:creationId xmlns:a16="http://schemas.microsoft.com/office/drawing/2014/main" id="{48F4FEDC-6D80-458C-A665-075D9B9500FD}"/>
+                </a:ext>
+                <a:ext uri="{C183D7F6-B498-43B3-948B-1728B52AA6E4}">
+                  <adec:decorative xmlns:adec="http://schemas.microsoft.com/office/drawing/2017/decorative" val="1"/>
+                </a:ext>
+              </a:extLst>
+            </p:cNvPr>
+            <p:cNvSpPr/>
+            <p:nvPr>
+              <p:extLst>
+                <p:ext uri="{386F3935-93C4-4BCD-93E2-E3B085C9AB24}">
+                  <p16:designElem xmlns:p16="http://schemas.microsoft.com/office/powerpoint/2015/main" val="1"/>
+                </p:ext>
+              </p:extLst>
+            </p:nvPr>
+          </p:nvSpPr>
+          <p:spPr>
+            <a:xfrm>
+              <a:off x="5490650" y="308034"/>
+              <a:ext cx="566743" cy="3428999"/>
+            </a:xfrm>
+            <a:prstGeom prst="rect">
+              <a:avLst/>
+            </a:prstGeom>
+            <a:grpFill/>
+            <a:ln>
+              <a:noFill/>
+            </a:ln>
+          </p:spPr>
+          <p:style>
+            <a:lnRef idx="2">
+              <a:schemeClr val="accent1">
+                <a:shade val="50000"/>
+              </a:schemeClr>
+            </a:lnRef>
+            <a:fillRef idx="1">
+              <a:schemeClr val="accent1"/>
+            </a:fillRef>
+            <a:effectRef idx="0">
+              <a:schemeClr val="accent1"/>
+            </a:effectRef>
+            <a:fontRef idx="minor">
+              <a:schemeClr val="lt1"/>
+            </a:fontRef>
+          </p:style>
+          <p:txBody>
+            <a:bodyPr rtlCol="0" anchor="ctr"/>
+            <a:lstStyle/>
+            <a:p>
+              <a:pPr algn="ctr"/>
+              <a:endParaRPr lang="en-US"/>
+            </a:p>
+          </p:txBody>
+        </p:sp>
+      </p:grpSp>
+      <p:sp>
+        <p:nvSpPr>
+          <p:cNvPr id="19" name="Rectangle 18">
+            <a:extLst>
+              <a:ext uri="{FF2B5EF4-FFF2-40B4-BE49-F238E27FC236}">
+                <a16:creationId xmlns:a16="http://schemas.microsoft.com/office/drawing/2014/main" id="{B81933D1-5615-42C7-9C0B-4EB7105CCE2D}"/>
+              </a:ext>
+              <a:ext uri="{C183D7F6-B498-43B3-948B-1728B52AA6E4}">
+                <adec:decorative xmlns:adec="http://schemas.microsoft.com/office/drawing/2017/decorative" val="1"/>
+              </a:ext>
+            </a:extLst>
+          </p:cNvPr>
+          <p:cNvSpPr>
+            <a:spLocks noGrp="1" noRot="1" noChangeAspect="1" noMove="1" noResize="1" noEditPoints="1" noAdjustHandles="1" noChangeArrowheads="1" noChangeShapeType="1" noTextEdit="1"/>
+          </p:cNvSpPr>
+          <p:nvPr>
+            <p:extLst>
+              <p:ext uri="{386F3935-93C4-4BCD-93E2-E3B085C9AB24}">
+                <p16:designElem xmlns:p16="http://schemas.microsoft.com/office/powerpoint/2015/main" val="1"/>
+              </p:ext>
+            </p:extLst>
+          </p:nvPr>
+        </p:nvSpPr>
+        <p:spPr>
+          <a:xfrm flipH="1">
+            <a:off x="10697670" y="0"/>
+            <a:ext cx="1494330" cy="6858000"/>
+          </a:xfrm>
+          <a:prstGeom prst="rect">
+            <a:avLst/>
+          </a:prstGeom>
+          <a:solidFill>
+            <a:schemeClr val="accent4"/>
+          </a:solidFill>
+          <a:ln>
+            <a:noFill/>
+          </a:ln>
+        </p:spPr>
+        <p:style>
+          <a:lnRef idx="2">
+            <a:schemeClr val="accent1">
+              <a:shade val="50000"/>
+            </a:schemeClr>
+          </a:lnRef>
+          <a:fillRef idx="1">
+            <a:schemeClr val="accent1"/>
+          </a:fillRef>
+          <a:effectRef idx="0">
+            <a:schemeClr val="accent1"/>
+          </a:effectRef>
+          <a:fontRef idx="minor">
+            <a:schemeClr val="lt1"/>
+          </a:fontRef>
+        </p:style>
+        <p:txBody>
+          <a:bodyPr rtlCol="0" anchor="ctr"/>
+          <a:lstStyle/>
+          <a:p>
+            <a:pPr algn="ctr"/>
+            <a:endParaRPr lang="en-US"/>
+          </a:p>
+        </p:txBody>
+      </p:sp>
+      <p:sp>
+        <p:nvSpPr>
+          <p:cNvPr id="21" name="Rectangle 20">
+            <a:extLst>
+              <a:ext uri="{FF2B5EF4-FFF2-40B4-BE49-F238E27FC236}">
+                <a16:creationId xmlns:a16="http://schemas.microsoft.com/office/drawing/2014/main" id="{19C9EAEA-39D0-4B0E-A0EB-51E7B26740B1}"/>
+              </a:ext>
+              <a:ext uri="{C183D7F6-B498-43B3-948B-1728B52AA6E4}">
+                <adec:decorative xmlns:adec="http://schemas.microsoft.com/office/drawing/2017/decorative" val="1"/>
+              </a:ext>
+            </a:extLst>
+          </p:cNvPr>
+          <p:cNvSpPr>
+            <a:spLocks noGrp="1" noRot="1" noChangeAspect="1" noMove="1" noResize="1" noEditPoints="1" noAdjustHandles="1" noChangeArrowheads="1" noChangeShapeType="1" noTextEdit="1"/>
+          </p:cNvSpPr>
+          <p:nvPr>
+            <p:extLst>
+              <p:ext uri="{386F3935-93C4-4BCD-93E2-E3B085C9AB24}">
+                <p16:designElem xmlns:p16="http://schemas.microsoft.com/office/powerpoint/2015/main" val="1"/>
+              </p:ext>
+            </p:extLst>
+          </p:nvPr>
+        </p:nvSpPr>
+        <p:spPr>
+          <a:xfrm>
+            <a:off x="5685810" y="391886"/>
+            <a:ext cx="6009366" cy="6017078"/>
+          </a:xfrm>
+          <a:prstGeom prst="rect">
+            <a:avLst/>
+          </a:prstGeom>
+          <a:solidFill>
+            <a:schemeClr val="bg1"/>
+          </a:solidFill>
+          <a:ln>
+            <a:noFill/>
+          </a:ln>
+          <a:effectLst>
+            <a:outerShdw blurRad="139700" dist="127000" dir="5400000" algn="t" rotWithShape="0">
+              <a:prstClr val="black">
+                <a:alpha val="15000"/>
+              </a:prstClr>
+            </a:outerShdw>
+          </a:effectLst>
+        </p:spPr>
+        <p:style>
+          <a:lnRef idx="2">
+            <a:schemeClr val="accent1">
+              <a:shade val="50000"/>
+            </a:schemeClr>
+          </a:lnRef>
+          <a:fillRef idx="1">
+            <a:schemeClr val="accent1"/>
+          </a:fillRef>
+          <a:effectRef idx="0">
+            <a:schemeClr val="accent1"/>
+          </a:effectRef>
+          <a:fontRef idx="minor">
+            <a:schemeClr val="lt1"/>
+          </a:fontRef>
+        </p:style>
+        <p:txBody>
+          <a:bodyPr rtlCol="0" anchor="ctr"/>
+          <a:lstStyle/>
+          <a:p>
+            <a:pPr algn="ctr"/>
+            <a:endParaRPr lang="en-US"/>
+          </a:p>
+        </p:txBody>
+      </p:sp>
+      <p:sp>
+        <p:nvSpPr>
+          <p:cNvPr id="7" name="ZoneTexte 6">
+            <a:extLst>
+              <a:ext uri="{FF2B5EF4-FFF2-40B4-BE49-F238E27FC236}">
+                <a16:creationId xmlns:a16="http://schemas.microsoft.com/office/drawing/2014/main" id="{CA24747C-ED25-6B69-EC30-887D670F1F2E}"/>
+              </a:ext>
+            </a:extLst>
+          </p:cNvPr>
+          <p:cNvSpPr txBox="1"/>
+          <p:nvPr/>
+        </p:nvSpPr>
+        <p:spPr>
+          <a:xfrm>
+            <a:off x="5925539" y="567755"/>
+            <a:ext cx="2383906" cy="459826"/>
+          </a:xfrm>
+          <a:prstGeom prst="rect">
+            <a:avLst/>
+          </a:prstGeom>
+        </p:spPr>
+        <p:txBody>
+          <a:bodyPr rot="0" spcFirstLastPara="0" vertOverflow="overflow" horzOverflow="overflow" vert="horz" lIns="91440" tIns="45720" rIns="91440" bIns="45720" numCol="1" spcCol="0" rtlCol="0" fromWordArt="0" anchor="b" anchorCtr="0" forceAA="0" compatLnSpc="1">
+            <a:prstTxWarp prst="textNoShape">
+              <a:avLst/>
+            </a:prstTxWarp>
+            <a:noAutofit/>
+          </a:bodyPr>
+          <a:lstStyle/>
+          <a:p>
+            <a:pPr>
+              <a:lnSpc>
+                <a:spcPct val="90000"/>
+              </a:lnSpc>
+              <a:spcBef>
+                <a:spcPts val="1000"/>
+              </a:spcBef>
+            </a:pPr>
+            <a:r>
+              <a:rPr lang="en-US" dirty="0">
+                <a:latin typeface="Consolas"/>
+              </a:rPr>
+              <a:t>Game window</a:t>
+            </a:r>
+            <a:r>
+              <a:rPr lang="en-US" kern="1200" dirty="0">
+                <a:latin typeface="Consolas"/>
+              </a:rPr>
+              <a:t> :</a:t>
+            </a:r>
+          </a:p>
+        </p:txBody>
+      </p:sp>
+      <p:pic>
+        <p:nvPicPr>
+          <p:cNvPr id="3" name="Image 2" descr="Une image contenant capture d’écran, motif, Caractère coloré, cercle&#10;&#10;Description générée automatiquement">
+            <a:extLst>
+              <a:ext uri="{FF2B5EF4-FFF2-40B4-BE49-F238E27FC236}">
+                <a16:creationId xmlns:a16="http://schemas.microsoft.com/office/drawing/2014/main" id="{1AC871F7-6B68-C07D-F421-29466609EE87}"/>
+              </a:ext>
+            </a:extLst>
+          </p:cNvPr>
+          <p:cNvPicPr>
+            <a:picLocks noChangeAspect="1"/>
+          </p:cNvPicPr>
+          <p:nvPr/>
+        </p:nvPicPr>
+        <p:blipFill>
+          <a:blip r:embed="rId2"/>
+          <a:stretch>
+            <a:fillRect/>
+          </a:stretch>
+        </p:blipFill>
+        <p:spPr>
+          <a:xfrm>
+            <a:off x="6298715" y="1190090"/>
+            <a:ext cx="4783019" cy="4923034"/>
+          </a:xfrm>
+          <a:prstGeom prst="rect">
+            <a:avLst/>
+          </a:prstGeom>
+        </p:spPr>
+      </p:pic>
+    </p:spTree>
+    <p:extLst>
+      <p:ext uri="{BB962C8B-B14F-4D97-AF65-F5344CB8AC3E}">
+        <p14:creationId xmlns:p14="http://schemas.microsoft.com/office/powerpoint/2010/main" val="372588098"/>
+      </p:ext>
+    </p:extLst>
+  </p:cSld>
+  <p:clrMapOvr>
+    <a:masterClrMapping/>
+  </p:clrMapOvr>
+</p:sld>
+</file>
+
+<file path=ppt/slides/slide11.xml><?xml version="1.0" encoding="utf-8"?>
+<p:sld xmlns:a="http://schemas.openxmlformats.org/drawingml/2006/main" xmlns:r="http://schemas.openxmlformats.org/officeDocument/2006/relationships" xmlns:p="http://schemas.openxmlformats.org/presentationml/2006/main" show="0">
+  <p:cSld>
+    <p:spTree>
+      <p:nvGrpSpPr>
+        <p:cNvPr id="1" name=""/>
+        <p:cNvGrpSpPr/>
+        <p:nvPr/>
+      </p:nvGrpSpPr>
+      <p:grpSpPr>
+        <a:xfrm>
+          <a:off x="0" y="0"/>
+          <a:ext cx="0" cy="0"/>
+          <a:chOff x="0" y="0"/>
+          <a:chExt cx="0" cy="0"/>
+        </a:xfrm>
+      </p:grpSpPr>
+      <p:sp>
+        <p:nvSpPr>
+          <p:cNvPr id="2" name="Titre 1">
+            <a:extLst>
+              <a:ext uri="{FF2B5EF4-FFF2-40B4-BE49-F238E27FC236}">
+                <a16:creationId xmlns:a16="http://schemas.microsoft.com/office/drawing/2014/main" id="{111E395F-F23E-905B-D1BE-83716F275D76}"/>
+              </a:ext>
+            </a:extLst>
+          </p:cNvPr>
+          <p:cNvSpPr>
+            <a:spLocks noGrp="1"/>
+          </p:cNvSpPr>
+          <p:nvPr>
+            <p:ph type="title"/>
+          </p:nvPr>
+        </p:nvSpPr>
+        <p:spPr/>
+        <p:txBody>
+          <a:bodyPr/>
+          <a:lstStyle/>
+          <a:p>
+            <a:r>
+              <a:rPr lang="fr-FR" dirty="0" err="1">
+                <a:latin typeface="Gill Sans MT"/>
+              </a:rPr>
+              <a:t>Repartition</a:t>
+            </a:r>
+            <a:r>
+              <a:rPr lang="fr-FR" dirty="0">
+                <a:latin typeface="Gill Sans MT"/>
+              </a:rPr>
+              <a:t> (7 à 10min)</a:t>
+            </a:r>
+          </a:p>
+        </p:txBody>
+      </p:sp>
+      <p:sp>
+        <p:nvSpPr>
+          <p:cNvPr id="3" name="Espace réservé du contenu 2">
+            <a:extLst>
+              <a:ext uri="{FF2B5EF4-FFF2-40B4-BE49-F238E27FC236}">
+                <a16:creationId xmlns:a16="http://schemas.microsoft.com/office/drawing/2014/main" id="{16093933-0F01-D004-A89A-26658F1909A2}"/>
+              </a:ext>
+            </a:extLst>
+          </p:cNvPr>
+          <p:cNvSpPr>
+            <a:spLocks noGrp="1"/>
+          </p:cNvSpPr>
+          <p:nvPr>
+            <p:ph idx="1"/>
+          </p:nvPr>
+        </p:nvSpPr>
+        <p:spPr/>
+        <p:txBody>
+          <a:bodyPr vert="horz" lIns="91440" tIns="45720" rIns="91440" bIns="45720" rtlCol="0" anchor="t">
+            <a:normAutofit/>
+          </a:bodyPr>
+          <a:lstStyle/>
+          <a:p>
+            <a:r>
+              <a:rPr lang="fr-FR" dirty="0"/>
+              <a:t>Mehdi : Projet présentation (c'est bullshit je prends), agenda, </a:t>
+            </a:r>
+            <a:r>
+              <a:rPr lang="fr-FR" dirty="0" err="1"/>
+              <a:t>testing</a:t>
+            </a:r>
+            <a:r>
+              <a:rPr lang="fr-FR" dirty="0"/>
+              <a:t>, 2-3-7 et 9 ce sera un peu nous tous</a:t>
+            </a:r>
+          </a:p>
+          <a:p>
+            <a:r>
+              <a:rPr lang="fr-FR" dirty="0"/>
+              <a:t>Aurélien : Je m'occupe de design et </a:t>
+            </a:r>
+            <a:r>
+              <a:rPr lang="fr-FR" dirty="0" err="1"/>
+              <a:t>implementation</a:t>
+            </a:r>
+            <a:r>
+              <a:rPr lang="fr-FR" dirty="0"/>
+              <a:t>, je peux expliquer la slide avec le </a:t>
+            </a:r>
+            <a:r>
+              <a:rPr lang="fr-FR" dirty="0" err="1"/>
+              <a:t>testing</a:t>
+            </a:r>
+            <a:r>
+              <a:rPr lang="fr-FR" dirty="0"/>
+              <a:t> code de disc aussi.</a:t>
+            </a:r>
+          </a:p>
+          <a:p>
+            <a:r>
+              <a:rPr lang="fr-FR" dirty="0"/>
+              <a:t>Alexandre : </a:t>
+            </a:r>
+          </a:p>
+        </p:txBody>
+      </p:sp>
+    </p:spTree>
+    <p:extLst>
+      <p:ext uri="{BB962C8B-B14F-4D97-AF65-F5344CB8AC3E}">
+        <p14:creationId xmlns:p14="http://schemas.microsoft.com/office/powerpoint/2010/main" val="203961534"/>
+      </p:ext>
+    </p:extLst>
+  </p:cSld>
+  <p:clrMapOvr>
+    <a:masterClrMapping/>
+  </p:clrMapOvr>
+</p:sld>
+</file>
+
+<file path=ppt/slides/slide2.xml><?xml version="1.0" encoding="utf-8"?>
+<p:sld xmlns:a="http://schemas.openxmlformats.org/drawingml/2006/main" xmlns:r="http://schemas.openxmlformats.org/officeDocument/2006/relationships" xmlns:p="http://schemas.openxmlformats.org/presentationml/2006/main">
+  <p:cSld>
     <p:spTree>
       <p:nvGrpSpPr>
         <p:cNvPr id="1" name=""/>
@@ -9021,7 +7892,7 @@
         </p:nvSpPr>
         <p:spPr>
           <a:xfrm>
-            <a:off x="668867" y="377031"/>
+            <a:off x="840931" y="128"/>
             <a:ext cx="6515194" cy="1336146"/>
           </a:xfrm>
         </p:spPr>
@@ -9032,16 +7903,10 @@
           <a:lstStyle/>
           <a:p>
             <a:r>
-              <a:rPr lang="fr-FR" err="1">
-                <a:latin typeface="Gill Sans MT"/>
+              <a:rPr lang="en-GB" dirty="0">
+                <a:latin typeface="Consolas"/>
               </a:rPr>
-              <a:t>Presentation</a:t>
-            </a:r>
-            <a:r>
-              <a:rPr lang="fr-FR" dirty="0">
-                <a:latin typeface="Gill Sans MT"/>
-              </a:rPr>
-              <a:t> of Project</a:t>
+              <a:t>Project presentation</a:t>
             </a:r>
           </a:p>
         </p:txBody>
@@ -9064,8 +7929,8 @@
         </p:nvSpPr>
         <p:spPr>
           <a:xfrm>
-            <a:off x="385763" y="1944687"/>
-            <a:ext cx="5988673" cy="4351338"/>
+            <a:off x="287440" y="1444880"/>
+            <a:ext cx="5988673" cy="4556176"/>
           </a:xfrm>
         </p:spPr>
         <p:txBody>
@@ -9074,57 +7939,153 @@
           </a:bodyPr>
           <a:lstStyle/>
           <a:p>
-            <a:r>
-              <a:rPr lang="en-US" sz="2400" dirty="0">
-                <a:latin typeface="Verdana"/>
-                <a:ea typeface="Verdana"/>
-              </a:rPr>
-              <a:t>Connect 4 video game coded in python with a simple interface, accompanied by instructions for using the computer program.</a:t>
-            </a:r>
-          </a:p>
-          <a:p>
-            <a:endParaRPr lang="en-US" sz="2400" dirty="0">
-              <a:latin typeface="Verdana"/>
-              <a:ea typeface="Verdana"/>
-            </a:endParaRPr>
-          </a:p>
-          <a:p>
-            <a:pPr marL="0" indent="0">
-              <a:buNone/>
+            <a:pPr>
+              <a:buFont typeface="Calibri" panose="020B0604020202020204" pitchFamily="34" charset="0"/>
+              <a:buChar char="-"/>
             </a:pPr>
             <a:r>
-              <a:rPr lang="en-US" sz="2400" dirty="0">
-                <a:latin typeface="Verdana"/>
+              <a:rPr lang="en-US" sz="2400" b="1" dirty="0">
+                <a:latin typeface="Consolas"/>
                 <a:ea typeface="+mn-lt"/>
                 <a:cs typeface="+mn-lt"/>
               </a:rPr>
-              <a:t>For simplicity purposes we chose to use a basic library (</a:t>
-            </a:r>
-            <a:r>
-              <a:rPr lang="en-US" sz="2400" err="1">
-                <a:latin typeface="Verdana"/>
+              <a:t>Goal:</a:t>
+            </a:r>
+            <a:r>
+              <a:rPr lang="en-US" sz="2400" dirty="0">
+                <a:latin typeface="Consolas"/>
                 <a:ea typeface="+mn-lt"/>
                 <a:cs typeface="+mn-lt"/>
               </a:rPr>
-              <a:t>Tkinter</a:t>
-            </a:r>
-            <a:r>
-              <a:rPr lang="en-US" sz="2400" dirty="0">
-                <a:latin typeface="Verdana"/>
-                <a:ea typeface="+mn-lt"/>
-                <a:cs typeface="+mn-lt"/>
-              </a:rPr>
-              <a:t>)</a:t>
-            </a:r>
+              <a:t> a Connect 4 video game coded in Python with a simple interface, with instructions on how to use the computer program.</a:t>
+            </a:r>
+            <a:endParaRPr lang="fr-FR" dirty="0"/>
+          </a:p>
+          <a:p>
+            <a:pPr>
+              <a:buFont typeface="Calibri" panose="020B0604020202020204" pitchFamily="34" charset="0"/>
+              <a:buChar char="-"/>
+            </a:pPr>
             <a:endParaRPr lang="en-US" sz="2400" dirty="0">
-              <a:latin typeface="Verdana"/>
+              <a:latin typeface="Consolas"/>
               <a:ea typeface="Verdana"/>
             </a:endParaRPr>
           </a:p>
           <a:p>
-            <a:endParaRPr lang="fr-FR"/>
-          </a:p>
-          <a:p>
+            <a:pPr>
+              <a:buFont typeface="Calibri" panose="020B0604020202020204" pitchFamily="34" charset="0"/>
+              <a:buChar char="-"/>
+            </a:pPr>
+            <a:r>
+              <a:rPr lang="en-US" sz="2400" b="1" dirty="0">
+                <a:latin typeface="Consolas"/>
+                <a:ea typeface="Verdana"/>
+              </a:rPr>
+              <a:t>Some Requirements:</a:t>
+            </a:r>
+          </a:p>
+          <a:p>
+            <a:pPr lvl="1">
+              <a:buFont typeface="Courier New" panose="020B0604020202020204" pitchFamily="34" charset="0"/>
+              <a:buChar char="o"/>
+            </a:pPr>
+            <a:r>
+              <a:rPr lang="en-US" sz="2000" dirty="0">
+                <a:latin typeface="Consolas"/>
+                <a:ea typeface="Verdana"/>
+              </a:rPr>
+              <a:t>Easy to use</a:t>
+            </a:r>
+          </a:p>
+          <a:p>
+            <a:pPr lvl="1">
+              <a:buFont typeface="Courier New" panose="020B0604020202020204" pitchFamily="34" charset="0"/>
+              <a:buChar char="o"/>
+            </a:pPr>
+            <a:r>
+              <a:rPr lang="en-US" sz="2000" dirty="0">
+                <a:latin typeface="Consolas"/>
+                <a:ea typeface="Verdana"/>
+              </a:rPr>
+              <a:t>2 players</a:t>
+            </a:r>
+          </a:p>
+          <a:p>
+            <a:pPr lvl="1">
+              <a:buFont typeface="Courier New" panose="020B0604020202020204" pitchFamily="34" charset="0"/>
+              <a:buChar char="o"/>
+            </a:pPr>
+            <a:r>
+              <a:rPr lang="en-US" sz="2000" dirty="0">
+                <a:latin typeface="Consolas"/>
+                <a:ea typeface="Verdana"/>
+              </a:rPr>
+              <a:t>2 discs color + blue grid</a:t>
+            </a:r>
+          </a:p>
+          <a:p>
+            <a:pPr lvl="1">
+              <a:buFont typeface="Courier New" panose="020B0604020202020204" pitchFamily="34" charset="0"/>
+              <a:buChar char="o"/>
+            </a:pPr>
+            <a:r>
+              <a:rPr lang="en-US" sz="2000" dirty="0">
+                <a:latin typeface="Consolas"/>
+                <a:ea typeface="Verdana"/>
+              </a:rPr>
+              <a:t>Fast with no bugs</a:t>
+            </a:r>
+          </a:p>
+          <a:p>
+            <a:pPr lvl="1">
+              <a:buFont typeface="Courier New" panose="020B0604020202020204" pitchFamily="34" charset="0"/>
+              <a:buChar char="o"/>
+            </a:pPr>
+            <a:r>
+              <a:rPr lang="en-US" sz="2000" dirty="0">
+                <a:latin typeface="Consolas"/>
+                <a:ea typeface="Verdana"/>
+              </a:rPr>
+              <a:t>Rules respected</a:t>
+            </a:r>
+          </a:p>
+          <a:p>
+            <a:pPr lvl="1">
+              <a:buFont typeface="Courier New" panose="020B0604020202020204" pitchFamily="34" charset="0"/>
+              <a:buChar char="o"/>
+            </a:pPr>
+            <a:r>
+              <a:rPr lang="en-US" sz="2000" dirty="0">
+                <a:latin typeface="Consolas"/>
+                <a:ea typeface="Verdana"/>
+              </a:rPr>
+              <a:t>Adaptable code</a:t>
+            </a:r>
+          </a:p>
+          <a:p>
+            <a:pPr lvl="1">
+              <a:buFont typeface="Courier New" panose="020B0604020202020204" pitchFamily="34" charset="0"/>
+              <a:buChar char="o"/>
+            </a:pPr>
+            <a:endParaRPr lang="en-US" sz="2000" dirty="0">
+              <a:latin typeface="Consolas"/>
+              <a:ea typeface="Verdana"/>
+            </a:endParaRPr>
+          </a:p>
+          <a:p>
+            <a:pPr>
+              <a:buFont typeface="Calibri" panose="020B0604020202020204" pitchFamily="34" charset="0"/>
+              <a:buChar char="-"/>
+            </a:pPr>
+            <a:endParaRPr lang="fr-FR">
+              <a:ea typeface="Verdana"/>
+            </a:endParaRPr>
+          </a:p>
+          <a:p>
+            <a:pPr>
+              <a:buFont typeface="Calibri" panose="020B0604020202020204" pitchFamily="34" charset="0"/>
+              <a:buChar char="-"/>
+            </a:pPr>
             <a:endParaRPr lang="fr-FR"/>
           </a:p>
         </p:txBody>
@@ -9212,7 +8173,7 @@
         </p:blipFill>
         <p:spPr>
           <a:xfrm>
-            <a:off x="6686589" y="1796521"/>
+            <a:off x="7186395" y="1796521"/>
             <a:ext cx="4096314" cy="4186465"/>
           </a:xfrm>
           <a:prstGeom prst="roundRect">
@@ -9260,17 +8221,6 @@
 <file path=ppt/slides/slide3.xml><?xml version="1.0" encoding="utf-8"?>
 <p:sld xmlns:a="http://schemas.openxmlformats.org/drawingml/2006/main" xmlns:r="http://schemas.openxmlformats.org/officeDocument/2006/relationships" xmlns:p="http://schemas.openxmlformats.org/presentationml/2006/main">
   <p:cSld>
-    <p:bg>
-      <p:bgPr>
-        <a:solidFill>
-          <a:schemeClr val="tx2">
-            <a:lumMod val="25000"/>
-            <a:lumOff val="75000"/>
-          </a:schemeClr>
-        </a:solidFill>
-        <a:effectLst/>
-      </p:bgPr>
-    </p:bg>
     <p:spTree>
       <p:nvGrpSpPr>
         <p:cNvPr id="1" name=""/>
@@ -9404,7 +8354,7 @@
                 <a:solidFill>
                   <a:schemeClr val="bg1"/>
                 </a:solidFill>
-                <a:latin typeface="Gill Sans MT"/>
+                <a:latin typeface="Consolas"/>
               </a:rPr>
               <a:t>Agenda</a:t>
             </a:r>
@@ -9424,7 +8374,7 @@
           <p:nvPr>
             <p:extLst>
               <p:ext uri="{D42A27DB-BD31-4B8C-83A1-F6EECF244321}">
-                <p14:modId xmlns:p14="http://schemas.microsoft.com/office/powerpoint/2010/main" val="2643171411"/>
+                <p14:modId xmlns:p14="http://schemas.microsoft.com/office/powerpoint/2010/main" val="3738131373"/>
               </p:ext>
             </p:extLst>
           </p:nvPr>
@@ -9455,14 +8405,6 @@
 <file path=ppt/slides/slide4.xml><?xml version="1.0" encoding="utf-8"?>
 <p:sld xmlns:a="http://schemas.openxmlformats.org/drawingml/2006/main" xmlns:r="http://schemas.openxmlformats.org/officeDocument/2006/relationships" xmlns:p="http://schemas.openxmlformats.org/presentationml/2006/main">
   <p:cSld>
-    <p:bg>
-      <p:bgPr>
-        <a:solidFill>
-          <a:schemeClr val="bg1"/>
-        </a:solidFill>
-        <a:effectLst/>
-      </p:bgPr>
-    </p:bg>
     <p:spTree>
       <p:nvGrpSpPr>
         <p:cNvPr id="1" name=""/>
@@ -9692,9 +8634,7 @@
                 <a:solidFill>
                   <a:srgbClr val="FFFFFF"/>
                 </a:solidFill>
-                <a:latin typeface="+mj-lt"/>
-                <a:ea typeface="+mj-ea"/>
-                <a:cs typeface="+mj-cs"/>
+                <a:latin typeface="Consolas"/>
               </a:rPr>
               <a:t>Software Design</a:t>
             </a:r>
@@ -9748,7 +8688,7 @@
         <p:spPr>
           <a:xfrm>
             <a:off x="2673753" y="271128"/>
-            <a:ext cx="3683792" cy="480131"/>
+            <a:ext cx="3990708" cy="867930"/>
           </a:xfrm>
           <a:prstGeom prst="rect">
             <a:avLst/>
@@ -9774,9 +8714,6 @@
             </a:pPr>
             <a:r>
               <a:rPr lang="fr-FR" sz="2800" dirty="0">
-                <a:highlight>
-                  <a:srgbClr val="FFFF00"/>
-                </a:highlight>
                 <a:latin typeface="Gill Sans MT"/>
                 <a:cs typeface="Arial"/>
               </a:rPr>
@@ -9784,39 +8721,27 @@
             </a:r>
             <a:r>
               <a:rPr lang="fr-FR" sz="2800" i="1" dirty="0">
-                <a:highlight>
-                  <a:srgbClr val="FFFF00"/>
-                </a:highlight>
-                <a:latin typeface="Gill Sans MT"/>
+                <a:latin typeface="Consolas"/>
                 <a:cs typeface="Arial"/>
               </a:rPr>
               <a:t>UML class </a:t>
             </a:r>
             <a:r>
               <a:rPr lang="fr-FR" sz="2800" i="1" err="1">
-                <a:highlight>
-                  <a:srgbClr val="FFFF00"/>
-                </a:highlight>
-                <a:latin typeface="Gill Sans MT"/>
+                <a:latin typeface="Consolas"/>
                 <a:cs typeface="Arial"/>
               </a:rPr>
               <a:t>diagram</a:t>
             </a:r>
             <a:r>
               <a:rPr lang="fr-FR" sz="2800" i="1" dirty="0">
-                <a:highlight>
-                  <a:srgbClr val="FFFF00"/>
-                </a:highlight>
-                <a:latin typeface="Gill Sans MT"/>
+                <a:latin typeface="Consolas"/>
                 <a:cs typeface="Arial"/>
               </a:rPr>
-              <a:t> </a:t>
+              <a:t> :</a:t>
             </a:r>
             <a:endParaRPr lang="en-US" sz="2800" i="1" dirty="0" err="1">
-              <a:highlight>
-                <a:srgbClr val="FFFF00"/>
-              </a:highlight>
-              <a:latin typeface="Gill Sans MT"/>
+              <a:latin typeface="Consolas"/>
               <a:cs typeface="Arial"/>
             </a:endParaRPr>
           </a:p>
@@ -9858,15 +8783,16 @@
                 <a:solidFill>
                   <a:schemeClr val="bg1"/>
                 </a:solidFill>
-                <a:latin typeface="Verdana"/>
+                <a:latin typeface="Consolas"/>
                 <a:ea typeface="Verdana"/>
               </a:rPr>
-              <a:t>Class </a:t>
+              <a:t>Class :  </a:t>
             </a:r>
             <a:endParaRPr lang="fr-FR" dirty="0">
               <a:solidFill>
                 <a:schemeClr val="bg1"/>
               </a:solidFill>
+              <a:latin typeface="Consolas"/>
             </a:endParaRPr>
           </a:p>
           <a:p>
@@ -9876,15 +8802,16 @@
                 <a:solidFill>
                   <a:schemeClr val="bg1"/>
                 </a:solidFill>
-                <a:latin typeface="Verdana"/>
+                <a:latin typeface="Consolas"/>
                 <a:ea typeface="Verdana"/>
               </a:rPr>
               <a:t>Connect4</a:t>
             </a:r>
-            <a:endParaRPr lang="fr-FR" dirty="0">
+            <a:endParaRPr lang="fr-FR">
               <a:solidFill>
                 <a:schemeClr val="bg1"/>
               </a:solidFill>
+              <a:latin typeface="Consolas"/>
             </a:endParaRPr>
           </a:p>
           <a:p>
@@ -9894,7 +8821,7 @@
                 <a:solidFill>
                   <a:schemeClr val="bg1"/>
                 </a:solidFill>
-                <a:latin typeface="Verdana"/>
+                <a:latin typeface="Consolas"/>
                 <a:ea typeface="Verdana"/>
               </a:rPr>
               <a:t>Player</a:t>
@@ -9907,7 +8834,7 @@
                 <a:solidFill>
                   <a:schemeClr val="bg1"/>
                 </a:solidFill>
-                <a:latin typeface="Verdana"/>
+                <a:latin typeface="Consolas"/>
                 <a:ea typeface="Verdana"/>
               </a:rPr>
               <a:t>Grid</a:t>
@@ -9916,7 +8843,7 @@
               <a:solidFill>
                 <a:schemeClr val="bg1"/>
               </a:solidFill>
-              <a:latin typeface="Verdana"/>
+              <a:latin typeface="Consolas"/>
               <a:ea typeface="Verdana"/>
             </a:endParaRPr>
           </a:p>
@@ -9927,7 +8854,7 @@
                 <a:solidFill>
                   <a:schemeClr val="bg1"/>
                 </a:solidFill>
-                <a:latin typeface="Verdana"/>
+                <a:latin typeface="Consolas"/>
                 <a:ea typeface="Verdana"/>
               </a:rPr>
               <a:t>Disc</a:t>
@@ -9940,7 +8867,7 @@
                 <a:solidFill>
                   <a:schemeClr val="bg1"/>
                 </a:solidFill>
-                <a:latin typeface="Verdana"/>
+                <a:latin typeface="Consolas"/>
                 <a:ea typeface="Verdana"/>
               </a:rPr>
               <a:t>Position</a:t>
@@ -9953,7 +8880,7 @@
                 <a:solidFill>
                   <a:schemeClr val="bg1"/>
                 </a:solidFill>
-                <a:latin typeface="Verdana"/>
+                <a:latin typeface="Consolas"/>
                 <a:ea typeface="Verdana"/>
               </a:rPr>
               <a:t>Color</a:t>
@@ -9962,7 +8889,7 @@
               <a:solidFill>
                 <a:schemeClr val="bg1"/>
               </a:solidFill>
-              <a:latin typeface="Verdana"/>
+              <a:latin typeface="Consolas"/>
               <a:ea typeface="Verdana"/>
             </a:endParaRPr>
           </a:p>
@@ -9984,17 +8911,6 @@
 <file path=ppt/slides/slide5.xml><?xml version="1.0" encoding="utf-8"?>
 <p:sld xmlns:a="http://schemas.openxmlformats.org/drawingml/2006/main" xmlns:r="http://schemas.openxmlformats.org/officeDocument/2006/relationships" xmlns:p="http://schemas.openxmlformats.org/presentationml/2006/main">
   <p:cSld>
-    <p:bg>
-      <p:bgPr>
-        <a:solidFill>
-          <a:schemeClr val="tx2">
-            <a:lumMod val="10000"/>
-            <a:lumOff val="90000"/>
-          </a:schemeClr>
-        </a:solidFill>
-        <a:effectLst/>
-      </p:bgPr>
-    </p:bg>
     <p:spTree>
       <p:nvGrpSpPr>
         <p:cNvPr id="1" name=""/>
@@ -10072,7 +8988,7 @@
         <p:spPr>
           <a:xfrm>
             <a:off x="3254782" y="377519"/>
-            <a:ext cx="4078288" cy="1337469"/>
+            <a:ext cx="4660490" cy="1337469"/>
           </a:xfrm>
         </p:spPr>
         <p:txBody>
@@ -10083,27 +8999,18 @@
           <a:p>
             <a:r>
               <a:rPr lang="fr-FR" i="1" dirty="0">
-                <a:highlight>
-                  <a:srgbClr val="FFFF00"/>
-                </a:highlight>
                 <a:latin typeface="Gill Sans MT"/>
               </a:rPr>
               <a:t> </a:t>
             </a:r>
             <a:r>
-              <a:rPr lang="fr-FR" i="1" dirty="0" err="1">
-                <a:highlight>
-                  <a:srgbClr val="FFFF00"/>
-                </a:highlight>
-                <a:latin typeface="Gill Sans MT"/>
+              <a:rPr lang="fr-FR" err="1">
+                <a:latin typeface="Consolas"/>
               </a:rPr>
               <a:t>Implementation</a:t>
             </a:r>
             <a:r>
               <a:rPr lang="fr-FR" i="1" dirty="0">
-                <a:highlight>
-                  <a:srgbClr val="FFFF00"/>
-                </a:highlight>
                 <a:latin typeface="Gill Sans MT"/>
               </a:rPr>
               <a:t> </a:t>
@@ -10144,7 +9051,7 @@
             </a:pPr>
             <a:r>
               <a:rPr lang="en-US" sz="2000" b="1" dirty="0">
-                <a:latin typeface="Verdana"/>
+                <a:latin typeface="Consolas"/>
                 <a:ea typeface="Verdana"/>
               </a:rPr>
               <a:t>Programming concepts used :</a:t>
@@ -10157,7 +9064,7 @@
             </a:pPr>
             <a:r>
               <a:rPr lang="en-US" sz="1800" dirty="0">
-                <a:latin typeface="Verdana"/>
+                <a:latin typeface="Consolas"/>
                 <a:ea typeface="Verdana"/>
               </a:rPr>
               <a:t>user input/output</a:t>
@@ -10170,7 +9077,7 @@
             </a:pPr>
             <a:r>
               <a:rPr lang="en-US" sz="1800" dirty="0">
-                <a:latin typeface="Verdana"/>
+                <a:latin typeface="Consolas"/>
                 <a:ea typeface="Verdana"/>
               </a:rPr>
               <a:t>Object Oriented Programming</a:t>
@@ -10183,7 +9090,7 @@
             </a:pPr>
             <a:r>
               <a:rPr lang="en-US" sz="1800" dirty="0">
-                <a:latin typeface="Verdana"/>
+                <a:latin typeface="Consolas"/>
                 <a:ea typeface="Verdana"/>
               </a:rPr>
               <a:t>Conditional statements</a:t>
@@ -10196,7 +9103,7 @@
             </a:pPr>
             <a:r>
               <a:rPr lang="en-US" sz="1800" dirty="0">
-                <a:latin typeface="Verdana"/>
+                <a:latin typeface="Consolas"/>
                 <a:ea typeface="Verdana"/>
               </a:rPr>
               <a:t>Composition (to represent relationship between our classes)</a:t>
@@ -10209,7 +9116,7 @@
             </a:pPr>
             <a:r>
               <a:rPr lang="en-US" sz="1800" dirty="0">
-                <a:latin typeface="Verdana"/>
+                <a:latin typeface="Consolas"/>
                 <a:ea typeface="Verdana"/>
               </a:rPr>
               <a:t>Event handling (to spawn a coin when the player clicks)</a:t>
@@ -10222,7 +9129,7 @@
             </a:pPr>
             <a:r>
               <a:rPr lang="en-US" sz="1800" dirty="0">
-                <a:latin typeface="Verdana"/>
+                <a:latin typeface="Consolas"/>
                 <a:ea typeface="Verdana"/>
               </a:rPr>
               <a:t>Encapsulation</a:t>
@@ -10234,7 +9141,7 @@
               <a:buChar char="o"/>
             </a:pPr>
             <a:endParaRPr lang="en-US" sz="1800" dirty="0">
-              <a:latin typeface="Verdana"/>
+              <a:latin typeface="Consolas"/>
               <a:ea typeface="Verdana"/>
             </a:endParaRPr>
           </a:p>
@@ -10245,7 +9152,7 @@
             </a:pPr>
             <a:r>
               <a:rPr lang="en-US" sz="1800" dirty="0">
-                <a:latin typeface="Verdana"/>
+                <a:latin typeface="Consolas"/>
                 <a:ea typeface="Verdana"/>
               </a:rPr>
               <a:t>+ Documentation (ReadMe)</a:t>
@@ -10367,7 +9274,7 @@
         </p:blipFill>
         <p:spPr>
           <a:xfrm>
-            <a:off x="7942548" y="3754152"/>
+            <a:off x="8499065" y="3737028"/>
             <a:ext cx="457201" cy="468924"/>
           </a:xfrm>
           <a:prstGeom prst="rect">
@@ -10471,17 +9378,606 @@
 <file path=ppt/slides/slide6.xml><?xml version="1.0" encoding="utf-8"?>
 <p:sld xmlns:a="http://schemas.openxmlformats.org/drawingml/2006/main" xmlns:r="http://schemas.openxmlformats.org/officeDocument/2006/relationships" xmlns:p="http://schemas.openxmlformats.org/presentationml/2006/main">
   <p:cSld>
-    <p:bg>
-      <p:bgPr>
-        <a:solidFill>
-          <a:schemeClr val="tx2">
-            <a:lumMod val="25000"/>
-            <a:lumOff val="75000"/>
-          </a:schemeClr>
-        </a:solidFill>
-        <a:effectLst/>
-      </p:bgPr>
-    </p:bg>
+    <p:spTree>
+      <p:nvGrpSpPr>
+        <p:cNvPr id="1" name=""/>
+        <p:cNvGrpSpPr/>
+        <p:nvPr/>
+      </p:nvGrpSpPr>
+      <p:grpSpPr>
+        <a:xfrm>
+          <a:off x="0" y="0"/>
+          <a:ext cx="0" cy="0"/>
+          <a:chOff x="0" y="0"/>
+          <a:chExt cx="0" cy="0"/>
+        </a:xfrm>
+      </p:grpSpPr>
+      <p:sp useBgFill="1">
+        <p:nvSpPr>
+          <p:cNvPr id="92" name="Rectangle 91">
+            <a:extLst>
+              <a:ext uri="{FF2B5EF4-FFF2-40B4-BE49-F238E27FC236}">
+                <a16:creationId xmlns:a16="http://schemas.microsoft.com/office/drawing/2014/main" id="{2151139A-886F-4B97-8815-729AD3831BBD}"/>
+              </a:ext>
+              <a:ext uri="{C183D7F6-B498-43B3-948B-1728B52AA6E4}">
+                <adec:decorative xmlns:adec="http://schemas.microsoft.com/office/drawing/2017/decorative" val="1"/>
+              </a:ext>
+            </a:extLst>
+          </p:cNvPr>
+          <p:cNvSpPr>
+            <a:spLocks noGrp="1" noRot="1" noChangeAspect="1" noMove="1" noResize="1" noEditPoints="1" noAdjustHandles="1" noChangeArrowheads="1" noChangeShapeType="1" noTextEdit="1"/>
+          </p:cNvSpPr>
+          <p:nvPr>
+            <p:extLst>
+              <p:ext uri="{386F3935-93C4-4BCD-93E2-E3B085C9AB24}">
+                <p16:designElem xmlns:p16="http://schemas.microsoft.com/office/powerpoint/2015/main" val="1"/>
+              </p:ext>
+            </p:extLst>
+          </p:nvPr>
+        </p:nvSpPr>
+        <p:spPr>
+          <a:xfrm>
+            <a:off x="0" y="0"/>
+            <a:ext cx="12192000" cy="6858000"/>
+          </a:xfrm>
+          <a:prstGeom prst="rect">
+            <a:avLst/>
+          </a:prstGeom>
+          <a:ln w="12700" cap="flat" cmpd="sng" algn="ctr">
+            <a:noFill/>
+            <a:prstDash val="solid"/>
+            <a:miter lim="800000"/>
+          </a:ln>
+          <a:effectLst/>
+          <a:extLst>
+            <a:ext uri="{91240B29-F687-4F45-9708-019B960494DF}">
+              <a14:hiddenLine xmlns:a14="http://schemas.microsoft.com/office/drawing/2010/main" w="12700" cap="flat" cmpd="sng" algn="ctr">
+                <a:solidFill>
+                  <a:schemeClr val="accent1">
+                    <a:shade val="50000"/>
+                  </a:schemeClr>
+                </a:solidFill>
+                <a:prstDash val="solid"/>
+                <a:miter lim="800000"/>
+              </a14:hiddenLine>
+            </a:ext>
+          </a:extLst>
+        </p:spPr>
+        <p:style>
+          <a:lnRef idx="2">
+            <a:schemeClr val="accent1">
+              <a:shade val="50000"/>
+            </a:schemeClr>
+          </a:lnRef>
+          <a:fillRef idx="1">
+            <a:schemeClr val="accent1"/>
+          </a:fillRef>
+          <a:effectRef idx="0">
+            <a:schemeClr val="accent1"/>
+          </a:effectRef>
+          <a:fontRef idx="minor">
+            <a:schemeClr val="lt1"/>
+          </a:fontRef>
+        </p:style>
+        <p:txBody>
+          <a:bodyPr rtlCol="0" anchor="ctr"/>
+          <a:lstStyle/>
+          <a:p>
+            <a:pPr algn="ctr"/>
+            <a:endParaRPr lang="en-US" sz="2000"/>
+          </a:p>
+        </p:txBody>
+      </p:sp>
+      <p:sp>
+        <p:nvSpPr>
+          <p:cNvPr id="94" name="Rectangle 93">
+            <a:extLst>
+              <a:ext uri="{FF2B5EF4-FFF2-40B4-BE49-F238E27FC236}">
+                <a16:creationId xmlns:a16="http://schemas.microsoft.com/office/drawing/2014/main" id="{AB5E08C4-8CDD-4623-A5B8-E998C6DEE3B7}"/>
+              </a:ext>
+              <a:ext uri="{C183D7F6-B498-43B3-948B-1728B52AA6E4}">
+                <adec:decorative xmlns:adec="http://schemas.microsoft.com/office/drawing/2017/decorative" val="1"/>
+              </a:ext>
+            </a:extLst>
+          </p:cNvPr>
+          <p:cNvSpPr>
+            <a:spLocks noGrp="1" noRot="1" noChangeAspect="1" noMove="1" noResize="1" noEditPoints="1" noAdjustHandles="1" noChangeArrowheads="1" noChangeShapeType="1" noTextEdit="1"/>
+          </p:cNvSpPr>
+          <p:nvPr>
+            <p:extLst>
+              <p:ext uri="{386F3935-93C4-4BCD-93E2-E3B085C9AB24}">
+                <p16:designElem xmlns:p16="http://schemas.microsoft.com/office/powerpoint/2015/main" val="1"/>
+              </p:ext>
+            </p:extLst>
+          </p:nvPr>
+        </p:nvSpPr>
+        <p:spPr>
+          <a:xfrm flipH="1">
+            <a:off x="2" y="492"/>
+            <a:ext cx="12191998" cy="1575955"/>
+          </a:xfrm>
+          <a:prstGeom prst="rect">
+            <a:avLst/>
+          </a:prstGeom>
+          <a:gradFill>
+            <a:gsLst>
+              <a:gs pos="0">
+                <a:schemeClr val="accent1">
+                  <a:lumMod val="50000"/>
+                </a:schemeClr>
+              </a:gs>
+              <a:gs pos="100000">
+                <a:schemeClr val="accent1">
+                  <a:lumMod val="75000"/>
+                </a:schemeClr>
+              </a:gs>
+            </a:gsLst>
+            <a:lin ang="8400000" scaled="0"/>
+          </a:gradFill>
+          <a:ln>
+            <a:noFill/>
+          </a:ln>
+        </p:spPr>
+        <p:style>
+          <a:lnRef idx="2">
+            <a:schemeClr val="accent1">
+              <a:shade val="50000"/>
+            </a:schemeClr>
+          </a:lnRef>
+          <a:fillRef idx="1">
+            <a:schemeClr val="accent1"/>
+          </a:fillRef>
+          <a:effectRef idx="0">
+            <a:schemeClr val="accent1"/>
+          </a:effectRef>
+          <a:fontRef idx="minor">
+            <a:schemeClr val="lt1"/>
+          </a:fontRef>
+        </p:style>
+        <p:txBody>
+          <a:bodyPr rtlCol="0" anchor="ctr"/>
+          <a:lstStyle/>
+          <a:p>
+            <a:pPr algn="ctr"/>
+            <a:endParaRPr lang="en-US"/>
+          </a:p>
+        </p:txBody>
+      </p:sp>
+      <p:sp>
+        <p:nvSpPr>
+          <p:cNvPr id="96" name="Rectangle 95">
+            <a:extLst>
+              <a:ext uri="{FF2B5EF4-FFF2-40B4-BE49-F238E27FC236}">
+                <a16:creationId xmlns:a16="http://schemas.microsoft.com/office/drawing/2014/main" id="{15F33878-D502-4FFA-8ACE-F2AECDB2A23F}"/>
+              </a:ext>
+              <a:ext uri="{C183D7F6-B498-43B3-948B-1728B52AA6E4}">
+                <adec:decorative xmlns:adec="http://schemas.microsoft.com/office/drawing/2017/decorative" val="1"/>
+              </a:ext>
+            </a:extLst>
+          </p:cNvPr>
+          <p:cNvSpPr>
+            <a:spLocks noGrp="1" noRot="1" noChangeAspect="1" noMove="1" noResize="1" noEditPoints="1" noAdjustHandles="1" noChangeArrowheads="1" noChangeShapeType="1" noTextEdit="1"/>
+          </p:cNvSpPr>
+          <p:nvPr>
+            <p:extLst>
+              <p:ext uri="{386F3935-93C4-4BCD-93E2-E3B085C9AB24}">
+                <p16:designElem xmlns:p16="http://schemas.microsoft.com/office/powerpoint/2015/main" val="1"/>
+              </p:ext>
+            </p:extLst>
+          </p:nvPr>
+        </p:nvSpPr>
+        <p:spPr>
+          <a:xfrm rot="10800000" flipH="1">
+            <a:off x="8128857" y="35"/>
+            <a:ext cx="4063143" cy="1576412"/>
+          </a:xfrm>
+          <a:prstGeom prst="rect">
+            <a:avLst/>
+          </a:prstGeom>
+          <a:gradFill>
+            <a:gsLst>
+              <a:gs pos="19000">
+                <a:schemeClr val="accent1">
+                  <a:lumMod val="50000"/>
+                  <a:alpha val="68000"/>
+                </a:schemeClr>
+              </a:gs>
+              <a:gs pos="100000">
+                <a:schemeClr val="accent1">
+                  <a:alpha val="79000"/>
+                </a:schemeClr>
+              </a:gs>
+            </a:gsLst>
+            <a:lin ang="19200000" scaled="0"/>
+          </a:gradFill>
+          <a:ln>
+            <a:noFill/>
+          </a:ln>
+        </p:spPr>
+        <p:style>
+          <a:lnRef idx="2">
+            <a:schemeClr val="accent1">
+              <a:shade val="50000"/>
+            </a:schemeClr>
+          </a:lnRef>
+          <a:fillRef idx="1">
+            <a:schemeClr val="accent1"/>
+          </a:fillRef>
+          <a:effectRef idx="0">
+            <a:schemeClr val="accent1"/>
+          </a:effectRef>
+          <a:fontRef idx="minor">
+            <a:schemeClr val="lt1"/>
+          </a:fontRef>
+        </p:style>
+        <p:txBody>
+          <a:bodyPr rtlCol="0" anchor="ctr"/>
+          <a:lstStyle/>
+          <a:p>
+            <a:pPr algn="ctr"/>
+            <a:endParaRPr lang="en-US"/>
+          </a:p>
+        </p:txBody>
+      </p:sp>
+      <p:sp>
+        <p:nvSpPr>
+          <p:cNvPr id="98" name="Rectangle 97">
+            <a:extLst>
+              <a:ext uri="{FF2B5EF4-FFF2-40B4-BE49-F238E27FC236}">
+                <a16:creationId xmlns:a16="http://schemas.microsoft.com/office/drawing/2014/main" id="{D3539FEE-81D3-4406-802E-60B20B16F4F6}"/>
+              </a:ext>
+              <a:ext uri="{C183D7F6-B498-43B3-948B-1728B52AA6E4}">
+                <adec:decorative xmlns:adec="http://schemas.microsoft.com/office/drawing/2017/decorative" val="1"/>
+              </a:ext>
+            </a:extLst>
+          </p:cNvPr>
+          <p:cNvSpPr>
+            <a:spLocks noGrp="1" noRot="1" noChangeAspect="1" noMove="1" noResize="1" noEditPoints="1" noAdjustHandles="1" noChangeArrowheads="1" noChangeShapeType="1" noTextEdit="1"/>
+          </p:cNvSpPr>
+          <p:nvPr>
+            <p:extLst>
+              <p:ext uri="{386F3935-93C4-4BCD-93E2-E3B085C9AB24}">
+                <p16:designElem xmlns:p16="http://schemas.microsoft.com/office/powerpoint/2015/main" val="1"/>
+              </p:ext>
+            </p:extLst>
+          </p:nvPr>
+        </p:nvSpPr>
+        <p:spPr>
+          <a:xfrm rot="5400000">
+            <a:off x="5307778" y="-5307777"/>
+            <a:ext cx="1576446" cy="12192001"/>
+          </a:xfrm>
+          <a:prstGeom prst="rect">
+            <a:avLst/>
+          </a:prstGeom>
+          <a:gradFill>
+            <a:gsLst>
+              <a:gs pos="16000">
+                <a:srgbClr val="000000">
+                  <a:alpha val="0"/>
+                </a:srgbClr>
+              </a:gs>
+              <a:gs pos="99000">
+                <a:srgbClr val="000000">
+                  <a:alpha val="87000"/>
+                </a:srgbClr>
+              </a:gs>
+            </a:gsLst>
+            <a:lin ang="11400000" scaled="0"/>
+          </a:gradFill>
+          <a:ln>
+            <a:noFill/>
+          </a:ln>
+        </p:spPr>
+        <p:style>
+          <a:lnRef idx="2">
+            <a:schemeClr val="accent1">
+              <a:shade val="50000"/>
+            </a:schemeClr>
+          </a:lnRef>
+          <a:fillRef idx="1">
+            <a:schemeClr val="accent1"/>
+          </a:fillRef>
+          <a:effectRef idx="0">
+            <a:schemeClr val="accent1"/>
+          </a:effectRef>
+          <a:fontRef idx="minor">
+            <a:schemeClr val="lt1"/>
+          </a:fontRef>
+        </p:style>
+        <p:txBody>
+          <a:bodyPr rtlCol="0" anchor="ctr"/>
+          <a:lstStyle/>
+          <a:p>
+            <a:pPr algn="ctr"/>
+            <a:endParaRPr lang="en-US"/>
+          </a:p>
+        </p:txBody>
+      </p:sp>
+      <p:sp>
+        <p:nvSpPr>
+          <p:cNvPr id="100" name="Rectangle 99">
+            <a:extLst>
+              <a:ext uri="{FF2B5EF4-FFF2-40B4-BE49-F238E27FC236}">
+                <a16:creationId xmlns:a16="http://schemas.microsoft.com/office/drawing/2014/main" id="{DC701763-729E-462F-A5A8-E0DEFEB1E2E4}"/>
+              </a:ext>
+              <a:ext uri="{C183D7F6-B498-43B3-948B-1728B52AA6E4}">
+                <adec:decorative xmlns:adec="http://schemas.microsoft.com/office/drawing/2017/decorative" val="1"/>
+              </a:ext>
+            </a:extLst>
+          </p:cNvPr>
+          <p:cNvSpPr>
+            <a:spLocks noGrp="1" noRot="1" noChangeAspect="1" noMove="1" noResize="1" noEditPoints="1" noAdjustHandles="1" noChangeArrowheads="1" noChangeShapeType="1" noTextEdit="1"/>
+          </p:cNvSpPr>
+          <p:nvPr>
+            <p:extLst>
+              <p:ext uri="{386F3935-93C4-4BCD-93E2-E3B085C9AB24}">
+                <p16:designElem xmlns:p16="http://schemas.microsoft.com/office/powerpoint/2015/main" val="1"/>
+              </p:ext>
+            </p:extLst>
+          </p:nvPr>
+        </p:nvSpPr>
+        <p:spPr>
+          <a:xfrm>
+            <a:off x="3825434" y="986"/>
+            <a:ext cx="4303422" cy="1575461"/>
+          </a:xfrm>
+          <a:prstGeom prst="rect">
+            <a:avLst/>
+          </a:prstGeom>
+          <a:gradFill>
+            <a:gsLst>
+              <a:gs pos="0">
+                <a:schemeClr val="accent1">
+                  <a:alpha val="17000"/>
+                </a:schemeClr>
+              </a:gs>
+              <a:gs pos="74000">
+                <a:schemeClr val="accent1">
+                  <a:lumMod val="50000"/>
+                  <a:alpha val="0"/>
+                </a:schemeClr>
+              </a:gs>
+            </a:gsLst>
+            <a:lin ang="14400000" scaled="0"/>
+          </a:gradFill>
+          <a:ln>
+            <a:noFill/>
+          </a:ln>
+        </p:spPr>
+        <p:style>
+          <a:lnRef idx="2">
+            <a:schemeClr val="accent1">
+              <a:shade val="50000"/>
+            </a:schemeClr>
+          </a:lnRef>
+          <a:fillRef idx="1">
+            <a:schemeClr val="accent1"/>
+          </a:fillRef>
+          <a:effectRef idx="0">
+            <a:schemeClr val="accent1"/>
+          </a:effectRef>
+          <a:fontRef idx="minor">
+            <a:schemeClr val="lt1"/>
+          </a:fontRef>
+        </p:style>
+        <p:txBody>
+          <a:bodyPr rtlCol="0" anchor="ctr"/>
+          <a:lstStyle/>
+          <a:p>
+            <a:pPr algn="ctr"/>
+            <a:endParaRPr lang="en-US"/>
+          </a:p>
+        </p:txBody>
+      </p:sp>
+      <p:pic>
+        <p:nvPicPr>
+          <p:cNvPr id="9" name="Image 8" descr="Une image contenant texte, capture d’écran, Police, nombre&#10;&#10;Description générée automatiquement">
+            <a:extLst>
+              <a:ext uri="{FF2B5EF4-FFF2-40B4-BE49-F238E27FC236}">
+                <a16:creationId xmlns:a16="http://schemas.microsoft.com/office/drawing/2014/main" id="{99C5F416-1FC3-B1AA-9640-809323E49CCE}"/>
+              </a:ext>
+            </a:extLst>
+          </p:cNvPr>
+          <p:cNvPicPr>
+            <a:picLocks noChangeAspect="1"/>
+          </p:cNvPicPr>
+          <p:nvPr/>
+        </p:nvPicPr>
+        <p:blipFill>
+          <a:blip r:embed="rId2"/>
+          <a:stretch>
+            <a:fillRect/>
+          </a:stretch>
+        </p:blipFill>
+        <p:spPr>
+          <a:xfrm>
+            <a:off x="6096000" y="2251587"/>
+            <a:ext cx="5661137" cy="3778809"/>
+          </a:xfrm>
+          <a:prstGeom prst="rect">
+            <a:avLst/>
+          </a:prstGeom>
+        </p:spPr>
+      </p:pic>
+      <p:pic>
+        <p:nvPicPr>
+          <p:cNvPr id="10" name="Espace réservé du contenu 4" descr="Une image contenant texte, capture d’écran, nombre, Parallèle&#10;&#10;Description générée automatiquement">
+            <a:extLst>
+              <a:ext uri="{FF2B5EF4-FFF2-40B4-BE49-F238E27FC236}">
+                <a16:creationId xmlns:a16="http://schemas.microsoft.com/office/drawing/2014/main" id="{2D1DF8B5-FE8E-F537-C6D1-8BA6810D1EBF}"/>
+              </a:ext>
+            </a:extLst>
+          </p:cNvPr>
+          <p:cNvPicPr>
+            <a:picLocks noChangeAspect="1"/>
+          </p:cNvPicPr>
+          <p:nvPr/>
+        </p:nvPicPr>
+        <p:blipFill>
+          <a:blip r:embed="rId3"/>
+          <a:stretch>
+            <a:fillRect/>
+          </a:stretch>
+        </p:blipFill>
+        <p:spPr>
+          <a:xfrm>
+            <a:off x="628594" y="1671930"/>
+            <a:ext cx="4581146" cy="4899623"/>
+          </a:xfrm>
+          <a:prstGeom prst="rect">
+            <a:avLst/>
+          </a:prstGeom>
+        </p:spPr>
+      </p:pic>
+      <p:sp>
+        <p:nvSpPr>
+          <p:cNvPr id="23" name="Rectangle 22">
+            <a:extLst>
+              <a:ext uri="{FF2B5EF4-FFF2-40B4-BE49-F238E27FC236}">
+                <a16:creationId xmlns:a16="http://schemas.microsoft.com/office/drawing/2014/main" id="{5AE05B4E-386C-B990-CC23-E8D0E8D6EE03}"/>
+              </a:ext>
+            </a:extLst>
+          </p:cNvPr>
+          <p:cNvSpPr/>
+          <p:nvPr/>
+        </p:nvSpPr>
+        <p:spPr>
+          <a:xfrm>
+            <a:off x="0" y="0"/>
+            <a:ext cx="12192000" cy="1576447"/>
+          </a:xfrm>
+          <a:prstGeom prst="rect">
+            <a:avLst/>
+          </a:prstGeom>
+        </p:spPr>
+        <p:style>
+          <a:lnRef idx="2">
+            <a:schemeClr val="accent1">
+              <a:shade val="15000"/>
+            </a:schemeClr>
+          </a:lnRef>
+          <a:fillRef idx="1">
+            <a:schemeClr val="accent1"/>
+          </a:fillRef>
+          <a:effectRef idx="0">
+            <a:schemeClr val="accent1"/>
+          </a:effectRef>
+          <a:fontRef idx="minor">
+            <a:schemeClr val="lt1"/>
+          </a:fontRef>
+        </p:style>
+        <p:txBody>
+          <a:bodyPr rtlCol="0" anchor="ctr"/>
+          <a:lstStyle/>
+          <a:p>
+            <a:pPr algn="ctr"/>
+            <a:endParaRPr lang="fr-FR"/>
+          </a:p>
+        </p:txBody>
+      </p:sp>
+      <p:sp>
+        <p:nvSpPr>
+          <p:cNvPr id="2" name="Titre 1">
+            <a:extLst>
+              <a:ext uri="{FF2B5EF4-FFF2-40B4-BE49-F238E27FC236}">
+                <a16:creationId xmlns:a16="http://schemas.microsoft.com/office/drawing/2014/main" id="{44A1C1EA-B044-7004-C483-7E9DDCDD1909}"/>
+              </a:ext>
+            </a:extLst>
+          </p:cNvPr>
+          <p:cNvSpPr>
+            <a:spLocks noGrp="1"/>
+          </p:cNvSpPr>
+          <p:nvPr>
+            <p:ph type="title"/>
+          </p:nvPr>
+        </p:nvSpPr>
+        <p:spPr>
+          <a:xfrm>
+            <a:off x="699714" y="353160"/>
+            <a:ext cx="7091300" cy="898581"/>
+          </a:xfrm>
+        </p:spPr>
+        <p:txBody>
+          <a:bodyPr vert="horz" lIns="91440" tIns="45720" rIns="91440" bIns="45720" rtlCol="0" anchor="ctr">
+            <a:normAutofit/>
+          </a:bodyPr>
+          <a:lstStyle/>
+          <a:p>
+            <a:r>
+              <a:rPr lang="en-US" sz="4000" dirty="0">
+                <a:solidFill>
+                  <a:schemeClr val="bg1"/>
+                </a:solidFill>
+                <a:latin typeface="Consolas"/>
+              </a:rPr>
+              <a:t>Black box testing</a:t>
+            </a:r>
+          </a:p>
+        </p:txBody>
+      </p:sp>
+      <p:sp>
+        <p:nvSpPr>
+          <p:cNvPr id="24" name="Rectangle 23">
+            <a:extLst>
+              <a:ext uri="{FF2B5EF4-FFF2-40B4-BE49-F238E27FC236}">
+                <a16:creationId xmlns:a16="http://schemas.microsoft.com/office/drawing/2014/main" id="{BC9870F6-301A-04D4-F68C-9C7854471C4B}"/>
+              </a:ext>
+            </a:extLst>
+          </p:cNvPr>
+          <p:cNvSpPr/>
+          <p:nvPr/>
+        </p:nvSpPr>
+        <p:spPr>
+          <a:xfrm>
+            <a:off x="0" y="6667035"/>
+            <a:ext cx="12293599" cy="189980"/>
+          </a:xfrm>
+          <a:prstGeom prst="rect">
+            <a:avLst/>
+          </a:prstGeom>
+        </p:spPr>
+        <p:style>
+          <a:lnRef idx="2">
+            <a:schemeClr val="accent1">
+              <a:shade val="15000"/>
+            </a:schemeClr>
+          </a:lnRef>
+          <a:fillRef idx="1">
+            <a:schemeClr val="accent1"/>
+          </a:fillRef>
+          <a:effectRef idx="0">
+            <a:schemeClr val="accent1"/>
+          </a:effectRef>
+          <a:fontRef idx="minor">
+            <a:schemeClr val="lt1"/>
+          </a:fontRef>
+        </p:style>
+        <p:txBody>
+          <a:bodyPr rtlCol="0" anchor="ctr"/>
+          <a:lstStyle/>
+          <a:p>
+            <a:pPr algn="ctr"/>
+            <a:endParaRPr lang="fr-FR"/>
+          </a:p>
+        </p:txBody>
+      </p:sp>
+    </p:spTree>
+    <p:extLst>
+      <p:ext uri="{BB962C8B-B14F-4D97-AF65-F5344CB8AC3E}">
+        <p14:creationId xmlns:p14="http://schemas.microsoft.com/office/powerpoint/2010/main" val="1071038972"/>
+      </p:ext>
+    </p:extLst>
+  </p:cSld>
+  <p:clrMapOvr>
+    <a:masterClrMapping/>
+  </p:clrMapOvr>
+</p:sld>
+</file>
+
+<file path=ppt/slides/slide7.xml><?xml version="1.0" encoding="utf-8"?>
+<p:sld xmlns:a="http://schemas.openxmlformats.org/drawingml/2006/main" xmlns:r="http://schemas.openxmlformats.org/officeDocument/2006/relationships" xmlns:p="http://schemas.openxmlformats.org/presentationml/2006/main">
+  <p:cSld>
     <p:spTree>
       <p:nvGrpSpPr>
         <p:cNvPr id="1" name=""/>
@@ -10949,7 +10445,7 @@
 </p:sld>
 </file>
 
-<file path=ppt/slides/slide7.xml><?xml version="1.0" encoding="utf-8"?>
+<file path=ppt/slides/slide8.xml><?xml version="1.0" encoding="utf-8"?>
 <p:sld xmlns:a="http://schemas.openxmlformats.org/drawingml/2006/main" xmlns:r="http://schemas.openxmlformats.org/officeDocument/2006/relationships" xmlns:p="http://schemas.openxmlformats.org/presentationml/2006/main">
   <p:cSld>
     <p:bg>
@@ -10960,6 +10456,563 @@
         <a:effectLst/>
       </p:bgPr>
     </p:bg>
+    <p:spTree>
+      <p:nvGrpSpPr>
+        <p:cNvPr id="1" name=""/>
+        <p:cNvGrpSpPr/>
+        <p:nvPr/>
+      </p:nvGrpSpPr>
+      <p:grpSpPr>
+        <a:xfrm>
+          <a:off x="0" y="0"/>
+          <a:ext cx="0" cy="0"/>
+          <a:chOff x="0" y="0"/>
+          <a:chExt cx="0" cy="0"/>
+        </a:xfrm>
+      </p:grpSpPr>
+      <p:sp useBgFill="1">
+        <p:nvSpPr>
+          <p:cNvPr id="12" name="Rectangle 11">
+            <a:extLst>
+              <a:ext uri="{FF2B5EF4-FFF2-40B4-BE49-F238E27FC236}">
+                <a16:creationId xmlns:a16="http://schemas.microsoft.com/office/drawing/2014/main" id="{47942995-B07F-4636-9A06-C6A104B260A8}"/>
+              </a:ext>
+              <a:ext uri="{C183D7F6-B498-43B3-948B-1728B52AA6E4}">
+                <adec:decorative xmlns:adec="http://schemas.microsoft.com/office/drawing/2017/decorative" val="1"/>
+              </a:ext>
+            </a:extLst>
+          </p:cNvPr>
+          <p:cNvSpPr>
+            <a:spLocks noGrp="1" noRot="1" noChangeAspect="1" noMove="1" noResize="1" noEditPoints="1" noAdjustHandles="1" noChangeArrowheads="1" noChangeShapeType="1" noTextEdit="1"/>
+          </p:cNvSpPr>
+          <p:nvPr>
+            <p:extLst>
+              <p:ext uri="{386F3935-93C4-4BCD-93E2-E3B085C9AB24}">
+                <p16:designElem xmlns:p16="http://schemas.microsoft.com/office/powerpoint/2015/main" val="1"/>
+              </p:ext>
+            </p:extLst>
+          </p:nvPr>
+        </p:nvSpPr>
+        <p:spPr>
+          <a:xfrm>
+            <a:off x="0" y="0"/>
+            <a:ext cx="12191999" cy="6857365"/>
+          </a:xfrm>
+          <a:prstGeom prst="rect">
+            <a:avLst/>
+          </a:prstGeom>
+          <a:ln>
+            <a:noFill/>
+          </a:ln>
+        </p:spPr>
+        <p:style>
+          <a:lnRef idx="2">
+            <a:schemeClr val="accent1">
+              <a:shade val="50000"/>
+            </a:schemeClr>
+          </a:lnRef>
+          <a:fillRef idx="1">
+            <a:schemeClr val="accent1"/>
+          </a:fillRef>
+          <a:effectRef idx="0">
+            <a:schemeClr val="accent1"/>
+          </a:effectRef>
+          <a:fontRef idx="minor">
+            <a:schemeClr val="lt1"/>
+          </a:fontRef>
+        </p:style>
+        <p:txBody>
+          <a:bodyPr rtlCol="0" anchor="ctr"/>
+          <a:lstStyle/>
+          <a:p>
+            <a:pPr algn="ctr"/>
+            <a:endParaRPr lang="en-US"/>
+          </a:p>
+        </p:txBody>
+      </p:sp>
+      <p:sp>
+        <p:nvSpPr>
+          <p:cNvPr id="2" name="Titre 1">
+            <a:extLst>
+              <a:ext uri="{FF2B5EF4-FFF2-40B4-BE49-F238E27FC236}">
+                <a16:creationId xmlns:a16="http://schemas.microsoft.com/office/drawing/2014/main" id="{A0DEC11B-7D48-BBDE-A9A7-948D578435B0}"/>
+              </a:ext>
+            </a:extLst>
+          </p:cNvPr>
+          <p:cNvSpPr>
+            <a:spLocks noGrp="1"/>
+          </p:cNvSpPr>
+          <p:nvPr>
+            <p:ph type="title"/>
+          </p:nvPr>
+        </p:nvSpPr>
+        <p:spPr>
+          <a:xfrm>
+            <a:off x="1113810" y="2977839"/>
+            <a:ext cx="4318873" cy="2370477"/>
+          </a:xfrm>
+        </p:spPr>
+        <p:txBody>
+          <a:bodyPr vert="horz" lIns="91440" tIns="45720" rIns="91440" bIns="45720" rtlCol="0" anchor="t">
+            <a:normAutofit/>
+          </a:bodyPr>
+          <a:lstStyle/>
+          <a:p>
+            <a:r>
+              <a:rPr lang="en-US" kern="1200" dirty="0">
+                <a:latin typeface="Consolas"/>
+              </a:rPr>
+              <a:t>Screenshots :</a:t>
+            </a:r>
+            <a:r>
+              <a:rPr lang="en-US" sz="5400" kern="1200" dirty="0">
+                <a:latin typeface="+mj-lt"/>
+                <a:ea typeface="+mj-ea"/>
+                <a:cs typeface="+mj-cs"/>
+              </a:rPr>
+              <a:t> </a:t>
+            </a:r>
+          </a:p>
+        </p:txBody>
+      </p:sp>
+      <p:grpSp>
+        <p:nvGrpSpPr>
+          <p:cNvPr id="14" name="Group 13">
+            <a:extLst>
+              <a:ext uri="{FF2B5EF4-FFF2-40B4-BE49-F238E27FC236}">
+                <a16:creationId xmlns:a16="http://schemas.microsoft.com/office/drawing/2014/main" id="{032D8612-31EB-44CF-A1D0-14FD4C705424}"/>
+              </a:ext>
+              <a:ext uri="{C183D7F6-B498-43B3-948B-1728B52AA6E4}">
+                <adec:decorative xmlns:adec="http://schemas.microsoft.com/office/drawing/2017/decorative" val="1"/>
+              </a:ext>
+            </a:extLst>
+          </p:cNvPr>
+          <p:cNvGrpSpPr>
+            <a:grpSpLocks noGrp="1" noUngrp="1" noRot="1" noChangeAspect="1" noMove="1" noResize="1"/>
+          </p:cNvGrpSpPr>
+          <p:nvPr>
+            <p:extLst>
+              <p:ext uri="{386F3935-93C4-4BCD-93E2-E3B085C9AB24}">
+                <p16:designElem xmlns:p16="http://schemas.microsoft.com/office/powerpoint/2015/main" val="1"/>
+              </p:ext>
+            </p:extLst>
+          </p:nvPr>
+        </p:nvGrpSpPr>
+        <p:grpSpPr>
+          <a:xfrm>
+            <a:off x="0" y="2984992"/>
+            <a:ext cx="731521" cy="673460"/>
+            <a:chOff x="3940602" y="308034"/>
+            <a:chExt cx="2116791" cy="3428999"/>
+          </a:xfrm>
+          <a:solidFill>
+            <a:schemeClr val="accent4"/>
+          </a:solidFill>
+        </p:grpSpPr>
+        <p:sp>
+          <p:nvSpPr>
+            <p:cNvPr id="15" name="Rectangle 14">
+              <a:extLst>
+                <a:ext uri="{FF2B5EF4-FFF2-40B4-BE49-F238E27FC236}">
+                  <a16:creationId xmlns:a16="http://schemas.microsoft.com/office/drawing/2014/main" id="{F19A4A0F-1B59-4DB0-9764-D10936E98770}"/>
+                </a:ext>
+                <a:ext uri="{C183D7F6-B498-43B3-948B-1728B52AA6E4}">
+                  <adec:decorative xmlns:adec="http://schemas.microsoft.com/office/drawing/2017/decorative" val="1"/>
+                </a:ext>
+              </a:extLst>
+            </p:cNvPr>
+            <p:cNvSpPr/>
+            <p:nvPr>
+              <p:extLst>
+                <p:ext uri="{386F3935-93C4-4BCD-93E2-E3B085C9AB24}">
+                  <p16:designElem xmlns:p16="http://schemas.microsoft.com/office/powerpoint/2015/main" val="1"/>
+                </p:ext>
+              </p:extLst>
+            </p:nvPr>
+          </p:nvSpPr>
+          <p:spPr>
+            <a:xfrm>
+              <a:off x="3940602" y="308034"/>
+              <a:ext cx="566743" cy="3428999"/>
+            </a:xfrm>
+            <a:prstGeom prst="rect">
+              <a:avLst/>
+            </a:prstGeom>
+            <a:grpFill/>
+            <a:ln>
+              <a:noFill/>
+            </a:ln>
+          </p:spPr>
+          <p:style>
+            <a:lnRef idx="2">
+              <a:schemeClr val="accent1">
+                <a:shade val="50000"/>
+              </a:schemeClr>
+            </a:lnRef>
+            <a:fillRef idx="1">
+              <a:schemeClr val="accent1"/>
+            </a:fillRef>
+            <a:effectRef idx="0">
+              <a:schemeClr val="accent1"/>
+            </a:effectRef>
+            <a:fontRef idx="minor">
+              <a:schemeClr val="lt1"/>
+            </a:fontRef>
+          </p:style>
+          <p:txBody>
+            <a:bodyPr rtlCol="0" anchor="ctr"/>
+            <a:lstStyle/>
+            <a:p>
+              <a:pPr algn="ctr"/>
+              <a:endParaRPr lang="en-US"/>
+            </a:p>
+          </p:txBody>
+        </p:sp>
+        <p:sp>
+          <p:nvSpPr>
+            <p:cNvPr id="16" name="Rectangle 15">
+              <a:extLst>
+                <a:ext uri="{FF2B5EF4-FFF2-40B4-BE49-F238E27FC236}">
+                  <a16:creationId xmlns:a16="http://schemas.microsoft.com/office/drawing/2014/main" id="{F399A70F-F8CD-4992-9EF5-6CF15472E73F}"/>
+                </a:ext>
+                <a:ext uri="{C183D7F6-B498-43B3-948B-1728B52AA6E4}">
+                  <adec:decorative xmlns:adec="http://schemas.microsoft.com/office/drawing/2017/decorative" val="1"/>
+                </a:ext>
+              </a:extLst>
+            </p:cNvPr>
+            <p:cNvSpPr/>
+            <p:nvPr>
+              <p:extLst>
+                <p:ext uri="{386F3935-93C4-4BCD-93E2-E3B085C9AB24}">
+                  <p16:designElem xmlns:p16="http://schemas.microsoft.com/office/powerpoint/2015/main" val="1"/>
+                </p:ext>
+              </p:extLst>
+            </p:nvPr>
+          </p:nvSpPr>
+          <p:spPr>
+            <a:xfrm>
+              <a:off x="4715626" y="308034"/>
+              <a:ext cx="566743" cy="3428999"/>
+            </a:xfrm>
+            <a:prstGeom prst="rect">
+              <a:avLst/>
+            </a:prstGeom>
+            <a:grpFill/>
+            <a:ln>
+              <a:noFill/>
+            </a:ln>
+          </p:spPr>
+          <p:style>
+            <a:lnRef idx="2">
+              <a:schemeClr val="accent1">
+                <a:shade val="50000"/>
+              </a:schemeClr>
+            </a:lnRef>
+            <a:fillRef idx="1">
+              <a:schemeClr val="accent1"/>
+            </a:fillRef>
+            <a:effectRef idx="0">
+              <a:schemeClr val="accent1"/>
+            </a:effectRef>
+            <a:fontRef idx="minor">
+              <a:schemeClr val="lt1"/>
+            </a:fontRef>
+          </p:style>
+          <p:txBody>
+            <a:bodyPr rtlCol="0" anchor="ctr"/>
+            <a:lstStyle/>
+            <a:p>
+              <a:pPr algn="ctr"/>
+              <a:endParaRPr lang="en-US"/>
+            </a:p>
+          </p:txBody>
+        </p:sp>
+        <p:sp>
+          <p:nvSpPr>
+            <p:cNvPr id="17" name="Rectangle 16">
+              <a:extLst>
+                <a:ext uri="{FF2B5EF4-FFF2-40B4-BE49-F238E27FC236}">
+                  <a16:creationId xmlns:a16="http://schemas.microsoft.com/office/drawing/2014/main" id="{48F4FEDC-6D80-458C-A665-075D9B9500FD}"/>
+                </a:ext>
+                <a:ext uri="{C183D7F6-B498-43B3-948B-1728B52AA6E4}">
+                  <adec:decorative xmlns:adec="http://schemas.microsoft.com/office/drawing/2017/decorative" val="1"/>
+                </a:ext>
+              </a:extLst>
+            </p:cNvPr>
+            <p:cNvSpPr/>
+            <p:nvPr>
+              <p:extLst>
+                <p:ext uri="{386F3935-93C4-4BCD-93E2-E3B085C9AB24}">
+                  <p16:designElem xmlns:p16="http://schemas.microsoft.com/office/powerpoint/2015/main" val="1"/>
+                </p:ext>
+              </p:extLst>
+            </p:nvPr>
+          </p:nvSpPr>
+          <p:spPr>
+            <a:xfrm>
+              <a:off x="5490650" y="308034"/>
+              <a:ext cx="566743" cy="3428999"/>
+            </a:xfrm>
+            <a:prstGeom prst="rect">
+              <a:avLst/>
+            </a:prstGeom>
+            <a:grpFill/>
+            <a:ln>
+              <a:noFill/>
+            </a:ln>
+          </p:spPr>
+          <p:style>
+            <a:lnRef idx="2">
+              <a:schemeClr val="accent1">
+                <a:shade val="50000"/>
+              </a:schemeClr>
+            </a:lnRef>
+            <a:fillRef idx="1">
+              <a:schemeClr val="accent1"/>
+            </a:fillRef>
+            <a:effectRef idx="0">
+              <a:schemeClr val="accent1"/>
+            </a:effectRef>
+            <a:fontRef idx="minor">
+              <a:schemeClr val="lt1"/>
+            </a:fontRef>
+          </p:style>
+          <p:txBody>
+            <a:bodyPr rtlCol="0" anchor="ctr"/>
+            <a:lstStyle/>
+            <a:p>
+              <a:pPr algn="ctr"/>
+              <a:endParaRPr lang="en-US"/>
+            </a:p>
+          </p:txBody>
+        </p:sp>
+      </p:grpSp>
+      <p:sp>
+        <p:nvSpPr>
+          <p:cNvPr id="19" name="Rectangle 18">
+            <a:extLst>
+              <a:ext uri="{FF2B5EF4-FFF2-40B4-BE49-F238E27FC236}">
+                <a16:creationId xmlns:a16="http://schemas.microsoft.com/office/drawing/2014/main" id="{B81933D1-5615-42C7-9C0B-4EB7105CCE2D}"/>
+              </a:ext>
+              <a:ext uri="{C183D7F6-B498-43B3-948B-1728B52AA6E4}">
+                <adec:decorative xmlns:adec="http://schemas.microsoft.com/office/drawing/2017/decorative" val="1"/>
+              </a:ext>
+            </a:extLst>
+          </p:cNvPr>
+          <p:cNvSpPr>
+            <a:spLocks noGrp="1" noRot="1" noChangeAspect="1" noMove="1" noResize="1" noEditPoints="1" noAdjustHandles="1" noChangeArrowheads="1" noChangeShapeType="1" noTextEdit="1"/>
+          </p:cNvSpPr>
+          <p:nvPr>
+            <p:extLst>
+              <p:ext uri="{386F3935-93C4-4BCD-93E2-E3B085C9AB24}">
+                <p16:designElem xmlns:p16="http://schemas.microsoft.com/office/powerpoint/2015/main" val="1"/>
+              </p:ext>
+            </p:extLst>
+          </p:nvPr>
+        </p:nvSpPr>
+        <p:spPr>
+          <a:xfrm flipH="1">
+            <a:off x="10697670" y="0"/>
+            <a:ext cx="1494330" cy="6858000"/>
+          </a:xfrm>
+          <a:prstGeom prst="rect">
+            <a:avLst/>
+          </a:prstGeom>
+          <a:solidFill>
+            <a:schemeClr val="accent4"/>
+          </a:solidFill>
+          <a:ln>
+            <a:noFill/>
+          </a:ln>
+        </p:spPr>
+        <p:style>
+          <a:lnRef idx="2">
+            <a:schemeClr val="accent1">
+              <a:shade val="50000"/>
+            </a:schemeClr>
+          </a:lnRef>
+          <a:fillRef idx="1">
+            <a:schemeClr val="accent1"/>
+          </a:fillRef>
+          <a:effectRef idx="0">
+            <a:schemeClr val="accent1"/>
+          </a:effectRef>
+          <a:fontRef idx="minor">
+            <a:schemeClr val="lt1"/>
+          </a:fontRef>
+        </p:style>
+        <p:txBody>
+          <a:bodyPr rtlCol="0" anchor="ctr"/>
+          <a:lstStyle/>
+          <a:p>
+            <a:pPr algn="ctr"/>
+            <a:endParaRPr lang="en-US"/>
+          </a:p>
+        </p:txBody>
+      </p:sp>
+      <p:sp>
+        <p:nvSpPr>
+          <p:cNvPr id="21" name="Rectangle 20">
+            <a:extLst>
+              <a:ext uri="{FF2B5EF4-FFF2-40B4-BE49-F238E27FC236}">
+                <a16:creationId xmlns:a16="http://schemas.microsoft.com/office/drawing/2014/main" id="{19C9EAEA-39D0-4B0E-A0EB-51E7B26740B1}"/>
+              </a:ext>
+              <a:ext uri="{C183D7F6-B498-43B3-948B-1728B52AA6E4}">
+                <adec:decorative xmlns:adec="http://schemas.microsoft.com/office/drawing/2017/decorative" val="1"/>
+              </a:ext>
+            </a:extLst>
+          </p:cNvPr>
+          <p:cNvSpPr>
+            <a:spLocks noGrp="1" noRot="1" noChangeAspect="1" noMove="1" noResize="1" noEditPoints="1" noAdjustHandles="1" noChangeArrowheads="1" noChangeShapeType="1" noTextEdit="1"/>
+          </p:cNvSpPr>
+          <p:nvPr>
+            <p:extLst>
+              <p:ext uri="{386F3935-93C4-4BCD-93E2-E3B085C9AB24}">
+                <p16:designElem xmlns:p16="http://schemas.microsoft.com/office/powerpoint/2015/main" val="1"/>
+              </p:ext>
+            </p:extLst>
+          </p:nvPr>
+        </p:nvSpPr>
+        <p:spPr>
+          <a:xfrm>
+            <a:off x="5685810" y="391886"/>
+            <a:ext cx="6009366" cy="6017078"/>
+          </a:xfrm>
+          <a:prstGeom prst="rect">
+            <a:avLst/>
+          </a:prstGeom>
+          <a:solidFill>
+            <a:schemeClr val="bg1"/>
+          </a:solidFill>
+          <a:ln>
+            <a:noFill/>
+          </a:ln>
+          <a:effectLst>
+            <a:outerShdw blurRad="139700" dist="127000" dir="5400000" algn="t" rotWithShape="0">
+              <a:prstClr val="black">
+                <a:alpha val="15000"/>
+              </a:prstClr>
+            </a:outerShdw>
+          </a:effectLst>
+        </p:spPr>
+        <p:style>
+          <a:lnRef idx="2">
+            <a:schemeClr val="accent1">
+              <a:shade val="50000"/>
+            </a:schemeClr>
+          </a:lnRef>
+          <a:fillRef idx="1">
+            <a:schemeClr val="accent1"/>
+          </a:fillRef>
+          <a:effectRef idx="0">
+            <a:schemeClr val="accent1"/>
+          </a:effectRef>
+          <a:fontRef idx="minor">
+            <a:schemeClr val="lt1"/>
+          </a:fontRef>
+        </p:style>
+        <p:txBody>
+          <a:bodyPr rtlCol="0" anchor="ctr"/>
+          <a:lstStyle/>
+          <a:p>
+            <a:pPr algn="ctr"/>
+            <a:endParaRPr lang="en-US"/>
+          </a:p>
+        </p:txBody>
+      </p:sp>
+      <p:pic>
+        <p:nvPicPr>
+          <p:cNvPr id="4" name="Image 3" descr="Une image contenant texte, capture d’écran, Police&#10;&#10;Description générée automatiquement">
+            <a:extLst>
+              <a:ext uri="{FF2B5EF4-FFF2-40B4-BE49-F238E27FC236}">
+                <a16:creationId xmlns:a16="http://schemas.microsoft.com/office/drawing/2014/main" id="{27FB3AA2-31C8-DED4-4991-74F0306BAC80}"/>
+              </a:ext>
+            </a:extLst>
+          </p:cNvPr>
+          <p:cNvPicPr>
+            <a:picLocks noChangeAspect="1"/>
+          </p:cNvPicPr>
+          <p:nvPr/>
+        </p:nvPicPr>
+        <p:blipFill>
+          <a:blip r:embed="rId2"/>
+          <a:stretch>
+            <a:fillRect/>
+          </a:stretch>
+        </p:blipFill>
+        <p:spPr>
+          <a:xfrm>
+            <a:off x="5922492" y="1136783"/>
+            <a:ext cx="5536001" cy="4525680"/>
+          </a:xfrm>
+          <a:prstGeom prst="rect">
+            <a:avLst/>
+          </a:prstGeom>
+        </p:spPr>
+      </p:pic>
+      <p:sp>
+        <p:nvSpPr>
+          <p:cNvPr id="7" name="ZoneTexte 6">
+            <a:extLst>
+              <a:ext uri="{FF2B5EF4-FFF2-40B4-BE49-F238E27FC236}">
+                <a16:creationId xmlns:a16="http://schemas.microsoft.com/office/drawing/2014/main" id="{CA24747C-ED25-6B69-EC30-887D670F1F2E}"/>
+              </a:ext>
+            </a:extLst>
+          </p:cNvPr>
+          <p:cNvSpPr txBox="1"/>
+          <p:nvPr/>
+        </p:nvSpPr>
+        <p:spPr>
+          <a:xfrm>
+            <a:off x="5925539" y="567755"/>
+            <a:ext cx="2383906" cy="459826"/>
+          </a:xfrm>
+          <a:prstGeom prst="rect">
+            <a:avLst/>
+          </a:prstGeom>
+        </p:spPr>
+        <p:txBody>
+          <a:bodyPr rot="0" spcFirstLastPara="0" vertOverflow="overflow" horzOverflow="overflow" vert="horz" lIns="91440" tIns="45720" rIns="91440" bIns="45720" numCol="1" spcCol="0" rtlCol="0" fromWordArt="0" anchor="b" anchorCtr="0" forceAA="0" compatLnSpc="1">
+            <a:prstTxWarp prst="textNoShape">
+              <a:avLst/>
+            </a:prstTxWarp>
+            <a:noAutofit/>
+          </a:bodyPr>
+          <a:lstStyle/>
+          <a:p>
+            <a:pPr>
+              <a:lnSpc>
+                <a:spcPct val="90000"/>
+              </a:lnSpc>
+              <a:spcBef>
+                <a:spcPts val="1000"/>
+              </a:spcBef>
+            </a:pPr>
+            <a:r>
+              <a:rPr lang="en-US" kern="1200" dirty="0">
+                <a:latin typeface="Consolas"/>
+              </a:rPr>
+              <a:t>Disc class test :</a:t>
+            </a:r>
+          </a:p>
+        </p:txBody>
+      </p:sp>
+    </p:spTree>
+    <p:extLst>
+      <p:ext uri="{BB962C8B-B14F-4D97-AF65-F5344CB8AC3E}">
+        <p14:creationId xmlns:p14="http://schemas.microsoft.com/office/powerpoint/2010/main" val="2020642865"/>
+      </p:ext>
+    </p:extLst>
+  </p:cSld>
+  <p:clrMapOvr>
+    <a:masterClrMapping/>
+  </p:clrMapOvr>
+</p:sld>
+</file>
+
+<file path=ppt/slides/slide9.xml><?xml version="1.0" encoding="utf-8"?>
+<p:sld xmlns:a="http://schemas.openxmlformats.org/drawingml/2006/main" xmlns:r="http://schemas.openxmlformats.org/officeDocument/2006/relationships" xmlns:p="http://schemas.openxmlformats.org/presentationml/2006/main">
+  <p:cSld>
     <p:spTree>
       <p:nvGrpSpPr>
         <p:cNvPr id="1" name=""/>
@@ -11052,41 +11105,41 @@
         </p:nvSpPr>
         <p:spPr>
           <a:xfrm>
-            <a:off x="959029" y="2282060"/>
-            <a:ext cx="4179209" cy="2304256"/>
+            <a:off x="856287" y="2273498"/>
+            <a:ext cx="4829905" cy="2304256"/>
           </a:xfrm>
         </p:spPr>
         <p:txBody>
           <a:bodyPr vert="horz" lIns="91440" tIns="45720" rIns="91440" bIns="45720" rtlCol="0" anchor="t">
-            <a:normAutofit fontScale="90000"/>
+            <a:noAutofit/>
           </a:bodyPr>
           <a:lstStyle/>
           <a:p>
             <a:r>
-              <a:rPr lang="en-US" sz="5400" kern="1200" dirty="0">
-                <a:latin typeface="Gill Sans MT"/>
+              <a:rPr lang="en-US" kern="1200" dirty="0">
+                <a:latin typeface="Consolas"/>
               </a:rPr>
               <a:t>Demo of </a:t>
             </a:r>
             <a:br>
-              <a:rPr lang="en-US" sz="5400" dirty="0">
-                <a:latin typeface="Gill Sans MT"/>
+              <a:rPr lang="en-US" dirty="0">
+                <a:latin typeface="Consolas"/>
               </a:rPr>
             </a:br>
             <a:r>
-              <a:rPr lang="en-US" sz="5400" kern="1200" dirty="0">
-                <a:latin typeface="Gill Sans MT"/>
+              <a:rPr lang="en-US" kern="1200" dirty="0">
+                <a:latin typeface="Consolas"/>
               </a:rPr>
               <a:t>Alpha and Release</a:t>
             </a:r>
             <a:r>
-              <a:rPr lang="en-US" sz="5400" dirty="0">
-                <a:latin typeface="Gill Sans MT"/>
+              <a:rPr lang="en-US" dirty="0">
+                <a:latin typeface="Consolas"/>
               </a:rPr>
               <a:t> version</a:t>
             </a:r>
-            <a:endParaRPr lang="en-US" sz="5400" kern="1200" dirty="0">
-              <a:latin typeface="Gill Sans MT"/>
+            <a:endParaRPr lang="en-US" kern="1200" dirty="0">
+              <a:latin typeface="Consolas"/>
             </a:endParaRPr>
           </a:p>
         </p:txBody>
@@ -11523,7 +11576,7 @@
               <a:rPr lang="en-US" sz="2000" dirty="0"/>
               <a:t>Tree</a:t>
             </a:r>
-            <a:endParaRPr lang="en-US" sz="2000" kern="1200" dirty="0">
+            <a:endParaRPr lang="en-US" sz="2000" kern="1200">
               <a:solidFill>
                 <a:schemeClr val="tx1"/>
               </a:solidFill>
@@ -11538,114 +11591,6 @@
     <p:extLst>
       <p:ext uri="{BB962C8B-B14F-4D97-AF65-F5344CB8AC3E}">
         <p14:creationId xmlns:p14="http://schemas.microsoft.com/office/powerpoint/2010/main" val="2610056257"/>
-      </p:ext>
-    </p:extLst>
-  </p:cSld>
-  <p:clrMapOvr>
-    <a:masterClrMapping/>
-  </p:clrMapOvr>
-</p:sld>
-</file>
-
-<file path=ppt/slides/slide8.xml><?xml version="1.0" encoding="utf-8"?>
-<p:sld xmlns:a="http://schemas.openxmlformats.org/drawingml/2006/main" xmlns:r="http://schemas.openxmlformats.org/officeDocument/2006/relationships" xmlns:p="http://schemas.openxmlformats.org/presentationml/2006/main" show="0">
-  <p:cSld>
-    <p:spTree>
-      <p:nvGrpSpPr>
-        <p:cNvPr id="1" name=""/>
-        <p:cNvGrpSpPr/>
-        <p:nvPr/>
-      </p:nvGrpSpPr>
-      <p:grpSpPr>
-        <a:xfrm>
-          <a:off x="0" y="0"/>
-          <a:ext cx="0" cy="0"/>
-          <a:chOff x="0" y="0"/>
-          <a:chExt cx="0" cy="0"/>
-        </a:xfrm>
-      </p:grpSpPr>
-      <p:sp>
-        <p:nvSpPr>
-          <p:cNvPr id="2" name="Titre 1">
-            <a:extLst>
-              <a:ext uri="{FF2B5EF4-FFF2-40B4-BE49-F238E27FC236}">
-                <a16:creationId xmlns:a16="http://schemas.microsoft.com/office/drawing/2014/main" id="{111E395F-F23E-905B-D1BE-83716F275D76}"/>
-              </a:ext>
-            </a:extLst>
-          </p:cNvPr>
-          <p:cNvSpPr>
-            <a:spLocks noGrp="1"/>
-          </p:cNvSpPr>
-          <p:nvPr>
-            <p:ph type="title"/>
-          </p:nvPr>
-        </p:nvSpPr>
-        <p:spPr/>
-        <p:txBody>
-          <a:bodyPr/>
-          <a:lstStyle/>
-          <a:p>
-            <a:r>
-              <a:rPr lang="fr-FR" dirty="0" err="1">
-                <a:latin typeface="Gill Sans MT"/>
-              </a:rPr>
-              <a:t>Repartition</a:t>
-            </a:r>
-            <a:r>
-              <a:rPr lang="fr-FR" dirty="0">
-                <a:latin typeface="Gill Sans MT"/>
-              </a:rPr>
-              <a:t> (7 à 10min)</a:t>
-            </a:r>
-          </a:p>
-        </p:txBody>
-      </p:sp>
-      <p:sp>
-        <p:nvSpPr>
-          <p:cNvPr id="3" name="Espace réservé du contenu 2">
-            <a:extLst>
-              <a:ext uri="{FF2B5EF4-FFF2-40B4-BE49-F238E27FC236}">
-                <a16:creationId xmlns:a16="http://schemas.microsoft.com/office/drawing/2014/main" id="{16093933-0F01-D004-A89A-26658F1909A2}"/>
-              </a:ext>
-            </a:extLst>
-          </p:cNvPr>
-          <p:cNvSpPr>
-            <a:spLocks noGrp="1"/>
-          </p:cNvSpPr>
-          <p:nvPr>
-            <p:ph idx="1"/>
-          </p:nvPr>
-        </p:nvSpPr>
-        <p:spPr/>
-        <p:txBody>
-          <a:bodyPr vert="horz" lIns="91440" tIns="45720" rIns="91440" bIns="45720" rtlCol="0" anchor="t">
-            <a:normAutofit/>
-          </a:bodyPr>
-          <a:lstStyle/>
-          <a:p>
-            <a:r>
-              <a:rPr lang="fr-FR"/>
-              <a:t>Mehdi : </a:t>
-            </a:r>
-          </a:p>
-          <a:p>
-            <a:r>
-              <a:rPr lang="fr-FR"/>
-              <a:t>Aurélien :</a:t>
-            </a:r>
-          </a:p>
-          <a:p>
-            <a:r>
-              <a:rPr lang="fr-FR"/>
-              <a:t>Alexandre : </a:t>
-            </a:r>
-          </a:p>
-        </p:txBody>
-      </p:sp>
-    </p:spTree>
-    <p:extLst>
-      <p:ext uri="{BB962C8B-B14F-4D97-AF65-F5344CB8AC3E}">
-        <p14:creationId xmlns:p14="http://schemas.microsoft.com/office/powerpoint/2010/main" val="203961534"/>
       </p:ext>
     </p:extLst>
   </p:cSld>
@@ -11937,6 +11882,15 @@
 </file>
 
 <file path=customXml/item1.xml><?xml version="1.0" encoding="utf-8"?>
+<?mso-contentType ?>
+<FormTemplates xmlns="http://schemas.microsoft.com/sharepoint/v3/contenttype/forms">
+  <Display>DocumentLibraryForm</Display>
+  <Edit>DocumentLibraryForm</Edit>
+  <New>DocumentLibraryForm</New>
+</FormTemplates>
+</file>
+
+<file path=customXml/item2.xml><?xml version="1.0" encoding="utf-8"?>
 <ct:contentTypeSchema xmlns:ct="http://schemas.microsoft.com/office/2006/metadata/contentType" xmlns:ma="http://schemas.microsoft.com/office/2006/metadata/properties/metaAttributes" ct:_="" ma:_="" ma:contentTypeName="Document" ma:contentTypeID="0x01010083C20C409BC9BC4BB7B33703BAF36520" ma:contentTypeVersion="4" ma:contentTypeDescription="Crée un document." ma:contentTypeScope="" ma:versionID="b431d6733ea3adbc2d086f766c34413f">
   <xsd:schema xmlns:xsd="http://www.w3.org/2001/XMLSchema" xmlns:xs="http://www.w3.org/2001/XMLSchema" xmlns:p="http://schemas.microsoft.com/office/2006/metadata/properties" xmlns:ns2="092991c2-7ece-4f2b-9fb7-54dab1196f43" targetNamespace="http://schemas.microsoft.com/office/2006/metadata/properties" ma:root="true" ma:fieldsID="553fa6e33af9c43a7ec25962f313077f" ns2:_="">
     <xsd:import namespace="092991c2-7ece-4f2b-9fb7-54dab1196f43"/>
@@ -12080,25 +12034,7 @@
 </ct:contentTypeSchema>
 </file>
 
-<file path=customXml/item2.xml><?xml version="1.0" encoding="utf-8"?>
-<?mso-contentType ?>
-<FormTemplates xmlns="http://schemas.microsoft.com/sharepoint/v3/contenttype/forms">
-  <Display>DocumentLibraryForm</Display>
-  <Edit>DocumentLibraryForm</Edit>
-  <New>DocumentLibraryForm</New>
-</FormTemplates>
-</file>
-
 <file path=customXml/item3.xml><?xml version="1.0" encoding="utf-8"?>
-<?mso-contentType ?>
-<FormTemplates xmlns="http://schemas.microsoft.com/sharepoint/v3/contenttype/forms">
-  <Display>DocumentLibraryForm</Display>
-  <Edit>DocumentLibraryForm</Edit>
-  <New>DocumentLibraryForm</New>
-</FormTemplates>
-</file>
-
-<file path=customXml/item4.xml><?xml version="1.0" encoding="utf-8"?>
 <ct:contentTypeSchema xmlns:ct="http://schemas.microsoft.com/office/2006/metadata/contentType" xmlns:ma="http://schemas.microsoft.com/office/2006/metadata/properties/metaAttributes" ct:_="" ma:_="" ma:contentTypeName="Document" ma:contentTypeID="0x01010083C20C409BC9BC4BB7B33703BAF36520" ma:contentTypeVersion="4" ma:contentTypeDescription="Crée un document." ma:contentTypeScope="" ma:versionID="b431d6733ea3adbc2d086f766c34413f">
   <xsd:schema xmlns:xsd="http://www.w3.org/2001/XMLSchema" xmlns:xs="http://www.w3.org/2001/XMLSchema" xmlns:p="http://schemas.microsoft.com/office/2006/metadata/properties" xmlns:ns2="092991c2-7ece-4f2b-9fb7-54dab1196f43" targetNamespace="http://schemas.microsoft.com/office/2006/metadata/properties" ma:root="true" ma:fieldsID="553fa6e33af9c43a7ec25962f313077f" ns2:_="">
     <xsd:import namespace="092991c2-7ece-4f2b-9fb7-54dab1196f43"/>
@@ -12242,7 +12178,42 @@
 </ct:contentTypeSchema>
 </file>
 
+<file path=customXml/item4.xml><?xml version="1.0" encoding="utf-8"?>
+<?mso-contentType ?>
+<FormTemplates xmlns="http://schemas.microsoft.com/sharepoint/v3/contenttype/forms">
+  <Display>DocumentLibraryForm</Display>
+  <Edit>DocumentLibraryForm</Edit>
+  <New>DocumentLibraryForm</New>
+</FormTemplates>
+</file>
+
 <file path=customXml/itemProps1.xml><?xml version="1.0" encoding="utf-8"?>
+<ds:datastoreItem xmlns:ds="http://schemas.openxmlformats.org/officeDocument/2006/customXml" ds:itemID="{BB4ABF6E-0CFB-4099-B03C-266DA35ED917}">
+  <ds:schemaRefs>
+    <ds:schemaRef ds:uri="http://schemas.microsoft.com/sharepoint/v3/contenttype/forms"/>
+  </ds:schemaRefs>
+</ds:datastoreItem>
+</file>
+
+<file path=customXml/itemProps2.xml><?xml version="1.0" encoding="utf-8"?>
+<ds:datastoreItem xmlns:ds="http://schemas.openxmlformats.org/officeDocument/2006/customXml" ds:itemID="{52EAD65E-6857-4DC6-92C6-0C4518BA2719}">
+  <ds:schemaRefs>
+    <ds:schemaRef ds:uri="092991c2-7ece-4f2b-9fb7-54dab1196f43"/>
+    <ds:schemaRef ds:uri="http://purl.org/dc/elements/1.1/"/>
+    <ds:schemaRef ds:uri="http://purl.org/dc/terms/"/>
+    <ds:schemaRef ds:uri="http://schemas.microsoft.com/internal/obd"/>
+    <ds:schemaRef ds:uri="http://schemas.microsoft.com/office/2006/documentManagement/types"/>
+    <ds:schemaRef ds:uri="http://schemas.microsoft.com/office/2006/metadata/contentType"/>
+    <ds:schemaRef ds:uri="http://schemas.microsoft.com/office/2006/metadata/properties"/>
+    <ds:schemaRef ds:uri="http://schemas.microsoft.com/office/2006/metadata/properties/metaAttributes"/>
+    <ds:schemaRef ds:uri="http://schemas.microsoft.com/office/infopath/2007/PartnerControls"/>
+    <ds:schemaRef ds:uri="http://schemas.openxmlformats.org/package/2006/metadata/core-properties"/>
+    <ds:schemaRef ds:uri="http://www.w3.org/2001/XMLSchema"/>
+  </ds:schemaRefs>
+</ds:datastoreItem>
+</file>
+
+<file path=customXml/itemProps3.xml><?xml version="1.0" encoding="utf-8"?>
 <ds:datastoreItem xmlns:ds="http://schemas.openxmlformats.org/officeDocument/2006/customXml" ds:itemID="{63DCD362-522C-457F-B1A9-DA6E9EB50B9A}">
   <ds:schemaRefs>
     <ds:schemaRef ds:uri="092991c2-7ece-4f2b-9fb7-54dab1196f43"/>
@@ -12260,36 +12231,10 @@
 </ds:datastoreItem>
 </file>
 
-<file path=customXml/itemProps2.xml><?xml version="1.0" encoding="utf-8"?>
+<file path=customXml/itemProps4.xml><?xml version="1.0" encoding="utf-8"?>
 <ds:datastoreItem xmlns:ds="http://schemas.openxmlformats.org/officeDocument/2006/customXml" ds:itemID="{B3DC5A6E-BD06-4BA5-95B9-594D63990A46}">
   <ds:schemaRefs>
     <ds:schemaRef ds:uri="http://schemas.microsoft.com/sharepoint/v3/contenttype/forms"/>
   </ds:schemaRefs>
 </ds:datastoreItem>
-</file>
-
-<file path=customXml/itemProps3.xml><?xml version="1.0" encoding="utf-8"?>
-<ds:datastoreItem xmlns:ds="http://schemas.openxmlformats.org/officeDocument/2006/customXml" ds:itemID="{BB4ABF6E-0CFB-4099-B03C-266DA35ED917}">
-  <ds:schemaRefs>
-    <ds:schemaRef ds:uri="http://schemas.microsoft.com/sharepoint/v3/contenttype/forms"/>
-  </ds:schemaRefs>
-</ds:datastoreItem>
-</file>
-
-<file path=customXml/itemProps4.xml><?xml version="1.0" encoding="utf-8"?>
-<ds:datastoreItem xmlns:ds="http://schemas.openxmlformats.org/officeDocument/2006/customXml" ds:itemID="{52EAD65E-6857-4DC6-92C6-0C4518BA2719}">
-  <ds:schemaRefs>
-    <ds:schemaRef ds:uri="092991c2-7ece-4f2b-9fb7-54dab1196f43"/>
-    <ds:schemaRef ds:uri="http://purl.org/dc/elements/1.1/"/>
-    <ds:schemaRef ds:uri="http://purl.org/dc/terms/"/>
-    <ds:schemaRef ds:uri="http://schemas.microsoft.com/internal/obd"/>
-    <ds:schemaRef ds:uri="http://schemas.microsoft.com/office/2006/documentManagement/types"/>
-    <ds:schemaRef ds:uri="http://schemas.microsoft.com/office/2006/metadata/contentType"/>
-    <ds:schemaRef ds:uri="http://schemas.microsoft.com/office/2006/metadata/properties"/>
-    <ds:schemaRef ds:uri="http://schemas.microsoft.com/office/2006/metadata/properties/metaAttributes"/>
-    <ds:schemaRef ds:uri="http://schemas.microsoft.com/office/infopath/2007/PartnerControls"/>
-    <ds:schemaRef ds:uri="http://schemas.openxmlformats.org/package/2006/metadata/core-properties"/>
-    <ds:schemaRef ds:uri="http://www.w3.org/2001/XMLSchema"/>
-  </ds:schemaRefs>
-</ds:datastoreItem>
 </file>